--- a/Research Design & Proposal Writting/Assignment 2/c15311966_second_assignment.pptx
+++ b/Research Design & Proposal Writting/Assignment 2/c15311966_second_assignment.pptx
@@ -522,7 +522,7 @@
           <a:p>
             <a:fld id="{83284890-85D2-4D7B-8EF5-15A9C1DB8F42}" type="datetimeFigureOut">
               <a:rPr lang="en-US" dirty="0"/>
-              <a:t>11/17/2021</a:t>
+              <a:t>11/20/2021</a:t>
             </a:fld>
             <a:endParaRPr lang="en-US" dirty="0"/>
           </a:p>
@@ -697,7 +697,7 @@
           <a:p>
             <a:fld id="{87157CC2-0FC8-4686-B024-99790E0F5162}" type="datetimeFigureOut">
               <a:rPr lang="en-US" dirty="0"/>
-              <a:t>11/17/2021</a:t>
+              <a:t>11/20/2021</a:t>
             </a:fld>
             <a:endParaRPr lang="en-US" dirty="0"/>
           </a:p>
@@ -872,7 +872,7 @@
           <a:p>
             <a:fld id="{F6764DA5-CD3D-4590-A511-FCD3BC7A793E}" type="datetimeFigureOut">
               <a:rPr lang="en-US" dirty="0"/>
-              <a:t>11/17/2021</a:t>
+              <a:t>11/20/2021</a:t>
             </a:fld>
             <a:endParaRPr lang="en-US" dirty="0"/>
           </a:p>
@@ -1037,7 +1037,7 @@
           <a:p>
             <a:fld id="{82F5661D-6934-4B32-B92C-470368BF1EC6}" type="datetimeFigureOut">
               <a:rPr lang="en-US" dirty="0"/>
-              <a:t>11/17/2021</a:t>
+              <a:t>11/20/2021</a:t>
             </a:fld>
             <a:endParaRPr lang="en-US" dirty="0"/>
           </a:p>
@@ -1345,7 +1345,7 @@
           <a:p>
             <a:fld id="{C6F822A4-8DA6-4447-9B1F-C5DB58435268}" type="datetimeFigureOut">
               <a:rPr lang="en-US" dirty="0"/>
-              <a:t>11/17/2021</a:t>
+              <a:t>11/20/2021</a:t>
             </a:fld>
             <a:endParaRPr lang="en-US" dirty="0"/>
           </a:p>
@@ -1727,7 +1727,7 @@
           <a:p>
             <a:fld id="{E548D31E-DCDA-41A7-9C67-C4B11B94D21D}" type="datetimeFigureOut">
               <a:rPr lang="en-US" dirty="0"/>
-              <a:t>11/17/2021</a:t>
+              <a:t>11/20/2021</a:t>
             </a:fld>
             <a:endParaRPr lang="en-US" dirty="0"/>
           </a:p>
@@ -2156,7 +2156,7 @@
           <a:p>
             <a:fld id="{9B3762C0-B258-48F1-ADE6-176B4174CCDD}" type="datetimeFigureOut">
               <a:rPr lang="en-US" dirty="0"/>
-              <a:t>11/17/2021</a:t>
+              <a:t>11/20/2021</a:t>
             </a:fld>
             <a:endParaRPr lang="en-US" dirty="0"/>
           </a:p>
@@ -2269,7 +2269,7 @@
           <a:p>
             <a:fld id="{677919A6-33EB-49BD-A62F-1FA56B9F9712}" type="datetimeFigureOut">
               <a:rPr lang="en-US" dirty="0"/>
-              <a:t>11/17/2021</a:t>
+              <a:t>11/20/2021</a:t>
             </a:fld>
             <a:endParaRPr lang="en-US" dirty="0"/>
           </a:p>
@@ -2359,7 +2359,7 @@
           <a:p>
             <a:fld id="{CA4E7D1B-D673-4CF6-8672-009D42ABD2A0}" type="datetimeFigureOut">
               <a:rPr lang="en-US" dirty="0"/>
-              <a:t>11/17/2021</a:t>
+              <a:t>11/20/2021</a:t>
             </a:fld>
             <a:endParaRPr lang="en-US" dirty="0"/>
           </a:p>
@@ -2704,7 +2704,7 @@
           <a:p>
             <a:fld id="{DA16AA21-1863-4931-97CB-99D0A168701B}" type="datetimeFigureOut">
               <a:rPr lang="en-US" dirty="0"/>
-              <a:t>11/17/2021</a:t>
+              <a:t>11/20/2021</a:t>
             </a:fld>
             <a:endParaRPr lang="en-US" dirty="0"/>
           </a:p>
@@ -3124,7 +3124,7 @@
           <a:p>
             <a:fld id="{3772C379-9A7C-4C87-A116-CBE9F58B04C5}" type="datetimeFigureOut">
               <a:rPr lang="en-US" dirty="0"/>
-              <a:t>11/17/2021</a:t>
+              <a:t>11/20/2021</a:t>
             </a:fld>
             <a:endParaRPr lang="en-US" dirty="0"/>
           </a:p>
@@ -3400,7 +3400,7 @@
           <a:p>
             <a:fld id="{8664C608-40B1-4030-A28D-5B74BC98ADCE}" type="datetimeFigureOut">
               <a:rPr lang="en-US" dirty="0"/>
-              <a:t>11/17/2021</a:t>
+              <a:t>11/20/2021</a:t>
             </a:fld>
             <a:endParaRPr lang="en-US" dirty="0"/>
           </a:p>
@@ -4134,17 +4134,7 @@
                 <a:latin typeface="Times New Roman" panose="02020603050405020304" pitchFamily="18" charset="0"/>
                 <a:cs typeface="Times New Roman" panose="02020603050405020304" pitchFamily="18" charset="0"/>
               </a:rPr>
-              <a:t>Domain and scope – ACM 2012 - </a:t>
-            </a:r>
-            <a:r>
-              <a:rPr lang="en-US" b="1" dirty="0">
-                <a:solidFill>
-                  <a:srgbClr val="FF0000"/>
-                </a:solidFill>
-                <a:latin typeface="Times New Roman" panose="02020603050405020304" pitchFamily="18" charset="0"/>
-                <a:cs typeface="Times New Roman" panose="02020603050405020304" pitchFamily="18" charset="0"/>
-              </a:rPr>
-              <a:t>Update</a:t>
+              <a:t>Domain and scope – ACM 2012 </a:t>
             </a:r>
             <a:endParaRPr lang="en-GB" b="1" dirty="0">
               <a:solidFill>
@@ -4174,13 +4164,13 @@
         </p:nvSpPr>
         <p:spPr>
           <a:xfrm>
-            <a:off x="211015" y="1208598"/>
-            <a:ext cx="11711354" cy="5494352"/>
+            <a:off x="211015" y="858742"/>
+            <a:ext cx="11711354" cy="5844208"/>
           </a:xfrm>
         </p:spPr>
         <p:txBody>
           <a:bodyPr>
-            <a:normAutofit fontScale="92500" lnSpcReduction="20000"/>
+            <a:normAutofit/>
           </a:bodyPr>
           <a:lstStyle/>
           <a:p>
@@ -4189,305 +4179,177 @@
                 <a:latin typeface="Calibri" panose="020F0502020204030204" pitchFamily="34" charset="0"/>
                 <a:cs typeface="Calibri" panose="020F0502020204030204" pitchFamily="34" charset="0"/>
               </a:rPr>
-              <a:t>Computing Methodologies =&gt; Machine Leaning =&gt; Machine Learning Approaches = &gt; Learning Linear Models (</a:t>
-            </a:r>
-            <a:r>
-              <a:rPr lang="en-GB" sz="2000" dirty="0">
-                <a:effectLst/>
-                <a:latin typeface="Calibri" panose="020F0502020204030204" pitchFamily="34" charset="0"/>
-                <a:cs typeface="Calibri" panose="020F0502020204030204" pitchFamily="34" charset="0"/>
-              </a:rPr>
-              <a:t>UYSAL, L et al. 1999) (Lee, K.-Y et al. 2017) (Singh Suri et al. 2021) </a:t>
-            </a:r>
-            <a:endParaRPr lang="en-US" dirty="0">
+              <a:t>Computing Methodologies =&gt; Machine Leaning =&gt; Machine Learning Approaches = &gt; Learning Linear Models</a:t>
+            </a:r>
+          </a:p>
+          <a:p>
+            <a:r>
+              <a:rPr lang="en-US" dirty="0">
+                <a:latin typeface="Calibri" panose="020F0502020204030204" pitchFamily="34" charset="0"/>
+                <a:cs typeface="Calibri" panose="020F0502020204030204" pitchFamily="34" charset="0"/>
+              </a:rPr>
+              <a:t>Computing methodologies =&gt; Machine Leaning =&gt; Machine Learning Approaches </a:t>
+            </a:r>
+          </a:p>
+          <a:p>
+            <a:r>
+              <a:rPr lang="en-US" dirty="0">
+                <a:latin typeface="Calibri" panose="020F0502020204030204" pitchFamily="34" charset="0"/>
+                <a:cs typeface="Calibri" panose="020F0502020204030204" pitchFamily="34" charset="0"/>
+              </a:rPr>
+              <a:t>Computing Methodologies =&gt; Modeling and Simulation =&gt; Model Development and Analysis =&gt; Modeling Methodologies </a:t>
+            </a:r>
+          </a:p>
+          <a:p>
+            <a:r>
+              <a:rPr lang="en-US" dirty="0">
+                <a:latin typeface="Calibri" panose="020F0502020204030204" pitchFamily="34" charset="0"/>
+                <a:cs typeface="Calibri" panose="020F0502020204030204" pitchFamily="34" charset="0"/>
+              </a:rPr>
+              <a:t>Computing Methodologies =&gt; Modeling and Simulation =&gt; Model Development and Analysis =&gt; Modeling Verification and Validation</a:t>
+            </a:r>
+          </a:p>
+          <a:p>
+            <a:r>
+              <a:rPr lang="en-US" dirty="0">
+                <a:latin typeface="Calibri" panose="020F0502020204030204" pitchFamily="34" charset="0"/>
+                <a:cs typeface="Calibri" panose="020F0502020204030204" pitchFamily="34" charset="0"/>
+              </a:rPr>
+              <a:t>Computing Methodologies =&gt; Machine Leaning =&gt; Machine Learning Algorithms = &gt; Feature Selection</a:t>
+            </a:r>
+          </a:p>
+          <a:p>
+            <a:pPr algn="l"/>
+            <a:r>
+              <a:rPr lang="en-US" b="1" dirty="0">
+                <a:latin typeface="Calibri" panose="020F0502020204030204" pitchFamily="34" charset="0"/>
+                <a:cs typeface="Calibri" panose="020F0502020204030204" pitchFamily="34" charset="0"/>
+              </a:rPr>
+              <a:t>SCOPE </a:t>
+            </a:r>
+            <a:r>
+              <a:rPr lang="en-US" dirty="0">
+                <a:latin typeface="Calibri" panose="020F0502020204030204" pitchFamily="34" charset="0"/>
+                <a:cs typeface="Calibri" panose="020F0502020204030204" pitchFamily="34" charset="0"/>
+              </a:rPr>
+              <a:t>is limited to HDLSS data and the use of classification techniques on the </a:t>
+            </a:r>
+            <a:r>
+              <a:rPr lang="en-GB" sz="2000" b="0" i="0" u="none" strike="noStrike" baseline="0" dirty="0">
+                <a:latin typeface="Calibri" panose="020F0502020204030204" pitchFamily="34" charset="0"/>
+                <a:cs typeface="Calibri" panose="020F0502020204030204" pitchFamily="34" charset="0"/>
+              </a:rPr>
+              <a:t>Mind Research Network’s Schizophrenia Dataset (</a:t>
+            </a:r>
+            <a:r>
+              <a:rPr lang="en-GB" sz="2000" b="0" i="0" u="none" strike="noStrike" baseline="0" dirty="0">
+                <a:solidFill>
+                  <a:srgbClr val="FF0000"/>
+                </a:solidFill>
+                <a:latin typeface="Calibri" panose="020F0502020204030204" pitchFamily="34" charset="0"/>
+                <a:cs typeface="Calibri" panose="020F0502020204030204" pitchFamily="34" charset="0"/>
+              </a:rPr>
+              <a:t>could use some work</a:t>
+            </a:r>
+            <a:r>
+              <a:rPr lang="en-GB" sz="2000" b="0" i="0" u="none" strike="noStrike" baseline="0" dirty="0">
+                <a:latin typeface="Calibri" panose="020F0502020204030204" pitchFamily="34" charset="0"/>
+                <a:cs typeface="Calibri" panose="020F0502020204030204" pitchFamily="34" charset="0"/>
+              </a:rPr>
+              <a:t>) https://www.discoverphds.com/blog/scope-of-the-study</a:t>
+            </a:r>
+            <a:endParaRPr lang="en-US" b="1" dirty="0">
               <a:latin typeface="Calibri" panose="020F0502020204030204" pitchFamily="34" charset="0"/>
               <a:cs typeface="Calibri" panose="020F0502020204030204" pitchFamily="34" charset="0"/>
             </a:endParaRPr>
           </a:p>
           <a:p>
             <a:r>
+              <a:rPr lang="en-US" b="1" dirty="0">
+                <a:latin typeface="Calibri" panose="020F0502020204030204" pitchFamily="34" charset="0"/>
+                <a:cs typeface="Calibri" panose="020F0502020204030204" pitchFamily="34" charset="0"/>
+              </a:rPr>
+              <a:t>ASSUMPTION </a:t>
+            </a:r>
+            <a:r>
               <a:rPr lang="en-US" dirty="0">
                 <a:latin typeface="Calibri" panose="020F0502020204030204" pitchFamily="34" charset="0"/>
                 <a:cs typeface="Calibri" panose="020F0502020204030204" pitchFamily="34" charset="0"/>
               </a:rPr>
-              <a:t>Computing methodologies =&gt; Machine Leaning =&gt; Machine Learning Approaches (</a:t>
-            </a:r>
-            <a:r>
-              <a:rPr lang="en-GB" sz="2000" dirty="0">
-                <a:effectLst/>
-                <a:latin typeface="Calibri" panose="020F0502020204030204" pitchFamily="34" charset="0"/>
-                <a:cs typeface="Calibri" panose="020F0502020204030204" pitchFamily="34" charset="0"/>
-              </a:rPr>
-              <a:t>Sadeghi, D</a:t>
+              <a:t>is that the data from Mind Research Network as properly prepared and filtered when extracted from MRI images as it was overseen by an expert, now a distinguished professor in the discipline. </a:t>
+            </a:r>
+          </a:p>
+          <a:p>
+            <a:r>
+              <a:rPr lang="en-US" b="1" dirty="0">
+                <a:latin typeface="Calibri" panose="020F0502020204030204" pitchFamily="34" charset="0"/>
+                <a:cs typeface="Calibri" panose="020F0502020204030204" pitchFamily="34" charset="0"/>
+              </a:rPr>
+              <a:t>LIMITATIONS </a:t>
             </a:r>
             <a:r>
               <a:rPr lang="en-US" dirty="0">
                 <a:latin typeface="Calibri" panose="020F0502020204030204" pitchFamily="34" charset="0"/>
                 <a:cs typeface="Calibri" panose="020F0502020204030204" pitchFamily="34" charset="0"/>
               </a:rPr>
-              <a:t> et al. 2021)</a:t>
-            </a:r>
-          </a:p>
-          <a:p>
+              <a:t>are lack of data and getting access to existing data from </a:t>
+            </a:r>
+            <a:r>
+              <a:rPr lang="en-US" dirty="0" err="1">
+                <a:latin typeface="Calibri" panose="020F0502020204030204" pitchFamily="34" charset="0"/>
+                <a:cs typeface="Calibri" panose="020F0502020204030204" pitchFamily="34" charset="0"/>
+              </a:rPr>
+              <a:t>schizconnect</a:t>
+            </a:r>
             <a:r>
               <a:rPr lang="en-US" dirty="0">
                 <a:latin typeface="Calibri" panose="020F0502020204030204" pitchFamily="34" charset="0"/>
                 <a:cs typeface="Calibri" panose="020F0502020204030204" pitchFamily="34" charset="0"/>
               </a:rPr>
-              <a:t>Computing Methodologies =&gt; Modeling and Simulation =&gt; Model Development and Analysis =&gt; Modeling Methodologies (</a:t>
-            </a:r>
-            <a:r>
-              <a:rPr lang="en-GB" sz="2000" dirty="0" err="1">
-                <a:effectLst/>
-                <a:latin typeface="Calibri" panose="020F0502020204030204" pitchFamily="34" charset="0"/>
-                <a:cs typeface="Calibri" panose="020F0502020204030204" pitchFamily="34" charset="0"/>
-              </a:rPr>
-              <a:t>Castanon</a:t>
-            </a:r>
-            <a:r>
-              <a:rPr lang="en-GB" sz="2000" dirty="0">
-                <a:effectLst/>
-                <a:latin typeface="Calibri" panose="020F0502020204030204" pitchFamily="34" charset="0"/>
-                <a:cs typeface="Calibri" panose="020F0502020204030204" pitchFamily="34" charset="0"/>
-              </a:rPr>
-              <a:t>, J. 2019, March 19) (Lin E et al. 2021) </a:t>
+              <a:t> a collection of HDLSS schizophrenia datasets </a:t>
+            </a:r>
+            <a:r>
+              <a:rPr lang="en-GB" dirty="0">
+                <a:solidFill>
+                  <a:srgbClr val="FF0000"/>
+                </a:solidFill>
+                <a:latin typeface="Calibri" panose="020F0502020204030204" pitchFamily="34" charset="0"/>
+                <a:cs typeface="Calibri" panose="020F0502020204030204" pitchFamily="34" charset="0"/>
+              </a:rPr>
+              <a:t>technically can be done later from slide 4-5 </a:t>
             </a:r>
             <a:endParaRPr lang="en-US" dirty="0">
+              <a:solidFill>
+                <a:srgbClr val="FF0000"/>
+              </a:solidFill>
               <a:latin typeface="Calibri" panose="020F0502020204030204" pitchFamily="34" charset="0"/>
               <a:cs typeface="Calibri" panose="020F0502020204030204" pitchFamily="34" charset="0"/>
             </a:endParaRPr>
           </a:p>
           <a:p>
             <a:r>
+              <a:rPr lang="en-US" b="1" dirty="0">
+                <a:latin typeface="Calibri" panose="020F0502020204030204" pitchFamily="34" charset="0"/>
+                <a:cs typeface="Calibri" panose="020F0502020204030204" pitchFamily="34" charset="0"/>
+              </a:rPr>
+              <a:t>DELIMITATIONS: </a:t>
+            </a:r>
+            <a:r>
               <a:rPr lang="en-US" dirty="0">
                 <a:latin typeface="Calibri" panose="020F0502020204030204" pitchFamily="34" charset="0"/>
                 <a:cs typeface="Calibri" panose="020F0502020204030204" pitchFamily="34" charset="0"/>
               </a:rPr>
-              <a:t>Computing Methodologies =&gt; Modeling and Simulation =&gt; Model Development and Analysis =&gt; Modeling Verification and Validation (</a:t>
-            </a:r>
-            <a:r>
-              <a:rPr lang="en-GB" sz="2000" dirty="0">
-                <a:effectLst/>
-                <a:latin typeface="Calibri" panose="020F0502020204030204" pitchFamily="34" charset="0"/>
-                <a:cs typeface="Calibri" panose="020F0502020204030204" pitchFamily="34" charset="0"/>
-              </a:rPr>
-              <a:t>Wang, H et al. 2013) (</a:t>
-            </a:r>
-            <a:r>
-              <a:rPr lang="en-GB" sz="2000" dirty="0" err="1">
-                <a:effectLst/>
-                <a:latin typeface="Calibri" panose="020F0502020204030204" pitchFamily="34" charset="0"/>
-                <a:cs typeface="Calibri" panose="020F0502020204030204" pitchFamily="34" charset="0"/>
-              </a:rPr>
-              <a:t>Colyer</a:t>
-            </a:r>
-            <a:r>
-              <a:rPr lang="en-GB" sz="2000" dirty="0">
-                <a:effectLst/>
-                <a:latin typeface="Calibri" panose="020F0502020204030204" pitchFamily="34" charset="0"/>
-                <a:cs typeface="Calibri" panose="020F0502020204030204" pitchFamily="34" charset="0"/>
-              </a:rPr>
-              <a:t>, A. 2019, June 5) (</a:t>
-            </a:r>
-            <a:r>
-              <a:rPr lang="en-GB" sz="2000" dirty="0" err="1">
-                <a:effectLst/>
-                <a:latin typeface="Calibri" panose="020F0502020204030204" pitchFamily="34" charset="0"/>
-                <a:cs typeface="Calibri" panose="020F0502020204030204" pitchFamily="34" charset="0"/>
-              </a:rPr>
-              <a:t>Vadavalasa</a:t>
-            </a:r>
-            <a:r>
-              <a:rPr lang="en-GB" sz="2000" dirty="0">
-                <a:effectLst/>
-                <a:latin typeface="Calibri" panose="020F0502020204030204" pitchFamily="34" charset="0"/>
-                <a:cs typeface="Calibri" panose="020F0502020204030204" pitchFamily="34" charset="0"/>
-              </a:rPr>
-              <a:t>, </a:t>
-            </a:r>
-            <a:r>
-              <a:rPr lang="en-GB" sz="2000" dirty="0" err="1">
-                <a:effectLst/>
-                <a:latin typeface="Calibri" panose="020F0502020204030204" pitchFamily="34" charset="0"/>
-                <a:cs typeface="Calibri" panose="020F0502020204030204" pitchFamily="34" charset="0"/>
-              </a:rPr>
-              <a:t>Rammohan</a:t>
-            </a:r>
-            <a:r>
-              <a:rPr lang="en-GB" dirty="0">
-                <a:latin typeface="Calibri" panose="020F0502020204030204" pitchFamily="34" charset="0"/>
-                <a:cs typeface="Calibri" panose="020F0502020204030204" pitchFamily="34" charset="0"/>
-              </a:rPr>
-              <a:t> et al.</a:t>
-            </a:r>
-            <a:r>
-              <a:rPr lang="en-GB" sz="2000" dirty="0">
-                <a:effectLst/>
-                <a:latin typeface="Calibri" panose="020F0502020204030204" pitchFamily="34" charset="0"/>
-                <a:cs typeface="Calibri" panose="020F0502020204030204" pitchFamily="34" charset="0"/>
-              </a:rPr>
-              <a:t> 2021) </a:t>
-            </a:r>
-            <a:endParaRPr lang="en-US" dirty="0">
-              <a:latin typeface="Calibri" panose="020F0502020204030204" pitchFamily="34" charset="0"/>
-              <a:cs typeface="Calibri" panose="020F0502020204030204" pitchFamily="34" charset="0"/>
-            </a:endParaRPr>
-          </a:p>
-          <a:p>
+              <a:t>Classification was chosen over other techniques in order to envelope an umbrella of outcomes during evaluation such as the F1 score which manages trade offs with precision and recall assessing a models overall performance (</a:t>
+            </a:r>
             <a:r>
               <a:rPr lang="en-US" dirty="0">
-                <a:latin typeface="Calibri" panose="020F0502020204030204" pitchFamily="34" charset="0"/>
-                <a:cs typeface="Calibri" panose="020F0502020204030204" pitchFamily="34" charset="0"/>
-              </a:rPr>
-              <a:t>Computing Methodologies =&gt; Machine Leaning =&gt; Machine Learning Algorithms = &gt; Feature Selection (</a:t>
-            </a:r>
-            <a:r>
-              <a:rPr lang="en-GB" sz="2000" dirty="0">
-                <a:effectLst/>
-                <a:latin typeface="Calibri" panose="020F0502020204030204" pitchFamily="34" charset="0"/>
-                <a:cs typeface="Calibri" panose="020F0502020204030204" pitchFamily="34" charset="0"/>
-              </a:rPr>
-              <a:t>Chen, R. 2020, July 23) (Hasan, M. A et al. 2015) (Miao, J et al. 2016) </a:t>
-            </a:r>
-            <a:endParaRPr lang="en-US" dirty="0">
-              <a:latin typeface="Calibri" panose="020F0502020204030204" pitchFamily="34" charset="0"/>
-              <a:cs typeface="Calibri" panose="020F0502020204030204" pitchFamily="34" charset="0"/>
-            </a:endParaRPr>
-          </a:p>
-          <a:p>
-            <a:r>
-              <a:rPr lang="en-US" b="1" dirty="0">
-                <a:latin typeface="Calibri" panose="020F0502020204030204" pitchFamily="34" charset="0"/>
-                <a:cs typeface="Calibri" panose="020F0502020204030204" pitchFamily="34" charset="0"/>
-              </a:rPr>
-              <a:t>SCOPE:</a:t>
-            </a:r>
-            <a:r>
-              <a:rPr lang="en-US" dirty="0">
-                <a:latin typeface="Calibri" panose="020F0502020204030204" pitchFamily="34" charset="0"/>
-                <a:cs typeface="Calibri" panose="020F0502020204030204" pitchFamily="34" charset="0"/>
-              </a:rPr>
-              <a:t> Investigate the difference in performance of regression techniques on fMRI and sMRI modalities presented in a HDLSS dataset</a:t>
-            </a:r>
-          </a:p>
-          <a:p>
-            <a:r>
-              <a:rPr lang="en-US" b="1" dirty="0">
-                <a:latin typeface="Calibri" panose="020F0502020204030204" pitchFamily="34" charset="0"/>
-                <a:cs typeface="Calibri" panose="020F0502020204030204" pitchFamily="34" charset="0"/>
-              </a:rPr>
-              <a:t>ASSUMPTIONS:</a:t>
-            </a:r>
-            <a:r>
-              <a:rPr lang="en-US" dirty="0">
-                <a:latin typeface="Calibri" panose="020F0502020204030204" pitchFamily="34" charset="0"/>
-                <a:cs typeface="Calibri" panose="020F0502020204030204" pitchFamily="34" charset="0"/>
-              </a:rPr>
-              <a:t> Distance weight discrimination will outperform SVM because it doesn’t depend on feature selection (</a:t>
-            </a:r>
-            <a:r>
-              <a:rPr lang="en-GB" dirty="0">
-                <a:latin typeface="Calibri" panose="020F0502020204030204" pitchFamily="34" charset="0"/>
-                <a:cs typeface="Calibri" panose="020F0502020204030204" pitchFamily="34" charset="0"/>
-              </a:rPr>
-              <a:t>assumptions is wrong - its not a copy of hypothesis </a:t>
-            </a:r>
-            <a:r>
-              <a:rPr lang="en-US" dirty="0">
-                <a:latin typeface="Calibri" panose="020F0502020204030204" pitchFamily="34" charset="0"/>
-                <a:cs typeface="Calibri" panose="020F0502020204030204" pitchFamily="34" charset="0"/>
-              </a:rPr>
-              <a:t>)</a:t>
-            </a:r>
-          </a:p>
-          <a:p>
-            <a:r>
-              <a:rPr lang="en-US" b="1" dirty="0">
-                <a:latin typeface="Calibri" panose="020F0502020204030204" pitchFamily="34" charset="0"/>
-                <a:cs typeface="Calibri" panose="020F0502020204030204" pitchFamily="34" charset="0"/>
-              </a:rPr>
-              <a:t>LIMITATIONS:</a:t>
-            </a:r>
-            <a:r>
-              <a:rPr lang="en-US" dirty="0">
-                <a:latin typeface="Calibri" panose="020F0502020204030204" pitchFamily="34" charset="0"/>
-                <a:cs typeface="Calibri" panose="020F0502020204030204" pitchFamily="34" charset="0"/>
-              </a:rPr>
-              <a:t> The complexity of the dataset used or unknown knowledge gaps can be limiting factors (</a:t>
-            </a:r>
-            <a:r>
-              <a:rPr lang="en-GB" dirty="0">
-                <a:latin typeface="Calibri" panose="020F0502020204030204" pitchFamily="34" charset="0"/>
-                <a:cs typeface="Calibri" panose="020F0502020204030204" pitchFamily="34" charset="0"/>
-              </a:rPr>
-              <a:t>limitations is wrong - things are outside of your control (idk)</a:t>
-            </a:r>
-            <a:r>
-              <a:rPr lang="en-US" dirty="0">
-                <a:latin typeface="Calibri" panose="020F0502020204030204" pitchFamily="34" charset="0"/>
-                <a:cs typeface="Calibri" panose="020F0502020204030204" pitchFamily="34" charset="0"/>
-              </a:rPr>
-              <a:t>)</a:t>
-            </a:r>
-          </a:p>
-          <a:p>
-            <a:r>
-              <a:rPr lang="en-US" b="1" dirty="0">
-                <a:latin typeface="Calibri" panose="020F0502020204030204" pitchFamily="34" charset="0"/>
-                <a:cs typeface="Calibri" panose="020F0502020204030204" pitchFamily="34" charset="0"/>
-              </a:rPr>
-              <a:t>DELIMITATIONS: </a:t>
-            </a:r>
-            <a:r>
-              <a:rPr lang="en-US" dirty="0">
-                <a:latin typeface="Calibri" panose="020F0502020204030204" pitchFamily="34" charset="0"/>
-                <a:cs typeface="Calibri" panose="020F0502020204030204" pitchFamily="34" charset="0"/>
-              </a:rPr>
-              <a:t>There are many different approaches to schizophrenia classification that are out of scope for regression techniques that proved to be effective such as clustering, deep learning among ensemble approaches (</a:t>
-            </a:r>
-            <a:r>
-              <a:rPr lang="en-GB" dirty="0">
-                <a:latin typeface="Calibri" panose="020F0502020204030204" pitchFamily="34" charset="0"/>
-                <a:cs typeface="Calibri" panose="020F0502020204030204" pitchFamily="34" charset="0"/>
-              </a:rPr>
-              <a:t>delimitation - explain more why you picked regression and why you </a:t>
-            </a:r>
-            <a:r>
-              <a:rPr lang="en-GB" dirty="0" err="1">
-                <a:latin typeface="Calibri" panose="020F0502020204030204" pitchFamily="34" charset="0"/>
-                <a:cs typeface="Calibri" panose="020F0502020204030204" pitchFamily="34" charset="0"/>
-              </a:rPr>
-              <a:t>didnt</a:t>
-            </a:r>
-            <a:r>
-              <a:rPr lang="en-GB" dirty="0">
-                <a:latin typeface="Calibri" panose="020F0502020204030204" pitchFamily="34" charset="0"/>
-                <a:cs typeface="Calibri" panose="020F0502020204030204" pitchFamily="34" charset="0"/>
-              </a:rPr>
-              <a:t> pick others </a:t>
-            </a:r>
-          </a:p>
-          <a:p>
-            <a:r>
-              <a:rPr lang="en-GB" dirty="0">
-                <a:latin typeface="Calibri" panose="020F0502020204030204" pitchFamily="34" charset="0"/>
-                <a:cs typeface="Calibri" panose="020F0502020204030204" pitchFamily="34" charset="0"/>
-              </a:rPr>
-              <a:t>	     - </a:t>
-            </a:r>
-            <a:r>
-              <a:rPr lang="en-GB" dirty="0" err="1">
-                <a:latin typeface="Calibri" panose="020F0502020204030204" pitchFamily="34" charset="0"/>
-                <a:cs typeface="Calibri" panose="020F0502020204030204" pitchFamily="34" charset="0"/>
-              </a:rPr>
-              <a:t>im</a:t>
-            </a:r>
-            <a:r>
-              <a:rPr lang="en-GB" dirty="0">
-                <a:latin typeface="Calibri" panose="020F0502020204030204" pitchFamily="34" charset="0"/>
-                <a:cs typeface="Calibri" panose="020F0502020204030204" pitchFamily="34" charset="0"/>
-              </a:rPr>
-              <a:t> using MSE etc </a:t>
+                <a:solidFill>
+                  <a:srgbClr val="FF0000"/>
+                </a:solidFill>
+                <a:latin typeface="Calibri" panose="020F0502020204030204" pitchFamily="34" charset="0"/>
+                <a:cs typeface="Calibri" panose="020F0502020204030204" pitchFamily="34" charset="0"/>
+              </a:rPr>
+              <a:t>could use some more work</a:t>
             </a:r>
             <a:r>
               <a:rPr lang="en-US" dirty="0">
@@ -4613,7 +4475,7 @@
         </p:spPr>
         <p:txBody>
           <a:bodyPr>
-            <a:normAutofit/>
+            <a:normAutofit lnSpcReduction="10000"/>
           </a:bodyPr>
           <a:lstStyle/>
           <a:p>
@@ -4622,7 +4484,16 @@
                 <a:latin typeface="Calibri" panose="020F0502020204030204" pitchFamily="34" charset="0"/>
                 <a:cs typeface="Calibri" panose="020F0502020204030204" pitchFamily="34" charset="0"/>
               </a:rPr>
-              <a:t>There is an application gap because of a limited amount of data making it even more difficult when working with an already complex and elusive condition. Deep learning models seem to attain the best performance, however its short lived as it plumets by ~0.25 on an AUC when used to classify new datasets especially from younger cohorts with less extreme or early symptoms. This routes back to the issue of overfitting due to a lack of data, deep learning is prone to overfitting when used on HDLSS data. GANs and CADs could be investigated to see the effectiveness of synthesized data. Required literature exists, most techniques used for HDLSS datasets are in microbiology where researchers work on gene arrays, I think these methodologies could be leveraged for rare mental health disorders, this sparked the investigation to use more traditional approaches such as SVM. (</a:t>
+              <a:t>There is an application gap because of a limited amount of data making it even more difficult when working with an already complex and elusive condition. Deep learning models seem to attain the best performance, however its short lived as it plumets by ~0.25 on an AUC when used to classify new datasets especially from younger cohorts with less extreme or early symptoms. This routes back to the issue of overfitting due to a lack of data, deep learning is prone to overfitting when used on HDLSS data. GANs and CADs could be investigated to see the effectiveness of synthesized data. Required literature exists, most techniques used for HDLSS datasets are in microbiology where researchers work on gene arrays, I think these methodologies could be leveraged for rare mental health disorders, this sparked the investigation to use more traditional approaches such as SVM. </a:t>
+            </a:r>
+          </a:p>
+          <a:p>
+            <a:r>
+              <a:rPr lang="en-US" dirty="0">
+                <a:latin typeface="Calibri" panose="020F0502020204030204" pitchFamily="34" charset="0"/>
+                <a:cs typeface="Calibri" panose="020F0502020204030204" pitchFamily="34" charset="0"/>
+              </a:rPr>
+              <a:t>(</a:t>
             </a:r>
             <a:r>
               <a:rPr lang="en-GB" sz="2000" dirty="0">
@@ -4630,41 +4501,116 @@
                 <a:latin typeface="Calibri" panose="020F0502020204030204" pitchFamily="34" charset="0"/>
                 <a:cs typeface="Calibri" panose="020F0502020204030204" pitchFamily="34" charset="0"/>
               </a:rPr>
-              <a:t>Sadeghi, D et al. 2021) (Cortes-Briones, J. A. et al. 2021) </a:t>
+              <a:t>Sadeghi, D et al. 2021; Cortes-Briones, J. A. et al. 2021</a:t>
+            </a:r>
+            <a:r>
+              <a:rPr lang="en-US" sz="2000" dirty="0">
+                <a:effectLst/>
+                <a:latin typeface="Calibri" panose="020F0502020204030204" pitchFamily="34" charset="0"/>
+                <a:cs typeface="Calibri" panose="020F0502020204030204" pitchFamily="34" charset="0"/>
+              </a:rPr>
+              <a:t>; </a:t>
+            </a:r>
+            <a:r>
+              <a:rPr lang="en-GB" sz="2000" dirty="0">
+                <a:effectLst/>
+                <a:latin typeface="Calibri" panose="020F0502020204030204" pitchFamily="34" charset="0"/>
+                <a:cs typeface="Calibri" panose="020F0502020204030204" pitchFamily="34" charset="0"/>
+              </a:rPr>
+              <a:t>Oh, J. et al. 2020; UYSAL, L et al. 1999; Lee, K.-Y et al. 2017; Singh Suri et al. 2021; Sadeghi, D et al. 2021; </a:t>
+            </a:r>
+            <a:r>
+              <a:rPr lang="en-GB" sz="2000" dirty="0" err="1">
+                <a:effectLst/>
+                <a:latin typeface="Calibri" panose="020F0502020204030204" pitchFamily="34" charset="0"/>
+                <a:cs typeface="Calibri" panose="020F0502020204030204" pitchFamily="34" charset="0"/>
+              </a:rPr>
+              <a:t>Castanon</a:t>
+            </a:r>
+            <a:r>
+              <a:rPr lang="en-GB" sz="2000" dirty="0">
+                <a:effectLst/>
+                <a:latin typeface="Calibri" panose="020F0502020204030204" pitchFamily="34" charset="0"/>
+                <a:cs typeface="Calibri" panose="020F0502020204030204" pitchFamily="34" charset="0"/>
+              </a:rPr>
+              <a:t>, J. 2019, March 19; Lin E et al. 2021; Wang, H et al. 2013; </a:t>
+            </a:r>
+            <a:r>
+              <a:rPr lang="en-GB" sz="2000" dirty="0" err="1">
+                <a:effectLst/>
+                <a:latin typeface="Calibri" panose="020F0502020204030204" pitchFamily="34" charset="0"/>
+                <a:cs typeface="Calibri" panose="020F0502020204030204" pitchFamily="34" charset="0"/>
+              </a:rPr>
+              <a:t>Colyer</a:t>
+            </a:r>
+            <a:r>
+              <a:rPr lang="en-GB" sz="2000" dirty="0">
+                <a:effectLst/>
+                <a:latin typeface="Calibri" panose="020F0502020204030204" pitchFamily="34" charset="0"/>
+                <a:cs typeface="Calibri" panose="020F0502020204030204" pitchFamily="34" charset="0"/>
+              </a:rPr>
+              <a:t>, A. 2019, June 5; </a:t>
+            </a:r>
+            <a:r>
+              <a:rPr lang="en-GB" sz="2000" dirty="0" err="1">
+                <a:effectLst/>
+                <a:latin typeface="Calibri" panose="020F0502020204030204" pitchFamily="34" charset="0"/>
+                <a:cs typeface="Calibri" panose="020F0502020204030204" pitchFamily="34" charset="0"/>
+              </a:rPr>
+              <a:t>Vadavalasa</a:t>
+            </a:r>
+            <a:r>
+              <a:rPr lang="en-GB" sz="2000" dirty="0">
+                <a:effectLst/>
+                <a:latin typeface="Calibri" panose="020F0502020204030204" pitchFamily="34" charset="0"/>
+                <a:cs typeface="Calibri" panose="020F0502020204030204" pitchFamily="34" charset="0"/>
+              </a:rPr>
+              <a:t>, </a:t>
+            </a:r>
+            <a:r>
+              <a:rPr lang="en-GB" sz="2000" dirty="0" err="1">
+                <a:effectLst/>
+                <a:latin typeface="Calibri" panose="020F0502020204030204" pitchFamily="34" charset="0"/>
+                <a:cs typeface="Calibri" panose="020F0502020204030204" pitchFamily="34" charset="0"/>
+              </a:rPr>
+              <a:t>Rammohan</a:t>
+            </a:r>
+            <a:r>
+              <a:rPr lang="en-GB" sz="2000" dirty="0">
+                <a:effectLst/>
+                <a:latin typeface="Calibri" panose="020F0502020204030204" pitchFamily="34" charset="0"/>
+                <a:cs typeface="Calibri" panose="020F0502020204030204" pitchFamily="34" charset="0"/>
+              </a:rPr>
+              <a:t> et al. 2021; Chen, R. 2020, July 23; Hasan, M. A et al. 2015; Miao, J et al. 2016) </a:t>
             </a:r>
             <a:r>
               <a:rPr lang="en-US" dirty="0">
                 <a:latin typeface="Calibri" panose="020F0502020204030204" pitchFamily="34" charset="0"/>
                 <a:cs typeface="Calibri" panose="020F0502020204030204" pitchFamily="34" charset="0"/>
               </a:rPr>
-              <a:t>(</a:t>
-            </a:r>
-            <a:r>
-              <a:rPr lang="en-GB" sz="2000" dirty="0">
-                <a:effectLst/>
-                <a:latin typeface="Calibri" panose="020F0502020204030204" pitchFamily="34" charset="0"/>
-                <a:cs typeface="Calibri" panose="020F0502020204030204" pitchFamily="34" charset="0"/>
-              </a:rPr>
-              <a:t>Oh, J. et al. 2020) </a:t>
-            </a:r>
+              <a:t>			</a:t>
+            </a:r>
+          </a:p>
+          <a:p>
+            <a:pPr marL="0" indent="0" algn="ctr">
+              <a:buNone/>
+            </a:pPr>
             <a:r>
               <a:rPr lang="en-US" dirty="0">
                 <a:latin typeface="Calibri" panose="020F0502020204030204" pitchFamily="34" charset="0"/>
                 <a:cs typeface="Calibri" panose="020F0502020204030204" pitchFamily="34" charset="0"/>
               </a:rPr>
-              <a:t>			</a:t>
-            </a:r>
-          </a:p>
-          <a:p>
-            <a:pPr marL="0" indent="0" algn="ctr">
-              <a:buNone/>
-            </a:pPr>
+              <a:t>Research Question - </a:t>
+            </a:r>
             <a:r>
               <a:rPr lang="en-US" dirty="0">
-                <a:latin typeface="Calibri" panose="020F0502020204030204" pitchFamily="34" charset="0"/>
-                <a:cs typeface="Calibri" panose="020F0502020204030204" pitchFamily="34" charset="0"/>
-              </a:rPr>
-              <a:t>Research Question</a:t>
+                <a:solidFill>
+                  <a:srgbClr val="FF0000"/>
+                </a:solidFill>
+                <a:latin typeface="Calibri" panose="020F0502020204030204" pitchFamily="34" charset="0"/>
+                <a:cs typeface="Calibri" panose="020F0502020204030204" pitchFamily="34" charset="0"/>
+              </a:rPr>
+              <a:t>Update</a:t>
             </a:r>
           </a:p>
           <a:p>
@@ -4742,17 +4688,7 @@
                 <a:latin typeface="Times New Roman" panose="02020603050405020304" pitchFamily="18" charset="0"/>
                 <a:cs typeface="Times New Roman" panose="02020603050405020304" pitchFamily="18" charset="0"/>
               </a:rPr>
-              <a:t>hypothesis + research methods </a:t>
-            </a:r>
-            <a:r>
-              <a:rPr lang="en-US" dirty="0">
-                <a:solidFill>
-                  <a:srgbClr val="FF0000"/>
-                </a:solidFill>
-                <a:latin typeface="Times New Roman" panose="02020603050405020304" pitchFamily="18" charset="0"/>
-                <a:cs typeface="Times New Roman" panose="02020603050405020304" pitchFamily="18" charset="0"/>
-              </a:rPr>
-              <a:t>UPDATE</a:t>
+              <a:t>hypothesis + research methods</a:t>
             </a:r>
             <a:endParaRPr lang="en-GB" dirty="0">
               <a:solidFill>
@@ -4788,7 +4724,7 @@
         </p:spPr>
         <p:txBody>
           <a:bodyPr>
-            <a:normAutofit/>
+            <a:normAutofit lnSpcReduction="10000"/>
           </a:bodyPr>
           <a:lstStyle/>
           <a:p>
@@ -4800,7 +4736,17 @@
                 <a:latin typeface="Calibri" panose="020F0502020204030204" pitchFamily="34" charset="0"/>
                 <a:cs typeface="Calibri" panose="020F0502020204030204" pitchFamily="34" charset="0"/>
               </a:rPr>
-              <a:t>Null Hypothesis</a:t>
+              <a:t>Null Hypothesis - </a:t>
+            </a:r>
+            <a:r>
+              <a:rPr lang="en-US" sz="1800" b="1" dirty="0">
+                <a:solidFill>
+                  <a:srgbClr val="FF0000"/>
+                </a:solidFill>
+                <a:latin typeface="Calibri" panose="020F0502020204030204" pitchFamily="34" charset="0"/>
+                <a:cs typeface="Calibri" panose="020F0502020204030204" pitchFamily="34" charset="0"/>
+              </a:rPr>
+              <a:t>Update</a:t>
             </a:r>
           </a:p>
           <a:p>
@@ -4809,7 +4755,25 @@
                 <a:latin typeface="Calibri" panose="020F0502020204030204" pitchFamily="34" charset="0"/>
                 <a:cs typeface="Calibri" panose="020F0502020204030204" pitchFamily="34" charset="0"/>
               </a:rPr>
-              <a:t>There is no statistically significant difference in Mean Square Error, Root Mean Squared Error and Mean Absolute Error when classifying fMRI and sMRI modalities with Support Vector Machine compared to Distance Weighted Discrimination </a:t>
+              <a:t>There is no statistically significant difference in F1 score, Log Loss, Categorical Cross entropy or AUC when classifying class/ids of schizophrenic patients vs healthy controls using fMRI/FNC features (correlation values that summarize overall connection between independent brain maps over time) and sMRI/SBM loadings (weights of brain maps obtained from the application of independent component analysis on gray matter concentration of all subjects) with Support Vector Machine compared to Distance Weighted Discrimination.</a:t>
+            </a:r>
+          </a:p>
+          <a:p>
+            <a:r>
+              <a:rPr lang="en-US" sz="1800" dirty="0">
+                <a:latin typeface="Calibri" panose="020F0502020204030204" pitchFamily="34" charset="0"/>
+                <a:cs typeface="Calibri" panose="020F0502020204030204" pitchFamily="34" charset="0"/>
+              </a:rPr>
+              <a:t>What problem are you solving? Investigating difference in performance, sounds boring AF, on more lesser known methods</a:t>
+            </a:r>
+          </a:p>
+          <a:p>
+            <a:r>
+              <a:rPr lang="en-US" sz="1800" dirty="0">
+                <a:latin typeface="Calibri" panose="020F0502020204030204" pitchFamily="34" charset="0"/>
+                <a:cs typeface="Calibri" panose="020F0502020204030204" pitchFamily="34" charset="0"/>
+              </a:rPr>
+              <a:t>Can someone preform the experiment given just this slide – idk why you’d do that but w/e </a:t>
             </a:r>
           </a:p>
           <a:p>
@@ -4821,8 +4785,22 @@
                 <a:latin typeface="Calibri" panose="020F0502020204030204" pitchFamily="34" charset="0"/>
                 <a:cs typeface="Calibri" panose="020F0502020204030204" pitchFamily="34" charset="0"/>
               </a:rPr>
-              <a:t>Alternate Hypothesis</a:t>
-            </a:r>
+              <a:t>Alternate Hypothesis - </a:t>
+            </a:r>
+            <a:r>
+              <a:rPr lang="en-US" sz="1800" b="1" dirty="0">
+                <a:solidFill>
+                  <a:srgbClr val="FF0000"/>
+                </a:solidFill>
+                <a:latin typeface="Calibri" panose="020F0502020204030204" pitchFamily="34" charset="0"/>
+                <a:cs typeface="Calibri" panose="020F0502020204030204" pitchFamily="34" charset="0"/>
+              </a:rPr>
+              <a:t>Update</a:t>
+            </a:r>
+            <a:endParaRPr lang="en-US" sz="1800" b="1" dirty="0">
+              <a:latin typeface="Calibri" panose="020F0502020204030204" pitchFamily="34" charset="0"/>
+              <a:cs typeface="Calibri" panose="020F0502020204030204" pitchFamily="34" charset="0"/>
+            </a:endParaRPr>
           </a:p>
           <a:p>
             <a:r>
@@ -4830,7 +4808,7 @@
                 <a:latin typeface="Calibri" panose="020F0502020204030204" pitchFamily="34" charset="0"/>
                 <a:cs typeface="Calibri" panose="020F0502020204030204" pitchFamily="34" charset="0"/>
               </a:rPr>
-              <a:t>If DWD is used to classify fMRI and sMRI modalities, then on average a lower statistically significant Mean Squared Error , Root Mean Squared Error and Mean Absolute Error is expected compared to Support Vector Machine</a:t>
+              <a:t>If DWD is used to classify fMRI/FNC features and sMRI/SBM loadings, then on average a lower statistically significant F1 score, Log Loss, Categorical Cross entropy or AUC is expected compared to Support Vector Machine</a:t>
             </a:r>
           </a:p>
           <a:p>
@@ -4845,14 +4823,38 @@
                 <a:latin typeface="Calibri" panose="020F0502020204030204" pitchFamily="34" charset="0"/>
                 <a:cs typeface="Calibri" panose="020F0502020204030204" pitchFamily="34" charset="0"/>
               </a:rPr>
-              <a:t>List research methods you’re going to use to test your hypothesis, by type, objective, form, reasoning and justify why</a:t>
-            </a:r>
-          </a:p>
-          <a:p>
+              <a:t>List research methods you’re going to use to test your hypothesis, by type, objective, form, reasoning and justify why </a:t>
+            </a:r>
+            <a:r>
+              <a:rPr lang="en-US" sz="1800" b="1" dirty="0">
+                <a:latin typeface="Calibri" panose="020F0502020204030204" pitchFamily="34" charset="0"/>
+                <a:cs typeface="Calibri" panose="020F0502020204030204" pitchFamily="34" charset="0"/>
+              </a:rPr>
+              <a:t>- </a:t>
+            </a:r>
+            <a:r>
+              <a:rPr lang="en-US" sz="1800" b="1" dirty="0">
+                <a:solidFill>
+                  <a:srgbClr val="FF0000"/>
+                </a:solidFill>
+                <a:latin typeface="Calibri" panose="020F0502020204030204" pitchFamily="34" charset="0"/>
+                <a:cs typeface="Calibri" panose="020F0502020204030204" pitchFamily="34" charset="0"/>
+              </a:rPr>
+              <a:t>Update</a:t>
+            </a:r>
             <a:endParaRPr lang="en-US" sz="1800" dirty="0">
               <a:latin typeface="Calibri" panose="020F0502020204030204" pitchFamily="34" charset="0"/>
               <a:cs typeface="Calibri" panose="020F0502020204030204" pitchFamily="34" charset="0"/>
             </a:endParaRPr>
+          </a:p>
+          <a:p>
+            <a:r>
+              <a:rPr lang="en-US" sz="1800" dirty="0">
+                <a:latin typeface="Calibri" panose="020F0502020204030204" pitchFamily="34" charset="0"/>
+                <a:cs typeface="Calibri" panose="020F0502020204030204" pitchFamily="34" charset="0"/>
+              </a:rPr>
+              <a:t>https://towardsdatascience.com/the-5-classification-evaluation-metrics-you-must-know-aa97784ff226</a:t>
+            </a:r>
           </a:p>
         </p:txBody>
       </p:sp>
@@ -5696,8 +5698,8 @@
         </p:nvSpPr>
         <p:spPr>
           <a:xfrm>
-            <a:off x="127221" y="685800"/>
-            <a:ext cx="11942859" cy="6172200"/>
+            <a:off x="0" y="685800"/>
+            <a:ext cx="12191999" cy="6172200"/>
           </a:xfrm>
         </p:spPr>
         <p:txBody>
@@ -6212,8 +6214,8 @@
         </p:nvSpPr>
         <p:spPr>
           <a:xfrm>
-            <a:off x="1069848" y="484632"/>
-            <a:ext cx="10058400" cy="1045230"/>
+            <a:off x="0" y="0"/>
+            <a:ext cx="12192000" cy="524786"/>
           </a:xfrm>
         </p:spPr>
         <p:txBody>
@@ -6224,7 +6226,7 @@
           <a:p>
             <a:pPr algn="ctr"/>
             <a:r>
-              <a:rPr lang="en-GB" sz="4400" dirty="0">
+              <a:rPr lang="en-GB" sz="4000" dirty="0">
                 <a:latin typeface="Times New Roman" panose="02020603050405020304" pitchFamily="18" charset="0"/>
                 <a:cs typeface="Times New Roman" panose="02020603050405020304" pitchFamily="18" charset="0"/>
               </a:rPr>
@@ -6251,51 +6253,500 @@
         </p:nvSpPr>
         <p:spPr>
           <a:xfrm>
-            <a:off x="1069848" y="1529862"/>
-            <a:ext cx="10058400" cy="4642338"/>
+            <a:off x="0" y="524786"/>
+            <a:ext cx="12192000" cy="6333214"/>
           </a:xfrm>
         </p:spPr>
         <p:txBody>
           <a:bodyPr>
-            <a:normAutofit/>
+            <a:normAutofit fontScale="62500" lnSpcReduction="20000"/>
           </a:bodyPr>
           <a:lstStyle/>
           <a:p>
+            <a:pPr marL="0" indent="0" algn="ctr">
+              <a:buNone/>
+            </a:pPr>
+            <a:r>
+              <a:rPr lang="en-GB" sz="3200" b="1" i="0" u="none" strike="noStrike" baseline="0" dirty="0">
+                <a:latin typeface="Calibri" panose="020F0502020204030204" pitchFamily="34" charset="0"/>
+                <a:cs typeface="Calibri" panose="020F0502020204030204" pitchFamily="34" charset="0"/>
+              </a:rPr>
+              <a:t>Mind Research Network’s Schizophrenia Dataset</a:t>
+            </a:r>
+          </a:p>
+          <a:p>
+            <a:r>
+              <a:rPr lang="en-US" sz="2200" u="sng" dirty="0">
+                <a:latin typeface="Calibri" panose="020F0502020204030204" pitchFamily="34" charset="0"/>
+                <a:cs typeface="Calibri" panose="020F0502020204030204" pitchFamily="34" charset="0"/>
+              </a:rPr>
+              <a:t>Total observations in dataset:</a:t>
+            </a:r>
             <a:r>
               <a:rPr lang="en-US" sz="2200" dirty="0">
                 <a:latin typeface="Calibri" panose="020F0502020204030204" pitchFamily="34" charset="0"/>
                 <a:cs typeface="Calibri" panose="020F0502020204030204" pitchFamily="34" charset="0"/>
               </a:rPr>
-              <a:t>Features – shape – cols name – their type (cate, ordinal, binary, qualitative)</a:t>
-            </a:r>
-          </a:p>
-          <a:p>
+              <a:t> 35,432</a:t>
+            </a:r>
+            <a:endParaRPr lang="en-US" sz="2200" u="sng" dirty="0">
+              <a:latin typeface="Calibri" panose="020F0502020204030204" pitchFamily="34" charset="0"/>
+              <a:cs typeface="Calibri" panose="020F0502020204030204" pitchFamily="34" charset="0"/>
+            </a:endParaRPr>
+          </a:p>
+          <a:p>
+            <a:pPr marL="0" indent="0" algn="ctr">
+              <a:buNone/>
+            </a:pPr>
+            <a:r>
+              <a:rPr lang="en-US" sz="3200" b="1" dirty="0">
+                <a:latin typeface="Calibri" panose="020F0502020204030204" pitchFamily="34" charset="0"/>
+                <a:cs typeface="Calibri" panose="020F0502020204030204" pitchFamily="34" charset="0"/>
+              </a:rPr>
+              <a:t>FNC Features</a:t>
+            </a:r>
+          </a:p>
+          <a:p>
+            <a:r>
+              <a:rPr lang="en-US" sz="2200" u="sng" dirty="0">
+                <a:latin typeface="Calibri" panose="020F0502020204030204" pitchFamily="34" charset="0"/>
+                <a:cs typeface="Calibri" panose="020F0502020204030204" pitchFamily="34" charset="0"/>
+              </a:rPr>
+              <a:t>Shape</a:t>
+            </a:r>
             <a:r>
               <a:rPr lang="en-US" sz="2200" dirty="0">
                 <a:latin typeface="Calibri" panose="020F0502020204030204" pitchFamily="34" charset="0"/>
                 <a:cs typeface="Calibri" panose="020F0502020204030204" pitchFamily="34" charset="0"/>
               </a:rPr>
-              <a:t>Group features into subsets – specify ranges and types</a:t>
-            </a:r>
-          </a:p>
-          <a:p>
+              <a:t>: FNC has 86 (rows) x 379 (columns) </a:t>
+            </a:r>
+          </a:p>
+          <a:p>
+            <a:r>
+              <a:rPr lang="en-US" sz="2200" u="sng" dirty="0">
+                <a:latin typeface="Calibri" panose="020F0502020204030204" pitchFamily="34" charset="0"/>
+                <a:cs typeface="Calibri" panose="020F0502020204030204" pitchFamily="34" charset="0"/>
+              </a:rPr>
+              <a:t>Column Names</a:t>
+            </a:r>
             <a:r>
               <a:rPr lang="en-US" sz="2200" dirty="0">
                 <a:latin typeface="Calibri" panose="020F0502020204030204" pitchFamily="34" charset="0"/>
                 <a:cs typeface="Calibri" panose="020F0502020204030204" pitchFamily="34" charset="0"/>
               </a:rPr>
-              <a:t>Observations in dataset</a:t>
-            </a:r>
-          </a:p>
-          <a:p>
+              <a:t>: FNC column names range from </a:t>
+            </a:r>
+            <a:r>
+              <a:rPr lang="en-US" sz="2200" b="1" dirty="0">
+                <a:latin typeface="Calibri" panose="020F0502020204030204" pitchFamily="34" charset="0"/>
+                <a:cs typeface="Calibri" panose="020F0502020204030204" pitchFamily="34" charset="0"/>
+              </a:rPr>
+              <a:t>FNC1</a:t>
+            </a:r>
             <a:r>
               <a:rPr lang="en-US" sz="2200" dirty="0">
                 <a:latin typeface="Calibri" panose="020F0502020204030204" pitchFamily="34" charset="0"/>
                 <a:cs typeface="Calibri" panose="020F0502020204030204" pitchFamily="34" charset="0"/>
               </a:rPr>
-              <a:t>Provide as much info as you can on the dataset</a:t>
-            </a:r>
-            <a:endParaRPr lang="en-GB" sz="2200" dirty="0">
+              <a:t> to </a:t>
+            </a:r>
+            <a:r>
+              <a:rPr lang="en-US" sz="2200" b="1" dirty="0">
+                <a:latin typeface="Calibri" panose="020F0502020204030204" pitchFamily="34" charset="0"/>
+                <a:cs typeface="Calibri" panose="020F0502020204030204" pitchFamily="34" charset="0"/>
+              </a:rPr>
+              <a:t>378</a:t>
+            </a:r>
+            <a:r>
+              <a:rPr lang="en-US" sz="2200" dirty="0">
+                <a:latin typeface="Calibri" panose="020F0502020204030204" pitchFamily="34" charset="0"/>
+                <a:cs typeface="Calibri" panose="020F0502020204030204" pitchFamily="34" charset="0"/>
+              </a:rPr>
+              <a:t> and one </a:t>
+            </a:r>
+            <a:r>
+              <a:rPr lang="en-US" sz="2200" b="1" dirty="0">
+                <a:latin typeface="Calibri" panose="020F0502020204030204" pitchFamily="34" charset="0"/>
+                <a:cs typeface="Calibri" panose="020F0502020204030204" pitchFamily="34" charset="0"/>
+              </a:rPr>
+              <a:t>Id</a:t>
+            </a:r>
+            <a:r>
+              <a:rPr lang="en-US" sz="2200" dirty="0">
+                <a:latin typeface="Calibri" panose="020F0502020204030204" pitchFamily="34" charset="0"/>
+                <a:cs typeface="Calibri" panose="020F0502020204030204" pitchFamily="34" charset="0"/>
+              </a:rPr>
+              <a:t> column</a:t>
+            </a:r>
+          </a:p>
+          <a:p>
+            <a:pPr marL="0" indent="0" algn="ctr">
+              <a:buNone/>
+            </a:pPr>
+            <a:r>
+              <a:rPr lang="en-US" sz="2200" b="1" dirty="0">
+                <a:latin typeface="Calibri" panose="020F0502020204030204" pitchFamily="34" charset="0"/>
+                <a:cs typeface="Calibri" panose="020F0502020204030204" pitchFamily="34" charset="0"/>
+              </a:rPr>
+              <a:t>Column: Id</a:t>
+            </a:r>
+          </a:p>
+          <a:p>
+            <a:r>
+              <a:rPr lang="en-US" sz="2200" u="sng" dirty="0">
+                <a:latin typeface="Calibri" panose="020F0502020204030204" pitchFamily="34" charset="0"/>
+                <a:cs typeface="Calibri" panose="020F0502020204030204" pitchFamily="34" charset="0"/>
+              </a:rPr>
+              <a:t>Data type</a:t>
+            </a:r>
+            <a:r>
+              <a:rPr lang="en-US" sz="2200" dirty="0">
+                <a:latin typeface="Calibri" panose="020F0502020204030204" pitchFamily="34" charset="0"/>
+                <a:cs typeface="Calibri" panose="020F0502020204030204" pitchFamily="34" charset="0"/>
+              </a:rPr>
+              <a:t>: ordinal </a:t>
+            </a:r>
+          </a:p>
+          <a:p>
+            <a:r>
+              <a:rPr lang="en-US" sz="2200" u="sng" dirty="0">
+                <a:latin typeface="Calibri" panose="020F0502020204030204" pitchFamily="34" charset="0"/>
+                <a:cs typeface="Calibri" panose="020F0502020204030204" pitchFamily="34" charset="0"/>
+              </a:rPr>
+              <a:t>Range</a:t>
+            </a:r>
+            <a:r>
+              <a:rPr lang="en-US" sz="2200" dirty="0">
+                <a:latin typeface="Calibri" panose="020F0502020204030204" pitchFamily="34" charset="0"/>
+                <a:cs typeface="Calibri" panose="020F0502020204030204" pitchFamily="34" charset="0"/>
+              </a:rPr>
+              <a:t>: </a:t>
+            </a:r>
+            <a:r>
+              <a:rPr lang="en-GB" sz="2200" b="0" i="0" u="none" strike="noStrike" dirty="0">
+                <a:solidFill>
+                  <a:srgbClr val="000000"/>
+                </a:solidFill>
+                <a:effectLst/>
+                <a:latin typeface="Calibri" panose="020F0502020204030204" pitchFamily="34" charset="0"/>
+                <a:cs typeface="Calibri" panose="020F0502020204030204" pitchFamily="34" charset="0"/>
+              </a:rPr>
+              <a:t>120,873</a:t>
+            </a:r>
+            <a:r>
+              <a:rPr lang="en-GB" sz="2200" dirty="0">
+                <a:latin typeface="Calibri" panose="020F0502020204030204" pitchFamily="34" charset="0"/>
+                <a:cs typeface="Calibri" panose="020F0502020204030204" pitchFamily="34" charset="0"/>
+              </a:rPr>
+              <a:t> </a:t>
+            </a:r>
+            <a:r>
+              <a:rPr lang="en-US" sz="2200" dirty="0">
+                <a:latin typeface="Calibri" panose="020F0502020204030204" pitchFamily="34" charset="0"/>
+                <a:cs typeface="Calibri" panose="020F0502020204030204" pitchFamily="34" charset="0"/>
+              </a:rPr>
+              <a:t>to </a:t>
+            </a:r>
+            <a:r>
+              <a:rPr lang="en-GB" sz="2200" b="0" i="0" u="none" strike="noStrike" dirty="0">
+                <a:solidFill>
+                  <a:srgbClr val="000000"/>
+                </a:solidFill>
+                <a:effectLst/>
+                <a:latin typeface="Calibri" panose="020F0502020204030204" pitchFamily="34" charset="0"/>
+                <a:cs typeface="Calibri" panose="020F0502020204030204" pitchFamily="34" charset="0"/>
+              </a:rPr>
+              <a:t>993,946</a:t>
+            </a:r>
+            <a:r>
+              <a:rPr lang="en-GB" sz="2200" dirty="0">
+                <a:latin typeface="Calibri" panose="020F0502020204030204" pitchFamily="34" charset="0"/>
+                <a:cs typeface="Calibri" panose="020F0502020204030204" pitchFamily="34" charset="0"/>
+              </a:rPr>
+              <a:t> </a:t>
+            </a:r>
+            <a:endParaRPr lang="en-US" sz="2200" dirty="0">
+              <a:latin typeface="Calibri" panose="020F0502020204030204" pitchFamily="34" charset="0"/>
+              <a:cs typeface="Calibri" panose="020F0502020204030204" pitchFamily="34" charset="0"/>
+            </a:endParaRPr>
+          </a:p>
+          <a:p>
+            <a:pPr marL="0" indent="0" algn="ctr">
+              <a:buNone/>
+            </a:pPr>
+            <a:r>
+              <a:rPr lang="en-US" sz="2200" b="1" dirty="0">
+                <a:latin typeface="Calibri" panose="020F0502020204030204" pitchFamily="34" charset="0"/>
+                <a:cs typeface="Calibri" panose="020F0502020204030204" pitchFamily="34" charset="0"/>
+              </a:rPr>
+              <a:t>Columns: FNC1-378</a:t>
+            </a:r>
+          </a:p>
+          <a:p>
+            <a:r>
+              <a:rPr lang="en-US" sz="2200" u="sng" dirty="0">
+                <a:latin typeface="Calibri" panose="020F0502020204030204" pitchFamily="34" charset="0"/>
+                <a:cs typeface="Calibri" panose="020F0502020204030204" pitchFamily="34" charset="0"/>
+              </a:rPr>
+              <a:t>Data type</a:t>
+            </a:r>
+            <a:r>
+              <a:rPr lang="en-US" sz="2200" dirty="0">
+                <a:latin typeface="Calibri" panose="020F0502020204030204" pitchFamily="34" charset="0"/>
+                <a:cs typeface="Calibri" panose="020F0502020204030204" pitchFamily="34" charset="0"/>
+              </a:rPr>
+              <a:t>: The Id column is sequential/ordinal (cate, ordinal, binary, qualitative)</a:t>
+            </a:r>
+          </a:p>
+          <a:p>
+            <a:r>
+              <a:rPr lang="en-US" sz="2200" u="sng" dirty="0">
+                <a:latin typeface="Calibri" panose="020F0502020204030204" pitchFamily="34" charset="0"/>
+                <a:cs typeface="Calibri" panose="020F0502020204030204" pitchFamily="34" charset="0"/>
+              </a:rPr>
+              <a:t>Range</a:t>
+            </a:r>
+            <a:r>
+              <a:rPr lang="en-US" sz="2200" u="sng">
+                <a:latin typeface="Calibri" panose="020F0502020204030204" pitchFamily="34" charset="0"/>
+                <a:cs typeface="Calibri" panose="020F0502020204030204" pitchFamily="34" charset="0"/>
+              </a:rPr>
+              <a:t>:</a:t>
+            </a:r>
+            <a:r>
+              <a:rPr lang="en-US" sz="2200">
+                <a:latin typeface="Calibri" panose="020F0502020204030204" pitchFamily="34" charset="0"/>
+                <a:cs typeface="Calibri" panose="020F0502020204030204" pitchFamily="34" charset="0"/>
+              </a:rPr>
+              <a:t> -0.9871 to 0.9858</a:t>
+            </a:r>
+            <a:endParaRPr lang="en-US" sz="2200" b="1" dirty="0">
+              <a:latin typeface="Calibri" panose="020F0502020204030204" pitchFamily="34" charset="0"/>
+              <a:cs typeface="Calibri" panose="020F0502020204030204" pitchFamily="34" charset="0"/>
+            </a:endParaRPr>
+          </a:p>
+          <a:p>
+            <a:pPr marL="0" indent="0" algn="ctr">
+              <a:buNone/>
+            </a:pPr>
+            <a:r>
+              <a:rPr lang="en-US" sz="3500" b="1" dirty="0">
+                <a:latin typeface="Calibri" panose="020F0502020204030204" pitchFamily="34" charset="0"/>
+                <a:cs typeface="Calibri" panose="020F0502020204030204" pitchFamily="34" charset="0"/>
+              </a:rPr>
+              <a:t>SBM Loadings</a:t>
+            </a:r>
+          </a:p>
+          <a:p>
+            <a:r>
+              <a:rPr lang="en-US" sz="2200" u="sng" dirty="0">
+                <a:latin typeface="Calibri" panose="020F0502020204030204" pitchFamily="34" charset="0"/>
+                <a:cs typeface="Calibri" panose="020F0502020204030204" pitchFamily="34" charset="0"/>
+              </a:rPr>
+              <a:t>Shape</a:t>
+            </a:r>
+            <a:r>
+              <a:rPr lang="en-US" sz="2200" dirty="0">
+                <a:latin typeface="Calibri" panose="020F0502020204030204" pitchFamily="34" charset="0"/>
+                <a:cs typeface="Calibri" panose="020F0502020204030204" pitchFamily="34" charset="0"/>
+              </a:rPr>
+              <a:t>: SBM 86 (rows) x 14 (columns)</a:t>
+            </a:r>
+          </a:p>
+          <a:p>
+            <a:r>
+              <a:rPr lang="en-US" sz="2200" u="sng" dirty="0">
+                <a:latin typeface="Calibri" panose="020F0502020204030204" pitchFamily="34" charset="0"/>
+                <a:cs typeface="Calibri" panose="020F0502020204030204" pitchFamily="34" charset="0"/>
+              </a:rPr>
+              <a:t>Column Names</a:t>
+            </a:r>
+            <a:r>
+              <a:rPr lang="en-US" sz="2200" dirty="0">
+                <a:latin typeface="Calibri" panose="020F0502020204030204" pitchFamily="34" charset="0"/>
+                <a:cs typeface="Calibri" panose="020F0502020204030204" pitchFamily="34" charset="0"/>
+              </a:rPr>
+              <a:t>: SBM column names range from </a:t>
+            </a:r>
+            <a:r>
+              <a:rPr lang="en-US" sz="2200" b="1" dirty="0">
+                <a:latin typeface="Calibri" panose="020F0502020204030204" pitchFamily="34" charset="0"/>
+                <a:cs typeface="Calibri" panose="020F0502020204030204" pitchFamily="34" charset="0"/>
+              </a:rPr>
+              <a:t>SBM_MAP1 </a:t>
+            </a:r>
+            <a:r>
+              <a:rPr lang="en-US" sz="2200" dirty="0">
+                <a:latin typeface="Calibri" panose="020F0502020204030204" pitchFamily="34" charset="0"/>
+                <a:cs typeface="Calibri" panose="020F0502020204030204" pitchFamily="34" charset="0"/>
+              </a:rPr>
+              <a:t>to </a:t>
+            </a:r>
+            <a:r>
+              <a:rPr lang="en-US" sz="2200" b="1" dirty="0">
+                <a:latin typeface="Calibri" panose="020F0502020204030204" pitchFamily="34" charset="0"/>
+                <a:cs typeface="Calibri" panose="020F0502020204030204" pitchFamily="34" charset="0"/>
+              </a:rPr>
+              <a:t>75 </a:t>
+            </a:r>
+            <a:r>
+              <a:rPr lang="en-US" sz="2200" dirty="0">
+                <a:latin typeface="Calibri" panose="020F0502020204030204" pitchFamily="34" charset="0"/>
+                <a:cs typeface="Calibri" panose="020F0502020204030204" pitchFamily="34" charset="0"/>
+              </a:rPr>
+              <a:t>and one </a:t>
+            </a:r>
+            <a:r>
+              <a:rPr lang="en-US" sz="2200" b="1" dirty="0">
+                <a:latin typeface="Calibri" panose="020F0502020204030204" pitchFamily="34" charset="0"/>
+                <a:cs typeface="Calibri" panose="020F0502020204030204" pitchFamily="34" charset="0"/>
+              </a:rPr>
+              <a:t>Id </a:t>
+            </a:r>
+            <a:r>
+              <a:rPr lang="en-US" sz="2200" dirty="0">
+                <a:latin typeface="Calibri" panose="020F0502020204030204" pitchFamily="34" charset="0"/>
+                <a:cs typeface="Calibri" panose="020F0502020204030204" pitchFamily="34" charset="0"/>
+              </a:rPr>
+              <a:t>column</a:t>
+            </a:r>
+          </a:p>
+          <a:p>
+            <a:pPr marL="0" indent="0" algn="ctr">
+              <a:buNone/>
+            </a:pPr>
+            <a:r>
+              <a:rPr lang="en-US" sz="2200" b="1" dirty="0">
+                <a:latin typeface="Calibri" panose="020F0502020204030204" pitchFamily="34" charset="0"/>
+                <a:cs typeface="Calibri" panose="020F0502020204030204" pitchFamily="34" charset="0"/>
+              </a:rPr>
+              <a:t>Column: Id</a:t>
+            </a:r>
+          </a:p>
+          <a:p>
+            <a:r>
+              <a:rPr lang="en-US" sz="2200" u="sng" dirty="0">
+                <a:latin typeface="Calibri" panose="020F0502020204030204" pitchFamily="34" charset="0"/>
+                <a:cs typeface="Calibri" panose="020F0502020204030204" pitchFamily="34" charset="0"/>
+              </a:rPr>
+              <a:t>Data type</a:t>
+            </a:r>
+            <a:r>
+              <a:rPr lang="en-US" sz="2200" dirty="0">
+                <a:latin typeface="Calibri" panose="020F0502020204030204" pitchFamily="34" charset="0"/>
+                <a:cs typeface="Calibri" panose="020F0502020204030204" pitchFamily="34" charset="0"/>
+              </a:rPr>
+              <a:t>: ordinal</a:t>
+            </a:r>
+          </a:p>
+          <a:p>
+            <a:r>
+              <a:rPr lang="en-US" sz="2200" u="sng" dirty="0">
+                <a:latin typeface="Calibri" panose="020F0502020204030204" pitchFamily="34" charset="0"/>
+                <a:cs typeface="Calibri" panose="020F0502020204030204" pitchFamily="34" charset="0"/>
+              </a:rPr>
+              <a:t>Range:</a:t>
+            </a:r>
+            <a:r>
+              <a:rPr lang="en-US" sz="2200" dirty="0">
+                <a:latin typeface="Calibri" panose="020F0502020204030204" pitchFamily="34" charset="0"/>
+                <a:cs typeface="Calibri" panose="020F0502020204030204" pitchFamily="34" charset="0"/>
+              </a:rPr>
+              <a:t> </a:t>
+            </a:r>
+            <a:r>
+              <a:rPr lang="en-GB" sz="2200" b="0" i="0" u="none" strike="noStrike" dirty="0">
+                <a:solidFill>
+                  <a:srgbClr val="000000"/>
+                </a:solidFill>
+                <a:effectLst/>
+                <a:latin typeface="Calibri" panose="020F0502020204030204" pitchFamily="34" charset="0"/>
+                <a:cs typeface="Calibri" panose="020F0502020204030204" pitchFamily="34" charset="0"/>
+              </a:rPr>
+              <a:t>120,873</a:t>
+            </a:r>
+            <a:r>
+              <a:rPr lang="en-GB" sz="2200" dirty="0">
+                <a:latin typeface="Calibri" panose="020F0502020204030204" pitchFamily="34" charset="0"/>
+                <a:cs typeface="Calibri" panose="020F0502020204030204" pitchFamily="34" charset="0"/>
+              </a:rPr>
+              <a:t> </a:t>
+            </a:r>
+            <a:r>
+              <a:rPr lang="en-US" sz="2200" dirty="0">
+                <a:latin typeface="Calibri" panose="020F0502020204030204" pitchFamily="34" charset="0"/>
+                <a:cs typeface="Calibri" panose="020F0502020204030204" pitchFamily="34" charset="0"/>
+              </a:rPr>
+              <a:t>to </a:t>
+            </a:r>
+            <a:r>
+              <a:rPr lang="en-GB" sz="2200" b="0" i="0" u="none" strike="noStrike" dirty="0">
+                <a:solidFill>
+                  <a:srgbClr val="000000"/>
+                </a:solidFill>
+                <a:effectLst/>
+                <a:latin typeface="Calibri" panose="020F0502020204030204" pitchFamily="34" charset="0"/>
+                <a:cs typeface="Calibri" panose="020F0502020204030204" pitchFamily="34" charset="0"/>
+              </a:rPr>
+              <a:t>993,946</a:t>
+            </a:r>
+            <a:r>
+              <a:rPr lang="en-GB" sz="2200" dirty="0">
+                <a:latin typeface="Calibri" panose="020F0502020204030204" pitchFamily="34" charset="0"/>
+                <a:cs typeface="Calibri" panose="020F0502020204030204" pitchFamily="34" charset="0"/>
+              </a:rPr>
+              <a:t> </a:t>
+            </a:r>
+            <a:endParaRPr lang="en-US" sz="2200" dirty="0">
+              <a:latin typeface="Calibri" panose="020F0502020204030204" pitchFamily="34" charset="0"/>
+              <a:cs typeface="Calibri" panose="020F0502020204030204" pitchFamily="34" charset="0"/>
+            </a:endParaRPr>
+          </a:p>
+          <a:p>
+            <a:pPr marL="0" indent="0" algn="ctr">
+              <a:buNone/>
+            </a:pPr>
+            <a:r>
+              <a:rPr lang="en-US" sz="2200" b="1" dirty="0">
+                <a:latin typeface="Calibri" panose="020F0502020204030204" pitchFamily="34" charset="0"/>
+                <a:cs typeface="Calibri" panose="020F0502020204030204" pitchFamily="34" charset="0"/>
+              </a:rPr>
+              <a:t>Columns: SBM_MAP1-75</a:t>
+            </a:r>
+          </a:p>
+          <a:p>
+            <a:r>
+              <a:rPr lang="en-US" sz="2200" u="sng" dirty="0">
+                <a:latin typeface="Calibri" panose="020F0502020204030204" pitchFamily="34" charset="0"/>
+                <a:cs typeface="Calibri" panose="020F0502020204030204" pitchFamily="34" charset="0"/>
+              </a:rPr>
+              <a:t>Data type</a:t>
+            </a:r>
+            <a:r>
+              <a:rPr lang="en-US" sz="2200" dirty="0">
+                <a:latin typeface="Calibri" panose="020F0502020204030204" pitchFamily="34" charset="0"/>
+                <a:cs typeface="Calibri" panose="020F0502020204030204" pitchFamily="34" charset="0"/>
+              </a:rPr>
+              <a:t>: The Id column is sequential/ordinal (cate, ordinal, binary, qualitative)</a:t>
+            </a:r>
+          </a:p>
+          <a:p>
+            <a:r>
+              <a:rPr lang="en-US" sz="2200" u="sng" dirty="0">
+                <a:latin typeface="Calibri" panose="020F0502020204030204" pitchFamily="34" charset="0"/>
+                <a:cs typeface="Calibri" panose="020F0502020204030204" pitchFamily="34" charset="0"/>
+              </a:rPr>
+              <a:t>Range:</a:t>
+            </a:r>
+            <a:r>
+              <a:rPr lang="en-US" sz="2200" dirty="0">
+                <a:latin typeface="Calibri" panose="020F0502020204030204" pitchFamily="34" charset="0"/>
+                <a:cs typeface="Calibri" panose="020F0502020204030204" pitchFamily="34" charset="0"/>
+              </a:rPr>
+              <a:t> -8.10 to 13.07</a:t>
+            </a:r>
+            <a:endParaRPr lang="en-US" sz="2200" b="1" dirty="0">
               <a:latin typeface="Calibri" panose="020F0502020204030204" pitchFamily="34" charset="0"/>
               <a:cs typeface="Calibri" panose="020F0502020204030204" pitchFamily="34" charset="0"/>
             </a:endParaRPr>

--- a/Research Design & Proposal Writting/Assignment 2/c15311966_second_assignment.pptx
+++ b/Research Design & Proposal Writting/Assignment 2/c15311966_second_assignment.pptx
@@ -522,7 +522,7 @@
           <a:p>
             <a:fld id="{83284890-85D2-4D7B-8EF5-15A9C1DB8F42}" type="datetimeFigureOut">
               <a:rPr lang="en-US" dirty="0"/>
-              <a:t>11/20/2021</a:t>
+              <a:t>11/21/2021</a:t>
             </a:fld>
             <a:endParaRPr lang="en-US" dirty="0"/>
           </a:p>
@@ -697,7 +697,7 @@
           <a:p>
             <a:fld id="{87157CC2-0FC8-4686-B024-99790E0F5162}" type="datetimeFigureOut">
               <a:rPr lang="en-US" dirty="0"/>
-              <a:t>11/20/2021</a:t>
+              <a:t>11/21/2021</a:t>
             </a:fld>
             <a:endParaRPr lang="en-US" dirty="0"/>
           </a:p>
@@ -872,7 +872,7 @@
           <a:p>
             <a:fld id="{F6764DA5-CD3D-4590-A511-FCD3BC7A793E}" type="datetimeFigureOut">
               <a:rPr lang="en-US" dirty="0"/>
-              <a:t>11/20/2021</a:t>
+              <a:t>11/21/2021</a:t>
             </a:fld>
             <a:endParaRPr lang="en-US" dirty="0"/>
           </a:p>
@@ -1037,7 +1037,7 @@
           <a:p>
             <a:fld id="{82F5661D-6934-4B32-B92C-470368BF1EC6}" type="datetimeFigureOut">
               <a:rPr lang="en-US" dirty="0"/>
-              <a:t>11/20/2021</a:t>
+              <a:t>11/21/2021</a:t>
             </a:fld>
             <a:endParaRPr lang="en-US" dirty="0"/>
           </a:p>
@@ -1345,7 +1345,7 @@
           <a:p>
             <a:fld id="{C6F822A4-8DA6-4447-9B1F-C5DB58435268}" type="datetimeFigureOut">
               <a:rPr lang="en-US" dirty="0"/>
-              <a:t>11/20/2021</a:t>
+              <a:t>11/21/2021</a:t>
             </a:fld>
             <a:endParaRPr lang="en-US" dirty="0"/>
           </a:p>
@@ -1727,7 +1727,7 @@
           <a:p>
             <a:fld id="{E548D31E-DCDA-41A7-9C67-C4B11B94D21D}" type="datetimeFigureOut">
               <a:rPr lang="en-US" dirty="0"/>
-              <a:t>11/20/2021</a:t>
+              <a:t>11/21/2021</a:t>
             </a:fld>
             <a:endParaRPr lang="en-US" dirty="0"/>
           </a:p>
@@ -2156,7 +2156,7 @@
           <a:p>
             <a:fld id="{9B3762C0-B258-48F1-ADE6-176B4174CCDD}" type="datetimeFigureOut">
               <a:rPr lang="en-US" dirty="0"/>
-              <a:t>11/20/2021</a:t>
+              <a:t>11/21/2021</a:t>
             </a:fld>
             <a:endParaRPr lang="en-US" dirty="0"/>
           </a:p>
@@ -2269,7 +2269,7 @@
           <a:p>
             <a:fld id="{677919A6-33EB-49BD-A62F-1FA56B9F9712}" type="datetimeFigureOut">
               <a:rPr lang="en-US" dirty="0"/>
-              <a:t>11/20/2021</a:t>
+              <a:t>11/21/2021</a:t>
             </a:fld>
             <a:endParaRPr lang="en-US" dirty="0"/>
           </a:p>
@@ -2359,7 +2359,7 @@
           <a:p>
             <a:fld id="{CA4E7D1B-D673-4CF6-8672-009D42ABD2A0}" type="datetimeFigureOut">
               <a:rPr lang="en-US" dirty="0"/>
-              <a:t>11/20/2021</a:t>
+              <a:t>11/21/2021</a:t>
             </a:fld>
             <a:endParaRPr lang="en-US" dirty="0"/>
           </a:p>
@@ -2704,7 +2704,7 @@
           <a:p>
             <a:fld id="{DA16AA21-1863-4931-97CB-99D0A168701B}" type="datetimeFigureOut">
               <a:rPr lang="en-US" dirty="0"/>
-              <a:t>11/20/2021</a:t>
+              <a:t>11/21/2021</a:t>
             </a:fld>
             <a:endParaRPr lang="en-US" dirty="0"/>
           </a:p>
@@ -3124,7 +3124,7 @@
           <a:p>
             <a:fld id="{3772C379-9A7C-4C87-A116-CBE9F58B04C5}" type="datetimeFigureOut">
               <a:rPr lang="en-US" dirty="0"/>
-              <a:t>11/20/2021</a:t>
+              <a:t>11/21/2021</a:t>
             </a:fld>
             <a:endParaRPr lang="en-US" dirty="0"/>
           </a:p>
@@ -3400,7 +3400,7 @@
           <a:p>
             <a:fld id="{8664C608-40B1-4030-A28D-5B74BC98ADCE}" type="datetimeFigureOut">
               <a:rPr lang="en-US" dirty="0"/>
-              <a:t>11/20/2021</a:t>
+              <a:t>11/21/2021</a:t>
             </a:fld>
             <a:endParaRPr lang="en-US" dirty="0"/>
           </a:p>
@@ -4118,8 +4118,8 @@
         </p:nvSpPr>
         <p:spPr>
           <a:xfrm>
-            <a:off x="1066800" y="280738"/>
-            <a:ext cx="10058400" cy="578004"/>
+            <a:off x="-1" y="0"/>
+            <a:ext cx="12191999" cy="578004"/>
           </a:xfrm>
         </p:spPr>
         <p:txBody>
@@ -4164,13 +4164,13 @@
         </p:nvSpPr>
         <p:spPr>
           <a:xfrm>
-            <a:off x="211015" y="858742"/>
-            <a:ext cx="11711354" cy="5844208"/>
+            <a:off x="0" y="578004"/>
+            <a:ext cx="12192000" cy="6279996"/>
           </a:xfrm>
         </p:spPr>
         <p:txBody>
           <a:bodyPr>
-            <a:normAutofit/>
+            <a:normAutofit lnSpcReduction="10000"/>
           </a:bodyPr>
           <a:lstStyle/>
           <a:p>
@@ -4232,33 +4232,37 @@
                 <a:latin typeface="Calibri" panose="020F0502020204030204" pitchFamily="34" charset="0"/>
                 <a:cs typeface="Calibri" panose="020F0502020204030204" pitchFamily="34" charset="0"/>
               </a:rPr>
-              <a:t>is limited to HDLSS data and the use of classification techniques on the </a:t>
+              <a:t>is limited to examining classification techniques such as SVM, DWD </a:t>
+            </a:r>
+            <a:r>
+              <a:rPr lang="en-US" sz="2000" dirty="0">
+                <a:latin typeface="Calibri" panose="020F0502020204030204" pitchFamily="34" charset="0"/>
+                <a:cs typeface="Calibri" panose="020F0502020204030204" pitchFamily="34" charset="0"/>
+              </a:rPr>
+              <a:t>over a period of ~13 weeks </a:t>
+            </a:r>
+            <a:r>
+              <a:rPr lang="en-US" dirty="0">
+                <a:latin typeface="Calibri" panose="020F0502020204030204" pitchFamily="34" charset="0"/>
+                <a:cs typeface="Calibri" panose="020F0502020204030204" pitchFamily="34" charset="0"/>
+              </a:rPr>
+              <a:t>applied to FNC/SBM correlation values gathered from HDLSS data from the </a:t>
             </a:r>
             <a:r>
               <a:rPr lang="en-GB" sz="2000" b="0" i="0" u="none" strike="noStrike" baseline="0" dirty="0">
                 <a:latin typeface="Calibri" panose="020F0502020204030204" pitchFamily="34" charset="0"/>
                 <a:cs typeface="Calibri" panose="020F0502020204030204" pitchFamily="34" charset="0"/>
               </a:rPr>
-              <a:t>Mind Research Network’s Schizophrenia Dataset (</a:t>
-            </a:r>
-            <a:r>
-              <a:rPr lang="en-GB" sz="2000" b="0" i="0" u="none" strike="noStrike" baseline="0" dirty="0">
-                <a:solidFill>
-                  <a:srgbClr val="FF0000"/>
-                </a:solidFill>
-                <a:latin typeface="Calibri" panose="020F0502020204030204" pitchFamily="34" charset="0"/>
-                <a:cs typeface="Calibri" panose="020F0502020204030204" pitchFamily="34" charset="0"/>
-              </a:rPr>
-              <a:t>could use some work</a:t>
-            </a:r>
-            <a:r>
-              <a:rPr lang="en-GB" sz="2000" b="0" i="0" u="none" strike="noStrike" baseline="0" dirty="0">
-                <a:latin typeface="Calibri" panose="020F0502020204030204" pitchFamily="34" charset="0"/>
-                <a:cs typeface="Calibri" panose="020F0502020204030204" pitchFamily="34" charset="0"/>
-              </a:rPr>
-              <a:t>) https://www.discoverphds.com/blog/scope-of-the-study</a:t>
-            </a:r>
-            <a:endParaRPr lang="en-US" b="1" dirty="0">
+              <a:t>Mind Research Network’s Schizophrenia Dataset consisting of </a:t>
+            </a:r>
+            <a:r>
+              <a:rPr lang="en-US" sz="2000" dirty="0">
+                <a:latin typeface="Calibri" panose="020F0502020204030204" pitchFamily="34" charset="0"/>
+                <a:cs typeface="Calibri" panose="020F0502020204030204" pitchFamily="34" charset="0"/>
+              </a:rPr>
+              <a:t>35,432 observations gathered from 162 patients and 169 healthy controls. The Aim of this study is to derive the differences in classification accuracy via the F1 score and examine state of the art HDLSS classification techniques.</a:t>
+            </a:r>
+            <a:endParaRPr lang="en-US" dirty="0">
               <a:latin typeface="Calibri" panose="020F0502020204030204" pitchFamily="34" charset="0"/>
               <a:cs typeface="Calibri" panose="020F0502020204030204" pitchFamily="34" charset="0"/>
             </a:endParaRPr>
@@ -4276,7 +4280,7 @@
                 <a:latin typeface="Calibri" panose="020F0502020204030204" pitchFamily="34" charset="0"/>
                 <a:cs typeface="Calibri" panose="020F0502020204030204" pitchFamily="34" charset="0"/>
               </a:rPr>
-              <a:t>is that the data from Mind Research Network as properly prepared and filtered when extracted from MRI images as it was overseen by an expert, now a distinguished professor in the discipline. </a:t>
+              <a:t>is that the data from Mind Research Network was properly prepared and filtered when extracted from MRI images as it was overseen by now a distinguished professor in his discipline among other experts. </a:t>
             </a:r>
           </a:p>
           <a:p>
@@ -4306,7 +4310,7 @@
                 <a:latin typeface="Calibri" panose="020F0502020204030204" pitchFamily="34" charset="0"/>
                 <a:cs typeface="Calibri" panose="020F0502020204030204" pitchFamily="34" charset="0"/>
               </a:rPr>
-              <a:t> a collection of HDLSS schizophrenia datasets </a:t>
+              <a:t> a collection of HDLSS schizophrenia datasets, no information about the stage or severity of schizophrenia of patients which this data was gathered from. </a:t>
             </a:r>
             <a:r>
               <a:rPr lang="en-GB" dirty="0">
@@ -4316,7 +4320,7 @@
                 <a:latin typeface="Calibri" panose="020F0502020204030204" pitchFamily="34" charset="0"/>
                 <a:cs typeface="Calibri" panose="020F0502020204030204" pitchFamily="34" charset="0"/>
               </a:rPr>
-              <a:t>technically can be done later from slide 4-5 </a:t>
+              <a:t>slide 4-5 </a:t>
             </a:r>
             <a:endParaRPr lang="en-US" dirty="0">
               <a:solidFill>
@@ -4339,24 +4343,7 @@
                 <a:latin typeface="Calibri" panose="020F0502020204030204" pitchFamily="34" charset="0"/>
                 <a:cs typeface="Calibri" panose="020F0502020204030204" pitchFamily="34" charset="0"/>
               </a:rPr>
-              <a:t>Classification was chosen over other techniques in order to envelope an umbrella of outcomes during evaluation such as the F1 score which manages trade offs with precision and recall assessing a models overall performance (</a:t>
-            </a:r>
-            <a:r>
-              <a:rPr lang="en-US" dirty="0">
-                <a:solidFill>
-                  <a:srgbClr val="FF0000"/>
-                </a:solidFill>
-                <a:latin typeface="Calibri" panose="020F0502020204030204" pitchFamily="34" charset="0"/>
-                <a:cs typeface="Calibri" panose="020F0502020204030204" pitchFamily="34" charset="0"/>
-              </a:rPr>
-              <a:t>could use some more work</a:t>
-            </a:r>
-            <a:r>
-              <a:rPr lang="en-US" dirty="0">
-                <a:latin typeface="Calibri" panose="020F0502020204030204" pitchFamily="34" charset="0"/>
-                <a:cs typeface="Calibri" panose="020F0502020204030204" pitchFamily="34" charset="0"/>
-              </a:rPr>
-              <a:t>)</a:t>
+              <a:t>Classification was chosen over other techniques such as deep learning, deep learning models tend to overfit significantly when compared to their traditional statistical counterparts when working with HDLSS data </a:t>
             </a:r>
             <a:endParaRPr lang="en-GB" dirty="0">
               <a:latin typeface="Calibri" panose="020F0502020204030204" pitchFamily="34" charset="0"/>
@@ -4413,13 +4400,13 @@
         </p:nvSpPr>
         <p:spPr>
           <a:xfrm>
-            <a:off x="1042737" y="222239"/>
-            <a:ext cx="10058400" cy="1609344"/>
+            <a:off x="0" y="0"/>
+            <a:ext cx="12192000" cy="1065475"/>
           </a:xfrm>
         </p:spPr>
         <p:txBody>
           <a:bodyPr>
-            <a:normAutofit/>
+            <a:normAutofit fontScale="90000"/>
           </a:bodyPr>
           <a:lstStyle/>
           <a:p>
@@ -4469,13 +4456,13 @@
         </p:nvSpPr>
         <p:spPr>
           <a:xfrm>
-            <a:off x="144379" y="1831583"/>
-            <a:ext cx="11855116" cy="4713596"/>
+            <a:off x="0" y="1065474"/>
+            <a:ext cx="12192000" cy="5792525"/>
           </a:xfrm>
         </p:spPr>
         <p:txBody>
           <a:bodyPr>
-            <a:normAutofit lnSpcReduction="10000"/>
+            <a:normAutofit/>
           </a:bodyPr>
           <a:lstStyle/>
           <a:p>
@@ -4581,7 +4568,22 @@
                 <a:latin typeface="Calibri" panose="020F0502020204030204" pitchFamily="34" charset="0"/>
                 <a:cs typeface="Calibri" panose="020F0502020204030204" pitchFamily="34" charset="0"/>
               </a:rPr>
-              <a:t> et al. 2021; Chen, R. 2020, July 23; Hasan, M. A et al. 2015; Miao, J et al. 2016) </a:t>
+              <a:t> et al. 2021; Chen, R. 2020, July 23; Hasan, M. A et al. 2015; Miao, J et al. 2016; </a:t>
+            </a:r>
+            <a:r>
+              <a:rPr lang="en-GB" sz="2000" dirty="0">
+                <a:effectLst/>
+                <a:latin typeface="Calibri" panose="020F0502020204030204" pitchFamily="34" charset="0"/>
+              </a:rPr>
+              <a:t>Marron, J. S </a:t>
+            </a:r>
+            <a:r>
+              <a:rPr lang="en-GB" sz="2000" dirty="0">
+                <a:effectLst/>
+                <a:latin typeface="Calibri" panose="020F0502020204030204" pitchFamily="34" charset="0"/>
+                <a:cs typeface="Calibri" panose="020F0502020204030204" pitchFamily="34" charset="0"/>
+              </a:rPr>
+              <a:t>et al. 2007) </a:t>
             </a:r>
             <a:r>
               <a:rPr lang="en-US" dirty="0">
@@ -4672,8 +4674,8 @@
         </p:nvSpPr>
         <p:spPr>
           <a:xfrm>
-            <a:off x="198783" y="214288"/>
-            <a:ext cx="11656612" cy="1065872"/>
+            <a:off x="0" y="0"/>
+            <a:ext cx="12192000" cy="652007"/>
           </a:xfrm>
         </p:spPr>
         <p:txBody>
@@ -4718,8 +4720,8 @@
         </p:nvSpPr>
         <p:spPr>
           <a:xfrm>
-            <a:off x="198783" y="1343770"/>
-            <a:ext cx="11656612" cy="5231959"/>
+            <a:off x="0" y="652008"/>
+            <a:ext cx="12192000" cy="6205992"/>
           </a:xfrm>
         </p:spPr>
         <p:txBody>
@@ -4736,7 +4738,44 @@
                 <a:latin typeface="Calibri" panose="020F0502020204030204" pitchFamily="34" charset="0"/>
                 <a:cs typeface="Calibri" panose="020F0502020204030204" pitchFamily="34" charset="0"/>
               </a:rPr>
-              <a:t>Null Hypothesis - </a:t>
+              <a:t>Null Hypothesis</a:t>
+            </a:r>
+            <a:endParaRPr lang="en-US" sz="1800" b="1" dirty="0">
+              <a:solidFill>
+                <a:srgbClr val="FF0000"/>
+              </a:solidFill>
+              <a:latin typeface="Calibri" panose="020F0502020204030204" pitchFamily="34" charset="0"/>
+              <a:cs typeface="Calibri" panose="020F0502020204030204" pitchFamily="34" charset="0"/>
+            </a:endParaRPr>
+          </a:p>
+          <a:p>
+            <a:r>
+              <a:rPr lang="en-US" sz="1800" dirty="0">
+                <a:latin typeface="Calibri" panose="020F0502020204030204" pitchFamily="34" charset="0"/>
+                <a:cs typeface="Calibri" panose="020F0502020204030204" pitchFamily="34" charset="0"/>
+              </a:rPr>
+              <a:t>There is no statistically significant difference in F1 score, Log Loss, Categorical Cross entropy or AUC when classifying the class of schizophrenic patients vs healthy controls using fMRI/FNC features (correlation values that summarize connection between brain maps over time) and sMRI/SBM loadings (weights of brain maps derived from gray matter concentration of all subjects) with Support Vector Machine compared to Distance Weighted Discrimination.</a:t>
+            </a:r>
+          </a:p>
+          <a:p>
+            <a:r>
+              <a:rPr lang="en-US" sz="1800" dirty="0">
+                <a:latin typeface="Calibri" panose="020F0502020204030204" pitchFamily="34" charset="0"/>
+                <a:cs typeface="Calibri" panose="020F0502020204030204" pitchFamily="34" charset="0"/>
+              </a:rPr>
+              <a:t>Can someone preform the experiment given just this slide – idk why you’d do that but w/e </a:t>
+            </a:r>
+          </a:p>
+          <a:p>
+            <a:pPr marL="0" indent="0" algn="ctr">
+              <a:buNone/>
+            </a:pPr>
+            <a:r>
+              <a:rPr lang="en-US" sz="1800" b="1" dirty="0">
+                <a:latin typeface="Calibri" panose="020F0502020204030204" pitchFamily="34" charset="0"/>
+                <a:cs typeface="Calibri" panose="020F0502020204030204" pitchFamily="34" charset="0"/>
+              </a:rPr>
+              <a:t>Alternate Hypothesis - </a:t>
             </a:r>
             <a:r>
               <a:rPr lang="en-US" sz="1800" b="1" dirty="0">
@@ -4748,6 +4787,10 @@
               </a:rPr>
               <a:t>Update</a:t>
             </a:r>
+            <a:endParaRPr lang="en-US" sz="1800" b="1" dirty="0">
+              <a:latin typeface="Calibri" panose="020F0502020204030204" pitchFamily="34" charset="0"/>
+              <a:cs typeface="Calibri" panose="020F0502020204030204" pitchFamily="34" charset="0"/>
+            </a:endParaRPr>
           </a:p>
           <a:p>
             <a:r>
@@ -4755,7 +4798,19 @@
                 <a:latin typeface="Calibri" panose="020F0502020204030204" pitchFamily="34" charset="0"/>
                 <a:cs typeface="Calibri" panose="020F0502020204030204" pitchFamily="34" charset="0"/>
               </a:rPr>
-              <a:t>There is no statistically significant difference in F1 score, Log Loss, Categorical Cross entropy or AUC when classifying class/ids of schizophrenic patients vs healthy controls using fMRI/FNC features (correlation values that summarize overall connection between independent brain maps over time) and sMRI/SBM loadings (weights of brain maps obtained from the application of independent component analysis on gray matter concentration of all subjects) with Support Vector Machine compared to Distance Weighted Discrimination.</a:t>
+              <a:t>If DWD is used to classify the class a patient belongs to using fMRI/FNC features and sMRI/SBM loadings, then on average a lower statistically significant F1 score, Log Loss, Categorical Cross entropy or AUC is expected compared to Support Vector Machine	</a:t>
+            </a:r>
+          </a:p>
+          <a:p>
+            <a:pPr marL="0" indent="0" algn="ctr">
+              <a:buNone/>
+            </a:pPr>
+            <a:r>
+              <a:rPr lang="en-US" sz="1800" b="1" dirty="0">
+                <a:latin typeface="Calibri" panose="020F0502020204030204" pitchFamily="34" charset="0"/>
+                <a:cs typeface="Calibri" panose="020F0502020204030204" pitchFamily="34" charset="0"/>
+              </a:rPr>
+              <a:t>Testing Hypothesis </a:t>
             </a:r>
           </a:p>
           <a:p>
@@ -4764,7 +4819,7 @@
                 <a:latin typeface="Calibri" panose="020F0502020204030204" pitchFamily="34" charset="0"/>
                 <a:cs typeface="Calibri" panose="020F0502020204030204" pitchFamily="34" charset="0"/>
               </a:rPr>
-              <a:t>What problem are you solving? Investigating difference in performance, sounds boring AF, on more lesser known methods</a:t>
+              <a:t>Type: Secondary research, using previously collected and prepared data supported by a systematic review of existing research on SVM use cases for mental illness classification along with state of the art HDLSS data analysis methodologies such as DWD</a:t>
             </a:r>
           </a:p>
           <a:p>
@@ -4773,19 +4828,37 @@
                 <a:latin typeface="Calibri" panose="020F0502020204030204" pitchFamily="34" charset="0"/>
                 <a:cs typeface="Calibri" panose="020F0502020204030204" pitchFamily="34" charset="0"/>
               </a:rPr>
-              <a:t>Can someone preform the experiment given just this slide – idk why you’d do that but w/e </a:t>
-            </a:r>
-          </a:p>
-          <a:p>
-            <a:pPr marL="0" indent="0" algn="ctr">
-              <a:buNone/>
-            </a:pPr>
-            <a:r>
-              <a:rPr lang="en-US" sz="1800" b="1" dirty="0">
-                <a:latin typeface="Calibri" panose="020F0502020204030204" pitchFamily="34" charset="0"/>
-                <a:cs typeface="Calibri" panose="020F0502020204030204" pitchFamily="34" charset="0"/>
-              </a:rPr>
-              <a:t>Alternate Hypothesis - </a:t>
+              <a:t>Objective: Quantitative research, via the development of classification models evaluated by F1 score, Log Loss, Categorical Cross entropy or AUC</a:t>
+            </a:r>
+          </a:p>
+          <a:p>
+            <a:r>
+              <a:rPr lang="en-US" sz="1800" dirty="0">
+                <a:latin typeface="Calibri" panose="020F0502020204030204" pitchFamily="34" charset="0"/>
+                <a:cs typeface="Calibri" panose="020F0502020204030204" pitchFamily="34" charset="0"/>
+              </a:rPr>
+              <a:t>Form: Empirical research, accept or reject the null hypothesis based on results gathered from model evaluation from running the experiment</a:t>
+            </a:r>
+          </a:p>
+          <a:p>
+            <a:r>
+              <a:rPr lang="en-US" sz="1800" dirty="0">
+                <a:latin typeface="Calibri" panose="020F0502020204030204" pitchFamily="34" charset="0"/>
+                <a:cs typeface="Calibri" panose="020F0502020204030204" pitchFamily="34" charset="0"/>
+              </a:rPr>
+              <a:t>Reasoning: Deductive approach </a:t>
+            </a:r>
+          </a:p>
+          <a:p>
+            <a:r>
+              <a:rPr lang="en-US" sz="1800" dirty="0">
+                <a:solidFill>
+                  <a:srgbClr val="FF0000"/>
+                </a:solidFill>
+                <a:latin typeface="Calibri" panose="020F0502020204030204" pitchFamily="34" charset="0"/>
+                <a:cs typeface="Calibri" panose="020F0502020204030204" pitchFamily="34" charset="0"/>
+              </a:rPr>
+              <a:t>List research methods you’re going to use to test your hypothesis, by type, objective, form, reasoning and justify why </a:t>
             </a:r>
             <a:r>
               <a:rPr lang="en-US" sz="1800" b="1" dirty="0">
@@ -4795,66 +4868,15 @@
                 <a:latin typeface="Calibri" panose="020F0502020204030204" pitchFamily="34" charset="0"/>
                 <a:cs typeface="Calibri" panose="020F0502020204030204" pitchFamily="34" charset="0"/>
               </a:rPr>
-              <a:t>Update</a:t>
-            </a:r>
-            <a:endParaRPr lang="en-US" sz="1800" b="1" dirty="0">
+              <a:t>- Update</a:t>
+            </a:r>
+            <a:endParaRPr lang="en-US" sz="1800" dirty="0">
+              <a:solidFill>
+                <a:srgbClr val="FF0000"/>
+              </a:solidFill>
               <a:latin typeface="Calibri" panose="020F0502020204030204" pitchFamily="34" charset="0"/>
               <a:cs typeface="Calibri" panose="020F0502020204030204" pitchFamily="34" charset="0"/>
             </a:endParaRPr>
-          </a:p>
-          <a:p>
-            <a:r>
-              <a:rPr lang="en-US" sz="1800" dirty="0">
-                <a:latin typeface="Calibri" panose="020F0502020204030204" pitchFamily="34" charset="0"/>
-                <a:cs typeface="Calibri" panose="020F0502020204030204" pitchFamily="34" charset="0"/>
-              </a:rPr>
-              <a:t>If DWD is used to classify fMRI/FNC features and sMRI/SBM loadings, then on average a lower statistically significant F1 score, Log Loss, Categorical Cross entropy or AUC is expected compared to Support Vector Machine</a:t>
-            </a:r>
-          </a:p>
-          <a:p>
-            <a:endParaRPr lang="en-US" sz="1800" dirty="0">
-              <a:latin typeface="Calibri" panose="020F0502020204030204" pitchFamily="34" charset="0"/>
-              <a:cs typeface="Calibri" panose="020F0502020204030204" pitchFamily="34" charset="0"/>
-            </a:endParaRPr>
-          </a:p>
-          <a:p>
-            <a:r>
-              <a:rPr lang="en-US" sz="1800" dirty="0">
-                <a:latin typeface="Calibri" panose="020F0502020204030204" pitchFamily="34" charset="0"/>
-                <a:cs typeface="Calibri" panose="020F0502020204030204" pitchFamily="34" charset="0"/>
-              </a:rPr>
-              <a:t>List research methods you’re going to use to test your hypothesis, by type, objective, form, reasoning and justify why </a:t>
-            </a:r>
-            <a:r>
-              <a:rPr lang="en-US" sz="1800" b="1" dirty="0">
-                <a:latin typeface="Calibri" panose="020F0502020204030204" pitchFamily="34" charset="0"/>
-                <a:cs typeface="Calibri" panose="020F0502020204030204" pitchFamily="34" charset="0"/>
-              </a:rPr>
-              <a:t>- </a:t>
-            </a:r>
-            <a:r>
-              <a:rPr lang="en-US" sz="1800" b="1" dirty="0">
-                <a:solidFill>
-                  <a:srgbClr val="FF0000"/>
-                </a:solidFill>
-                <a:latin typeface="Calibri" panose="020F0502020204030204" pitchFamily="34" charset="0"/>
-                <a:cs typeface="Calibri" panose="020F0502020204030204" pitchFamily="34" charset="0"/>
-              </a:rPr>
-              <a:t>Update</a:t>
-            </a:r>
-            <a:endParaRPr lang="en-US" sz="1800" dirty="0">
-              <a:latin typeface="Calibri" panose="020F0502020204030204" pitchFamily="34" charset="0"/>
-              <a:cs typeface="Calibri" panose="020F0502020204030204" pitchFamily="34" charset="0"/>
-            </a:endParaRPr>
-          </a:p>
-          <a:p>
-            <a:r>
-              <a:rPr lang="en-US" sz="1800" dirty="0">
-                <a:latin typeface="Calibri" panose="020F0502020204030204" pitchFamily="34" charset="0"/>
-                <a:cs typeface="Calibri" panose="020F0502020204030204" pitchFamily="34" charset="0"/>
-              </a:rPr>
-              <a:t>https://towardsdatascience.com/the-5-classification-evaluation-metrics-you-must-know-aa97784ff226</a:t>
-            </a:r>
           </a:p>
         </p:txBody>
       </p:sp>
@@ -4904,10 +4926,15 @@
             <p:ph type="title"/>
           </p:nvPr>
         </p:nvSpPr>
-        <p:spPr/>
+        <p:spPr>
+          <a:xfrm>
+            <a:off x="0" y="0"/>
+            <a:ext cx="12192000" cy="1121134"/>
+          </a:xfrm>
+        </p:spPr>
         <p:txBody>
           <a:bodyPr>
-            <a:normAutofit/>
+            <a:normAutofit fontScale="90000"/>
           </a:bodyPr>
           <a:lstStyle/>
           <a:p>
@@ -4938,10 +4965,15 @@
             <p:ph idx="1"/>
           </p:nvPr>
         </p:nvSpPr>
-        <p:spPr/>
+        <p:spPr>
+          <a:xfrm>
+            <a:off x="0" y="1217146"/>
+            <a:ext cx="12192000" cy="5640854"/>
+          </a:xfrm>
+        </p:spPr>
         <p:txBody>
           <a:bodyPr>
-            <a:normAutofit fontScale="92500"/>
+            <a:normAutofit/>
           </a:bodyPr>
           <a:lstStyle/>
           <a:p>
@@ -5043,8 +5075,8 @@
         </p:nvSpPr>
         <p:spPr>
           <a:xfrm>
-            <a:off x="1066800" y="120316"/>
-            <a:ext cx="10058400" cy="507837"/>
+            <a:off x="0" y="0"/>
+            <a:ext cx="12192000" cy="507837"/>
           </a:xfrm>
         </p:spPr>
         <p:txBody>
@@ -5086,8 +5118,8 @@
         </p:nvSpPr>
         <p:spPr>
           <a:xfrm>
-            <a:off x="0" y="628153"/>
-            <a:ext cx="12192000" cy="6229847"/>
+            <a:off x="0" y="572494"/>
+            <a:ext cx="12192000" cy="6285506"/>
           </a:xfrm>
         </p:spPr>
         <p:txBody>
@@ -5554,6 +5586,69 @@
               </a:rPr>
               <a:t>https://doi.org/10.3389/fpsyt.2020.00016</a:t>
             </a:r>
+          </a:p>
+          <a:p>
+            <a:pPr marL="457200" indent="-457200">
+              <a:lnSpc>
+                <a:spcPct val="200000"/>
+              </a:lnSpc>
+            </a:pPr>
+            <a:r>
+              <a:rPr lang="en-GB" sz="900" dirty="0">
+                <a:effectLst/>
+                <a:latin typeface="Calibri" panose="020F0502020204030204" pitchFamily="34" charset="0"/>
+              </a:rPr>
+              <a:t>Marron, J. S., Todd, M. J., &amp; </a:t>
+            </a:r>
+            <a:r>
+              <a:rPr lang="en-GB" sz="900" dirty="0" err="1">
+                <a:effectLst/>
+                <a:latin typeface="Calibri" panose="020F0502020204030204" pitchFamily="34" charset="0"/>
+              </a:rPr>
+              <a:t>Ahn</a:t>
+            </a:r>
+            <a:r>
+              <a:rPr lang="en-GB" sz="900" dirty="0">
+                <a:effectLst/>
+                <a:latin typeface="Calibri" panose="020F0502020204030204" pitchFamily="34" charset="0"/>
+              </a:rPr>
+              <a:t>, J. (2007). Distance-Weighted Discrimination. </a:t>
+            </a:r>
+            <a:r>
+              <a:rPr lang="en-GB" sz="900" i="1" dirty="0">
+                <a:effectLst/>
+                <a:latin typeface="Calibri" panose="020F0502020204030204" pitchFamily="34" charset="0"/>
+              </a:rPr>
+              <a:t>Journal of the American Statistical Association</a:t>
+            </a:r>
+            <a:r>
+              <a:rPr lang="en-GB" sz="900" dirty="0">
+                <a:effectLst/>
+                <a:latin typeface="Calibri" panose="020F0502020204030204" pitchFamily="34" charset="0"/>
+              </a:rPr>
+              <a:t>, </a:t>
+            </a:r>
+            <a:r>
+              <a:rPr lang="en-GB" sz="900" i="1" dirty="0">
+                <a:effectLst/>
+                <a:latin typeface="Calibri" panose="020F0502020204030204" pitchFamily="34" charset="0"/>
+              </a:rPr>
+              <a:t>102</a:t>
+            </a:r>
+            <a:r>
+              <a:rPr lang="en-GB" sz="900" dirty="0">
+                <a:effectLst/>
+                <a:latin typeface="Calibri" panose="020F0502020204030204" pitchFamily="34" charset="0"/>
+              </a:rPr>
+              <a:t>(480), 1267–1271. https://doi.org/10.1198/016214507000001120</a:t>
+            </a:r>
+          </a:p>
+          <a:p>
+            <a:pPr marL="457200" indent="-457200">
+              <a:lnSpc>
+                <a:spcPct val="200000"/>
+              </a:lnSpc>
+            </a:pPr>
             <a:endParaRPr lang="en-GB" sz="900" dirty="0">
               <a:effectLst/>
               <a:latin typeface="Calibri" panose="020F0502020204030204" pitchFamily="34" charset="0"/>
@@ -5655,8 +5750,8 @@
         </p:nvSpPr>
         <p:spPr>
           <a:xfrm>
-            <a:off x="1133458" y="144714"/>
-            <a:ext cx="10058400" cy="541086"/>
+            <a:off x="0" y="0"/>
+            <a:ext cx="12192000" cy="541086"/>
           </a:xfrm>
         </p:spPr>
         <p:txBody>
@@ -5698,8 +5793,8 @@
         </p:nvSpPr>
         <p:spPr>
           <a:xfrm>
-            <a:off x="0" y="685800"/>
-            <a:ext cx="12191999" cy="6172200"/>
+            <a:off x="0" y="541086"/>
+            <a:ext cx="12191999" cy="6316914"/>
           </a:xfrm>
         </p:spPr>
         <p:txBody>
@@ -6259,7 +6354,7 @@
         </p:spPr>
         <p:txBody>
           <a:bodyPr>
-            <a:normAutofit fontScale="62500" lnSpcReduction="20000"/>
+            <a:normAutofit fontScale="40000" lnSpcReduction="20000"/>
           </a:bodyPr>
           <a:lstStyle/>
           <a:p>
@@ -6288,6 +6383,38 @@
                 <a:cs typeface="Calibri" panose="020F0502020204030204" pitchFamily="34" charset="0"/>
               </a:rPr>
               <a:t> 35,432</a:t>
+            </a:r>
+          </a:p>
+          <a:p>
+            <a:r>
+              <a:rPr lang="en-US" sz="2200" u="sng" dirty="0">
+                <a:latin typeface="Calibri" panose="020F0502020204030204" pitchFamily="34" charset="0"/>
+                <a:cs typeface="Calibri" panose="020F0502020204030204" pitchFamily="34" charset="0"/>
+              </a:rPr>
+              <a:t>Trying to predict:</a:t>
+            </a:r>
+            <a:r>
+              <a:rPr lang="en-US" sz="2200" dirty="0">
+                <a:latin typeface="Calibri" panose="020F0502020204030204" pitchFamily="34" charset="0"/>
+                <a:cs typeface="Calibri" panose="020F0502020204030204" pitchFamily="34" charset="0"/>
+              </a:rPr>
+              <a:t> The class/id pair indicated by a binary column called class with a range of 1 or 0 representing patients with and without schizophrenia</a:t>
+            </a:r>
+          </a:p>
+          <a:p>
+            <a:r>
+              <a:rPr lang="en-US" sz="2200" u="sng" dirty="0">
+                <a:latin typeface="Calibri" panose="020F0502020204030204" pitchFamily="34" charset="0"/>
+                <a:cs typeface="Calibri" panose="020F0502020204030204" pitchFamily="34" charset="0"/>
+              </a:rPr>
+              <a:t>Other</a:t>
+            </a:r>
+            <a:r>
+              <a:rPr lang="en-US" sz="2200" dirty="0">
+                <a:latin typeface="Calibri" panose="020F0502020204030204" pitchFamily="34" charset="0"/>
+                <a:cs typeface="Calibri" panose="020F0502020204030204" pitchFamily="34" charset="0"/>
+              </a:rPr>
+              <a:t>: No differentiation between stages of schizophrenia or types of schizophrenia </a:t>
             </a:r>
             <a:endParaRPr lang="en-US" sz="2200" u="sng" dirty="0">
               <a:latin typeface="Calibri" panose="020F0502020204030204" pitchFamily="34" charset="0"/>
@@ -6381,6 +6508,33 @@
             </a:r>
           </a:p>
           <a:p>
+            <a:r>
+              <a:rPr lang="en-US" sz="2200" u="sng" dirty="0">
+                <a:latin typeface="Calibri" panose="020F0502020204030204" pitchFamily="34" charset="0"/>
+                <a:cs typeface="Calibri" panose="020F0502020204030204" pitchFamily="34" charset="0"/>
+              </a:rPr>
+              <a:t>What is this data</a:t>
+            </a:r>
+            <a:r>
+              <a:rPr lang="en-US" sz="2200" dirty="0">
+                <a:latin typeface="Calibri" panose="020F0502020204030204" pitchFamily="34" charset="0"/>
+                <a:cs typeface="Calibri" panose="020F0502020204030204" pitchFamily="34" charset="0"/>
+              </a:rPr>
+              <a:t>: It’s a set of </a:t>
+            </a:r>
+            <a:r>
+              <a:rPr lang="en-US" sz="2400" dirty="0">
+                <a:latin typeface="Calibri" panose="020F0502020204030204" pitchFamily="34" charset="0"/>
+                <a:cs typeface="Calibri" panose="020F0502020204030204" pitchFamily="34" charset="0"/>
+              </a:rPr>
+              <a:t>correlation values that describe the overall connection between pairs of brain maps over time</a:t>
+            </a:r>
+            <a:endParaRPr lang="en-US" sz="2200" dirty="0">
+              <a:latin typeface="Calibri" panose="020F0502020204030204" pitchFamily="34" charset="0"/>
+              <a:cs typeface="Calibri" panose="020F0502020204030204" pitchFamily="34" charset="0"/>
+            </a:endParaRPr>
+          </a:p>
+          <a:p>
             <a:pPr marL="0" indent="0" algn="ctr">
               <a:buNone/>
             </a:pPr>
@@ -6405,7 +6559,23 @@
                 <a:latin typeface="Calibri" panose="020F0502020204030204" pitchFamily="34" charset="0"/>
                 <a:cs typeface="Calibri" panose="020F0502020204030204" pitchFamily="34" charset="0"/>
               </a:rPr>
-              <a:t>: ordinal </a:t>
+              <a:t>: Ordinal</a:t>
+            </a:r>
+          </a:p>
+          <a:p>
+            <a:r>
+              <a:rPr lang="en-US" sz="2200" u="sng" dirty="0">
+                <a:latin typeface="Calibri" panose="020F0502020204030204" pitchFamily="34" charset="0"/>
+                <a:cs typeface="Calibri" panose="020F0502020204030204" pitchFamily="34" charset="0"/>
+              </a:rPr>
+              <a:t>Other</a:t>
+            </a:r>
+            <a:r>
+              <a:rPr lang="en-US" sz="2200" dirty="0">
+                <a:latin typeface="Calibri" panose="020F0502020204030204" pitchFamily="34" charset="0"/>
+                <a:cs typeface="Calibri" panose="020F0502020204030204" pitchFamily="34" charset="0"/>
+              </a:rPr>
+              <a:t>: Unique Identifier </a:t>
             </a:r>
           </a:p>
           <a:p>
@@ -6505,17 +6675,10 @@
                 <a:latin typeface="Calibri" panose="020F0502020204030204" pitchFamily="34" charset="0"/>
                 <a:cs typeface="Calibri" panose="020F0502020204030204" pitchFamily="34" charset="0"/>
               </a:rPr>
-              <a:t>Range</a:t>
-            </a:r>
-            <a:r>
-              <a:rPr lang="en-US" sz="2200" u="sng">
-                <a:latin typeface="Calibri" panose="020F0502020204030204" pitchFamily="34" charset="0"/>
-                <a:cs typeface="Calibri" panose="020F0502020204030204" pitchFamily="34" charset="0"/>
-              </a:rPr>
-              <a:t>:</a:t>
-            </a:r>
-            <a:r>
-              <a:rPr lang="en-US" sz="2200">
+              <a:t>Range:</a:t>
+            </a:r>
+            <a:r>
+              <a:rPr lang="en-US" sz="2200" dirty="0">
                 <a:latin typeface="Calibri" panose="020F0502020204030204" pitchFamily="34" charset="0"/>
                 <a:cs typeface="Calibri" panose="020F0502020204030204" pitchFamily="34" charset="0"/>
               </a:rPr>
@@ -6613,6 +6776,33 @@
             </a:r>
           </a:p>
           <a:p>
+            <a:r>
+              <a:rPr lang="en-US" sz="2200" u="sng" dirty="0">
+                <a:latin typeface="Calibri" panose="020F0502020204030204" pitchFamily="34" charset="0"/>
+                <a:cs typeface="Calibri" panose="020F0502020204030204" pitchFamily="34" charset="0"/>
+              </a:rPr>
+              <a:t>What is this data</a:t>
+            </a:r>
+            <a:r>
+              <a:rPr lang="en-US" sz="2200" dirty="0">
+                <a:latin typeface="Calibri" panose="020F0502020204030204" pitchFamily="34" charset="0"/>
+                <a:cs typeface="Calibri" panose="020F0502020204030204" pitchFamily="34" charset="0"/>
+              </a:rPr>
+              <a:t>: It’s a set of standardized </a:t>
+            </a:r>
+            <a:r>
+              <a:rPr lang="en-US" sz="2400" dirty="0">
+                <a:latin typeface="Calibri" panose="020F0502020204030204" pitchFamily="34" charset="0"/>
+                <a:cs typeface="Calibri" panose="020F0502020204030204" pitchFamily="34" charset="0"/>
+              </a:rPr>
+              <a:t>weights of brain maps that describe the expression level of ICA brain maps derived from gray-matter concentration</a:t>
+            </a:r>
+            <a:endParaRPr lang="en-US" sz="2200" dirty="0">
+              <a:latin typeface="Calibri" panose="020F0502020204030204" pitchFamily="34" charset="0"/>
+              <a:cs typeface="Calibri" panose="020F0502020204030204" pitchFamily="34" charset="0"/>
+            </a:endParaRPr>
+          </a:p>
+          <a:p>
             <a:pPr marL="0" indent="0" algn="ctr">
               <a:buNone/>
             </a:pPr>
@@ -6637,7 +6827,7 @@
                 <a:latin typeface="Calibri" panose="020F0502020204030204" pitchFamily="34" charset="0"/>
                 <a:cs typeface="Calibri" panose="020F0502020204030204" pitchFamily="34" charset="0"/>
               </a:rPr>
-              <a:t>: ordinal</a:t>
+              <a:t>: Ordinal</a:t>
             </a:r>
           </a:p>
           <a:p>

--- a/Research Design & Proposal Writting/Assignment 2/c15311966_second_assignment.pptx
+++ b/Research Design & Proposal Writting/Assignment 2/c15311966_second_assignment.pptx
@@ -522,7 +522,7 @@
           <a:p>
             <a:fld id="{83284890-85D2-4D7B-8EF5-15A9C1DB8F42}" type="datetimeFigureOut">
               <a:rPr lang="en-US" dirty="0"/>
-              <a:t>11/21/2021</a:t>
+              <a:t>11/22/2021</a:t>
             </a:fld>
             <a:endParaRPr lang="en-US" dirty="0"/>
           </a:p>
@@ -697,7 +697,7 @@
           <a:p>
             <a:fld id="{87157CC2-0FC8-4686-B024-99790E0F5162}" type="datetimeFigureOut">
               <a:rPr lang="en-US" dirty="0"/>
-              <a:t>11/21/2021</a:t>
+              <a:t>11/22/2021</a:t>
             </a:fld>
             <a:endParaRPr lang="en-US" dirty="0"/>
           </a:p>
@@ -872,7 +872,7 @@
           <a:p>
             <a:fld id="{F6764DA5-CD3D-4590-A511-FCD3BC7A793E}" type="datetimeFigureOut">
               <a:rPr lang="en-US" dirty="0"/>
-              <a:t>11/21/2021</a:t>
+              <a:t>11/22/2021</a:t>
             </a:fld>
             <a:endParaRPr lang="en-US" dirty="0"/>
           </a:p>
@@ -1037,7 +1037,7 @@
           <a:p>
             <a:fld id="{82F5661D-6934-4B32-B92C-470368BF1EC6}" type="datetimeFigureOut">
               <a:rPr lang="en-US" dirty="0"/>
-              <a:t>11/21/2021</a:t>
+              <a:t>11/22/2021</a:t>
             </a:fld>
             <a:endParaRPr lang="en-US" dirty="0"/>
           </a:p>
@@ -1345,7 +1345,7 @@
           <a:p>
             <a:fld id="{C6F822A4-8DA6-4447-9B1F-C5DB58435268}" type="datetimeFigureOut">
               <a:rPr lang="en-US" dirty="0"/>
-              <a:t>11/21/2021</a:t>
+              <a:t>11/22/2021</a:t>
             </a:fld>
             <a:endParaRPr lang="en-US" dirty="0"/>
           </a:p>
@@ -1727,7 +1727,7 @@
           <a:p>
             <a:fld id="{E548D31E-DCDA-41A7-9C67-C4B11B94D21D}" type="datetimeFigureOut">
               <a:rPr lang="en-US" dirty="0"/>
-              <a:t>11/21/2021</a:t>
+              <a:t>11/22/2021</a:t>
             </a:fld>
             <a:endParaRPr lang="en-US" dirty="0"/>
           </a:p>
@@ -2156,7 +2156,7 @@
           <a:p>
             <a:fld id="{9B3762C0-B258-48F1-ADE6-176B4174CCDD}" type="datetimeFigureOut">
               <a:rPr lang="en-US" dirty="0"/>
-              <a:t>11/21/2021</a:t>
+              <a:t>11/22/2021</a:t>
             </a:fld>
             <a:endParaRPr lang="en-US" dirty="0"/>
           </a:p>
@@ -2269,7 +2269,7 @@
           <a:p>
             <a:fld id="{677919A6-33EB-49BD-A62F-1FA56B9F9712}" type="datetimeFigureOut">
               <a:rPr lang="en-US" dirty="0"/>
-              <a:t>11/21/2021</a:t>
+              <a:t>11/22/2021</a:t>
             </a:fld>
             <a:endParaRPr lang="en-US" dirty="0"/>
           </a:p>
@@ -2359,7 +2359,7 @@
           <a:p>
             <a:fld id="{CA4E7D1B-D673-4CF6-8672-009D42ABD2A0}" type="datetimeFigureOut">
               <a:rPr lang="en-US" dirty="0"/>
-              <a:t>11/21/2021</a:t>
+              <a:t>11/22/2021</a:t>
             </a:fld>
             <a:endParaRPr lang="en-US" dirty="0"/>
           </a:p>
@@ -2704,7 +2704,7 @@
           <a:p>
             <a:fld id="{DA16AA21-1863-4931-97CB-99D0A168701B}" type="datetimeFigureOut">
               <a:rPr lang="en-US" dirty="0"/>
-              <a:t>11/21/2021</a:t>
+              <a:t>11/22/2021</a:t>
             </a:fld>
             <a:endParaRPr lang="en-US" dirty="0"/>
           </a:p>
@@ -3124,7 +3124,7 @@
           <a:p>
             <a:fld id="{3772C379-9A7C-4C87-A116-CBE9F58B04C5}" type="datetimeFigureOut">
               <a:rPr lang="en-US" dirty="0"/>
-              <a:t>11/21/2021</a:t>
+              <a:t>11/22/2021</a:t>
             </a:fld>
             <a:endParaRPr lang="en-US" dirty="0"/>
           </a:p>
@@ -3400,7 +3400,7 @@
           <a:p>
             <a:fld id="{8664C608-40B1-4030-A28D-5B74BC98ADCE}" type="datetimeFigureOut">
               <a:rPr lang="en-US" dirty="0"/>
-              <a:t>11/21/2021</a:t>
+              <a:t>11/22/2021</a:t>
             </a:fld>
             <a:endParaRPr lang="en-US" dirty="0"/>
           </a:p>
@@ -4819,7 +4819,7 @@
                 <a:latin typeface="Calibri" panose="020F0502020204030204" pitchFamily="34" charset="0"/>
                 <a:cs typeface="Calibri" panose="020F0502020204030204" pitchFamily="34" charset="0"/>
               </a:rPr>
-              <a:t>Type: Secondary research, using previously collected and prepared data supported by a systematic review of existing research on SVM use cases for mental illness classification along with state of the art HDLSS data analysis methodologies such as DWD</a:t>
+              <a:t>Type: Secondary research, using Mind Research Networks dataset supported by a systematic review of existing research on SVM use cases for mental illness classification along with state of the art HDLSS data analysis methodologies such as DWD in order to create a statistical model to compare performance among other differences when examining HDLSS data</a:t>
             </a:r>
           </a:p>
           <a:p>
@@ -4828,7 +4828,7 @@
                 <a:latin typeface="Calibri" panose="020F0502020204030204" pitchFamily="34" charset="0"/>
                 <a:cs typeface="Calibri" panose="020F0502020204030204" pitchFamily="34" charset="0"/>
               </a:rPr>
-              <a:t>Objective: Quantitative research, via the development of classification models evaluated by F1 score, Log Loss, Categorical Cross entropy or AUC</a:t>
+              <a:t>Objective: Quantitative research, via the development of classification models evaluated by F1 score, Log Loss, Categorical Cross entropy or AUC on top of investigating the causation of differences in accuracy between a specialized method such as DWD </a:t>
             </a:r>
           </a:p>
           <a:p>
@@ -4837,7 +4837,7 @@
                 <a:latin typeface="Calibri" panose="020F0502020204030204" pitchFamily="34" charset="0"/>
                 <a:cs typeface="Calibri" panose="020F0502020204030204" pitchFamily="34" charset="0"/>
               </a:rPr>
-              <a:t>Form: Empirical research, accept or reject the null hypothesis based on results gathered from model evaluation from running the experiment</a:t>
+              <a:t>Form: Empirical research, accept or reject the null hypothesis based on results gathered from model evaluation once the experiment is concluded and evaluate the differences between a method that is more suited for HDLSS data</a:t>
             </a:r>
           </a:p>
           <a:p>
@@ -4846,37 +4846,8 @@
                 <a:latin typeface="Calibri" panose="020F0502020204030204" pitchFamily="34" charset="0"/>
                 <a:cs typeface="Calibri" panose="020F0502020204030204" pitchFamily="34" charset="0"/>
               </a:rPr>
-              <a:t>Reasoning: Deductive approach </a:t>
-            </a:r>
-          </a:p>
-          <a:p>
-            <a:r>
-              <a:rPr lang="en-US" sz="1800" dirty="0">
-                <a:solidFill>
-                  <a:srgbClr val="FF0000"/>
-                </a:solidFill>
-                <a:latin typeface="Calibri" panose="020F0502020204030204" pitchFamily="34" charset="0"/>
-                <a:cs typeface="Calibri" panose="020F0502020204030204" pitchFamily="34" charset="0"/>
-              </a:rPr>
-              <a:t>List research methods you’re going to use to test your hypothesis, by type, objective, form, reasoning and justify why </a:t>
-            </a:r>
-            <a:r>
-              <a:rPr lang="en-US" sz="1800" b="1" dirty="0">
-                <a:solidFill>
-                  <a:srgbClr val="FF0000"/>
-                </a:solidFill>
-                <a:latin typeface="Calibri" panose="020F0502020204030204" pitchFamily="34" charset="0"/>
-                <a:cs typeface="Calibri" panose="020F0502020204030204" pitchFamily="34" charset="0"/>
-              </a:rPr>
-              <a:t>- Update</a:t>
-            </a:r>
-            <a:endParaRPr lang="en-US" sz="1800" dirty="0">
-              <a:solidFill>
-                <a:srgbClr val="FF0000"/>
-              </a:solidFill>
-              <a:latin typeface="Calibri" panose="020F0502020204030204" pitchFamily="34" charset="0"/>
-              <a:cs typeface="Calibri" panose="020F0502020204030204" pitchFamily="34" charset="0"/>
-            </a:endParaRPr>
+              <a:t>Reasoning: Deductive approach, comparing SVM with DWD to form a hypothesis that will lead to an experiment from which metrics can be gathered that will either confirm or refute the null hypothesis</a:t>
+            </a:r>
           </a:p>
         </p:txBody>
       </p:sp>
@@ -4973,7 +4944,7 @@
         </p:spPr>
         <p:txBody>
           <a:bodyPr>
-            <a:normAutofit/>
+            <a:normAutofit fontScale="62500" lnSpcReduction="20000"/>
           </a:bodyPr>
           <a:lstStyle/>
           <a:p>
@@ -4991,7 +4962,7 @@
                 <a:latin typeface="Calibri" panose="020F0502020204030204" pitchFamily="34" charset="0"/>
                 <a:cs typeface="Calibri" panose="020F0502020204030204" pitchFamily="34" charset="0"/>
               </a:rPr>
-              <a:t>List of general and specific research objectives for describing what needs to be done in your experiment and for testing your research question as bullet points</a:t>
+              <a:t>AIM: Derive the differences in classification examine state of the art HDLSS classification techniques</a:t>
             </a:r>
           </a:p>
           <a:p>
@@ -5000,7 +4971,7 @@
                 <a:latin typeface="Calibri" panose="020F0502020204030204" pitchFamily="34" charset="0"/>
                 <a:cs typeface="Calibri" panose="020F0502020204030204" pitchFamily="34" charset="0"/>
               </a:rPr>
-              <a:t>O1</a:t>
+              <a:t>O1: Review dataset again along with the supplied “support scripts”</a:t>
             </a:r>
           </a:p>
           <a:p>
@@ -5009,8 +4980,118 @@
                 <a:latin typeface="Calibri" panose="020F0502020204030204" pitchFamily="34" charset="0"/>
                 <a:cs typeface="Calibri" panose="020F0502020204030204" pitchFamily="34" charset="0"/>
               </a:rPr>
-              <a:t>O2</a:t>
-            </a:r>
+              <a:t>O2: Review state of the art implementations of SVM for mental illness classification from identified papers/literature review</a:t>
+            </a:r>
+          </a:p>
+          <a:p>
+            <a:r>
+              <a:rPr lang="en-US" sz="2400" dirty="0">
+                <a:latin typeface="Calibri" panose="020F0502020204030204" pitchFamily="34" charset="0"/>
+                <a:cs typeface="Calibri" panose="020F0502020204030204" pitchFamily="34" charset="0"/>
+              </a:rPr>
+              <a:t>O3: Review state of the art techniques for HDLSS data analysis/classification such as DWD from identified papers/literature review</a:t>
+            </a:r>
+          </a:p>
+          <a:p>
+            <a:r>
+              <a:rPr lang="en-US" sz="2400" dirty="0">
+                <a:latin typeface="Calibri" panose="020F0502020204030204" pitchFamily="34" charset="0"/>
+                <a:cs typeface="Calibri" panose="020F0502020204030204" pitchFamily="34" charset="0"/>
+              </a:rPr>
+              <a:t>O4: Review how the dataset fits into both categories and how to best optimize each approach given time restrictions and data available</a:t>
+            </a:r>
+          </a:p>
+          <a:p>
+            <a:r>
+              <a:rPr lang="en-US" sz="2400" dirty="0">
+                <a:latin typeface="Calibri" panose="020F0502020204030204" pitchFamily="34" charset="0"/>
+                <a:cs typeface="Calibri" panose="020F0502020204030204" pitchFamily="34" charset="0"/>
+              </a:rPr>
+              <a:t>O5: Once both areas are reviewed and notes have been gathered box time for each implementation SVM and DWD, this is so that there is time to document and submit the results</a:t>
+            </a:r>
+          </a:p>
+          <a:p>
+            <a:r>
+              <a:rPr lang="en-US" sz="2400" dirty="0">
+                <a:latin typeface="Calibri" panose="020F0502020204030204" pitchFamily="34" charset="0"/>
+                <a:cs typeface="Calibri" panose="020F0502020204030204" pitchFamily="34" charset="0"/>
+              </a:rPr>
+              <a:t>O6: Given the allocated time, develop a basic prototype with default params to act as benchmark</a:t>
+            </a:r>
+          </a:p>
+          <a:p>
+            <a:r>
+              <a:rPr lang="en-US" sz="2400" dirty="0">
+                <a:latin typeface="Calibri" panose="020F0502020204030204" pitchFamily="34" charset="0"/>
+                <a:cs typeface="Calibri" panose="020F0502020204030204" pitchFamily="34" charset="0"/>
+              </a:rPr>
+              <a:t>O7: Using gathered notes tune hyperparameters and prepare dataset to best suit SVM, document process</a:t>
+            </a:r>
+          </a:p>
+          <a:p>
+            <a:r>
+              <a:rPr lang="en-US" sz="2400" dirty="0">
+                <a:latin typeface="Calibri" panose="020F0502020204030204" pitchFamily="34" charset="0"/>
+                <a:cs typeface="Calibri" panose="020F0502020204030204" pitchFamily="34" charset="0"/>
+              </a:rPr>
+              <a:t>O8: Repeat O7 for DWD, however DWD doesn’t require any feature selection more time can be spent on data preparation </a:t>
+            </a:r>
+          </a:p>
+          <a:p>
+            <a:r>
+              <a:rPr lang="en-US" sz="2400" dirty="0">
+                <a:latin typeface="Calibri" panose="020F0502020204030204" pitchFamily="34" charset="0"/>
+                <a:cs typeface="Calibri" panose="020F0502020204030204" pitchFamily="34" charset="0"/>
+              </a:rPr>
+              <a:t>O9: Build SVM model/s gather results from F1 score, Log Loss, Categorical Cross entropy and AUC – format into tables</a:t>
+            </a:r>
+          </a:p>
+          <a:p>
+            <a:r>
+              <a:rPr lang="en-US" sz="2400" dirty="0">
+                <a:latin typeface="Calibri" panose="020F0502020204030204" pitchFamily="34" charset="0"/>
+                <a:cs typeface="Calibri" panose="020F0502020204030204" pitchFamily="34" charset="0"/>
+              </a:rPr>
+              <a:t>O10: Repeat O9 for DWD</a:t>
+            </a:r>
+          </a:p>
+          <a:p>
+            <a:r>
+              <a:rPr lang="en-US" sz="2400" dirty="0">
+                <a:latin typeface="Calibri" panose="020F0502020204030204" pitchFamily="34" charset="0"/>
+                <a:cs typeface="Calibri" panose="020F0502020204030204" pitchFamily="34" charset="0"/>
+              </a:rPr>
+              <a:t>O11: Compare results from O9 and O10</a:t>
+            </a:r>
+          </a:p>
+          <a:p>
+            <a:r>
+              <a:rPr lang="en-US" sz="2400" dirty="0">
+                <a:latin typeface="Calibri" panose="020F0502020204030204" pitchFamily="34" charset="0"/>
+                <a:cs typeface="Calibri" panose="020F0502020204030204" pitchFamily="34" charset="0"/>
+              </a:rPr>
+              <a:t>O12: Review material from O2 and O3 to support the differences and potentially identify more material to do so</a:t>
+            </a:r>
+          </a:p>
+          <a:p>
+            <a:r>
+              <a:rPr lang="en-US" sz="2400" dirty="0">
+                <a:latin typeface="Calibri" panose="020F0502020204030204" pitchFamily="34" charset="0"/>
+                <a:cs typeface="Calibri" panose="020F0502020204030204" pitchFamily="34" charset="0"/>
+              </a:rPr>
+              <a:t>O13: </a:t>
+            </a:r>
+            <a:r>
+              <a:rPr lang="en-US" sz="2400">
+                <a:latin typeface="Calibri" panose="020F0502020204030204" pitchFamily="34" charset="0"/>
+                <a:cs typeface="Calibri" panose="020F0502020204030204" pitchFamily="34" charset="0"/>
+              </a:rPr>
+              <a:t>Write report</a:t>
+            </a:r>
+            <a:endParaRPr lang="en-US" sz="2400" dirty="0">
+              <a:latin typeface="Calibri" panose="020F0502020204030204" pitchFamily="34" charset="0"/>
+              <a:cs typeface="Calibri" panose="020F0502020204030204" pitchFamily="34" charset="0"/>
+            </a:endParaRPr>
           </a:p>
           <a:p>
             <a:r>

--- a/Research Design & Proposal Writting/Assignment 2/c15311966_second_assignment.pptx
+++ b/Research Design & Proposal Writting/Assignment 2/c15311966_second_assignment.pptx
@@ -13,6 +13,7 @@
     <p:sldId id="261" r:id="rId7"/>
     <p:sldId id="262" r:id="rId8"/>
     <p:sldId id="257" r:id="rId9"/>
+    <p:sldId id="264" r:id="rId10"/>
   </p:sldIdLst>
   <p:sldSz cx="12192000" cy="6858000"/>
   <p:notesSz cx="6858000" cy="9144000"/>
@@ -522,7 +523,7 @@
           <a:p>
             <a:fld id="{83284890-85D2-4D7B-8EF5-15A9C1DB8F42}" type="datetimeFigureOut">
               <a:rPr lang="en-US" dirty="0"/>
-              <a:t>11/22/2021</a:t>
+              <a:t>11/23/2021</a:t>
             </a:fld>
             <a:endParaRPr lang="en-US" dirty="0"/>
           </a:p>
@@ -697,7 +698,7 @@
           <a:p>
             <a:fld id="{87157CC2-0FC8-4686-B024-99790E0F5162}" type="datetimeFigureOut">
               <a:rPr lang="en-US" dirty="0"/>
-              <a:t>11/22/2021</a:t>
+              <a:t>11/23/2021</a:t>
             </a:fld>
             <a:endParaRPr lang="en-US" dirty="0"/>
           </a:p>
@@ -872,7 +873,7 @@
           <a:p>
             <a:fld id="{F6764DA5-CD3D-4590-A511-FCD3BC7A793E}" type="datetimeFigureOut">
               <a:rPr lang="en-US" dirty="0"/>
-              <a:t>11/22/2021</a:t>
+              <a:t>11/23/2021</a:t>
             </a:fld>
             <a:endParaRPr lang="en-US" dirty="0"/>
           </a:p>
@@ -1037,7 +1038,7 @@
           <a:p>
             <a:fld id="{82F5661D-6934-4B32-B92C-470368BF1EC6}" type="datetimeFigureOut">
               <a:rPr lang="en-US" dirty="0"/>
-              <a:t>11/22/2021</a:t>
+              <a:t>11/23/2021</a:t>
             </a:fld>
             <a:endParaRPr lang="en-US" dirty="0"/>
           </a:p>
@@ -1345,7 +1346,7 @@
           <a:p>
             <a:fld id="{C6F822A4-8DA6-4447-9B1F-C5DB58435268}" type="datetimeFigureOut">
               <a:rPr lang="en-US" dirty="0"/>
-              <a:t>11/22/2021</a:t>
+              <a:t>11/23/2021</a:t>
             </a:fld>
             <a:endParaRPr lang="en-US" dirty="0"/>
           </a:p>
@@ -1727,7 +1728,7 @@
           <a:p>
             <a:fld id="{E548D31E-DCDA-41A7-9C67-C4B11B94D21D}" type="datetimeFigureOut">
               <a:rPr lang="en-US" dirty="0"/>
-              <a:t>11/22/2021</a:t>
+              <a:t>11/23/2021</a:t>
             </a:fld>
             <a:endParaRPr lang="en-US" dirty="0"/>
           </a:p>
@@ -2156,7 +2157,7 @@
           <a:p>
             <a:fld id="{9B3762C0-B258-48F1-ADE6-176B4174CCDD}" type="datetimeFigureOut">
               <a:rPr lang="en-US" dirty="0"/>
-              <a:t>11/22/2021</a:t>
+              <a:t>11/23/2021</a:t>
             </a:fld>
             <a:endParaRPr lang="en-US" dirty="0"/>
           </a:p>
@@ -2269,7 +2270,7 @@
           <a:p>
             <a:fld id="{677919A6-33EB-49BD-A62F-1FA56B9F9712}" type="datetimeFigureOut">
               <a:rPr lang="en-US" dirty="0"/>
-              <a:t>11/22/2021</a:t>
+              <a:t>11/23/2021</a:t>
             </a:fld>
             <a:endParaRPr lang="en-US" dirty="0"/>
           </a:p>
@@ -2359,7 +2360,7 @@
           <a:p>
             <a:fld id="{CA4E7D1B-D673-4CF6-8672-009D42ABD2A0}" type="datetimeFigureOut">
               <a:rPr lang="en-US" dirty="0"/>
-              <a:t>11/22/2021</a:t>
+              <a:t>11/23/2021</a:t>
             </a:fld>
             <a:endParaRPr lang="en-US" dirty="0"/>
           </a:p>
@@ -2704,7 +2705,7 @@
           <a:p>
             <a:fld id="{DA16AA21-1863-4931-97CB-99D0A168701B}" type="datetimeFigureOut">
               <a:rPr lang="en-US" dirty="0"/>
-              <a:t>11/22/2021</a:t>
+              <a:t>11/23/2021</a:t>
             </a:fld>
             <a:endParaRPr lang="en-US" dirty="0"/>
           </a:p>
@@ -3124,7 +3125,7 @@
           <a:p>
             <a:fld id="{3772C379-9A7C-4C87-A116-CBE9F58B04C5}" type="datetimeFigureOut">
               <a:rPr lang="en-US" dirty="0"/>
-              <a:t>11/22/2021</a:t>
+              <a:t>11/23/2021</a:t>
             </a:fld>
             <a:endParaRPr lang="en-US" dirty="0"/>
           </a:p>
@@ -3400,7 +3401,7 @@
           <a:p>
             <a:fld id="{8664C608-40B1-4030-A28D-5B74BC98ADCE}" type="datetimeFigureOut">
               <a:rPr lang="en-US" dirty="0"/>
-              <a:t>11/22/2021</a:t>
+              <a:t>11/23/2021</a:t>
             </a:fld>
             <a:endParaRPr lang="en-US" dirty="0"/>
           </a:p>
@@ -4583,7 +4584,31 @@
                 <a:latin typeface="Calibri" panose="020F0502020204030204" pitchFamily="34" charset="0"/>
                 <a:cs typeface="Calibri" panose="020F0502020204030204" pitchFamily="34" charset="0"/>
               </a:rPr>
-              <a:t>et al. 2007) </a:t>
+              <a:t>et al. 2007; </a:t>
+            </a:r>
+            <a:r>
+              <a:rPr lang="es-ES" sz="2000" dirty="0" err="1">
+                <a:effectLst/>
+                <a:latin typeface="Calibri" panose="020F0502020204030204" pitchFamily="34" charset="0"/>
+                <a:cs typeface="Calibri" panose="020F0502020204030204" pitchFamily="34" charset="0"/>
+              </a:rPr>
+              <a:t>Qiao</a:t>
+            </a:r>
+            <a:r>
+              <a:rPr lang="es-ES" sz="2000" dirty="0">
+                <a:effectLst/>
+                <a:latin typeface="Calibri" panose="020F0502020204030204" pitchFamily="34" charset="0"/>
+                <a:cs typeface="Calibri" panose="020F0502020204030204" pitchFamily="34" charset="0"/>
+              </a:rPr>
+              <a:t>, X et al. 2015; Liu, Y et al. 2011; Randall, H et al. 2020;</a:t>
+            </a:r>
+            <a:r>
+              <a:rPr lang="en-GB" sz="2000" dirty="0">
+                <a:effectLst/>
+                <a:latin typeface="Calibri" panose="020F0502020204030204" pitchFamily="34" charset="0"/>
+                <a:cs typeface="Calibri" panose="020F0502020204030204" pitchFamily="34" charset="0"/>
+              </a:rPr>
+              <a:t>) </a:t>
             </a:r>
             <a:r>
               <a:rPr lang="en-US" dirty="0">
@@ -5079,19 +5104,22 @@
                 <a:latin typeface="Calibri" panose="020F0502020204030204" pitchFamily="34" charset="0"/>
                 <a:cs typeface="Calibri" panose="020F0502020204030204" pitchFamily="34" charset="0"/>
               </a:rPr>
-              <a:t>O13: </a:t>
-            </a:r>
-            <a:r>
-              <a:rPr lang="en-US" sz="2400">
-                <a:latin typeface="Calibri" panose="020F0502020204030204" pitchFamily="34" charset="0"/>
-                <a:cs typeface="Calibri" panose="020F0502020204030204" pitchFamily="34" charset="0"/>
-              </a:rPr>
-              <a:t>Write report</a:t>
-            </a:r>
-            <a:endParaRPr lang="en-US" sz="2400" dirty="0">
-              <a:latin typeface="Calibri" panose="020F0502020204030204" pitchFamily="34" charset="0"/>
-              <a:cs typeface="Calibri" panose="020F0502020204030204" pitchFamily="34" charset="0"/>
-            </a:endParaRPr>
+              <a:t>O13: Write report – LDA or </a:t>
+            </a:r>
+            <a:r>
+              <a:rPr lang="en-US" sz="2400" dirty="0" err="1">
+                <a:latin typeface="Calibri" panose="020F0502020204030204" pitchFamily="34" charset="0"/>
+                <a:cs typeface="Calibri" panose="020F0502020204030204" pitchFamily="34" charset="0"/>
+              </a:rPr>
+              <a:t>Regularised</a:t>
+            </a:r>
+            <a:r>
+              <a:rPr lang="en-US" sz="2400" dirty="0">
+                <a:latin typeface="Calibri" panose="020F0502020204030204" pitchFamily="34" charset="0"/>
+                <a:cs typeface="Calibri" panose="020F0502020204030204" pitchFamily="34" charset="0"/>
+              </a:rPr>
+              <a:t> LDA</a:t>
+            </a:r>
           </a:p>
           <a:p>
             <a:r>
@@ -5468,7 +5496,7 @@
               </a:lnSpc>
             </a:pPr>
             <a:r>
-              <a:rPr lang="en-GB" sz="900" dirty="0">
+              <a:rPr lang="en-GB" sz="800" dirty="0">
                 <a:effectLst/>
                 <a:latin typeface="Calibri" panose="020F0502020204030204" pitchFamily="34" charset="0"/>
                 <a:cs typeface="Calibri" panose="020F0502020204030204" pitchFamily="34" charset="0"/>
@@ -5476,7 +5504,7 @@
               <a:t>Riccio, V. (2020, September 15). </a:t>
             </a:r>
             <a:r>
-              <a:rPr lang="en-GB" sz="900" i="1" dirty="0">
+              <a:rPr lang="en-GB" sz="800" i="1" dirty="0">
                 <a:effectLst/>
                 <a:latin typeface="Calibri" panose="020F0502020204030204" pitchFamily="34" charset="0"/>
                 <a:cs typeface="Calibri" panose="020F0502020204030204" pitchFamily="34" charset="0"/>
@@ -5484,7 +5512,7 @@
               <a:t>Testing machine learning based systems: a. . .</a:t>
             </a:r>
             <a:r>
-              <a:rPr lang="en-GB" sz="900" dirty="0">
+              <a:rPr lang="en-GB" sz="800" dirty="0">
                 <a:effectLst/>
                 <a:latin typeface="Calibri" panose="020F0502020204030204" pitchFamily="34" charset="0"/>
                 <a:cs typeface="Calibri" panose="020F0502020204030204" pitchFamily="34" charset="0"/>
@@ -5492,13 +5520,13 @@
               <a:t> Empirical Software Engineering. Retrieved October 28, 2021, from </a:t>
             </a:r>
             <a:r>
-              <a:rPr lang="en-GB" sz="900" dirty="0">
+              <a:rPr lang="en-GB" sz="800" dirty="0">
                 <a:latin typeface="Calibri" panose="020F0502020204030204" pitchFamily="34" charset="0"/>
                 <a:cs typeface="Calibri" panose="020F0502020204030204" pitchFamily="34" charset="0"/>
               </a:rPr>
               <a:t>https://link.springer.com/article/10.1007/s10664-020-09881-0?error=cookies_not_supported&amp;code=a9b11f32-dc9a-4091-8237-a8c50e2637c3</a:t>
             </a:r>
-            <a:endParaRPr lang="en-GB" sz="900" dirty="0">
+            <a:endParaRPr lang="en-GB" sz="800" dirty="0">
               <a:effectLst/>
               <a:latin typeface="Calibri" panose="020F0502020204030204" pitchFamily="34" charset="0"/>
               <a:cs typeface="Calibri" panose="020F0502020204030204" pitchFamily="34" charset="0"/>
@@ -5511,7 +5539,7 @@
               </a:lnSpc>
             </a:pPr>
             <a:r>
-              <a:rPr lang="en-GB" sz="900" dirty="0" err="1">
+              <a:rPr lang="en-GB" sz="800" dirty="0" err="1">
                 <a:effectLst/>
                 <a:latin typeface="Calibri" panose="020F0502020204030204" pitchFamily="34" charset="0"/>
                 <a:cs typeface="Calibri" panose="020F0502020204030204" pitchFamily="34" charset="0"/>
@@ -5519,7 +5547,7 @@
               <a:t>Colyer</a:t>
             </a:r>
             <a:r>
-              <a:rPr lang="en-GB" sz="900" dirty="0">
+              <a:rPr lang="en-GB" sz="800" dirty="0">
                 <a:effectLst/>
                 <a:latin typeface="Calibri" panose="020F0502020204030204" pitchFamily="34" charset="0"/>
                 <a:cs typeface="Calibri" panose="020F0502020204030204" pitchFamily="34" charset="0"/>
@@ -5527,7 +5555,7 @@
               <a:t>, A. (2019, June 5). </a:t>
             </a:r>
             <a:r>
-              <a:rPr lang="en-GB" sz="900" i="1" dirty="0">
+              <a:rPr lang="en-GB" sz="800" i="1" dirty="0">
                 <a:effectLst/>
                 <a:latin typeface="Calibri" panose="020F0502020204030204" pitchFamily="34" charset="0"/>
                 <a:cs typeface="Calibri" panose="020F0502020204030204" pitchFamily="34" charset="0"/>
@@ -5535,7 +5563,7 @@
               <a:t>Data validation for machine learning | the morning paper</a:t>
             </a:r>
             <a:r>
-              <a:rPr lang="en-GB" sz="900" dirty="0">
+              <a:rPr lang="en-GB" sz="800" dirty="0">
                 <a:effectLst/>
                 <a:latin typeface="Calibri" panose="020F0502020204030204" pitchFamily="34" charset="0"/>
                 <a:cs typeface="Calibri" panose="020F0502020204030204" pitchFamily="34" charset="0"/>
@@ -5543,7 +5571,7 @@
               <a:t>. </a:t>
             </a:r>
             <a:r>
-              <a:rPr lang="en-GB" sz="900" dirty="0" err="1">
+              <a:rPr lang="en-GB" sz="800" dirty="0" err="1">
                 <a:effectLst/>
                 <a:latin typeface="Calibri" panose="020F0502020204030204" pitchFamily="34" charset="0"/>
                 <a:cs typeface="Calibri" panose="020F0502020204030204" pitchFamily="34" charset="0"/>
@@ -5551,14 +5579,14 @@
               <a:t>Blog.Acolyer.Org</a:t>
             </a:r>
             <a:r>
-              <a:rPr lang="en-GB" sz="900" dirty="0">
+              <a:rPr lang="en-GB" sz="800" dirty="0">
                 <a:effectLst/>
                 <a:latin typeface="Calibri" panose="020F0502020204030204" pitchFamily="34" charset="0"/>
                 <a:cs typeface="Calibri" panose="020F0502020204030204" pitchFamily="34" charset="0"/>
               </a:rPr>
               <a:t>. Retrieved October 28, 2021, from https://blog.acolyer.org/2019/06/05/data-validation-for-machine-learning/</a:t>
             </a:r>
-            <a:endParaRPr lang="en-GB" sz="900" dirty="0">
+            <a:endParaRPr lang="en-GB" sz="800" dirty="0">
               <a:latin typeface="Calibri" panose="020F0502020204030204" pitchFamily="34" charset="0"/>
               <a:cs typeface="Calibri" panose="020F0502020204030204" pitchFamily="34" charset="0"/>
             </a:endParaRPr>
@@ -5570,7 +5598,7 @@
               </a:lnSpc>
             </a:pPr>
             <a:r>
-              <a:rPr lang="en-GB" sz="900" dirty="0" err="1">
+              <a:rPr lang="en-GB" sz="800" dirty="0" err="1">
                 <a:effectLst/>
                 <a:latin typeface="Calibri" panose="020F0502020204030204" pitchFamily="34" charset="0"/>
                 <a:cs typeface="Calibri" panose="020F0502020204030204" pitchFamily="34" charset="0"/>
@@ -5578,7 +5606,7 @@
               <a:t>Vadavalasa</a:t>
             </a:r>
             <a:r>
-              <a:rPr lang="en-GB" sz="900" dirty="0">
+              <a:rPr lang="en-GB" sz="800" dirty="0">
                 <a:effectLst/>
                 <a:latin typeface="Calibri" panose="020F0502020204030204" pitchFamily="34" charset="0"/>
                 <a:cs typeface="Calibri" panose="020F0502020204030204" pitchFamily="34" charset="0"/>
@@ -5586,7 +5614,7 @@
               <a:t>, </a:t>
             </a:r>
             <a:r>
-              <a:rPr lang="en-GB" sz="900" dirty="0" err="1">
+              <a:rPr lang="en-GB" sz="800" dirty="0" err="1">
                 <a:effectLst/>
                 <a:latin typeface="Calibri" panose="020F0502020204030204" pitchFamily="34" charset="0"/>
                 <a:cs typeface="Calibri" panose="020F0502020204030204" pitchFamily="34" charset="0"/>
@@ -5594,7 +5622,7 @@
               <a:t>Rammohan</a:t>
             </a:r>
             <a:r>
-              <a:rPr lang="en-GB" sz="900" dirty="0">
+              <a:rPr lang="en-GB" sz="800" dirty="0">
                 <a:effectLst/>
                 <a:latin typeface="Calibri" panose="020F0502020204030204" pitchFamily="34" charset="0"/>
                 <a:cs typeface="Calibri" panose="020F0502020204030204" pitchFamily="34" charset="0"/>
@@ -5602,13 +5630,13 @@
               <a:t>. (2021). Data Validation Process in Machine Learning Pipeline. </a:t>
             </a:r>
             <a:r>
-              <a:rPr lang="en-GB" sz="900" dirty="0">
+              <a:rPr lang="en-GB" sz="800" dirty="0">
                 <a:latin typeface="Calibri" panose="020F0502020204030204" pitchFamily="34" charset="0"/>
                 <a:cs typeface="Calibri" panose="020F0502020204030204" pitchFamily="34" charset="0"/>
               </a:rPr>
               <a:t>https://www.researchgate.net/publication/351022721_Data_Validation_Process_in_Machine_Learning_Pipeline</a:t>
             </a:r>
-            <a:endParaRPr lang="en-GB" sz="900" dirty="0">
+            <a:endParaRPr lang="en-GB" sz="800" dirty="0">
               <a:effectLst/>
               <a:latin typeface="Calibri" panose="020F0502020204030204" pitchFamily="34" charset="0"/>
               <a:cs typeface="Calibri" panose="020F0502020204030204" pitchFamily="34" charset="0"/>
@@ -5621,7 +5649,7 @@
               </a:lnSpc>
             </a:pPr>
             <a:r>
-              <a:rPr lang="en-GB" sz="900" dirty="0">
+              <a:rPr lang="en-GB" sz="800" dirty="0">
                 <a:effectLst/>
                 <a:latin typeface="Calibri" panose="020F0502020204030204" pitchFamily="34" charset="0"/>
                 <a:cs typeface="Calibri" panose="020F0502020204030204" pitchFamily="34" charset="0"/>
@@ -5629,7 +5657,7 @@
               <a:t>Oh, J., Oh, B. L., Lee, K. U., Chae, J. H., &amp; Yun, K. (2020). Identifying Schizophrenia Using Structural MRI With a Deep Learning Algorithm. </a:t>
             </a:r>
             <a:r>
-              <a:rPr lang="en-GB" sz="900" i="1" dirty="0">
+              <a:rPr lang="en-GB" sz="800" i="1" dirty="0">
                 <a:effectLst/>
                 <a:latin typeface="Calibri" panose="020F0502020204030204" pitchFamily="34" charset="0"/>
                 <a:cs typeface="Calibri" panose="020F0502020204030204" pitchFamily="34" charset="0"/>
@@ -5637,7 +5665,7 @@
               <a:t>Frontiers in Psychiatry</a:t>
             </a:r>
             <a:r>
-              <a:rPr lang="en-GB" sz="900" dirty="0">
+              <a:rPr lang="en-GB" sz="800" dirty="0">
                 <a:effectLst/>
                 <a:latin typeface="Calibri" panose="020F0502020204030204" pitchFamily="34" charset="0"/>
                 <a:cs typeface="Calibri" panose="020F0502020204030204" pitchFamily="34" charset="0"/>
@@ -5645,7 +5673,7 @@
               <a:t>, </a:t>
             </a:r>
             <a:r>
-              <a:rPr lang="en-GB" sz="900" i="1" dirty="0">
+              <a:rPr lang="en-GB" sz="800" i="1" dirty="0">
                 <a:effectLst/>
                 <a:latin typeface="Calibri" panose="020F0502020204030204" pitchFamily="34" charset="0"/>
                 <a:cs typeface="Calibri" panose="020F0502020204030204" pitchFamily="34" charset="0"/>
@@ -5653,7 +5681,7 @@
               <a:t>11</a:t>
             </a:r>
             <a:r>
-              <a:rPr lang="en-GB" sz="900" dirty="0">
+              <a:rPr lang="en-GB" sz="800" dirty="0">
                 <a:effectLst/>
                 <a:latin typeface="Calibri" panose="020F0502020204030204" pitchFamily="34" charset="0"/>
                 <a:cs typeface="Calibri" panose="020F0502020204030204" pitchFamily="34" charset="0"/>
@@ -5661,7 +5689,7 @@
               <a:t>. </a:t>
             </a:r>
             <a:r>
-              <a:rPr lang="en-GB" sz="900" dirty="0">
+              <a:rPr lang="en-GB" sz="800" dirty="0">
                 <a:latin typeface="Calibri" panose="020F0502020204030204" pitchFamily="34" charset="0"/>
                 <a:cs typeface="Calibri" panose="020F0502020204030204" pitchFamily="34" charset="0"/>
               </a:rPr>
@@ -5675,53 +5703,229 @@
               </a:lnSpc>
             </a:pPr>
             <a:r>
-              <a:rPr lang="en-GB" sz="900" dirty="0">
+              <a:rPr lang="en-GB" sz="800" dirty="0">
                 <a:effectLst/>
                 <a:latin typeface="Calibri" panose="020F0502020204030204" pitchFamily="34" charset="0"/>
               </a:rPr>
               <a:t>Marron, J. S., Todd, M. J., &amp; </a:t>
             </a:r>
             <a:r>
-              <a:rPr lang="en-GB" sz="900" dirty="0" err="1">
+              <a:rPr lang="en-GB" sz="800" dirty="0" err="1">
                 <a:effectLst/>
                 <a:latin typeface="Calibri" panose="020F0502020204030204" pitchFamily="34" charset="0"/>
               </a:rPr>
               <a:t>Ahn</a:t>
             </a:r>
             <a:r>
-              <a:rPr lang="en-GB" sz="900" dirty="0">
+              <a:rPr lang="en-GB" sz="800" dirty="0">
                 <a:effectLst/>
                 <a:latin typeface="Calibri" panose="020F0502020204030204" pitchFamily="34" charset="0"/>
               </a:rPr>
               <a:t>, J. (2007). Distance-Weighted Discrimination. </a:t>
             </a:r>
             <a:r>
-              <a:rPr lang="en-GB" sz="900" i="1" dirty="0">
+              <a:rPr lang="en-GB" sz="800" i="1" dirty="0">
                 <a:effectLst/>
                 <a:latin typeface="Calibri" panose="020F0502020204030204" pitchFamily="34" charset="0"/>
               </a:rPr>
               <a:t>Journal of the American Statistical Association</a:t>
             </a:r>
             <a:r>
-              <a:rPr lang="en-GB" sz="900" dirty="0">
+              <a:rPr lang="en-GB" sz="800" dirty="0">
                 <a:effectLst/>
                 <a:latin typeface="Calibri" panose="020F0502020204030204" pitchFamily="34" charset="0"/>
               </a:rPr>
               <a:t>, </a:t>
             </a:r>
             <a:r>
-              <a:rPr lang="en-GB" sz="900" i="1" dirty="0">
+              <a:rPr lang="en-GB" sz="800" i="1" dirty="0">
                 <a:effectLst/>
                 <a:latin typeface="Calibri" panose="020F0502020204030204" pitchFamily="34" charset="0"/>
               </a:rPr>
               <a:t>102</a:t>
             </a:r>
             <a:r>
-              <a:rPr lang="en-GB" sz="900" dirty="0">
-                <a:effectLst/>
-                <a:latin typeface="Calibri" panose="020F0502020204030204" pitchFamily="34" charset="0"/>
-              </a:rPr>
-              <a:t>(480), 1267–1271. https://doi.org/10.1198/016214507000001120</a:t>
+              <a:rPr lang="en-GB" sz="800" dirty="0">
+                <a:effectLst/>
+                <a:latin typeface="Calibri" panose="020F0502020204030204" pitchFamily="34" charset="0"/>
+              </a:rPr>
+              <a:t>(480), 1267–1271. </a:t>
+            </a:r>
+            <a:r>
+              <a:rPr lang="en-GB" sz="800" dirty="0">
+                <a:effectLst/>
+                <a:latin typeface="Calibri" panose="020F0502020204030204" pitchFamily="34" charset="0"/>
+                <a:hlinkClick r:id="rId2"/>
+              </a:rPr>
+              <a:t>https://doi.org/10.1198/016214507000001120</a:t>
+            </a:r>
+            <a:endParaRPr lang="en-GB" sz="800" dirty="0">
+              <a:effectLst/>
+              <a:latin typeface="Calibri" panose="020F0502020204030204" pitchFamily="34" charset="0"/>
+            </a:endParaRPr>
+          </a:p>
+          <a:p>
+            <a:pPr marL="457200" indent="-457200">
+              <a:lnSpc>
+                <a:spcPct val="200000"/>
+              </a:lnSpc>
+            </a:pPr>
+            <a:r>
+              <a:rPr lang="en-GB" sz="800" b="0" i="0" dirty="0" err="1">
+                <a:solidFill>
+                  <a:srgbClr val="222222"/>
+                </a:solidFill>
+                <a:effectLst/>
+                <a:latin typeface="Arial" panose="020B0604020202020204" pitchFamily="34" charset="0"/>
+              </a:rPr>
+              <a:t>Qiao</a:t>
+            </a:r>
+            <a:r>
+              <a:rPr lang="en-GB" sz="800" b="0" i="0" dirty="0">
+                <a:solidFill>
+                  <a:srgbClr val="222222"/>
+                </a:solidFill>
+                <a:effectLst/>
+                <a:latin typeface="Arial" panose="020B0604020202020204" pitchFamily="34" charset="0"/>
+              </a:rPr>
+              <a:t>, X., &amp; Zhang, L. (2015). Flexible high-dimensional classification machines and their asymptotic properties. </a:t>
+            </a:r>
+            <a:r>
+              <a:rPr lang="en-GB" sz="800" b="0" i="1" dirty="0">
+                <a:solidFill>
+                  <a:srgbClr val="222222"/>
+                </a:solidFill>
+                <a:effectLst/>
+                <a:latin typeface="Arial" panose="020B0604020202020204" pitchFamily="34" charset="0"/>
+              </a:rPr>
+              <a:t>The Journal of Machine Learning Research</a:t>
+            </a:r>
+            <a:r>
+              <a:rPr lang="en-GB" sz="800" b="0" i="0" dirty="0">
+                <a:solidFill>
+                  <a:srgbClr val="222222"/>
+                </a:solidFill>
+                <a:effectLst/>
+                <a:latin typeface="Arial" panose="020B0604020202020204" pitchFamily="34" charset="0"/>
+              </a:rPr>
+              <a:t>, </a:t>
+            </a:r>
+            <a:r>
+              <a:rPr lang="en-GB" sz="800" b="0" i="1" dirty="0">
+                <a:solidFill>
+                  <a:srgbClr val="222222"/>
+                </a:solidFill>
+                <a:effectLst/>
+                <a:latin typeface="Arial" panose="020B0604020202020204" pitchFamily="34" charset="0"/>
+              </a:rPr>
+              <a:t>16</a:t>
+            </a:r>
+            <a:r>
+              <a:rPr lang="en-GB" sz="800" b="0" i="0" dirty="0">
+                <a:solidFill>
+                  <a:srgbClr val="222222"/>
+                </a:solidFill>
+                <a:effectLst/>
+                <a:latin typeface="Arial" panose="020B0604020202020204" pitchFamily="34" charset="0"/>
+              </a:rPr>
+              <a:t>(1), 1547-1572.</a:t>
+            </a:r>
+            <a:r>
+              <a:rPr lang="en-GB" sz="800" b="0" i="0" dirty="0">
+                <a:solidFill>
+                  <a:srgbClr val="222222"/>
+                </a:solidFill>
+                <a:latin typeface="Calibri" panose="020F0502020204030204" pitchFamily="34" charset="0"/>
+              </a:rPr>
+              <a:t> </a:t>
+            </a:r>
+            <a:endParaRPr lang="en-GB" sz="800" dirty="0">
+              <a:effectLst/>
+              <a:latin typeface="Calibri" panose="020F0502020204030204" pitchFamily="34" charset="0"/>
+            </a:endParaRPr>
+          </a:p>
+          <a:p>
+            <a:pPr marL="457200" indent="-457200">
+              <a:lnSpc>
+                <a:spcPct val="200000"/>
+              </a:lnSpc>
+            </a:pPr>
+            <a:r>
+              <a:rPr lang="en-GB" sz="800" i="1" dirty="0">
+                <a:effectLst/>
+                <a:latin typeface="Calibri" panose="020F0502020204030204" pitchFamily="34" charset="0"/>
+              </a:rPr>
+              <a:t>Liu, Y., Zhang, H. H., &amp; Wu, Y. (2011). Hard or Soft Classification? Large-Margin Unified Machines. Journal of the American Statistical Association, 106(493), 166–177. https://doi.org/10.1198/jasa.2011.tm10319</a:t>
+            </a:r>
+          </a:p>
+          <a:p>
+            <a:pPr marL="457200" indent="-457200">
+              <a:lnSpc>
+                <a:spcPct val="200000"/>
+              </a:lnSpc>
+            </a:pPr>
+            <a:r>
+              <a:rPr lang="en-GB" sz="800" dirty="0">
+                <a:effectLst/>
+                <a:latin typeface="Calibri" panose="020F0502020204030204" pitchFamily="34" charset="0"/>
+              </a:rPr>
+              <a:t>Randall, H., </a:t>
+            </a:r>
+            <a:r>
+              <a:rPr lang="en-GB" sz="800" dirty="0" err="1">
+                <a:effectLst/>
+                <a:latin typeface="Calibri" panose="020F0502020204030204" pitchFamily="34" charset="0"/>
+              </a:rPr>
+              <a:t>Artemiou</a:t>
+            </a:r>
+            <a:r>
+              <a:rPr lang="en-GB" sz="800" dirty="0">
+                <a:effectLst/>
+                <a:latin typeface="Calibri" panose="020F0502020204030204" pitchFamily="34" charset="0"/>
+              </a:rPr>
+              <a:t>, A., &amp; </a:t>
+            </a:r>
+            <a:r>
+              <a:rPr lang="en-GB" sz="800" dirty="0" err="1">
+                <a:effectLst/>
+                <a:latin typeface="Calibri" panose="020F0502020204030204" pitchFamily="34" charset="0"/>
+              </a:rPr>
+              <a:t>Qiao</a:t>
+            </a:r>
+            <a:r>
+              <a:rPr lang="en-GB" sz="800" dirty="0">
+                <a:effectLst/>
+                <a:latin typeface="Calibri" panose="020F0502020204030204" pitchFamily="34" charset="0"/>
+              </a:rPr>
+              <a:t>, X. (2020). Sufficient dimension reduction based on distance‐weighted discrimination. </a:t>
+            </a:r>
+            <a:r>
+              <a:rPr lang="en-GB" sz="800" i="1" dirty="0">
+                <a:effectLst/>
+                <a:latin typeface="Calibri" panose="020F0502020204030204" pitchFamily="34" charset="0"/>
+              </a:rPr>
+              <a:t>Scandinavian Journal of Statistics</a:t>
+            </a:r>
+            <a:r>
+              <a:rPr lang="en-GB" sz="800" dirty="0">
+                <a:effectLst/>
+                <a:latin typeface="Calibri" panose="020F0502020204030204" pitchFamily="34" charset="0"/>
+              </a:rPr>
+              <a:t>, </a:t>
+            </a:r>
+            <a:r>
+              <a:rPr lang="en-GB" sz="800" i="1" dirty="0">
+                <a:effectLst/>
+                <a:latin typeface="Calibri" panose="020F0502020204030204" pitchFamily="34" charset="0"/>
+              </a:rPr>
+              <a:t>48</a:t>
+            </a:r>
+            <a:r>
+              <a:rPr lang="en-GB" sz="800" dirty="0">
+                <a:effectLst/>
+                <a:latin typeface="Calibri" panose="020F0502020204030204" pitchFamily="34" charset="0"/>
+              </a:rPr>
+              <a:t>(4), 1186–1211. https://doi.org/10.1111/sjos.12484</a:t>
             </a:r>
           </a:p>
           <a:p>
@@ -7028,6 +7232,93 @@
     <p:extLst>
       <p:ext uri="{BB962C8B-B14F-4D97-AF65-F5344CB8AC3E}">
         <p14:creationId xmlns:p14="http://schemas.microsoft.com/office/powerpoint/2010/main" val="2160243693"/>
+      </p:ext>
+    </p:extLst>
+  </p:cSld>
+  <p:clrMapOvr>
+    <a:masterClrMapping/>
+  </p:clrMapOvr>
+</p:sld>
+</file>
+
+<file path=ppt/slides/slide9.xml><?xml version="1.0" encoding="utf-8"?>
+<p:sld xmlns:a="http://schemas.openxmlformats.org/drawingml/2006/main" xmlns:r="http://schemas.openxmlformats.org/officeDocument/2006/relationships" xmlns:p="http://schemas.openxmlformats.org/presentationml/2006/main">
+  <p:cSld>
+    <p:spTree>
+      <p:nvGrpSpPr>
+        <p:cNvPr id="1" name=""/>
+        <p:cNvGrpSpPr/>
+        <p:nvPr/>
+      </p:nvGrpSpPr>
+      <p:grpSpPr>
+        <a:xfrm>
+          <a:off x="0" y="0"/>
+          <a:ext cx="0" cy="0"/>
+          <a:chOff x="0" y="0"/>
+          <a:chExt cx="0" cy="0"/>
+        </a:xfrm>
+      </p:grpSpPr>
+      <p:sp>
+        <p:nvSpPr>
+          <p:cNvPr id="2" name="Title 1">
+            <a:extLst>
+              <a:ext uri="{FF2B5EF4-FFF2-40B4-BE49-F238E27FC236}">
+                <a16:creationId xmlns:a16="http://schemas.microsoft.com/office/drawing/2014/main" id="{9B5EFE0C-AF28-4ADF-921E-D00CECBC1D56}"/>
+              </a:ext>
+            </a:extLst>
+          </p:cNvPr>
+          <p:cNvSpPr>
+            <a:spLocks noGrp="1"/>
+          </p:cNvSpPr>
+          <p:nvPr>
+            <p:ph type="title"/>
+          </p:nvPr>
+        </p:nvSpPr>
+        <p:spPr/>
+        <p:txBody>
+          <a:bodyPr/>
+          <a:lstStyle/>
+          <a:p>
+            <a:r>
+              <a:rPr lang="en-US" dirty="0"/>
+              <a:t>Notes </a:t>
+            </a:r>
+            <a:endParaRPr lang="en-GB" dirty="0"/>
+          </a:p>
+        </p:txBody>
+      </p:sp>
+      <p:sp>
+        <p:nvSpPr>
+          <p:cNvPr id="3" name="Content Placeholder 2">
+            <a:extLst>
+              <a:ext uri="{FF2B5EF4-FFF2-40B4-BE49-F238E27FC236}">
+                <a16:creationId xmlns:a16="http://schemas.microsoft.com/office/drawing/2014/main" id="{B26B860C-7807-40C8-BA1D-D75DC3A54DB4}"/>
+              </a:ext>
+            </a:extLst>
+          </p:cNvPr>
+          <p:cNvSpPr>
+            <a:spLocks noGrp="1"/>
+          </p:cNvSpPr>
+          <p:nvPr>
+            <p:ph idx="1"/>
+          </p:nvPr>
+        </p:nvSpPr>
+        <p:spPr/>
+        <p:txBody>
+          <a:bodyPr/>
+          <a:lstStyle/>
+          <a:p>
+            <a:r>
+              <a:rPr lang="en-GB" dirty="0"/>
+              <a:t>SVM is resistant to the imbalanced data issue, but it overfits high-dimensional data sets by showing the undesired data-piling phenomenon. The DWD method was proposed to improve SVM in the high dimensional setting, but its decision boundary is sensitive to the imbalanced ratio of sample sizes</a:t>
+            </a:r>
+          </a:p>
+        </p:txBody>
+      </p:sp>
+    </p:spTree>
+    <p:extLst>
+      <p:ext uri="{BB962C8B-B14F-4D97-AF65-F5344CB8AC3E}">
+        <p14:creationId xmlns:p14="http://schemas.microsoft.com/office/powerpoint/2010/main" val="2775147322"/>
       </p:ext>
     </p:extLst>
   </p:cSld>

--- a/Research Design & Proposal Writting/Assignment 2/c15311966_second_assignment.pptx
+++ b/Research Design & Proposal Writting/Assignment 2/c15311966_second_assignment.pptx
@@ -13,7 +13,6 @@
     <p:sldId id="261" r:id="rId7"/>
     <p:sldId id="262" r:id="rId8"/>
     <p:sldId id="257" r:id="rId9"/>
-    <p:sldId id="264" r:id="rId10"/>
   </p:sldIdLst>
   <p:sldSz cx="12192000" cy="6858000"/>
   <p:notesSz cx="6858000" cy="9144000"/>
@@ -523,7 +522,7 @@
           <a:p>
             <a:fld id="{83284890-85D2-4D7B-8EF5-15A9C1DB8F42}" type="datetimeFigureOut">
               <a:rPr lang="en-US" dirty="0"/>
-              <a:t>11/23/2021</a:t>
+              <a:t>11/25/2021</a:t>
             </a:fld>
             <a:endParaRPr lang="en-US" dirty="0"/>
           </a:p>
@@ -698,7 +697,7 @@
           <a:p>
             <a:fld id="{87157CC2-0FC8-4686-B024-99790E0F5162}" type="datetimeFigureOut">
               <a:rPr lang="en-US" dirty="0"/>
-              <a:t>11/23/2021</a:t>
+              <a:t>11/25/2021</a:t>
             </a:fld>
             <a:endParaRPr lang="en-US" dirty="0"/>
           </a:p>
@@ -873,7 +872,7 @@
           <a:p>
             <a:fld id="{F6764DA5-CD3D-4590-A511-FCD3BC7A793E}" type="datetimeFigureOut">
               <a:rPr lang="en-US" dirty="0"/>
-              <a:t>11/23/2021</a:t>
+              <a:t>11/25/2021</a:t>
             </a:fld>
             <a:endParaRPr lang="en-US" dirty="0"/>
           </a:p>
@@ -1038,7 +1037,7 @@
           <a:p>
             <a:fld id="{82F5661D-6934-4B32-B92C-470368BF1EC6}" type="datetimeFigureOut">
               <a:rPr lang="en-US" dirty="0"/>
-              <a:t>11/23/2021</a:t>
+              <a:t>11/25/2021</a:t>
             </a:fld>
             <a:endParaRPr lang="en-US" dirty="0"/>
           </a:p>
@@ -1346,7 +1345,7 @@
           <a:p>
             <a:fld id="{C6F822A4-8DA6-4447-9B1F-C5DB58435268}" type="datetimeFigureOut">
               <a:rPr lang="en-US" dirty="0"/>
-              <a:t>11/23/2021</a:t>
+              <a:t>11/25/2021</a:t>
             </a:fld>
             <a:endParaRPr lang="en-US" dirty="0"/>
           </a:p>
@@ -1728,7 +1727,7 @@
           <a:p>
             <a:fld id="{E548D31E-DCDA-41A7-9C67-C4B11B94D21D}" type="datetimeFigureOut">
               <a:rPr lang="en-US" dirty="0"/>
-              <a:t>11/23/2021</a:t>
+              <a:t>11/25/2021</a:t>
             </a:fld>
             <a:endParaRPr lang="en-US" dirty="0"/>
           </a:p>
@@ -2157,7 +2156,7 @@
           <a:p>
             <a:fld id="{9B3762C0-B258-48F1-ADE6-176B4174CCDD}" type="datetimeFigureOut">
               <a:rPr lang="en-US" dirty="0"/>
-              <a:t>11/23/2021</a:t>
+              <a:t>11/25/2021</a:t>
             </a:fld>
             <a:endParaRPr lang="en-US" dirty="0"/>
           </a:p>
@@ -2270,7 +2269,7 @@
           <a:p>
             <a:fld id="{677919A6-33EB-49BD-A62F-1FA56B9F9712}" type="datetimeFigureOut">
               <a:rPr lang="en-US" dirty="0"/>
-              <a:t>11/23/2021</a:t>
+              <a:t>11/25/2021</a:t>
             </a:fld>
             <a:endParaRPr lang="en-US" dirty="0"/>
           </a:p>
@@ -2360,7 +2359,7 @@
           <a:p>
             <a:fld id="{CA4E7D1B-D673-4CF6-8672-009D42ABD2A0}" type="datetimeFigureOut">
               <a:rPr lang="en-US" dirty="0"/>
-              <a:t>11/23/2021</a:t>
+              <a:t>11/25/2021</a:t>
             </a:fld>
             <a:endParaRPr lang="en-US" dirty="0"/>
           </a:p>
@@ -2705,7 +2704,7 @@
           <a:p>
             <a:fld id="{DA16AA21-1863-4931-97CB-99D0A168701B}" type="datetimeFigureOut">
               <a:rPr lang="en-US" dirty="0"/>
-              <a:t>11/23/2021</a:t>
+              <a:t>11/25/2021</a:t>
             </a:fld>
             <a:endParaRPr lang="en-US" dirty="0"/>
           </a:p>
@@ -3125,7 +3124,7 @@
           <a:p>
             <a:fld id="{3772C379-9A7C-4C87-A116-CBE9F58B04C5}" type="datetimeFigureOut">
               <a:rPr lang="en-US" dirty="0"/>
-              <a:t>11/23/2021</a:t>
+              <a:t>11/25/2021</a:t>
             </a:fld>
             <a:endParaRPr lang="en-US" dirty="0"/>
           </a:p>
@@ -3401,7 +3400,7 @@
           <a:p>
             <a:fld id="{8664C608-40B1-4030-A28D-5B74BC98ADCE}" type="datetimeFigureOut">
               <a:rPr lang="en-US" dirty="0"/>
-              <a:t>11/23/2021</a:t>
+              <a:t>11/25/2021</a:t>
             </a:fld>
             <a:endParaRPr lang="en-US" dirty="0"/>
           </a:p>
@@ -4311,17 +4310,7 @@
                 <a:latin typeface="Calibri" panose="020F0502020204030204" pitchFamily="34" charset="0"/>
                 <a:cs typeface="Calibri" panose="020F0502020204030204" pitchFamily="34" charset="0"/>
               </a:rPr>
-              <a:t> a collection of HDLSS schizophrenia datasets, no information about the stage or severity of schizophrenia of patients which this data was gathered from. </a:t>
-            </a:r>
-            <a:r>
-              <a:rPr lang="en-GB" dirty="0">
-                <a:solidFill>
-                  <a:srgbClr val="FF0000"/>
-                </a:solidFill>
-                <a:latin typeface="Calibri" panose="020F0502020204030204" pitchFamily="34" charset="0"/>
-                <a:cs typeface="Calibri" panose="020F0502020204030204" pitchFamily="34" charset="0"/>
-              </a:rPr>
-              <a:t>slide 4-5 </a:t>
+              <a:t> a collection of HDLSS schizophrenia datasets, no information about the stage, age or severity of schizophrenia of patients which this data was gathered from. </a:t>
             </a:r>
             <a:endParaRPr lang="en-US" dirty="0">
               <a:solidFill>
@@ -4401,37 +4390,30 @@
         </p:nvSpPr>
         <p:spPr>
           <a:xfrm>
-            <a:off x="0" y="0"/>
-            <a:ext cx="12192000" cy="1065475"/>
+            <a:off x="0" y="1"/>
+            <a:ext cx="12192000" cy="620202"/>
           </a:xfrm>
         </p:spPr>
         <p:txBody>
           <a:bodyPr>
-            <a:normAutofit fontScale="90000"/>
+            <a:normAutofit/>
           </a:bodyPr>
           <a:lstStyle/>
           <a:p>
             <a:pPr algn="ctr"/>
             <a:r>
-              <a:rPr lang="en-US" sz="4000" dirty="0">
-                <a:latin typeface="Times New Roman" panose="02020603050405020304" pitchFamily="18" charset="0"/>
-                <a:cs typeface="Times New Roman" panose="02020603050405020304" pitchFamily="18" charset="0"/>
-              </a:rPr>
-              <a:t>Gaps in the literature review and research question - </a:t>
-            </a:r>
-            <a:r>
-              <a:rPr lang="en-US" sz="4000" b="1" dirty="0">
+              <a:rPr lang="en-US" sz="3200" dirty="0">
                 <a:solidFill>
-                  <a:srgbClr val="FF0000"/>
+                  <a:schemeClr val="tx1"/>
                 </a:solidFill>
                 <a:latin typeface="Times New Roman" panose="02020603050405020304" pitchFamily="18" charset="0"/>
                 <a:cs typeface="Times New Roman" panose="02020603050405020304" pitchFamily="18" charset="0"/>
               </a:rPr>
-              <a:t>update</a:t>
-            </a:r>
-            <a:endParaRPr lang="en-GB" sz="4000" b="1" dirty="0">
+              <a:t>Gaps in the literature review and research question</a:t>
+            </a:r>
+            <a:endParaRPr lang="en-GB" sz="3200" b="1" dirty="0">
               <a:solidFill>
-                <a:srgbClr val="FF0000"/>
+                <a:schemeClr val="tx1"/>
               </a:solidFill>
               <a:latin typeface="Times New Roman" panose="02020603050405020304" pitchFamily="18" charset="0"/>
               <a:cs typeface="Times New Roman" panose="02020603050405020304" pitchFamily="18" charset="0"/>
@@ -4457,8 +4439,8 @@
         </p:nvSpPr>
         <p:spPr>
           <a:xfrm>
-            <a:off x="0" y="1065474"/>
-            <a:ext cx="12192000" cy="5792525"/>
+            <a:off x="0" y="556592"/>
+            <a:ext cx="12192000" cy="6301408"/>
           </a:xfrm>
         </p:spPr>
         <p:txBody>
@@ -4472,19 +4454,54 @@
                 <a:latin typeface="Calibri" panose="020F0502020204030204" pitchFamily="34" charset="0"/>
                 <a:cs typeface="Calibri" panose="020F0502020204030204" pitchFamily="34" charset="0"/>
               </a:rPr>
-              <a:t>There is an application gap because of a limited amount of data making it even more difficult when working with an already complex and elusive condition. Deep learning models seem to attain the best performance, however its short lived as it plumets by ~0.25 on an AUC when used to classify new datasets especially from younger cohorts with less extreme or early symptoms. This routes back to the issue of overfitting due to a lack of data, deep learning is prone to overfitting when used on HDLSS data. GANs and CADs could be investigated to see the effectiveness of synthesized data. Required literature exists, most techniques used for HDLSS datasets are in microbiology where researchers work on gene arrays, I think these methodologies could be leveraged for rare mental health disorders, this sparked the investigation to use more traditional approaches such as SVM. </a:t>
-            </a:r>
-          </a:p>
-          <a:p>
+              <a:t>There is an application and methodological gap. Meaning the state of the art heavily relies on SVM and DWD which both express some issues when working with HDLSS data, SVMs shortcomings stem from data-pilling where t</a:t>
+            </a:r>
+            <a:r>
+              <a:rPr lang="en-GB" i="0" dirty="0">
+                <a:effectLst/>
+                <a:latin typeface="Calibri" panose="020F0502020204030204" pitchFamily="34" charset="0"/>
+                <a:cs typeface="Calibri" panose="020F0502020204030204" pitchFamily="34" charset="0"/>
+              </a:rPr>
+              <a:t>raining data vectors from each class project to a single point for classification</a:t>
+            </a:r>
             <a:r>
               <a:rPr lang="en-US" dirty="0">
                 <a:latin typeface="Calibri" panose="020F0502020204030204" pitchFamily="34" charset="0"/>
                 <a:cs typeface="Calibri" panose="020F0502020204030204" pitchFamily="34" charset="0"/>
               </a:rPr>
+              <a:t> which causes it to overfit where as DWD is sensitive to the sample size ratio between classes denoted by the intercept term </a:t>
+            </a:r>
+            <a:r>
+              <a:rPr lang="el-GR" dirty="0">
+                <a:latin typeface="Calibri" panose="020F0502020204030204" pitchFamily="34" charset="0"/>
+                <a:cs typeface="Calibri" panose="020F0502020204030204" pitchFamily="34" charset="0"/>
+              </a:rPr>
+              <a:t>β</a:t>
+            </a:r>
+            <a:r>
+              <a:rPr lang="en-US" dirty="0">
+                <a:latin typeface="Calibri" panose="020F0502020204030204" pitchFamily="34" charset="0"/>
+                <a:cs typeface="Calibri" panose="020F0502020204030204" pitchFamily="34" charset="0"/>
+              </a:rPr>
+              <a:t>, this is a problem because when taking into consideration the differences between cohorts age, stage of schizophrenia, type of schizophrenia among other intricacies that make it hard to diagnose and distinguish between, once accounted for, this can cause/causes a class imbalance. In order to better understand the methodological gap an investigation between both methods and their subsequent implementations that follow will be undergone. Most techniques used for HDLSS datasets are in microbiology where researchers work on gene micro-arrays. </a:t>
+            </a:r>
+            <a:r>
+              <a:rPr lang="en-GB" sz="2000" dirty="0">
+                <a:effectLst/>
+                <a:latin typeface="Calibri" panose="020F0502020204030204" pitchFamily="34" charset="0"/>
+                <a:cs typeface="Calibri" panose="020F0502020204030204" pitchFamily="34" charset="0"/>
+              </a:rPr>
+              <a:t>There is very little variability in methods used at the top end they range from different implementations of SVM and DWD, meaning research is still being conducted on how to tackle shortcomings of both methods when classifying HDLSS data and target classes. </a:t>
+            </a:r>
+            <a:r>
+              <a:rPr lang="en-US" i="1" dirty="0">
+                <a:latin typeface="Calibri" panose="020F0502020204030204" pitchFamily="34" charset="0"/>
+                <a:cs typeface="Calibri" panose="020F0502020204030204" pitchFamily="34" charset="0"/>
+              </a:rPr>
               <a:t>(</a:t>
             </a:r>
             <a:r>
-              <a:rPr lang="en-GB" sz="2000" dirty="0">
+              <a:rPr lang="en-GB" sz="2000" i="1" dirty="0">
                 <a:effectLst/>
                 <a:latin typeface="Calibri" panose="020F0502020204030204" pitchFamily="34" charset="0"/>
                 <a:cs typeface="Calibri" panose="020F0502020204030204" pitchFamily="34" charset="0"/>
@@ -4492,7 +4509,7 @@
               <a:t>Sadeghi, D et al. 2021; Cortes-Briones, J. A. et al. 2021</a:t>
             </a:r>
             <a:r>
-              <a:rPr lang="en-US" sz="2000" dirty="0">
+              <a:rPr lang="en-US" sz="2000" i="1" dirty="0">
                 <a:effectLst/>
                 <a:latin typeface="Calibri" panose="020F0502020204030204" pitchFamily="34" charset="0"/>
                 <a:cs typeface="Calibri" panose="020F0502020204030204" pitchFamily="34" charset="0"/>
@@ -4500,7 +4517,7 @@
               <a:t>; </a:t>
             </a:r>
             <a:r>
-              <a:rPr lang="en-GB" sz="2000" dirty="0">
+              <a:rPr lang="en-GB" sz="2000" i="1" dirty="0">
                 <a:effectLst/>
                 <a:latin typeface="Calibri" panose="020F0502020204030204" pitchFamily="34" charset="0"/>
                 <a:cs typeface="Calibri" panose="020F0502020204030204" pitchFamily="34" charset="0"/>
@@ -4508,7 +4525,7 @@
               <a:t>Oh, J. et al. 2020; UYSAL, L et al. 1999; Lee, K.-Y et al. 2017; Singh Suri et al. 2021; Sadeghi, D et al. 2021; </a:t>
             </a:r>
             <a:r>
-              <a:rPr lang="en-GB" sz="2000" dirty="0" err="1">
+              <a:rPr lang="en-GB" sz="2000" i="1" dirty="0" err="1">
                 <a:effectLst/>
                 <a:latin typeface="Calibri" panose="020F0502020204030204" pitchFamily="34" charset="0"/>
                 <a:cs typeface="Calibri" panose="020F0502020204030204" pitchFamily="34" charset="0"/>
@@ -4516,7 +4533,7 @@
               <a:t>Castanon</a:t>
             </a:r>
             <a:r>
-              <a:rPr lang="en-GB" sz="2000" dirty="0">
+              <a:rPr lang="en-GB" sz="2000" i="1" dirty="0">
                 <a:effectLst/>
                 <a:latin typeface="Calibri" panose="020F0502020204030204" pitchFamily="34" charset="0"/>
                 <a:cs typeface="Calibri" panose="020F0502020204030204" pitchFamily="34" charset="0"/>
@@ -4524,7 +4541,7 @@
               <a:t>, J. 2019, March 19; Lin E et al. 2021; Wang, H et al. 2013; </a:t>
             </a:r>
             <a:r>
-              <a:rPr lang="en-GB" sz="2000" dirty="0" err="1">
+              <a:rPr lang="en-GB" sz="2000" i="1" dirty="0" err="1">
                 <a:effectLst/>
                 <a:latin typeface="Calibri" panose="020F0502020204030204" pitchFamily="34" charset="0"/>
                 <a:cs typeface="Calibri" panose="020F0502020204030204" pitchFamily="34" charset="0"/>
@@ -4532,7 +4549,7 @@
               <a:t>Colyer</a:t>
             </a:r>
             <a:r>
-              <a:rPr lang="en-GB" sz="2000" dirty="0">
+              <a:rPr lang="en-GB" sz="2000" i="1" dirty="0">
                 <a:effectLst/>
                 <a:latin typeface="Calibri" panose="020F0502020204030204" pitchFamily="34" charset="0"/>
                 <a:cs typeface="Calibri" panose="020F0502020204030204" pitchFamily="34" charset="0"/>
@@ -4540,7 +4557,7 @@
               <a:t>, A. 2019, June 5; </a:t>
             </a:r>
             <a:r>
-              <a:rPr lang="en-GB" sz="2000" dirty="0" err="1">
+              <a:rPr lang="en-GB" sz="2000" i="1" dirty="0" err="1">
                 <a:effectLst/>
                 <a:latin typeface="Calibri" panose="020F0502020204030204" pitchFamily="34" charset="0"/>
                 <a:cs typeface="Calibri" panose="020F0502020204030204" pitchFamily="34" charset="0"/>
@@ -4548,7 +4565,7 @@
               <a:t>Vadavalasa</a:t>
             </a:r>
             <a:r>
-              <a:rPr lang="en-GB" sz="2000" dirty="0">
+              <a:rPr lang="en-GB" sz="2000" i="1" dirty="0">
                 <a:effectLst/>
                 <a:latin typeface="Calibri" panose="020F0502020204030204" pitchFamily="34" charset="0"/>
                 <a:cs typeface="Calibri" panose="020F0502020204030204" pitchFamily="34" charset="0"/>
@@ -4556,7 +4573,7 @@
               <a:t>, </a:t>
             </a:r>
             <a:r>
-              <a:rPr lang="en-GB" sz="2000" dirty="0" err="1">
+              <a:rPr lang="en-GB" sz="2000" i="1" dirty="0" err="1">
                 <a:effectLst/>
                 <a:latin typeface="Calibri" panose="020F0502020204030204" pitchFamily="34" charset="0"/>
                 <a:cs typeface="Calibri" panose="020F0502020204030204" pitchFamily="34" charset="0"/>
@@ -4564,7 +4581,7 @@
               <a:t>Rammohan</a:t>
             </a:r>
             <a:r>
-              <a:rPr lang="en-GB" sz="2000" dirty="0">
+              <a:rPr lang="en-GB" sz="2000" i="1" dirty="0">
                 <a:effectLst/>
                 <a:latin typeface="Calibri" panose="020F0502020204030204" pitchFamily="34" charset="0"/>
                 <a:cs typeface="Calibri" panose="020F0502020204030204" pitchFamily="34" charset="0"/>
@@ -4572,14 +4589,14 @@
               <a:t> et al. 2021; Chen, R. 2020, July 23; Hasan, M. A et al. 2015; Miao, J et al. 2016; </a:t>
             </a:r>
             <a:r>
-              <a:rPr lang="en-GB" sz="2000" dirty="0">
+              <a:rPr lang="en-GB" sz="2000" i="1" dirty="0">
                 <a:effectLst/>
                 <a:latin typeface="Calibri" panose="020F0502020204030204" pitchFamily="34" charset="0"/>
               </a:rPr>
               <a:t>Marron, J. S </a:t>
             </a:r>
             <a:r>
-              <a:rPr lang="en-GB" sz="2000" dirty="0">
+              <a:rPr lang="en-GB" sz="2000" i="1" dirty="0">
                 <a:effectLst/>
                 <a:latin typeface="Calibri" panose="020F0502020204030204" pitchFamily="34" charset="0"/>
                 <a:cs typeface="Calibri" panose="020F0502020204030204" pitchFamily="34" charset="0"/>
@@ -4587,7 +4604,7 @@
               <a:t>et al. 2007; </a:t>
             </a:r>
             <a:r>
-              <a:rPr lang="es-ES" sz="2000" dirty="0" err="1">
+              <a:rPr lang="es-ES" sz="2000" i="1" dirty="0" err="1">
                 <a:effectLst/>
                 <a:latin typeface="Calibri" panose="020F0502020204030204" pitchFamily="34" charset="0"/>
                 <a:cs typeface="Calibri" panose="020F0502020204030204" pitchFamily="34" charset="0"/>
@@ -4595,20 +4612,75 @@
               <a:t>Qiao</a:t>
             </a:r>
             <a:r>
-              <a:rPr lang="es-ES" sz="2000" dirty="0">
-                <a:effectLst/>
-                <a:latin typeface="Calibri" panose="020F0502020204030204" pitchFamily="34" charset="0"/>
-                <a:cs typeface="Calibri" panose="020F0502020204030204" pitchFamily="34" charset="0"/>
-              </a:rPr>
-              <a:t>, X et al. 2015; Liu, Y et al. 2011; Randall, H et al. 2020;</a:t>
-            </a:r>
-            <a:r>
-              <a:rPr lang="en-GB" sz="2000" dirty="0">
-                <a:effectLst/>
-                <a:latin typeface="Calibri" panose="020F0502020204030204" pitchFamily="34" charset="0"/>
-                <a:cs typeface="Calibri" panose="020F0502020204030204" pitchFamily="34" charset="0"/>
-              </a:rPr>
-              <a:t>) </a:t>
+              <a:rPr lang="es-ES" sz="2000" i="1" dirty="0">
+                <a:effectLst/>
+                <a:latin typeface="Calibri" panose="020F0502020204030204" pitchFamily="34" charset="0"/>
+                <a:cs typeface="Calibri" panose="020F0502020204030204" pitchFamily="34" charset="0"/>
+              </a:rPr>
+              <a:t>, X et al. 2015; Liu, Y et al. 2011; Randall, H et al. 2020; </a:t>
+            </a:r>
+            <a:r>
+              <a:rPr lang="fr-FR" sz="2000" i="1" dirty="0">
+                <a:effectLst/>
+                <a:latin typeface="Calibri" panose="020F0502020204030204" pitchFamily="34" charset="0"/>
+                <a:cs typeface="Calibri" panose="020F0502020204030204" pitchFamily="34" charset="0"/>
+              </a:rPr>
+              <a:t>Marron, J. et al. 2007; Lui, Y. et al. 2011; Randall, H et al. 2020; </a:t>
+            </a:r>
+            <a:r>
+              <a:rPr lang="en-GB" sz="2000" b="0" i="1" dirty="0">
+                <a:effectLst/>
+                <a:latin typeface="Calibri" panose="020F0502020204030204" pitchFamily="34" charset="0"/>
+                <a:cs typeface="Calibri" panose="020F0502020204030204" pitchFamily="34" charset="0"/>
+              </a:rPr>
+              <a:t>Wang, B. et al. 2016</a:t>
+            </a:r>
+            <a:r>
+              <a:rPr lang="en-GB" i="1" dirty="0">
+                <a:latin typeface="Calibri" panose="020F0502020204030204" pitchFamily="34" charset="0"/>
+                <a:cs typeface="Calibri" panose="020F0502020204030204" pitchFamily="34" charset="0"/>
+              </a:rPr>
+              <a:t>; </a:t>
+            </a:r>
+            <a:r>
+              <a:rPr lang="en-GB" sz="2000" b="0" i="1" dirty="0">
+                <a:effectLst/>
+                <a:latin typeface="Calibri" panose="020F0502020204030204" pitchFamily="34" charset="0"/>
+                <a:cs typeface="Calibri" panose="020F0502020204030204" pitchFamily="34" charset="0"/>
+              </a:rPr>
+              <a:t>Wang, B. et al. 2017; </a:t>
+            </a:r>
+            <a:r>
+              <a:rPr lang="en-GB" sz="2000" i="1" dirty="0" err="1">
+                <a:effectLst/>
+                <a:latin typeface="Calibri" panose="020F0502020204030204" pitchFamily="34" charset="0"/>
+                <a:cs typeface="Calibri" panose="020F0502020204030204" pitchFamily="34" charset="0"/>
+              </a:rPr>
+              <a:t>Ahn</a:t>
+            </a:r>
+            <a:r>
+              <a:rPr lang="en-GB" sz="2000" i="1" dirty="0">
+                <a:effectLst/>
+                <a:latin typeface="Calibri" panose="020F0502020204030204" pitchFamily="34" charset="0"/>
+                <a:cs typeface="Calibri" panose="020F0502020204030204" pitchFamily="34" charset="0"/>
+              </a:rPr>
+              <a:t>, J. et al. 2015</a:t>
+            </a:r>
+            <a:r>
+              <a:rPr lang="en-US" sz="2000" i="1" dirty="0">
+                <a:effectLst/>
+                <a:latin typeface="Calibri" panose="020F0502020204030204" pitchFamily="34" charset="0"/>
+                <a:cs typeface="Calibri" panose="020F0502020204030204" pitchFamily="34" charset="0"/>
+              </a:rPr>
+              <a:t>; </a:t>
+            </a:r>
+            <a:r>
+              <a:rPr lang="en-GB" sz="2000" i="1" dirty="0">
+                <a:effectLst/>
+                <a:latin typeface="Calibri" panose="020F0502020204030204" pitchFamily="34" charset="0"/>
+                <a:cs typeface="Calibri" panose="020F0502020204030204" pitchFamily="34" charset="0"/>
+              </a:rPr>
+              <a:t>Zahoor, J. et al. 2020) </a:t>
             </a:r>
             <a:r>
               <a:rPr lang="en-US" dirty="0">
@@ -4627,18 +4699,15 @@
                 <a:latin typeface="Calibri" panose="020F0502020204030204" pitchFamily="34" charset="0"/>
                 <a:cs typeface="Calibri" panose="020F0502020204030204" pitchFamily="34" charset="0"/>
               </a:rPr>
-              <a:t>Research Question - </a:t>
-            </a:r>
-            <a:r>
-              <a:rPr lang="en-US" dirty="0">
-                <a:solidFill>
-                  <a:srgbClr val="FF0000"/>
-                </a:solidFill>
-                <a:latin typeface="Calibri" panose="020F0502020204030204" pitchFamily="34" charset="0"/>
-                <a:cs typeface="Calibri" panose="020F0502020204030204" pitchFamily="34" charset="0"/>
-              </a:rPr>
-              <a:t>Update</a:t>
-            </a:r>
+              <a:t>Research Question</a:t>
+            </a:r>
+            <a:endParaRPr lang="en-US" dirty="0">
+              <a:solidFill>
+                <a:srgbClr val="FF0000"/>
+              </a:solidFill>
+              <a:latin typeface="Calibri" panose="020F0502020204030204" pitchFamily="34" charset="0"/>
+              <a:cs typeface="Calibri" panose="020F0502020204030204" pitchFamily="34" charset="0"/>
+            </a:endParaRPr>
           </a:p>
           <a:p>
             <a:r>
@@ -4646,7 +4715,21 @@
                 <a:latin typeface="Calibri" panose="020F0502020204030204" pitchFamily="34" charset="0"/>
                 <a:cs typeface="Calibri" panose="020F0502020204030204" pitchFamily="34" charset="0"/>
               </a:rPr>
-              <a:t>What are the differences in classification accuracy between different implementations of regression techniques when classifying Schizophrenia using HDLSS data through sMRI and fMRI modalities?</a:t>
+              <a:t>What are the differences between different implementations of SVM and DWD techniques when classifying Schizophrenia using HDLSS data through </a:t>
+            </a:r>
+            <a:r>
+              <a:rPr lang="en-US" sz="2000" dirty="0">
+                <a:latin typeface="Calibri" panose="020F0502020204030204" pitchFamily="34" charset="0"/>
+                <a:cs typeface="Calibri" panose="020F0502020204030204" pitchFamily="34" charset="0"/>
+              </a:rPr>
+              <a:t>fMRI/FNC features and sMRI/SBM loadings</a:t>
+            </a:r>
+            <a:r>
+              <a:rPr lang="en-GB" dirty="0">
+                <a:latin typeface="Calibri" panose="020F0502020204030204" pitchFamily="34" charset="0"/>
+                <a:cs typeface="Calibri" panose="020F0502020204030204" pitchFamily="34" charset="0"/>
+              </a:rPr>
+              <a:t>?</a:t>
             </a:r>
           </a:p>
         </p:txBody>
@@ -4783,15 +4866,6 @@
             </a:r>
           </a:p>
           <a:p>
-            <a:r>
-              <a:rPr lang="en-US" sz="1800" dirty="0">
-                <a:latin typeface="Calibri" panose="020F0502020204030204" pitchFamily="34" charset="0"/>
-                <a:cs typeface="Calibri" panose="020F0502020204030204" pitchFamily="34" charset="0"/>
-              </a:rPr>
-              <a:t>Can someone preform the experiment given just this slide – idk why you’d do that but w/e </a:t>
-            </a:r>
-          </a:p>
-          <a:p>
             <a:pPr marL="0" indent="0" algn="ctr">
               <a:buNone/>
             </a:pPr>
@@ -4800,22 +4874,8 @@
                 <a:latin typeface="Calibri" panose="020F0502020204030204" pitchFamily="34" charset="0"/>
                 <a:cs typeface="Calibri" panose="020F0502020204030204" pitchFamily="34" charset="0"/>
               </a:rPr>
-              <a:t>Alternate Hypothesis - </a:t>
-            </a:r>
-            <a:r>
-              <a:rPr lang="en-US" sz="1800" b="1" dirty="0">
-                <a:solidFill>
-                  <a:srgbClr val="FF0000"/>
-                </a:solidFill>
-                <a:latin typeface="Calibri" panose="020F0502020204030204" pitchFamily="34" charset="0"/>
-                <a:cs typeface="Calibri" panose="020F0502020204030204" pitchFamily="34" charset="0"/>
-              </a:rPr>
-              <a:t>Update</a:t>
-            </a:r>
-            <a:endParaRPr lang="en-US" sz="1800" b="1" dirty="0">
-              <a:latin typeface="Calibri" panose="020F0502020204030204" pitchFamily="34" charset="0"/>
-              <a:cs typeface="Calibri" panose="020F0502020204030204" pitchFamily="34" charset="0"/>
-            </a:endParaRPr>
+              <a:t>Alternate Hypothesis</a:t>
+            </a:r>
           </a:p>
           <a:p>
             <a:r>
@@ -4844,7 +4904,7 @@
                 <a:latin typeface="Calibri" panose="020F0502020204030204" pitchFamily="34" charset="0"/>
                 <a:cs typeface="Calibri" panose="020F0502020204030204" pitchFamily="34" charset="0"/>
               </a:rPr>
-              <a:t>Type: Secondary research, using Mind Research Networks dataset supported by a systematic review of existing research on SVM use cases for mental illness classification along with state of the art HDLSS data analysis methodologies such as DWD in order to create a statistical model to compare performance among other differences when examining HDLSS data</a:t>
+              <a:t>Type: Secondary research, using Mind Research Networks dataset supported by a systematic review of existing research on SVM use cases for mental illness classification along with state of the art HDLSS data analysis methodologies such as DWD in order to create a statistical model to compare performance among other differences between SVM and DWD when examining HDLSS data</a:t>
             </a:r>
           </a:p>
           <a:p>
@@ -4969,7 +5029,7 @@
         </p:spPr>
         <p:txBody>
           <a:bodyPr>
-            <a:normAutofit fontScale="62500" lnSpcReduction="20000"/>
+            <a:normAutofit fontScale="70000" lnSpcReduction="20000"/>
           </a:bodyPr>
           <a:lstStyle/>
           <a:p>
@@ -4987,152 +5047,325 @@
                 <a:latin typeface="Calibri" panose="020F0502020204030204" pitchFamily="34" charset="0"/>
                 <a:cs typeface="Calibri" panose="020F0502020204030204" pitchFamily="34" charset="0"/>
               </a:rPr>
-              <a:t>AIM: Derive the differences in classification examine state of the art HDLSS classification techniques</a:t>
-            </a:r>
-          </a:p>
-          <a:p>
+              <a:t>AIM: </a:t>
+            </a:r>
+            <a:r>
+              <a:rPr lang="en-US" sz="2400" u="sng" dirty="0">
+                <a:latin typeface="Calibri" panose="020F0502020204030204" pitchFamily="34" charset="0"/>
+                <a:cs typeface="Calibri" panose="020F0502020204030204" pitchFamily="34" charset="0"/>
+              </a:rPr>
+              <a:t>Derive the differences in classification performance and examine the differences between SVM and DWD</a:t>
+            </a:r>
+          </a:p>
+          <a:p>
+            <a:r>
+              <a:rPr lang="en-US" sz="2400" b="1" dirty="0">
+                <a:latin typeface="Calibri" panose="020F0502020204030204" pitchFamily="34" charset="0"/>
+                <a:cs typeface="Calibri" panose="020F0502020204030204" pitchFamily="34" charset="0"/>
+              </a:rPr>
+              <a:t>O1</a:t>
+            </a:r>
             <a:r>
               <a:rPr lang="en-US" sz="2400" dirty="0">
                 <a:latin typeface="Calibri" panose="020F0502020204030204" pitchFamily="34" charset="0"/>
                 <a:cs typeface="Calibri" panose="020F0502020204030204" pitchFamily="34" charset="0"/>
               </a:rPr>
-              <a:t>O1: Review dataset again along with the supplied “support scripts”</a:t>
-            </a:r>
-          </a:p>
-          <a:p>
+              <a:t>: Review dataset again along with the supplied “support scripts” which show how to load additional data</a:t>
+            </a:r>
+          </a:p>
+          <a:p>
+            <a:r>
+              <a:rPr lang="en-US" sz="2400" b="1" dirty="0">
+                <a:latin typeface="Calibri" panose="020F0502020204030204" pitchFamily="34" charset="0"/>
+                <a:cs typeface="Calibri" panose="020F0502020204030204" pitchFamily="34" charset="0"/>
+              </a:rPr>
+              <a:t>O2</a:t>
+            </a:r>
             <a:r>
               <a:rPr lang="en-US" sz="2400" dirty="0">
                 <a:latin typeface="Calibri" panose="020F0502020204030204" pitchFamily="34" charset="0"/>
                 <a:cs typeface="Calibri" panose="020F0502020204030204" pitchFamily="34" charset="0"/>
               </a:rPr>
-              <a:t>O2: Review state of the art implementations of SVM for mental illness classification from identified papers/literature review</a:t>
-            </a:r>
-          </a:p>
-          <a:p>
+              <a:t>: Review state of the art implementations of SVM for mental illness classification from identified papers/literature review again</a:t>
+            </a:r>
+          </a:p>
+          <a:p>
+            <a:r>
+              <a:rPr lang="en-US" sz="2400" b="1" dirty="0">
+                <a:latin typeface="Calibri" panose="020F0502020204030204" pitchFamily="34" charset="0"/>
+                <a:cs typeface="Calibri" panose="020F0502020204030204" pitchFamily="34" charset="0"/>
+              </a:rPr>
+              <a:t>O3</a:t>
+            </a:r>
             <a:r>
               <a:rPr lang="en-US" sz="2400" dirty="0">
                 <a:latin typeface="Calibri" panose="020F0502020204030204" pitchFamily="34" charset="0"/>
                 <a:cs typeface="Calibri" panose="020F0502020204030204" pitchFamily="34" charset="0"/>
               </a:rPr>
-              <a:t>O3: Review state of the art techniques for HDLSS data analysis/classification such as DWD from identified papers/literature review</a:t>
-            </a:r>
-          </a:p>
-          <a:p>
+              <a:t>: Review state of the art techniques for HDLSS data analysis/classification such as DWD from identified papers/literature review again</a:t>
+            </a:r>
+          </a:p>
+          <a:p>
+            <a:r>
+              <a:rPr lang="en-US" sz="2400" b="1" dirty="0">
+                <a:latin typeface="Calibri" panose="020F0502020204030204" pitchFamily="34" charset="0"/>
+                <a:cs typeface="Calibri" panose="020F0502020204030204" pitchFamily="34" charset="0"/>
+              </a:rPr>
+              <a:t>O4</a:t>
+            </a:r>
             <a:r>
               <a:rPr lang="en-US" sz="2400" dirty="0">
                 <a:latin typeface="Calibri" panose="020F0502020204030204" pitchFamily="34" charset="0"/>
                 <a:cs typeface="Calibri" panose="020F0502020204030204" pitchFamily="34" charset="0"/>
               </a:rPr>
-              <a:t>O4: Review how the dataset fits into both categories and how to best optimize each approach given time restrictions and data available</a:t>
-            </a:r>
-          </a:p>
-          <a:p>
+              <a:t>: Gather notes on any additional literature that could be used</a:t>
+            </a:r>
+          </a:p>
+          <a:p>
+            <a:r>
+              <a:rPr lang="en-US" sz="2400" b="1" dirty="0">
+                <a:latin typeface="Calibri" panose="020F0502020204030204" pitchFamily="34" charset="0"/>
+                <a:cs typeface="Calibri" panose="020F0502020204030204" pitchFamily="34" charset="0"/>
+              </a:rPr>
+              <a:t>O5</a:t>
+            </a:r>
             <a:r>
               <a:rPr lang="en-US" sz="2400" dirty="0">
                 <a:latin typeface="Calibri" panose="020F0502020204030204" pitchFamily="34" charset="0"/>
                 <a:cs typeface="Calibri" panose="020F0502020204030204" pitchFamily="34" charset="0"/>
               </a:rPr>
-              <a:t>O5: Once both areas are reviewed and notes have been gathered box time for each implementation SVM and DWD, this is so that there is time to document and submit the results</a:t>
-            </a:r>
-          </a:p>
-          <a:p>
+              <a:t>: Box time for each implementation SVM and DWD, this is so that there is time to document and submit the results ~3 weeks each leaving 7 weeks for documentation and refining </a:t>
+            </a:r>
+          </a:p>
+          <a:p>
+            <a:r>
+              <a:rPr lang="en-US" sz="2400" b="1" dirty="0">
+                <a:latin typeface="Calibri" panose="020F0502020204030204" pitchFamily="34" charset="0"/>
+                <a:cs typeface="Calibri" panose="020F0502020204030204" pitchFamily="34" charset="0"/>
+              </a:rPr>
+              <a:t>O6</a:t>
+            </a:r>
             <a:r>
               <a:rPr lang="en-US" sz="2400" dirty="0">
                 <a:latin typeface="Calibri" panose="020F0502020204030204" pitchFamily="34" charset="0"/>
                 <a:cs typeface="Calibri" panose="020F0502020204030204" pitchFamily="34" charset="0"/>
               </a:rPr>
-              <a:t>O6: Given the allocated time, develop a basic prototype with default params to act as benchmark</a:t>
-            </a:r>
-          </a:p>
-          <a:p>
+              <a:t>: Given the allocated time, develop a basic prototype with default out of the box params to act as benchmark</a:t>
+            </a:r>
+          </a:p>
+          <a:p>
+            <a:r>
+              <a:rPr lang="en-US" sz="2400" b="1" dirty="0">
+                <a:latin typeface="Calibri" panose="020F0502020204030204" pitchFamily="34" charset="0"/>
+                <a:cs typeface="Calibri" panose="020F0502020204030204" pitchFamily="34" charset="0"/>
+              </a:rPr>
+              <a:t>O7</a:t>
+            </a:r>
             <a:r>
               <a:rPr lang="en-US" sz="2400" dirty="0">
                 <a:latin typeface="Calibri" panose="020F0502020204030204" pitchFamily="34" charset="0"/>
                 <a:cs typeface="Calibri" panose="020F0502020204030204" pitchFamily="34" charset="0"/>
               </a:rPr>
-              <a:t>O7: Using gathered notes tune hyperparameters and prepare dataset to best suit SVM, document process</a:t>
-            </a:r>
-          </a:p>
-          <a:p>
+              <a:t>: Prepare dataset to best suit SVM, document steps taken then using gathered notes tune hyperparameters based on metrics gathered in </a:t>
+            </a:r>
+            <a:r>
+              <a:rPr lang="en-US" sz="2400" b="1" dirty="0">
+                <a:latin typeface="Calibri" panose="020F0502020204030204" pitchFamily="34" charset="0"/>
+                <a:cs typeface="Calibri" panose="020F0502020204030204" pitchFamily="34" charset="0"/>
+              </a:rPr>
+              <a:t>O9</a:t>
+            </a:r>
             <a:r>
               <a:rPr lang="en-US" sz="2400" dirty="0">
                 <a:latin typeface="Calibri" panose="020F0502020204030204" pitchFamily="34" charset="0"/>
                 <a:cs typeface="Calibri" panose="020F0502020204030204" pitchFamily="34" charset="0"/>
               </a:rPr>
-              <a:t>O8: Repeat O7 for DWD, however DWD doesn’t require any feature selection more time can be spent on data preparation </a:t>
-            </a:r>
-          </a:p>
-          <a:p>
-            <a:r>
-              <a:rPr lang="en-US" sz="2400" dirty="0">
-                <a:latin typeface="Calibri" panose="020F0502020204030204" pitchFamily="34" charset="0"/>
-                <a:cs typeface="Calibri" panose="020F0502020204030204" pitchFamily="34" charset="0"/>
-              </a:rPr>
-              <a:t>O9: Build SVM model/s gather results from F1 score, Log Loss, Categorical Cross entropy and AUC – format into tables</a:t>
-            </a:r>
-          </a:p>
-          <a:p>
-            <a:r>
-              <a:rPr lang="en-US" sz="2400" dirty="0">
-                <a:latin typeface="Calibri" panose="020F0502020204030204" pitchFamily="34" charset="0"/>
-                <a:cs typeface="Calibri" panose="020F0502020204030204" pitchFamily="34" charset="0"/>
-              </a:rPr>
-              <a:t>O10: Repeat O9 for DWD</a:t>
-            </a:r>
-          </a:p>
-          <a:p>
-            <a:r>
-              <a:rPr lang="en-US" sz="2400" dirty="0">
-                <a:latin typeface="Calibri" panose="020F0502020204030204" pitchFamily="34" charset="0"/>
-                <a:cs typeface="Calibri" panose="020F0502020204030204" pitchFamily="34" charset="0"/>
-              </a:rPr>
-              <a:t>O11: Compare results from O9 and O10</a:t>
-            </a:r>
-          </a:p>
-          <a:p>
-            <a:r>
-              <a:rPr lang="en-US" sz="2400" dirty="0">
-                <a:latin typeface="Calibri" panose="020F0502020204030204" pitchFamily="34" charset="0"/>
-                <a:cs typeface="Calibri" panose="020F0502020204030204" pitchFamily="34" charset="0"/>
-              </a:rPr>
-              <a:t>O12: Review material from O2 and O3 to support the differences and potentially identify more material to do so</a:t>
-            </a:r>
-          </a:p>
-          <a:p>
-            <a:r>
-              <a:rPr lang="en-US" sz="2400" dirty="0">
-                <a:latin typeface="Calibri" panose="020F0502020204030204" pitchFamily="34" charset="0"/>
-                <a:cs typeface="Calibri" panose="020F0502020204030204" pitchFamily="34" charset="0"/>
-              </a:rPr>
-              <a:t>O13: Write report – LDA or </a:t>
-            </a:r>
-            <a:r>
-              <a:rPr lang="en-US" sz="2400" dirty="0" err="1">
-                <a:latin typeface="Calibri" panose="020F0502020204030204" pitchFamily="34" charset="0"/>
-                <a:cs typeface="Calibri" panose="020F0502020204030204" pitchFamily="34" charset="0"/>
-              </a:rPr>
-              <a:t>Regularised</a:t>
-            </a:r>
-            <a:r>
-              <a:rPr lang="en-US" sz="2400" dirty="0">
-                <a:latin typeface="Calibri" panose="020F0502020204030204" pitchFamily="34" charset="0"/>
-                <a:cs typeface="Calibri" panose="020F0502020204030204" pitchFamily="34" charset="0"/>
-              </a:rPr>
-              <a:t> LDA</a:t>
-            </a:r>
-          </a:p>
-          <a:p>
-            <a:r>
-              <a:rPr lang="en-GB" sz="2400" dirty="0">
-                <a:latin typeface="Calibri" panose="020F0502020204030204" pitchFamily="34" charset="0"/>
-                <a:cs typeface="Calibri" panose="020F0502020204030204" pitchFamily="34" charset="0"/>
-              </a:rPr>
-              <a:t>General and specific research objectives can be multiple and the goal is to guide the reader to implement and execute your experiment and generate the empirical evidence to accept/reject your research hypothesis using statistical tests. You have to mention which statistical tests you will be using and why. Marks will be awarded based on the granularity of explanations and on the capability to inform the readers</a:t>
+              <a:t> and </a:t>
+            </a:r>
+            <a:r>
+              <a:rPr lang="en-US" sz="2400" b="1" dirty="0">
+                <a:latin typeface="Calibri" panose="020F0502020204030204" pitchFamily="34" charset="0"/>
+                <a:cs typeface="Calibri" panose="020F0502020204030204" pitchFamily="34" charset="0"/>
+              </a:rPr>
+              <a:t>O10</a:t>
             </a:r>
             <a:endParaRPr lang="en-US" sz="2400" dirty="0">
               <a:latin typeface="Calibri" panose="020F0502020204030204" pitchFamily="34" charset="0"/>
               <a:cs typeface="Calibri" panose="020F0502020204030204" pitchFamily="34" charset="0"/>
             </a:endParaRPr>
+          </a:p>
+          <a:p>
+            <a:r>
+              <a:rPr lang="en-US" sz="2400" b="1" dirty="0">
+                <a:latin typeface="Calibri" panose="020F0502020204030204" pitchFamily="34" charset="0"/>
+                <a:cs typeface="Calibri" panose="020F0502020204030204" pitchFamily="34" charset="0"/>
+              </a:rPr>
+              <a:t>O8</a:t>
+            </a:r>
+            <a:r>
+              <a:rPr lang="en-US" sz="2400" dirty="0">
+                <a:latin typeface="Calibri" panose="020F0502020204030204" pitchFamily="34" charset="0"/>
+                <a:cs typeface="Calibri" panose="020F0502020204030204" pitchFamily="34" charset="0"/>
+              </a:rPr>
+              <a:t>: Repeat </a:t>
+            </a:r>
+            <a:r>
+              <a:rPr lang="en-US" sz="2400" b="1" dirty="0">
+                <a:latin typeface="Calibri" panose="020F0502020204030204" pitchFamily="34" charset="0"/>
+                <a:cs typeface="Calibri" panose="020F0502020204030204" pitchFamily="34" charset="0"/>
+              </a:rPr>
+              <a:t>O7</a:t>
+            </a:r>
+            <a:r>
+              <a:rPr lang="en-US" sz="2400" dirty="0">
+                <a:latin typeface="Calibri" panose="020F0502020204030204" pitchFamily="34" charset="0"/>
+                <a:cs typeface="Calibri" panose="020F0502020204030204" pitchFamily="34" charset="0"/>
+              </a:rPr>
+              <a:t> for DWD, however DWD doesn’t require any feature selection meaning more time can be spent on data preparation </a:t>
+            </a:r>
+          </a:p>
+          <a:p>
+            <a:r>
+              <a:rPr lang="en-US" sz="2400" b="1" dirty="0">
+                <a:latin typeface="Calibri" panose="020F0502020204030204" pitchFamily="34" charset="0"/>
+                <a:cs typeface="Calibri" panose="020F0502020204030204" pitchFamily="34" charset="0"/>
+              </a:rPr>
+              <a:t>O9</a:t>
+            </a:r>
+            <a:r>
+              <a:rPr lang="en-US" sz="2400" dirty="0">
+                <a:latin typeface="Calibri" panose="020F0502020204030204" pitchFamily="34" charset="0"/>
+                <a:cs typeface="Calibri" panose="020F0502020204030204" pitchFamily="34" charset="0"/>
+              </a:rPr>
+              <a:t>: Build SVM model/s, gather metrics from F1 score, Log Loss, Categorical Cross entropy and AUC – format into tables</a:t>
+            </a:r>
+          </a:p>
+          <a:p>
+            <a:r>
+              <a:rPr lang="en-US" sz="2400" b="1" dirty="0">
+                <a:latin typeface="Calibri" panose="020F0502020204030204" pitchFamily="34" charset="0"/>
+                <a:cs typeface="Calibri" panose="020F0502020204030204" pitchFamily="34" charset="0"/>
+              </a:rPr>
+              <a:t>O10</a:t>
+            </a:r>
+            <a:r>
+              <a:rPr lang="en-US" sz="2400" dirty="0">
+                <a:latin typeface="Calibri" panose="020F0502020204030204" pitchFamily="34" charset="0"/>
+                <a:cs typeface="Calibri" panose="020F0502020204030204" pitchFamily="34" charset="0"/>
+              </a:rPr>
+              <a:t>: Repeat </a:t>
+            </a:r>
+            <a:r>
+              <a:rPr lang="en-US" sz="2400" b="1" dirty="0">
+                <a:latin typeface="Calibri" panose="020F0502020204030204" pitchFamily="34" charset="0"/>
+                <a:cs typeface="Calibri" panose="020F0502020204030204" pitchFamily="34" charset="0"/>
+              </a:rPr>
+              <a:t>O9</a:t>
+            </a:r>
+            <a:r>
+              <a:rPr lang="en-US" sz="2400" dirty="0">
+                <a:latin typeface="Calibri" panose="020F0502020204030204" pitchFamily="34" charset="0"/>
+                <a:cs typeface="Calibri" panose="020F0502020204030204" pitchFamily="34" charset="0"/>
+              </a:rPr>
+              <a:t> for DWD iterate on models and refer to notes gathered from literature </a:t>
+            </a:r>
+          </a:p>
+          <a:p>
+            <a:r>
+              <a:rPr lang="en-US" sz="2400" b="1" dirty="0">
+                <a:latin typeface="Calibri" panose="020F0502020204030204" pitchFamily="34" charset="0"/>
+                <a:cs typeface="Calibri" panose="020F0502020204030204" pitchFamily="34" charset="0"/>
+              </a:rPr>
+              <a:t>O11</a:t>
+            </a:r>
+            <a:r>
+              <a:rPr lang="en-US" sz="2400" dirty="0">
+                <a:latin typeface="Calibri" panose="020F0502020204030204" pitchFamily="34" charset="0"/>
+                <a:cs typeface="Calibri" panose="020F0502020204030204" pitchFamily="34" charset="0"/>
+              </a:rPr>
+              <a:t>: Compare results from </a:t>
+            </a:r>
+            <a:r>
+              <a:rPr lang="en-US" sz="2400" b="1" dirty="0">
+                <a:latin typeface="Calibri" panose="020F0502020204030204" pitchFamily="34" charset="0"/>
+                <a:cs typeface="Calibri" panose="020F0502020204030204" pitchFamily="34" charset="0"/>
+              </a:rPr>
+              <a:t>O9</a:t>
+            </a:r>
+            <a:r>
+              <a:rPr lang="en-US" sz="2400" dirty="0">
+                <a:latin typeface="Calibri" panose="020F0502020204030204" pitchFamily="34" charset="0"/>
+                <a:cs typeface="Calibri" panose="020F0502020204030204" pitchFamily="34" charset="0"/>
+              </a:rPr>
+              <a:t> and </a:t>
+            </a:r>
+            <a:r>
+              <a:rPr lang="en-US" sz="2400" b="1" dirty="0">
+                <a:latin typeface="Calibri" panose="020F0502020204030204" pitchFamily="34" charset="0"/>
+                <a:cs typeface="Calibri" panose="020F0502020204030204" pitchFamily="34" charset="0"/>
+              </a:rPr>
+              <a:t>O10</a:t>
+            </a:r>
+          </a:p>
+          <a:p>
+            <a:r>
+              <a:rPr lang="en-US" sz="2400" b="1" dirty="0">
+                <a:latin typeface="Calibri" panose="020F0502020204030204" pitchFamily="34" charset="0"/>
+                <a:cs typeface="Calibri" panose="020F0502020204030204" pitchFamily="34" charset="0"/>
+              </a:rPr>
+              <a:t>O12</a:t>
+            </a:r>
+            <a:r>
+              <a:rPr lang="en-US" sz="2400" dirty="0">
+                <a:latin typeface="Calibri" panose="020F0502020204030204" pitchFamily="34" charset="0"/>
+                <a:cs typeface="Calibri" panose="020F0502020204030204" pitchFamily="34" charset="0"/>
+              </a:rPr>
+              <a:t>: Review material from </a:t>
+            </a:r>
+            <a:r>
+              <a:rPr lang="en-US" sz="2400" b="1" dirty="0">
+                <a:latin typeface="Calibri" panose="020F0502020204030204" pitchFamily="34" charset="0"/>
+                <a:cs typeface="Calibri" panose="020F0502020204030204" pitchFamily="34" charset="0"/>
+              </a:rPr>
+              <a:t>O2</a:t>
+            </a:r>
+            <a:r>
+              <a:rPr lang="en-US" sz="2400" dirty="0">
+                <a:latin typeface="Calibri" panose="020F0502020204030204" pitchFamily="34" charset="0"/>
+                <a:cs typeface="Calibri" panose="020F0502020204030204" pitchFamily="34" charset="0"/>
+              </a:rPr>
+              <a:t> and </a:t>
+            </a:r>
+            <a:r>
+              <a:rPr lang="en-US" sz="2400" b="1" dirty="0">
+                <a:latin typeface="Calibri" panose="020F0502020204030204" pitchFamily="34" charset="0"/>
+                <a:cs typeface="Calibri" panose="020F0502020204030204" pitchFamily="34" charset="0"/>
+              </a:rPr>
+              <a:t>O3</a:t>
+            </a:r>
+            <a:r>
+              <a:rPr lang="en-US" sz="2400" dirty="0">
+                <a:latin typeface="Calibri" panose="020F0502020204030204" pitchFamily="34" charset="0"/>
+                <a:cs typeface="Calibri" panose="020F0502020204030204" pitchFamily="34" charset="0"/>
+              </a:rPr>
+              <a:t> to support the differences and potentially identify more material to do so</a:t>
+            </a:r>
+          </a:p>
+          <a:p>
+            <a:r>
+              <a:rPr lang="en-US" sz="2400" b="1" dirty="0">
+                <a:latin typeface="Calibri" panose="020F0502020204030204" pitchFamily="34" charset="0"/>
+                <a:cs typeface="Calibri" panose="020F0502020204030204" pitchFamily="34" charset="0"/>
+              </a:rPr>
+              <a:t>O13</a:t>
+            </a:r>
+            <a:r>
+              <a:rPr lang="en-US" sz="2400" dirty="0">
+                <a:latin typeface="Calibri" panose="020F0502020204030204" pitchFamily="34" charset="0"/>
+                <a:cs typeface="Calibri" panose="020F0502020204030204" pitchFamily="34" charset="0"/>
+              </a:rPr>
+              <a:t>: Write report</a:t>
+            </a:r>
           </a:p>
         </p:txBody>
       </p:sp>
@@ -5243,7 +5476,7 @@
               </a:lnSpc>
             </a:pPr>
             <a:r>
-              <a:rPr lang="en-GB" sz="900" dirty="0">
+              <a:rPr lang="en-GB" sz="1050" dirty="0">
                 <a:effectLst/>
                 <a:latin typeface="Calibri" panose="020F0502020204030204" pitchFamily="34" charset="0"/>
                 <a:cs typeface="Calibri" panose="020F0502020204030204" pitchFamily="34" charset="0"/>
@@ -5251,7 +5484,7 @@
               <a:t>Sadeghi, D., </a:t>
             </a:r>
             <a:r>
-              <a:rPr lang="en-GB" sz="900" dirty="0" err="1">
+              <a:rPr lang="en-GB" sz="1050" dirty="0" err="1">
                 <a:effectLst/>
                 <a:latin typeface="Calibri" panose="020F0502020204030204" pitchFamily="34" charset="0"/>
                 <a:cs typeface="Calibri" panose="020F0502020204030204" pitchFamily="34" charset="0"/>
@@ -5259,7 +5492,7 @@
               <a:t>Shoeibi</a:t>
             </a:r>
             <a:r>
-              <a:rPr lang="en-GB" sz="900" dirty="0">
+              <a:rPr lang="en-GB" sz="1050" dirty="0">
                 <a:effectLst/>
                 <a:latin typeface="Calibri" panose="020F0502020204030204" pitchFamily="34" charset="0"/>
                 <a:cs typeface="Calibri" panose="020F0502020204030204" pitchFamily="34" charset="0"/>
@@ -5267,7 +5500,7 @@
               <a:t>, A., </a:t>
             </a:r>
             <a:r>
-              <a:rPr lang="en-GB" sz="900" dirty="0" err="1">
+              <a:rPr lang="en-GB" sz="1050" dirty="0" err="1">
                 <a:effectLst/>
                 <a:latin typeface="Calibri" panose="020F0502020204030204" pitchFamily="34" charset="0"/>
                 <a:cs typeface="Calibri" panose="020F0502020204030204" pitchFamily="34" charset="0"/>
@@ -5275,7 +5508,7 @@
               <a:t>Ghassemi</a:t>
             </a:r>
             <a:r>
-              <a:rPr lang="en-GB" sz="900" dirty="0">
+              <a:rPr lang="en-GB" sz="1050" dirty="0">
                 <a:effectLst/>
                 <a:latin typeface="Calibri" panose="020F0502020204030204" pitchFamily="34" charset="0"/>
                 <a:cs typeface="Calibri" panose="020F0502020204030204" pitchFamily="34" charset="0"/>
@@ -5283,7 +5516,7 @@
               <a:t>, N., </a:t>
             </a:r>
             <a:r>
-              <a:rPr lang="en-GB" sz="900" dirty="0" err="1">
+              <a:rPr lang="en-GB" sz="1050" dirty="0" err="1">
                 <a:effectLst/>
                 <a:latin typeface="Calibri" panose="020F0502020204030204" pitchFamily="34" charset="0"/>
                 <a:cs typeface="Calibri" panose="020F0502020204030204" pitchFamily="34" charset="0"/>
@@ -5291,7 +5524,7 @@
               <a:t>Moridian</a:t>
             </a:r>
             <a:r>
-              <a:rPr lang="en-GB" sz="900" dirty="0">
+              <a:rPr lang="en-GB" sz="1050" dirty="0">
                 <a:effectLst/>
                 <a:latin typeface="Calibri" panose="020F0502020204030204" pitchFamily="34" charset="0"/>
                 <a:cs typeface="Calibri" panose="020F0502020204030204" pitchFamily="34" charset="0"/>
@@ -5299,7 +5532,7 @@
               <a:t>, P., </a:t>
             </a:r>
             <a:r>
-              <a:rPr lang="en-GB" sz="900" dirty="0" err="1">
+              <a:rPr lang="en-GB" sz="1050" dirty="0" err="1">
                 <a:effectLst/>
                 <a:latin typeface="Calibri" panose="020F0502020204030204" pitchFamily="34" charset="0"/>
                 <a:cs typeface="Calibri" panose="020F0502020204030204" pitchFamily="34" charset="0"/>
@@ -5307,7 +5540,7 @@
               <a:t>Khadem</a:t>
             </a:r>
             <a:r>
-              <a:rPr lang="en-GB" sz="900" dirty="0">
+              <a:rPr lang="en-GB" sz="1050" dirty="0">
                 <a:effectLst/>
                 <a:latin typeface="Calibri" panose="020F0502020204030204" pitchFamily="34" charset="0"/>
                 <a:cs typeface="Calibri" panose="020F0502020204030204" pitchFamily="34" charset="0"/>
@@ -5315,7 +5548,7 @@
               <a:t>, A., </a:t>
             </a:r>
             <a:r>
-              <a:rPr lang="en-GB" sz="900" dirty="0" err="1">
+              <a:rPr lang="en-GB" sz="1050" dirty="0" err="1">
                 <a:effectLst/>
                 <a:latin typeface="Calibri" panose="020F0502020204030204" pitchFamily="34" charset="0"/>
                 <a:cs typeface="Calibri" panose="020F0502020204030204" pitchFamily="34" charset="0"/>
@@ -5323,7 +5556,7 @@
               <a:t>Alizadehsani</a:t>
             </a:r>
             <a:r>
-              <a:rPr lang="en-GB" sz="900" dirty="0">
+              <a:rPr lang="en-GB" sz="1050" dirty="0">
                 <a:effectLst/>
                 <a:latin typeface="Calibri" panose="020F0502020204030204" pitchFamily="34" charset="0"/>
                 <a:cs typeface="Calibri" panose="020F0502020204030204" pitchFamily="34" charset="0"/>
@@ -5331,7 +5564,7 @@
               <a:t>, R., </a:t>
             </a:r>
             <a:r>
-              <a:rPr lang="en-GB" sz="900" dirty="0" err="1">
+              <a:rPr lang="en-GB" sz="1050" dirty="0" err="1">
                 <a:effectLst/>
                 <a:latin typeface="Calibri" panose="020F0502020204030204" pitchFamily="34" charset="0"/>
                 <a:cs typeface="Calibri" panose="020F0502020204030204" pitchFamily="34" charset="0"/>
@@ -5339,7 +5572,7 @@
               <a:t>Teshnehlab</a:t>
             </a:r>
             <a:r>
-              <a:rPr lang="en-GB" sz="900" dirty="0">
+              <a:rPr lang="en-GB" sz="1050" dirty="0">
                 <a:effectLst/>
                 <a:latin typeface="Calibri" panose="020F0502020204030204" pitchFamily="34" charset="0"/>
                 <a:cs typeface="Calibri" panose="020F0502020204030204" pitchFamily="34" charset="0"/>
@@ -5347,7 +5580,7 @@
               <a:t>, M., </a:t>
             </a:r>
             <a:r>
-              <a:rPr lang="en-GB" sz="900" dirty="0" err="1">
+              <a:rPr lang="en-GB" sz="1050" dirty="0" err="1">
                 <a:effectLst/>
                 <a:latin typeface="Calibri" panose="020F0502020204030204" pitchFamily="34" charset="0"/>
                 <a:cs typeface="Calibri" panose="020F0502020204030204" pitchFamily="34" charset="0"/>
@@ -5355,7 +5588,7 @@
               <a:t>Gorriz</a:t>
             </a:r>
             <a:r>
-              <a:rPr lang="en-GB" sz="900" dirty="0">
+              <a:rPr lang="en-GB" sz="1050" dirty="0">
                 <a:effectLst/>
                 <a:latin typeface="Calibri" panose="020F0502020204030204" pitchFamily="34" charset="0"/>
                 <a:cs typeface="Calibri" panose="020F0502020204030204" pitchFamily="34" charset="0"/>
@@ -5363,7 +5596,7 @@
               <a:t>, J. M., &amp; </a:t>
             </a:r>
             <a:r>
-              <a:rPr lang="en-GB" sz="900" dirty="0" err="1">
+              <a:rPr lang="en-GB" sz="1050" dirty="0" err="1">
                 <a:effectLst/>
                 <a:latin typeface="Calibri" panose="020F0502020204030204" pitchFamily="34" charset="0"/>
                 <a:cs typeface="Calibri" panose="020F0502020204030204" pitchFamily="34" charset="0"/>
@@ -5371,7 +5604,7 @@
               <a:t>Nahavandi</a:t>
             </a:r>
             <a:r>
-              <a:rPr lang="en-GB" sz="900" dirty="0">
+              <a:rPr lang="en-GB" sz="1050" dirty="0">
                 <a:effectLst/>
                 <a:latin typeface="Calibri" panose="020F0502020204030204" pitchFamily="34" charset="0"/>
                 <a:cs typeface="Calibri" panose="020F0502020204030204" pitchFamily="34" charset="0"/>
@@ -5379,7 +5612,7 @@
               <a:t>, S. (2021). An Overview on Artificial Intelligence Techniques for Diagnosis of Schizophrenia Based on Magnetic Resonance Imaging Modalities: Methods, Challenges, and Future Works. </a:t>
             </a:r>
             <a:r>
-              <a:rPr lang="en-GB" sz="900" i="1" dirty="0">
+              <a:rPr lang="en-GB" sz="1050" i="1" dirty="0">
                 <a:effectLst/>
                 <a:latin typeface="Calibri" panose="020F0502020204030204" pitchFamily="34" charset="0"/>
                 <a:cs typeface="Calibri" panose="020F0502020204030204" pitchFamily="34" charset="0"/>
@@ -5387,7 +5620,7 @@
               <a:t>Advanced Researches In Biomedical Engineering Lab.</a:t>
             </a:r>
             <a:r>
-              <a:rPr lang="en-GB" sz="900" dirty="0">
+              <a:rPr lang="en-GB" sz="1050" dirty="0">
                 <a:effectLst/>
                 <a:latin typeface="Calibri" panose="020F0502020204030204" pitchFamily="34" charset="0"/>
                 <a:cs typeface="Calibri" panose="020F0502020204030204" pitchFamily="34" charset="0"/>
@@ -5402,7 +5635,7 @@
               </a:lnSpc>
             </a:pPr>
             <a:r>
-              <a:rPr lang="en-GB" sz="900" dirty="0" err="1">
+              <a:rPr lang="en-GB" sz="1050" dirty="0" err="1">
                 <a:effectLst/>
                 <a:latin typeface="Calibri" panose="020F0502020204030204" pitchFamily="34" charset="0"/>
                 <a:cs typeface="Calibri" panose="020F0502020204030204" pitchFamily="34" charset="0"/>
@@ -5410,7 +5643,7 @@
               <a:t>Castanon</a:t>
             </a:r>
             <a:r>
-              <a:rPr lang="en-GB" sz="900" dirty="0">
+              <a:rPr lang="en-GB" sz="1050" dirty="0">
                 <a:effectLst/>
                 <a:latin typeface="Calibri" panose="020F0502020204030204" pitchFamily="34" charset="0"/>
                 <a:cs typeface="Calibri" panose="020F0502020204030204" pitchFamily="34" charset="0"/>
@@ -5418,7 +5651,7 @@
               <a:t>, J. (2019, March 19). </a:t>
             </a:r>
             <a:r>
-              <a:rPr lang="en-GB" sz="900" i="1" dirty="0">
+              <a:rPr lang="en-GB" sz="1050" i="1" dirty="0">
                 <a:effectLst/>
                 <a:latin typeface="Calibri" panose="020F0502020204030204" pitchFamily="34" charset="0"/>
                 <a:cs typeface="Calibri" panose="020F0502020204030204" pitchFamily="34" charset="0"/>
@@ -5426,7 +5659,7 @@
               <a:t>10 Machine Learning Methods that Every Data Scientist Should Know</a:t>
             </a:r>
             <a:r>
-              <a:rPr lang="en-GB" sz="900" dirty="0">
+              <a:rPr lang="en-GB" sz="1050" dirty="0">
                 <a:effectLst/>
                 <a:latin typeface="Calibri" panose="020F0502020204030204" pitchFamily="34" charset="0"/>
                 <a:cs typeface="Calibri" panose="020F0502020204030204" pitchFamily="34" charset="0"/>
@@ -5434,7 +5667,7 @@
               <a:t>. </a:t>
             </a:r>
             <a:r>
-              <a:rPr lang="en-GB" sz="900" dirty="0" err="1">
+              <a:rPr lang="en-GB" sz="1050" dirty="0" err="1">
                 <a:effectLst/>
                 <a:latin typeface="Calibri" panose="020F0502020204030204" pitchFamily="34" charset="0"/>
                 <a:cs typeface="Calibri" panose="020F0502020204030204" pitchFamily="34" charset="0"/>
@@ -5442,7 +5675,7 @@
               <a:t>Towardsdatascience.Com</a:t>
             </a:r>
             <a:r>
-              <a:rPr lang="en-GB" sz="900" dirty="0">
+              <a:rPr lang="en-GB" sz="1050" dirty="0">
                 <a:effectLst/>
                 <a:latin typeface="Calibri" panose="020F0502020204030204" pitchFamily="34" charset="0"/>
                 <a:cs typeface="Calibri" panose="020F0502020204030204" pitchFamily="34" charset="0"/>
@@ -5457,7 +5690,7 @@
               </a:lnSpc>
             </a:pPr>
             <a:r>
-              <a:rPr lang="en-GB" sz="900" dirty="0">
+              <a:rPr lang="en-GB" sz="1050" dirty="0">
                 <a:effectLst/>
                 <a:latin typeface="Calibri" panose="020F0502020204030204" pitchFamily="34" charset="0"/>
                 <a:cs typeface="Calibri" panose="020F0502020204030204" pitchFamily="34" charset="0"/>
@@ -5465,7 +5698,7 @@
               <a:t>Wang, H., &amp; Zheng, H. (2013). Model Validation, Machine Learning. </a:t>
             </a:r>
             <a:r>
-              <a:rPr lang="en-GB" sz="900" i="1" dirty="0" err="1">
+              <a:rPr lang="en-GB" sz="1050" i="1" dirty="0" err="1">
                 <a:effectLst/>
                 <a:latin typeface="Calibri" panose="020F0502020204030204" pitchFamily="34" charset="0"/>
                 <a:cs typeface="Calibri" panose="020F0502020204030204" pitchFamily="34" charset="0"/>
@@ -5473,7 +5706,7 @@
               <a:t>Encyclopedia</a:t>
             </a:r>
             <a:r>
-              <a:rPr lang="en-GB" sz="900" i="1" dirty="0">
+              <a:rPr lang="en-GB" sz="1050" i="1" dirty="0">
                 <a:effectLst/>
                 <a:latin typeface="Calibri" panose="020F0502020204030204" pitchFamily="34" charset="0"/>
                 <a:cs typeface="Calibri" panose="020F0502020204030204" pitchFamily="34" charset="0"/>
@@ -5481,7 +5714,7 @@
               <a:t> of Systems Biology</a:t>
             </a:r>
             <a:r>
-              <a:rPr lang="en-GB" sz="900" dirty="0">
+              <a:rPr lang="en-GB" sz="1050" dirty="0">
                 <a:effectLst/>
                 <a:latin typeface="Calibri" panose="020F0502020204030204" pitchFamily="34" charset="0"/>
                 <a:cs typeface="Calibri" panose="020F0502020204030204" pitchFamily="34" charset="0"/>
@@ -5496,7 +5729,7 @@
               </a:lnSpc>
             </a:pPr>
             <a:r>
-              <a:rPr lang="en-GB" sz="800" dirty="0">
+              <a:rPr lang="en-GB" sz="1050" dirty="0">
                 <a:effectLst/>
                 <a:latin typeface="Calibri" panose="020F0502020204030204" pitchFamily="34" charset="0"/>
                 <a:cs typeface="Calibri" panose="020F0502020204030204" pitchFamily="34" charset="0"/>
@@ -5504,7 +5737,7 @@
               <a:t>Riccio, V. (2020, September 15). </a:t>
             </a:r>
             <a:r>
-              <a:rPr lang="en-GB" sz="800" i="1" dirty="0">
+              <a:rPr lang="en-GB" sz="1050" i="1" dirty="0">
                 <a:effectLst/>
                 <a:latin typeface="Calibri" panose="020F0502020204030204" pitchFamily="34" charset="0"/>
                 <a:cs typeface="Calibri" panose="020F0502020204030204" pitchFamily="34" charset="0"/>
@@ -5512,7 +5745,7 @@
               <a:t>Testing machine learning based systems: a. . .</a:t>
             </a:r>
             <a:r>
-              <a:rPr lang="en-GB" sz="800" dirty="0">
+              <a:rPr lang="en-GB" sz="1050" dirty="0">
                 <a:effectLst/>
                 <a:latin typeface="Calibri" panose="020F0502020204030204" pitchFamily="34" charset="0"/>
                 <a:cs typeface="Calibri" panose="020F0502020204030204" pitchFamily="34" charset="0"/>
@@ -5520,13 +5753,13 @@
               <a:t> Empirical Software Engineering. Retrieved October 28, 2021, from </a:t>
             </a:r>
             <a:r>
-              <a:rPr lang="en-GB" sz="800" dirty="0">
+              <a:rPr lang="en-GB" sz="1050" dirty="0">
                 <a:latin typeface="Calibri" panose="020F0502020204030204" pitchFamily="34" charset="0"/>
                 <a:cs typeface="Calibri" panose="020F0502020204030204" pitchFamily="34" charset="0"/>
               </a:rPr>
               <a:t>https://link.springer.com/article/10.1007/s10664-020-09881-0?error=cookies_not_supported&amp;code=a9b11f32-dc9a-4091-8237-a8c50e2637c3</a:t>
             </a:r>
-            <a:endParaRPr lang="en-GB" sz="800" dirty="0">
+            <a:endParaRPr lang="en-GB" sz="1050" dirty="0">
               <a:effectLst/>
               <a:latin typeface="Calibri" panose="020F0502020204030204" pitchFamily="34" charset="0"/>
               <a:cs typeface="Calibri" panose="020F0502020204030204" pitchFamily="34" charset="0"/>
@@ -5539,7 +5772,7 @@
               </a:lnSpc>
             </a:pPr>
             <a:r>
-              <a:rPr lang="en-GB" sz="800" dirty="0" err="1">
+              <a:rPr lang="en-GB" sz="1050" dirty="0" err="1">
                 <a:effectLst/>
                 <a:latin typeface="Calibri" panose="020F0502020204030204" pitchFamily="34" charset="0"/>
                 <a:cs typeface="Calibri" panose="020F0502020204030204" pitchFamily="34" charset="0"/>
@@ -5547,7 +5780,7 @@
               <a:t>Colyer</a:t>
             </a:r>
             <a:r>
-              <a:rPr lang="en-GB" sz="800" dirty="0">
+              <a:rPr lang="en-GB" sz="1050" dirty="0">
                 <a:effectLst/>
                 <a:latin typeface="Calibri" panose="020F0502020204030204" pitchFamily="34" charset="0"/>
                 <a:cs typeface="Calibri" panose="020F0502020204030204" pitchFamily="34" charset="0"/>
@@ -5555,7 +5788,7 @@
               <a:t>, A. (2019, June 5). </a:t>
             </a:r>
             <a:r>
-              <a:rPr lang="en-GB" sz="800" i="1" dirty="0">
+              <a:rPr lang="en-GB" sz="1050" i="1" dirty="0">
                 <a:effectLst/>
                 <a:latin typeface="Calibri" panose="020F0502020204030204" pitchFamily="34" charset="0"/>
                 <a:cs typeface="Calibri" panose="020F0502020204030204" pitchFamily="34" charset="0"/>
@@ -5563,7 +5796,7 @@
               <a:t>Data validation for machine learning | the morning paper</a:t>
             </a:r>
             <a:r>
-              <a:rPr lang="en-GB" sz="800" dirty="0">
+              <a:rPr lang="en-GB" sz="1050" dirty="0">
                 <a:effectLst/>
                 <a:latin typeface="Calibri" panose="020F0502020204030204" pitchFamily="34" charset="0"/>
                 <a:cs typeface="Calibri" panose="020F0502020204030204" pitchFamily="34" charset="0"/>
@@ -5571,7 +5804,7 @@
               <a:t>. </a:t>
             </a:r>
             <a:r>
-              <a:rPr lang="en-GB" sz="800" dirty="0" err="1">
+              <a:rPr lang="en-GB" sz="1050" dirty="0" err="1">
                 <a:effectLst/>
                 <a:latin typeface="Calibri" panose="020F0502020204030204" pitchFamily="34" charset="0"/>
                 <a:cs typeface="Calibri" panose="020F0502020204030204" pitchFamily="34" charset="0"/>
@@ -5579,14 +5812,14 @@
               <a:t>Blog.Acolyer.Org</a:t>
             </a:r>
             <a:r>
-              <a:rPr lang="en-GB" sz="800" dirty="0">
+              <a:rPr lang="en-GB" sz="1050" dirty="0">
                 <a:effectLst/>
                 <a:latin typeface="Calibri" panose="020F0502020204030204" pitchFamily="34" charset="0"/>
                 <a:cs typeface="Calibri" panose="020F0502020204030204" pitchFamily="34" charset="0"/>
               </a:rPr>
               <a:t>. Retrieved October 28, 2021, from https://blog.acolyer.org/2019/06/05/data-validation-for-machine-learning/</a:t>
             </a:r>
-            <a:endParaRPr lang="en-GB" sz="800" dirty="0">
+            <a:endParaRPr lang="en-GB" sz="1050" dirty="0">
               <a:latin typeface="Calibri" panose="020F0502020204030204" pitchFamily="34" charset="0"/>
               <a:cs typeface="Calibri" panose="020F0502020204030204" pitchFamily="34" charset="0"/>
             </a:endParaRPr>
@@ -5598,7 +5831,7 @@
               </a:lnSpc>
             </a:pPr>
             <a:r>
-              <a:rPr lang="en-GB" sz="800" dirty="0" err="1">
+              <a:rPr lang="en-GB" sz="1050" dirty="0" err="1">
                 <a:effectLst/>
                 <a:latin typeface="Calibri" panose="020F0502020204030204" pitchFamily="34" charset="0"/>
                 <a:cs typeface="Calibri" panose="020F0502020204030204" pitchFamily="34" charset="0"/>
@@ -5606,7 +5839,7 @@
               <a:t>Vadavalasa</a:t>
             </a:r>
             <a:r>
-              <a:rPr lang="en-GB" sz="800" dirty="0">
+              <a:rPr lang="en-GB" sz="1050" dirty="0">
                 <a:effectLst/>
                 <a:latin typeface="Calibri" panose="020F0502020204030204" pitchFamily="34" charset="0"/>
                 <a:cs typeface="Calibri" panose="020F0502020204030204" pitchFamily="34" charset="0"/>
@@ -5614,7 +5847,7 @@
               <a:t>, </a:t>
             </a:r>
             <a:r>
-              <a:rPr lang="en-GB" sz="800" dirty="0" err="1">
+              <a:rPr lang="en-GB" sz="1050" dirty="0" err="1">
                 <a:effectLst/>
                 <a:latin typeface="Calibri" panose="020F0502020204030204" pitchFamily="34" charset="0"/>
                 <a:cs typeface="Calibri" panose="020F0502020204030204" pitchFamily="34" charset="0"/>
@@ -5622,7 +5855,7 @@
               <a:t>Rammohan</a:t>
             </a:r>
             <a:r>
-              <a:rPr lang="en-GB" sz="800" dirty="0">
+              <a:rPr lang="en-GB" sz="1050" dirty="0">
                 <a:effectLst/>
                 <a:latin typeface="Calibri" panose="020F0502020204030204" pitchFamily="34" charset="0"/>
                 <a:cs typeface="Calibri" panose="020F0502020204030204" pitchFamily="34" charset="0"/>
@@ -5630,13 +5863,13 @@
               <a:t>. (2021). Data Validation Process in Machine Learning Pipeline. </a:t>
             </a:r>
             <a:r>
-              <a:rPr lang="en-GB" sz="800" dirty="0">
+              <a:rPr lang="en-GB" sz="1050" dirty="0">
                 <a:latin typeface="Calibri" panose="020F0502020204030204" pitchFamily="34" charset="0"/>
                 <a:cs typeface="Calibri" panose="020F0502020204030204" pitchFamily="34" charset="0"/>
               </a:rPr>
               <a:t>https://www.researchgate.net/publication/351022721_Data_Validation_Process_in_Machine_Learning_Pipeline</a:t>
             </a:r>
-            <a:endParaRPr lang="en-GB" sz="800" dirty="0">
+            <a:endParaRPr lang="en-GB" sz="1050" dirty="0">
               <a:effectLst/>
               <a:latin typeface="Calibri" panose="020F0502020204030204" pitchFamily="34" charset="0"/>
               <a:cs typeface="Calibri" panose="020F0502020204030204" pitchFamily="34" charset="0"/>
@@ -5649,7 +5882,7 @@
               </a:lnSpc>
             </a:pPr>
             <a:r>
-              <a:rPr lang="en-GB" sz="800" dirty="0">
+              <a:rPr lang="en-GB" sz="1050" dirty="0">
                 <a:effectLst/>
                 <a:latin typeface="Calibri" panose="020F0502020204030204" pitchFamily="34" charset="0"/>
                 <a:cs typeface="Calibri" panose="020F0502020204030204" pitchFamily="34" charset="0"/>
@@ -5657,7 +5890,7 @@
               <a:t>Oh, J., Oh, B. L., Lee, K. U., Chae, J. H., &amp; Yun, K. (2020). Identifying Schizophrenia Using Structural MRI With a Deep Learning Algorithm. </a:t>
             </a:r>
             <a:r>
-              <a:rPr lang="en-GB" sz="800" i="1" dirty="0">
+              <a:rPr lang="en-GB" sz="1050" i="1" dirty="0">
                 <a:effectLst/>
                 <a:latin typeface="Calibri" panose="020F0502020204030204" pitchFamily="34" charset="0"/>
                 <a:cs typeface="Calibri" panose="020F0502020204030204" pitchFamily="34" charset="0"/>
@@ -5665,7 +5898,7 @@
               <a:t>Frontiers in Psychiatry</a:t>
             </a:r>
             <a:r>
-              <a:rPr lang="en-GB" sz="800" dirty="0">
+              <a:rPr lang="en-GB" sz="1050" dirty="0">
                 <a:effectLst/>
                 <a:latin typeface="Calibri" panose="020F0502020204030204" pitchFamily="34" charset="0"/>
                 <a:cs typeface="Calibri" panose="020F0502020204030204" pitchFamily="34" charset="0"/>
@@ -5673,7 +5906,7 @@
               <a:t>, </a:t>
             </a:r>
             <a:r>
-              <a:rPr lang="en-GB" sz="800" i="1" dirty="0">
+              <a:rPr lang="en-GB" sz="1050" i="1" dirty="0">
                 <a:effectLst/>
                 <a:latin typeface="Calibri" panose="020F0502020204030204" pitchFamily="34" charset="0"/>
                 <a:cs typeface="Calibri" panose="020F0502020204030204" pitchFamily="34" charset="0"/>
@@ -5681,7 +5914,7 @@
               <a:t>11</a:t>
             </a:r>
             <a:r>
-              <a:rPr lang="en-GB" sz="800" dirty="0">
+              <a:rPr lang="en-GB" sz="1050" dirty="0">
                 <a:effectLst/>
                 <a:latin typeface="Calibri" panose="020F0502020204030204" pitchFamily="34" charset="0"/>
                 <a:cs typeface="Calibri" panose="020F0502020204030204" pitchFamily="34" charset="0"/>
@@ -5689,7 +5922,7 @@
               <a:t>. </a:t>
             </a:r>
             <a:r>
-              <a:rPr lang="en-GB" sz="800" dirty="0">
+              <a:rPr lang="en-GB" sz="1050" dirty="0">
                 <a:latin typeface="Calibri" panose="020F0502020204030204" pitchFamily="34" charset="0"/>
                 <a:cs typeface="Calibri" panose="020F0502020204030204" pitchFamily="34" charset="0"/>
               </a:rPr>
@@ -5703,65 +5936,72 @@
               </a:lnSpc>
             </a:pPr>
             <a:r>
-              <a:rPr lang="en-GB" sz="800" dirty="0">
-                <a:effectLst/>
-                <a:latin typeface="Calibri" panose="020F0502020204030204" pitchFamily="34" charset="0"/>
+              <a:rPr lang="en-GB" sz="1050" dirty="0">
+                <a:effectLst/>
+                <a:latin typeface="Calibri" panose="020F0502020204030204" pitchFamily="34" charset="0"/>
+                <a:cs typeface="Calibri" panose="020F0502020204030204" pitchFamily="34" charset="0"/>
               </a:rPr>
               <a:t>Marron, J. S., Todd, M. J., &amp; </a:t>
             </a:r>
             <a:r>
-              <a:rPr lang="en-GB" sz="800" dirty="0" err="1">
-                <a:effectLst/>
-                <a:latin typeface="Calibri" panose="020F0502020204030204" pitchFamily="34" charset="0"/>
+              <a:rPr lang="en-GB" sz="1050" dirty="0" err="1">
+                <a:effectLst/>
+                <a:latin typeface="Calibri" panose="020F0502020204030204" pitchFamily="34" charset="0"/>
+                <a:cs typeface="Calibri" panose="020F0502020204030204" pitchFamily="34" charset="0"/>
               </a:rPr>
               <a:t>Ahn</a:t>
             </a:r>
             <a:r>
-              <a:rPr lang="en-GB" sz="800" dirty="0">
-                <a:effectLst/>
-                <a:latin typeface="Calibri" panose="020F0502020204030204" pitchFamily="34" charset="0"/>
+              <a:rPr lang="en-GB" sz="1050" dirty="0">
+                <a:effectLst/>
+                <a:latin typeface="Calibri" panose="020F0502020204030204" pitchFamily="34" charset="0"/>
+                <a:cs typeface="Calibri" panose="020F0502020204030204" pitchFamily="34" charset="0"/>
               </a:rPr>
               <a:t>, J. (2007). Distance-Weighted Discrimination. </a:t>
             </a:r>
             <a:r>
-              <a:rPr lang="en-GB" sz="800" i="1" dirty="0">
-                <a:effectLst/>
-                <a:latin typeface="Calibri" panose="020F0502020204030204" pitchFamily="34" charset="0"/>
+              <a:rPr lang="en-GB" sz="1050" i="1" dirty="0">
+                <a:effectLst/>
+                <a:latin typeface="Calibri" panose="020F0502020204030204" pitchFamily="34" charset="0"/>
+                <a:cs typeface="Calibri" panose="020F0502020204030204" pitchFamily="34" charset="0"/>
               </a:rPr>
               <a:t>Journal of the American Statistical Association</a:t>
             </a:r>
             <a:r>
-              <a:rPr lang="en-GB" sz="800" dirty="0">
-                <a:effectLst/>
-                <a:latin typeface="Calibri" panose="020F0502020204030204" pitchFamily="34" charset="0"/>
+              <a:rPr lang="en-GB" sz="1050" dirty="0">
+                <a:effectLst/>
+                <a:latin typeface="Calibri" panose="020F0502020204030204" pitchFamily="34" charset="0"/>
+                <a:cs typeface="Calibri" panose="020F0502020204030204" pitchFamily="34" charset="0"/>
               </a:rPr>
               <a:t>, </a:t>
             </a:r>
             <a:r>
-              <a:rPr lang="en-GB" sz="800" i="1" dirty="0">
-                <a:effectLst/>
-                <a:latin typeface="Calibri" panose="020F0502020204030204" pitchFamily="34" charset="0"/>
+              <a:rPr lang="en-GB" sz="1050" i="1" dirty="0">
+                <a:effectLst/>
+                <a:latin typeface="Calibri" panose="020F0502020204030204" pitchFamily="34" charset="0"/>
+                <a:cs typeface="Calibri" panose="020F0502020204030204" pitchFamily="34" charset="0"/>
               </a:rPr>
               <a:t>102</a:t>
             </a:r>
             <a:r>
-              <a:rPr lang="en-GB" sz="800" dirty="0">
-                <a:effectLst/>
-                <a:latin typeface="Calibri" panose="020F0502020204030204" pitchFamily="34" charset="0"/>
+              <a:rPr lang="en-GB" sz="1050" dirty="0">
+                <a:effectLst/>
+                <a:latin typeface="Calibri" panose="020F0502020204030204" pitchFamily="34" charset="0"/>
+                <a:cs typeface="Calibri" panose="020F0502020204030204" pitchFamily="34" charset="0"/>
               </a:rPr>
               <a:t>(480), 1267–1271. </a:t>
             </a:r>
             <a:r>
-              <a:rPr lang="en-GB" sz="800" dirty="0">
-                <a:effectLst/>
-                <a:latin typeface="Calibri" panose="020F0502020204030204" pitchFamily="34" charset="0"/>
-                <a:hlinkClick r:id="rId2"/>
+              <a:rPr lang="en-GB" sz="1050" dirty="0">
+                <a:latin typeface="Calibri" panose="020F0502020204030204" pitchFamily="34" charset="0"/>
+                <a:cs typeface="Calibri" panose="020F0502020204030204" pitchFamily="34" charset="0"/>
               </a:rPr>
               <a:t>https://doi.org/10.1198/016214507000001120</a:t>
             </a:r>
-            <a:endParaRPr lang="en-GB" sz="800" dirty="0">
+            <a:endParaRPr lang="en-GB" sz="1050" dirty="0">
               <a:effectLst/>
               <a:latin typeface="Calibri" panose="020F0502020204030204" pitchFamily="34" charset="0"/>
+              <a:cs typeface="Calibri" panose="020F0502020204030204" pitchFamily="34" charset="0"/>
             </a:endParaRPr>
           </a:p>
           <a:p>
@@ -5771,77 +6011,85 @@
               </a:lnSpc>
             </a:pPr>
             <a:r>
-              <a:rPr lang="en-GB" sz="800" b="0" i="0" dirty="0" err="1">
+              <a:rPr lang="en-GB" sz="1050" b="0" i="0" dirty="0" err="1">
                 <a:solidFill>
                   <a:srgbClr val="222222"/>
                 </a:solidFill>
                 <a:effectLst/>
-                <a:latin typeface="Arial" panose="020B0604020202020204" pitchFamily="34" charset="0"/>
+                <a:latin typeface="Calibri" panose="020F0502020204030204" pitchFamily="34" charset="0"/>
+                <a:cs typeface="Calibri" panose="020F0502020204030204" pitchFamily="34" charset="0"/>
               </a:rPr>
               <a:t>Qiao</a:t>
             </a:r>
             <a:r>
-              <a:rPr lang="en-GB" sz="800" b="0" i="0" dirty="0">
+              <a:rPr lang="en-GB" sz="1050" b="0" i="0" dirty="0">
                 <a:solidFill>
                   <a:srgbClr val="222222"/>
                 </a:solidFill>
                 <a:effectLst/>
-                <a:latin typeface="Arial" panose="020B0604020202020204" pitchFamily="34" charset="0"/>
+                <a:latin typeface="Calibri" panose="020F0502020204030204" pitchFamily="34" charset="0"/>
+                <a:cs typeface="Calibri" panose="020F0502020204030204" pitchFamily="34" charset="0"/>
               </a:rPr>
               <a:t>, X., &amp; Zhang, L. (2015). Flexible high-dimensional classification machines and their asymptotic properties. </a:t>
             </a:r>
             <a:r>
-              <a:rPr lang="en-GB" sz="800" b="0" i="1" dirty="0">
+              <a:rPr lang="en-GB" sz="1050" b="0" i="1" dirty="0">
                 <a:solidFill>
                   <a:srgbClr val="222222"/>
                 </a:solidFill>
                 <a:effectLst/>
-                <a:latin typeface="Arial" panose="020B0604020202020204" pitchFamily="34" charset="0"/>
+                <a:latin typeface="Calibri" panose="020F0502020204030204" pitchFamily="34" charset="0"/>
+                <a:cs typeface="Calibri" panose="020F0502020204030204" pitchFamily="34" charset="0"/>
               </a:rPr>
               <a:t>The Journal of Machine Learning Research</a:t>
             </a:r>
             <a:r>
-              <a:rPr lang="en-GB" sz="800" b="0" i="0" dirty="0">
+              <a:rPr lang="en-GB" sz="1050" b="0" i="0" dirty="0">
                 <a:solidFill>
                   <a:srgbClr val="222222"/>
                 </a:solidFill>
                 <a:effectLst/>
-                <a:latin typeface="Arial" panose="020B0604020202020204" pitchFamily="34" charset="0"/>
+                <a:latin typeface="Calibri" panose="020F0502020204030204" pitchFamily="34" charset="0"/>
+                <a:cs typeface="Calibri" panose="020F0502020204030204" pitchFamily="34" charset="0"/>
               </a:rPr>
               <a:t>, </a:t>
             </a:r>
             <a:r>
-              <a:rPr lang="en-GB" sz="800" b="0" i="1" dirty="0">
+              <a:rPr lang="en-GB" sz="1050" b="0" i="1" dirty="0">
                 <a:solidFill>
                   <a:srgbClr val="222222"/>
                 </a:solidFill>
                 <a:effectLst/>
-                <a:latin typeface="Arial" panose="020B0604020202020204" pitchFamily="34" charset="0"/>
+                <a:latin typeface="Calibri" panose="020F0502020204030204" pitchFamily="34" charset="0"/>
+                <a:cs typeface="Calibri" panose="020F0502020204030204" pitchFamily="34" charset="0"/>
               </a:rPr>
               <a:t>16</a:t>
             </a:r>
             <a:r>
-              <a:rPr lang="en-GB" sz="800" b="0" i="0" dirty="0">
+              <a:rPr lang="en-GB" sz="1050" b="0" i="0" dirty="0">
                 <a:solidFill>
                   <a:srgbClr val="222222"/>
                 </a:solidFill>
                 <a:effectLst/>
-                <a:latin typeface="Arial" panose="020B0604020202020204" pitchFamily="34" charset="0"/>
+                <a:latin typeface="Calibri" panose="020F0502020204030204" pitchFamily="34" charset="0"/>
+                <a:cs typeface="Calibri" panose="020F0502020204030204" pitchFamily="34" charset="0"/>
               </a:rPr>
               <a:t>(1), 1547-1572.</a:t>
             </a:r>
             <a:r>
-              <a:rPr lang="en-GB" sz="800" b="0" i="0" dirty="0">
+              <a:rPr lang="en-GB" sz="1050" b="0" i="0" dirty="0">
                 <a:solidFill>
                   <a:srgbClr val="222222"/>
                 </a:solidFill>
                 <a:latin typeface="Calibri" panose="020F0502020204030204" pitchFamily="34" charset="0"/>
+                <a:cs typeface="Calibri" panose="020F0502020204030204" pitchFamily="34" charset="0"/>
               </a:rPr>
               <a:t> </a:t>
             </a:r>
-            <a:endParaRPr lang="en-GB" sz="800" dirty="0">
+            <a:endParaRPr lang="en-GB" sz="1050" dirty="0">
               <a:effectLst/>
               <a:latin typeface="Calibri" panose="020F0502020204030204" pitchFamily="34" charset="0"/>
+              <a:cs typeface="Calibri" panose="020F0502020204030204" pitchFamily="34" charset="0"/>
             </a:endParaRPr>
           </a:p>
           <a:p>
@@ -5851,9 +6099,10 @@
               </a:lnSpc>
             </a:pPr>
             <a:r>
-              <a:rPr lang="en-GB" sz="800" i="1" dirty="0">
-                <a:effectLst/>
-                <a:latin typeface="Calibri" panose="020F0502020204030204" pitchFamily="34" charset="0"/>
+              <a:rPr lang="en-GB" sz="1050" i="1" dirty="0">
+                <a:effectLst/>
+                <a:latin typeface="Calibri" panose="020F0502020204030204" pitchFamily="34" charset="0"/>
+                <a:cs typeface="Calibri" panose="020F0502020204030204" pitchFamily="34" charset="0"/>
               </a:rPr>
               <a:t>Liu, Y., Zhang, H. H., &amp; Wu, Y. (2011). Hard or Soft Classification? Large-Margin Unified Machines. Journal of the American Statistical Association, 106(493), 166–177. https://doi.org/10.1198/jasa.2011.tm10319</a:t>
             </a:r>
@@ -5865,65 +6114,74 @@
               </a:lnSpc>
             </a:pPr>
             <a:r>
-              <a:rPr lang="en-GB" sz="800" dirty="0">
-                <a:effectLst/>
-                <a:latin typeface="Calibri" panose="020F0502020204030204" pitchFamily="34" charset="0"/>
+              <a:rPr lang="en-GB" sz="1050" dirty="0">
+                <a:effectLst/>
+                <a:latin typeface="Calibri" panose="020F0502020204030204" pitchFamily="34" charset="0"/>
+                <a:cs typeface="Calibri" panose="020F0502020204030204" pitchFamily="34" charset="0"/>
               </a:rPr>
               <a:t>Randall, H., </a:t>
             </a:r>
             <a:r>
-              <a:rPr lang="en-GB" sz="800" dirty="0" err="1">
-                <a:effectLst/>
-                <a:latin typeface="Calibri" panose="020F0502020204030204" pitchFamily="34" charset="0"/>
+              <a:rPr lang="en-GB" sz="1050" dirty="0" err="1">
+                <a:effectLst/>
+                <a:latin typeface="Calibri" panose="020F0502020204030204" pitchFamily="34" charset="0"/>
+                <a:cs typeface="Calibri" panose="020F0502020204030204" pitchFamily="34" charset="0"/>
               </a:rPr>
               <a:t>Artemiou</a:t>
             </a:r>
             <a:r>
-              <a:rPr lang="en-GB" sz="800" dirty="0">
-                <a:effectLst/>
-                <a:latin typeface="Calibri" panose="020F0502020204030204" pitchFamily="34" charset="0"/>
+              <a:rPr lang="en-GB" sz="1050" dirty="0">
+                <a:effectLst/>
+                <a:latin typeface="Calibri" panose="020F0502020204030204" pitchFamily="34" charset="0"/>
+                <a:cs typeface="Calibri" panose="020F0502020204030204" pitchFamily="34" charset="0"/>
               </a:rPr>
               <a:t>, A., &amp; </a:t>
             </a:r>
             <a:r>
-              <a:rPr lang="en-GB" sz="800" dirty="0" err="1">
-                <a:effectLst/>
-                <a:latin typeface="Calibri" panose="020F0502020204030204" pitchFamily="34" charset="0"/>
+              <a:rPr lang="en-GB" sz="1050" dirty="0" err="1">
+                <a:effectLst/>
+                <a:latin typeface="Calibri" panose="020F0502020204030204" pitchFamily="34" charset="0"/>
+                <a:cs typeface="Calibri" panose="020F0502020204030204" pitchFamily="34" charset="0"/>
               </a:rPr>
               <a:t>Qiao</a:t>
             </a:r>
             <a:r>
-              <a:rPr lang="en-GB" sz="800" dirty="0">
-                <a:effectLst/>
-                <a:latin typeface="Calibri" panose="020F0502020204030204" pitchFamily="34" charset="0"/>
+              <a:rPr lang="en-GB" sz="1050" dirty="0">
+                <a:effectLst/>
+                <a:latin typeface="Calibri" panose="020F0502020204030204" pitchFamily="34" charset="0"/>
+                <a:cs typeface="Calibri" panose="020F0502020204030204" pitchFamily="34" charset="0"/>
               </a:rPr>
               <a:t>, X. (2020). Sufficient dimension reduction based on distance‐weighted discrimination. </a:t>
             </a:r>
             <a:r>
-              <a:rPr lang="en-GB" sz="800" i="1" dirty="0">
-                <a:effectLst/>
-                <a:latin typeface="Calibri" panose="020F0502020204030204" pitchFamily="34" charset="0"/>
+              <a:rPr lang="en-GB" sz="1050" i="1" dirty="0">
+                <a:effectLst/>
+                <a:latin typeface="Calibri" panose="020F0502020204030204" pitchFamily="34" charset="0"/>
+                <a:cs typeface="Calibri" panose="020F0502020204030204" pitchFamily="34" charset="0"/>
               </a:rPr>
               <a:t>Scandinavian Journal of Statistics</a:t>
             </a:r>
             <a:r>
-              <a:rPr lang="en-GB" sz="800" dirty="0">
-                <a:effectLst/>
-                <a:latin typeface="Calibri" panose="020F0502020204030204" pitchFamily="34" charset="0"/>
+              <a:rPr lang="en-GB" sz="1050" dirty="0">
+                <a:effectLst/>
+                <a:latin typeface="Calibri" panose="020F0502020204030204" pitchFamily="34" charset="0"/>
+                <a:cs typeface="Calibri" panose="020F0502020204030204" pitchFamily="34" charset="0"/>
               </a:rPr>
               <a:t>, </a:t>
             </a:r>
             <a:r>
-              <a:rPr lang="en-GB" sz="800" i="1" dirty="0">
-                <a:effectLst/>
-                <a:latin typeface="Calibri" panose="020F0502020204030204" pitchFamily="34" charset="0"/>
+              <a:rPr lang="en-GB" sz="1050" i="1" dirty="0">
+                <a:effectLst/>
+                <a:latin typeface="Calibri" panose="020F0502020204030204" pitchFamily="34" charset="0"/>
+                <a:cs typeface="Calibri" panose="020F0502020204030204" pitchFamily="34" charset="0"/>
               </a:rPr>
               <a:t>48</a:t>
             </a:r>
             <a:r>
-              <a:rPr lang="en-GB" sz="800" dirty="0">
-                <a:effectLst/>
-                <a:latin typeface="Calibri" panose="020F0502020204030204" pitchFamily="34" charset="0"/>
+              <a:rPr lang="en-GB" sz="1050" dirty="0">
+                <a:effectLst/>
+                <a:latin typeface="Calibri" panose="020F0502020204030204" pitchFamily="34" charset="0"/>
+                <a:cs typeface="Calibri" panose="020F0502020204030204" pitchFamily="34" charset="0"/>
               </a:rPr>
               <a:t>(4), 1186–1211. https://doi.org/10.1111/sjos.12484</a:t>
             </a:r>
@@ -5934,7 +6192,7 @@
                 <a:spcPct val="200000"/>
               </a:lnSpc>
             </a:pPr>
-            <a:endParaRPr lang="en-GB" sz="900" dirty="0">
+            <a:endParaRPr lang="en-GB" sz="1050" dirty="0">
               <a:effectLst/>
               <a:latin typeface="Calibri" panose="020F0502020204030204" pitchFamily="34" charset="0"/>
               <a:cs typeface="Calibri" panose="020F0502020204030204" pitchFamily="34" charset="0"/>
@@ -5946,7 +6204,7 @@
                 <a:spcPct val="200000"/>
               </a:lnSpc>
             </a:pPr>
-            <a:endParaRPr lang="en-GB" sz="1200" dirty="0">
+            <a:endParaRPr lang="en-GB" sz="1050" dirty="0">
               <a:effectLst/>
               <a:latin typeface="Calibri" panose="020F0502020204030204" pitchFamily="34" charset="0"/>
               <a:cs typeface="Calibri" panose="020F0502020204030204" pitchFamily="34" charset="0"/>
@@ -5958,7 +6216,7 @@
                 <a:spcPct val="200000"/>
               </a:lnSpc>
             </a:pPr>
-            <a:endParaRPr lang="en-GB" sz="1200" dirty="0">
+            <a:endParaRPr lang="en-GB" sz="1050" dirty="0">
               <a:effectLst/>
               <a:latin typeface="Calibri" panose="020F0502020204030204" pitchFamily="34" charset="0"/>
               <a:cs typeface="Calibri" panose="020F0502020204030204" pitchFamily="34" charset="0"/>
@@ -5970,7 +6228,7 @@
                 <a:spcPct val="200000"/>
               </a:lnSpc>
             </a:pPr>
-            <a:endParaRPr lang="en-GB" sz="1200" dirty="0">
+            <a:endParaRPr lang="en-GB" sz="1050" dirty="0">
               <a:effectLst/>
               <a:latin typeface="Calibri" panose="020F0502020204030204" pitchFamily="34" charset="0"/>
               <a:cs typeface="Calibri" panose="020F0502020204030204" pitchFamily="34" charset="0"/>
@@ -5980,7 +6238,7 @@
             <a:pPr marL="0" indent="0">
               <a:buNone/>
             </a:pPr>
-            <a:endParaRPr lang="en-GB" sz="1200" dirty="0">
+            <a:endParaRPr lang="en-GB" sz="1050" dirty="0">
               <a:latin typeface="Calibri" panose="020F0502020204030204" pitchFamily="34" charset="0"/>
               <a:cs typeface="Calibri" panose="020F0502020204030204" pitchFamily="34" charset="0"/>
             </a:endParaRPr>
@@ -6088,13 +6346,13 @@
           </a:bodyPr>
           <a:lstStyle/>
           <a:p>
-            <a:pPr marL="457200" indent="-457200">
+            <a:pPr>
               <a:lnSpc>
                 <a:spcPct val="200000"/>
               </a:lnSpc>
             </a:pPr>
             <a:r>
-              <a:rPr lang="en-GB" sz="900" dirty="0">
+              <a:rPr lang="en-GB" sz="800" dirty="0">
                 <a:effectLst/>
                 <a:latin typeface="Calibri" panose="020F0502020204030204" pitchFamily="34" charset="0"/>
                 <a:cs typeface="Calibri" panose="020F0502020204030204" pitchFamily="34" charset="0"/>
@@ -6102,7 +6360,7 @@
               <a:t>Chen, R. (2020, July 23). </a:t>
             </a:r>
             <a:r>
-              <a:rPr lang="en-GB" sz="900" i="1" dirty="0">
+              <a:rPr lang="en-GB" sz="800" i="1" dirty="0">
                 <a:effectLst/>
                 <a:latin typeface="Calibri" panose="020F0502020204030204" pitchFamily="34" charset="0"/>
                 <a:cs typeface="Calibri" panose="020F0502020204030204" pitchFamily="34" charset="0"/>
@@ -6110,7 +6368,7 @@
               <a:t>Selecting critical features for data classification based on machine learning methods</a:t>
             </a:r>
             <a:r>
-              <a:rPr lang="en-GB" sz="900" dirty="0">
+              <a:rPr lang="en-GB" sz="800" dirty="0">
                 <a:effectLst/>
                 <a:latin typeface="Calibri" panose="020F0502020204030204" pitchFamily="34" charset="0"/>
                 <a:cs typeface="Calibri" panose="020F0502020204030204" pitchFamily="34" charset="0"/>
@@ -6118,26 +6376,26 @@
               <a:t>. Journal of Big Data. Retrieved October 28, 2021, from </a:t>
             </a:r>
             <a:r>
-              <a:rPr lang="en-GB" sz="900" dirty="0">
+              <a:rPr lang="en-GB" sz="800" dirty="0">
                 <a:latin typeface="Calibri" panose="020F0502020204030204" pitchFamily="34" charset="0"/>
                 <a:cs typeface="Calibri" panose="020F0502020204030204" pitchFamily="34" charset="0"/>
               </a:rPr>
               <a:t>https://journalofbigdata.springeropen.com/articles/10.1186/s40537-020-00327-4</a:t>
             </a:r>
-            <a:endParaRPr lang="en-GB" sz="900" dirty="0">
+            <a:endParaRPr lang="en-GB" sz="800" dirty="0">
               <a:effectLst/>
               <a:latin typeface="Calibri" panose="020F0502020204030204" pitchFamily="34" charset="0"/>
               <a:cs typeface="Calibri" panose="020F0502020204030204" pitchFamily="34" charset="0"/>
             </a:endParaRPr>
           </a:p>
           <a:p>
-            <a:pPr marL="457200" indent="-457200">
+            <a:pPr>
               <a:lnSpc>
                 <a:spcPct val="200000"/>
               </a:lnSpc>
             </a:pPr>
             <a:r>
-              <a:rPr lang="en-GB" sz="900" dirty="0">
+              <a:rPr lang="en-GB" sz="800" dirty="0">
                 <a:effectLst/>
                 <a:latin typeface="Calibri" panose="020F0502020204030204" pitchFamily="34" charset="0"/>
                 <a:cs typeface="Calibri" panose="020F0502020204030204" pitchFamily="34" charset="0"/>
@@ -6145,7 +6403,7 @@
               <a:t>Hasan, M. A., Hasan, M. K., &amp; </a:t>
             </a:r>
             <a:r>
-              <a:rPr lang="en-GB" sz="900" dirty="0" err="1">
+              <a:rPr lang="en-GB" sz="800" dirty="0" err="1">
                 <a:effectLst/>
                 <a:latin typeface="Calibri" panose="020F0502020204030204" pitchFamily="34" charset="0"/>
                 <a:cs typeface="Calibri" panose="020F0502020204030204" pitchFamily="34" charset="0"/>
@@ -6153,7 +6411,7 @@
               <a:t>Mottalib</a:t>
             </a:r>
             <a:r>
-              <a:rPr lang="en-GB" sz="900" dirty="0">
+              <a:rPr lang="en-GB" sz="800" dirty="0">
                 <a:effectLst/>
                 <a:latin typeface="Calibri" panose="020F0502020204030204" pitchFamily="34" charset="0"/>
                 <a:cs typeface="Calibri" panose="020F0502020204030204" pitchFamily="34" charset="0"/>
@@ -6161,7 +6419,7 @@
               <a:t>, M. A. (2015). Linear regression-based feature selection for microarray data classification. </a:t>
             </a:r>
             <a:r>
-              <a:rPr lang="en-GB" sz="900" i="1" dirty="0">
+              <a:rPr lang="en-GB" sz="800" i="1" dirty="0">
                 <a:effectLst/>
                 <a:latin typeface="Calibri" panose="020F0502020204030204" pitchFamily="34" charset="0"/>
                 <a:cs typeface="Calibri" panose="020F0502020204030204" pitchFamily="34" charset="0"/>
@@ -6169,7 +6427,7 @@
               <a:t>International Journal of Data Mining and Bioinformatics</a:t>
             </a:r>
             <a:r>
-              <a:rPr lang="en-GB" sz="900" dirty="0">
+              <a:rPr lang="en-GB" sz="800" dirty="0">
                 <a:effectLst/>
                 <a:latin typeface="Calibri" panose="020F0502020204030204" pitchFamily="34" charset="0"/>
                 <a:cs typeface="Calibri" panose="020F0502020204030204" pitchFamily="34" charset="0"/>
@@ -6177,7 +6435,7 @@
               <a:t>, </a:t>
             </a:r>
             <a:r>
-              <a:rPr lang="en-GB" sz="900" i="1" dirty="0">
+              <a:rPr lang="en-GB" sz="800" i="1" dirty="0">
                 <a:effectLst/>
                 <a:latin typeface="Calibri" panose="020F0502020204030204" pitchFamily="34" charset="0"/>
                 <a:cs typeface="Calibri" panose="020F0502020204030204" pitchFamily="34" charset="0"/>
@@ -6185,7 +6443,7 @@
               <a:t>11</a:t>
             </a:r>
             <a:r>
-              <a:rPr lang="en-GB" sz="900" dirty="0">
+              <a:rPr lang="en-GB" sz="800" dirty="0">
                 <a:effectLst/>
                 <a:latin typeface="Calibri" panose="020F0502020204030204" pitchFamily="34" charset="0"/>
                 <a:cs typeface="Calibri" panose="020F0502020204030204" pitchFamily="34" charset="0"/>
@@ -6193,7 +6451,7 @@
               <a:t>(2), 167. </a:t>
             </a:r>
             <a:r>
-              <a:rPr lang="en-GB" sz="900" dirty="0">
+              <a:rPr lang="en-GB" sz="800" dirty="0">
                 <a:latin typeface="Calibri" panose="020F0502020204030204" pitchFamily="34" charset="0"/>
                 <a:cs typeface="Calibri" panose="020F0502020204030204" pitchFamily="34" charset="0"/>
               </a:rPr>
@@ -6201,13 +6459,13 @@
             </a:r>
           </a:p>
           <a:p>
-            <a:pPr marL="457200" indent="-457200">
+            <a:pPr>
               <a:lnSpc>
                 <a:spcPct val="200000"/>
               </a:lnSpc>
             </a:pPr>
             <a:r>
-              <a:rPr lang="en-GB" sz="900" dirty="0">
+              <a:rPr lang="en-GB" sz="800" dirty="0">
                 <a:effectLst/>
                 <a:latin typeface="Calibri" panose="020F0502020204030204" pitchFamily="34" charset="0"/>
                 <a:cs typeface="Calibri" panose="020F0502020204030204" pitchFamily="34" charset="0"/>
@@ -6215,7 +6473,7 @@
               <a:t>Miao, J., &amp; </a:t>
             </a:r>
             <a:r>
-              <a:rPr lang="en-GB" sz="900" dirty="0" err="1">
+              <a:rPr lang="en-GB" sz="800" dirty="0" err="1">
                 <a:effectLst/>
                 <a:latin typeface="Calibri" panose="020F0502020204030204" pitchFamily="34" charset="0"/>
                 <a:cs typeface="Calibri" panose="020F0502020204030204" pitchFamily="34" charset="0"/>
@@ -6223,7 +6481,7 @@
               <a:t>Niu</a:t>
             </a:r>
             <a:r>
-              <a:rPr lang="en-GB" sz="900" dirty="0">
+              <a:rPr lang="en-GB" sz="800" dirty="0">
                 <a:effectLst/>
                 <a:latin typeface="Calibri" panose="020F0502020204030204" pitchFamily="34" charset="0"/>
                 <a:cs typeface="Calibri" panose="020F0502020204030204" pitchFamily="34" charset="0"/>
@@ -6231,7 +6489,7 @@
               <a:t>, L. (2016). A Survey on Feature Selection. </a:t>
             </a:r>
             <a:r>
-              <a:rPr lang="en-GB" sz="900" i="1" dirty="0">
+              <a:rPr lang="en-GB" sz="800" i="1" dirty="0">
                 <a:effectLst/>
                 <a:latin typeface="Calibri" panose="020F0502020204030204" pitchFamily="34" charset="0"/>
                 <a:cs typeface="Calibri" panose="020F0502020204030204" pitchFamily="34" charset="0"/>
@@ -6239,7 +6497,7 @@
               <a:t>Procedia Computer Science</a:t>
             </a:r>
             <a:r>
-              <a:rPr lang="en-GB" sz="900" dirty="0">
+              <a:rPr lang="en-GB" sz="800" dirty="0">
                 <a:effectLst/>
                 <a:latin typeface="Calibri" panose="020F0502020204030204" pitchFamily="34" charset="0"/>
                 <a:cs typeface="Calibri" panose="020F0502020204030204" pitchFamily="34" charset="0"/>
@@ -6247,7 +6505,7 @@
               <a:t>, </a:t>
             </a:r>
             <a:r>
-              <a:rPr lang="en-GB" sz="900" i="1" dirty="0">
+              <a:rPr lang="en-GB" sz="800" i="1" dirty="0">
                 <a:effectLst/>
                 <a:latin typeface="Calibri" panose="020F0502020204030204" pitchFamily="34" charset="0"/>
                 <a:cs typeface="Calibri" panose="020F0502020204030204" pitchFamily="34" charset="0"/>
@@ -6255,7 +6513,7 @@
               <a:t>91</a:t>
             </a:r>
             <a:r>
-              <a:rPr lang="en-GB" sz="900" dirty="0">
+              <a:rPr lang="en-GB" sz="800" dirty="0">
                 <a:effectLst/>
                 <a:latin typeface="Calibri" panose="020F0502020204030204" pitchFamily="34" charset="0"/>
                 <a:cs typeface="Calibri" panose="020F0502020204030204" pitchFamily="34" charset="0"/>
@@ -6263,26 +6521,26 @@
               <a:t>, 919–926. </a:t>
             </a:r>
             <a:r>
-              <a:rPr lang="en-GB" sz="900" dirty="0">
+              <a:rPr lang="en-GB" sz="800" dirty="0">
                 <a:latin typeface="Calibri" panose="020F0502020204030204" pitchFamily="34" charset="0"/>
                 <a:cs typeface="Calibri" panose="020F0502020204030204" pitchFamily="34" charset="0"/>
               </a:rPr>
               <a:t>https://doi.org/10.1016/j.procs.2016.07.111</a:t>
             </a:r>
-            <a:endParaRPr lang="en-GB" sz="900" dirty="0">
+            <a:endParaRPr lang="en-GB" sz="800" dirty="0">
               <a:effectLst/>
               <a:latin typeface="Calibri" panose="020F0502020204030204" pitchFamily="34" charset="0"/>
               <a:cs typeface="Calibri" panose="020F0502020204030204" pitchFamily="34" charset="0"/>
             </a:endParaRPr>
           </a:p>
           <a:p>
-            <a:pPr marL="457200" indent="-457200">
+            <a:pPr>
               <a:lnSpc>
                 <a:spcPct val="200000"/>
               </a:lnSpc>
             </a:pPr>
             <a:r>
-              <a:rPr lang="en-GB" sz="900" dirty="0">
+              <a:rPr lang="en-GB" sz="800" dirty="0">
                 <a:effectLst/>
                 <a:latin typeface="Calibri" panose="020F0502020204030204" pitchFamily="34" charset="0"/>
                 <a:cs typeface="Calibri" panose="020F0502020204030204" pitchFamily="34" charset="0"/>
@@ -6290,7 +6548,7 @@
               <a:t>UYSAL, L., &amp; GÜVENIR, H. A. (1999). An overview of regression techniques for knowledge discovery. </a:t>
             </a:r>
             <a:r>
-              <a:rPr lang="en-GB" sz="900" i="1" dirty="0">
+              <a:rPr lang="en-GB" sz="800" i="1" dirty="0">
                 <a:effectLst/>
                 <a:latin typeface="Calibri" panose="020F0502020204030204" pitchFamily="34" charset="0"/>
                 <a:cs typeface="Calibri" panose="020F0502020204030204" pitchFamily="34" charset="0"/>
@@ -6298,7 +6556,7 @@
               <a:t>The Knowledge Engineering Review</a:t>
             </a:r>
             <a:r>
-              <a:rPr lang="en-GB" sz="900" dirty="0">
+              <a:rPr lang="en-GB" sz="800" dirty="0">
                 <a:effectLst/>
                 <a:latin typeface="Calibri" panose="020F0502020204030204" pitchFamily="34" charset="0"/>
                 <a:cs typeface="Calibri" panose="020F0502020204030204" pitchFamily="34" charset="0"/>
@@ -6306,7 +6564,7 @@
               <a:t>, </a:t>
             </a:r>
             <a:r>
-              <a:rPr lang="en-GB" sz="900" i="1" dirty="0">
+              <a:rPr lang="en-GB" sz="800" i="1" dirty="0">
                 <a:effectLst/>
                 <a:latin typeface="Calibri" panose="020F0502020204030204" pitchFamily="34" charset="0"/>
                 <a:cs typeface="Calibri" panose="020F0502020204030204" pitchFamily="34" charset="0"/>
@@ -6314,7 +6572,7 @@
               <a:t>14</a:t>
             </a:r>
             <a:r>
-              <a:rPr lang="en-GB" sz="900" dirty="0">
+              <a:rPr lang="en-GB" sz="800" dirty="0">
                 <a:effectLst/>
                 <a:latin typeface="Calibri" panose="020F0502020204030204" pitchFamily="34" charset="0"/>
                 <a:cs typeface="Calibri" panose="020F0502020204030204" pitchFamily="34" charset="0"/>
@@ -6322,7 +6580,7 @@
               <a:t>(4), 319–340. </a:t>
             </a:r>
             <a:r>
-              <a:rPr lang="en-GB" sz="900" dirty="0">
+              <a:rPr lang="en-GB" sz="800" dirty="0">
                 <a:latin typeface="Calibri" panose="020F0502020204030204" pitchFamily="34" charset="0"/>
                 <a:cs typeface="Calibri" panose="020F0502020204030204" pitchFamily="34" charset="0"/>
               </a:rPr>
@@ -6330,13 +6588,13 @@
             </a:r>
           </a:p>
           <a:p>
-            <a:pPr marL="457200" indent="-457200">
+            <a:pPr>
               <a:lnSpc>
                 <a:spcPct val="200000"/>
               </a:lnSpc>
             </a:pPr>
             <a:r>
-              <a:rPr lang="en-GB" sz="900" dirty="0">
+              <a:rPr lang="en-GB" sz="800" dirty="0">
                 <a:effectLst/>
                 <a:latin typeface="Calibri" panose="020F0502020204030204" pitchFamily="34" charset="0"/>
                 <a:cs typeface="Calibri" panose="020F0502020204030204" pitchFamily="34" charset="0"/>
@@ -6344,7 +6602,7 @@
               <a:t>Lee, K.-Y &amp; Kim, K.-H &amp; Kang, J.-J &amp; Choi, S.-J &amp; </a:t>
             </a:r>
             <a:r>
-              <a:rPr lang="en-GB" sz="900" dirty="0" err="1">
+              <a:rPr lang="en-GB" sz="800" dirty="0" err="1">
                 <a:effectLst/>
                 <a:latin typeface="Calibri" panose="020F0502020204030204" pitchFamily="34" charset="0"/>
                 <a:cs typeface="Calibri" panose="020F0502020204030204" pitchFamily="34" charset="0"/>
@@ -6352,7 +6610,7 @@
               <a:t>Im</a:t>
             </a:r>
             <a:r>
-              <a:rPr lang="en-GB" sz="900" dirty="0">
+              <a:rPr lang="en-GB" sz="800" dirty="0">
                 <a:effectLst/>
                 <a:latin typeface="Calibri" panose="020F0502020204030204" pitchFamily="34" charset="0"/>
                 <a:cs typeface="Calibri" panose="020F0502020204030204" pitchFamily="34" charset="0"/>
@@ -6360,7 +6618,7 @@
               <a:t>, Y.-S &amp; Lee, Y.-D &amp; Lim, Y.-S. (2017). Comparison and analysis of linear regression &amp; artificial neural network. International Journal of Applied Engineering Research. 12. 9820-9825.</a:t>
             </a:r>
             <a:r>
-              <a:rPr lang="en-GB" sz="900" dirty="0">
+              <a:rPr lang="en-GB" sz="800" dirty="0">
                 <a:latin typeface="Calibri" panose="020F0502020204030204" pitchFamily="34" charset="0"/>
                 <a:cs typeface="Calibri" panose="020F0502020204030204" pitchFamily="34" charset="0"/>
               </a:rPr>
@@ -6368,13 +6626,13 @@
             </a:r>
           </a:p>
           <a:p>
-            <a:pPr marL="457200" indent="-457200">
+            <a:pPr>
               <a:lnSpc>
                 <a:spcPct val="200000"/>
               </a:lnSpc>
             </a:pPr>
             <a:r>
-              <a:rPr lang="en-GB" sz="900" dirty="0">
+              <a:rPr lang="en-GB" sz="800" dirty="0">
                 <a:effectLst/>
                 <a:latin typeface="Calibri" panose="020F0502020204030204" pitchFamily="34" charset="0"/>
                 <a:cs typeface="Calibri" panose="020F0502020204030204" pitchFamily="34" charset="0"/>
@@ -6382,7 +6640,7 @@
               <a:t>Singh Suri, G., Kaur, G., &amp; </a:t>
             </a:r>
             <a:r>
-              <a:rPr lang="en-GB" sz="900" dirty="0" err="1">
+              <a:rPr lang="en-GB" sz="800" dirty="0" err="1">
                 <a:effectLst/>
                 <a:latin typeface="Calibri" panose="020F0502020204030204" pitchFamily="34" charset="0"/>
                 <a:cs typeface="Calibri" panose="020F0502020204030204" pitchFamily="34" charset="0"/>
@@ -6390,7 +6648,7 @@
               <a:t>Moein</a:t>
             </a:r>
             <a:r>
-              <a:rPr lang="en-GB" sz="900" dirty="0">
+              <a:rPr lang="en-GB" sz="800" dirty="0">
                 <a:effectLst/>
                 <a:latin typeface="Calibri" panose="020F0502020204030204" pitchFamily="34" charset="0"/>
                 <a:cs typeface="Calibri" panose="020F0502020204030204" pitchFamily="34" charset="0"/>
@@ -6398,7 +6656,7 @@
               <a:t>, S. (2021). Machine Learning in Detecting Schizophrenia: An Overview. </a:t>
             </a:r>
             <a:r>
-              <a:rPr lang="en-GB" sz="900" i="1" dirty="0">
+              <a:rPr lang="en-GB" sz="800" i="1" dirty="0">
                 <a:effectLst/>
                 <a:latin typeface="Calibri" panose="020F0502020204030204" pitchFamily="34" charset="0"/>
                 <a:cs typeface="Calibri" panose="020F0502020204030204" pitchFamily="34" charset="0"/>
@@ -6406,7 +6664,7 @@
               <a:t>Intelligent Automation &amp; Soft Computing</a:t>
             </a:r>
             <a:r>
-              <a:rPr lang="en-GB" sz="900" dirty="0">
+              <a:rPr lang="en-GB" sz="800" dirty="0">
                 <a:effectLst/>
                 <a:latin typeface="Calibri" panose="020F0502020204030204" pitchFamily="34" charset="0"/>
                 <a:cs typeface="Calibri" panose="020F0502020204030204" pitchFamily="34" charset="0"/>
@@ -6414,7 +6672,7 @@
               <a:t>, </a:t>
             </a:r>
             <a:r>
-              <a:rPr lang="en-GB" sz="900" i="1" dirty="0">
+              <a:rPr lang="en-GB" sz="800" i="1" dirty="0">
                 <a:effectLst/>
                 <a:latin typeface="Calibri" panose="020F0502020204030204" pitchFamily="34" charset="0"/>
                 <a:cs typeface="Calibri" panose="020F0502020204030204" pitchFamily="34" charset="0"/>
@@ -6422,7 +6680,7 @@
               <a:t>27</a:t>
             </a:r>
             <a:r>
-              <a:rPr lang="en-GB" sz="900" dirty="0">
+              <a:rPr lang="en-GB" sz="800" dirty="0">
                 <a:effectLst/>
                 <a:latin typeface="Calibri" panose="020F0502020204030204" pitchFamily="34" charset="0"/>
                 <a:cs typeface="Calibri" panose="020F0502020204030204" pitchFamily="34" charset="0"/>
@@ -6430,26 +6688,26 @@
               <a:t>(3), 723–735. </a:t>
             </a:r>
             <a:r>
-              <a:rPr lang="en-GB" sz="900" dirty="0">
+              <a:rPr lang="en-GB" sz="800" dirty="0">
                 <a:latin typeface="Calibri" panose="020F0502020204030204" pitchFamily="34" charset="0"/>
                 <a:cs typeface="Calibri" panose="020F0502020204030204" pitchFamily="34" charset="0"/>
               </a:rPr>
               <a:t>https://doi.org/10.32604/iasc.2021.015049</a:t>
             </a:r>
-            <a:endParaRPr lang="en-GB" sz="900" dirty="0">
+            <a:endParaRPr lang="en-GB" sz="800" dirty="0">
               <a:effectLst/>
               <a:latin typeface="Calibri" panose="020F0502020204030204" pitchFamily="34" charset="0"/>
               <a:cs typeface="Calibri" panose="020F0502020204030204" pitchFamily="34" charset="0"/>
             </a:endParaRPr>
           </a:p>
           <a:p>
-            <a:pPr marL="457200" indent="-457200">
+            <a:pPr>
               <a:lnSpc>
                 <a:spcPct val="200000"/>
               </a:lnSpc>
             </a:pPr>
             <a:r>
-              <a:rPr lang="en-GB" sz="900" dirty="0">
+              <a:rPr lang="en-GB" sz="800" dirty="0">
                 <a:effectLst/>
                 <a:latin typeface="Calibri" panose="020F0502020204030204" pitchFamily="34" charset="0"/>
                 <a:cs typeface="Calibri" panose="020F0502020204030204" pitchFamily="34" charset="0"/>
@@ -6457,7 +6715,7 @@
               <a:t>Lin, E., Lin, C. H., &amp; Lane, H. Y. (2021). Prediction of functional outcomes of schizophrenia with genetic biomarkers using a bagging ensemble machine learning method with feature selection. </a:t>
             </a:r>
             <a:r>
-              <a:rPr lang="en-GB" sz="900" i="1" dirty="0">
+              <a:rPr lang="en-GB" sz="800" i="1" dirty="0">
                 <a:effectLst/>
                 <a:latin typeface="Calibri" panose="020F0502020204030204" pitchFamily="34" charset="0"/>
                 <a:cs typeface="Calibri" panose="020F0502020204030204" pitchFamily="34" charset="0"/>
@@ -6465,7 +6723,7 @@
               <a:t>Scientific Reports</a:t>
             </a:r>
             <a:r>
-              <a:rPr lang="en-GB" sz="900" dirty="0">
+              <a:rPr lang="en-GB" sz="800" dirty="0">
                 <a:effectLst/>
                 <a:latin typeface="Calibri" panose="020F0502020204030204" pitchFamily="34" charset="0"/>
                 <a:cs typeface="Calibri" panose="020F0502020204030204" pitchFamily="34" charset="0"/>
@@ -6473,7 +6731,7 @@
               <a:t>, </a:t>
             </a:r>
             <a:r>
-              <a:rPr lang="en-GB" sz="900" i="1" dirty="0">
+              <a:rPr lang="en-GB" sz="800" i="1" dirty="0">
                 <a:effectLst/>
                 <a:latin typeface="Calibri" panose="020F0502020204030204" pitchFamily="34" charset="0"/>
                 <a:cs typeface="Calibri" panose="020F0502020204030204" pitchFamily="34" charset="0"/>
@@ -6481,7 +6739,7 @@
               <a:t>11</a:t>
             </a:r>
             <a:r>
-              <a:rPr lang="en-GB" sz="900" dirty="0">
+              <a:rPr lang="en-GB" sz="800" dirty="0">
                 <a:effectLst/>
                 <a:latin typeface="Calibri" panose="020F0502020204030204" pitchFamily="34" charset="0"/>
                 <a:cs typeface="Calibri" panose="020F0502020204030204" pitchFamily="34" charset="0"/>
@@ -6490,13 +6748,13 @@
             </a:r>
           </a:p>
           <a:p>
-            <a:pPr marL="457200" indent="-457200">
+            <a:pPr>
               <a:lnSpc>
                 <a:spcPct val="200000"/>
               </a:lnSpc>
             </a:pPr>
             <a:r>
-              <a:rPr lang="en-GB" sz="900" dirty="0">
+              <a:rPr lang="en-GB" sz="800" dirty="0">
                 <a:effectLst/>
                 <a:latin typeface="Calibri" panose="020F0502020204030204" pitchFamily="34" charset="0"/>
                 <a:cs typeface="Calibri" panose="020F0502020204030204" pitchFamily="34" charset="0"/>
@@ -6504,7 +6762,7 @@
               <a:t>Cortes-Briones, J. A., Tapia-Rivas, N. I., D’Souza, D. C., &amp; Estevez, P. A. (2021). Going deep into schizophrenia with artificial intelligence. </a:t>
             </a:r>
             <a:r>
-              <a:rPr lang="en-GB" sz="900" i="1" dirty="0">
+              <a:rPr lang="en-GB" sz="800" i="1" dirty="0">
                 <a:effectLst/>
                 <a:latin typeface="Calibri" panose="020F0502020204030204" pitchFamily="34" charset="0"/>
                 <a:cs typeface="Calibri" panose="020F0502020204030204" pitchFamily="34" charset="0"/>
@@ -6512,7 +6770,7 @@
               <a:t>Schizophrenia Research</a:t>
             </a:r>
             <a:r>
-              <a:rPr lang="en-GB" sz="900" dirty="0">
+              <a:rPr lang="en-GB" sz="800" dirty="0">
                 <a:effectLst/>
                 <a:latin typeface="Calibri" panose="020F0502020204030204" pitchFamily="34" charset="0"/>
                 <a:cs typeface="Calibri" panose="020F0502020204030204" pitchFamily="34" charset="0"/>
@@ -6521,24 +6779,422 @@
             </a:r>
           </a:p>
           <a:p>
-            <a:pPr marL="457200" indent="-457200">
+            <a:pPr>
               <a:lnSpc>
                 <a:spcPct val="200000"/>
               </a:lnSpc>
             </a:pPr>
-            <a:endParaRPr lang="en-GB" sz="1100" dirty="0">
+            <a:r>
+              <a:rPr lang="en-GB" sz="800" i="0" dirty="0">
+                <a:solidFill>
+                  <a:srgbClr val="000000"/>
+                </a:solidFill>
+                <a:effectLst/>
+                <a:latin typeface="Calibri" panose="020F0502020204030204" pitchFamily="34" charset="0"/>
+                <a:cs typeface="Calibri" panose="020F0502020204030204" pitchFamily="34" charset="0"/>
+              </a:rPr>
+              <a:t>J. S. Marron, Michael J. Todd and </a:t>
+            </a:r>
+            <a:r>
+              <a:rPr lang="en-GB" sz="800" i="0" dirty="0" err="1">
+                <a:solidFill>
+                  <a:srgbClr val="000000"/>
+                </a:solidFill>
+                <a:effectLst/>
+                <a:latin typeface="Calibri" panose="020F0502020204030204" pitchFamily="34" charset="0"/>
+                <a:cs typeface="Calibri" panose="020F0502020204030204" pitchFamily="34" charset="0"/>
+              </a:rPr>
+              <a:t>Jeongyoun</a:t>
+            </a:r>
+            <a:r>
+              <a:rPr lang="en-GB" sz="800" i="0" dirty="0">
+                <a:solidFill>
+                  <a:srgbClr val="000000"/>
+                </a:solidFill>
+                <a:effectLst/>
+                <a:latin typeface="Calibri" panose="020F0502020204030204" pitchFamily="34" charset="0"/>
+                <a:cs typeface="Calibri" panose="020F0502020204030204" pitchFamily="34" charset="0"/>
+              </a:rPr>
+              <a:t> </a:t>
+            </a:r>
+            <a:r>
+              <a:rPr lang="en-GB" sz="800" i="0" dirty="0" err="1">
+                <a:solidFill>
+                  <a:srgbClr val="000000"/>
+                </a:solidFill>
+                <a:effectLst/>
+                <a:latin typeface="Calibri" panose="020F0502020204030204" pitchFamily="34" charset="0"/>
+                <a:cs typeface="Calibri" panose="020F0502020204030204" pitchFamily="34" charset="0"/>
+              </a:rPr>
+              <a:t>Ahn</a:t>
+            </a:r>
+            <a:r>
+              <a:rPr lang="en-GB" sz="800" dirty="0">
+                <a:latin typeface="Calibri" panose="020F0502020204030204" pitchFamily="34" charset="0"/>
+                <a:cs typeface="Calibri" panose="020F0502020204030204" pitchFamily="34" charset="0"/>
+              </a:rPr>
+              <a:t>. (2004) Distance Weighted Discrimination.</a:t>
+            </a:r>
+            <a:r>
+              <a:rPr lang="en-GB" sz="800" b="0" i="0" dirty="0">
+                <a:solidFill>
+                  <a:srgbClr val="1C1E21"/>
+                </a:solidFill>
+                <a:effectLst/>
+                <a:latin typeface="Calibri" panose="020F0502020204030204" pitchFamily="34" charset="0"/>
+                <a:cs typeface="Calibri" panose="020F0502020204030204" pitchFamily="34" charset="0"/>
+              </a:rPr>
+              <a:t> Journal of the American Statistical Association,</a:t>
+            </a:r>
+            <a:r>
+              <a:rPr lang="en-GB" sz="800" dirty="0">
+                <a:solidFill>
+                  <a:srgbClr val="343332"/>
+                </a:solidFill>
+                <a:latin typeface="Calibri" panose="020F0502020204030204" pitchFamily="34" charset="0"/>
+                <a:cs typeface="Calibri" panose="020F0502020204030204" pitchFamily="34" charset="0"/>
+              </a:rPr>
+              <a:t> (no page number). http://www.optimization-online.org/DB_FILE/2002/07/513.pdf?fbclid=IwAR19LvTVhXEcSXK0hyO1JwoXaZN0_OS0GIwiAIFq2c3z5XMROUGud--QTPo</a:t>
+            </a:r>
+          </a:p>
+          <a:p>
+            <a:pPr>
+              <a:lnSpc>
+                <a:spcPct val="200000"/>
+              </a:lnSpc>
+            </a:pPr>
+            <a:r>
+              <a:rPr lang="en-GB" sz="800" b="0" i="0" dirty="0" err="1">
+                <a:solidFill>
+                  <a:srgbClr val="212121"/>
+                </a:solidFill>
+                <a:effectLst/>
+                <a:latin typeface="Calibri" panose="020F0502020204030204" pitchFamily="34" charset="0"/>
+                <a:cs typeface="Calibri" panose="020F0502020204030204" pitchFamily="34" charset="0"/>
+              </a:rPr>
+              <a:t>Qiao</a:t>
+            </a:r>
+            <a:r>
+              <a:rPr lang="en-GB" sz="800" b="0" i="0" dirty="0">
+                <a:solidFill>
+                  <a:srgbClr val="212121"/>
+                </a:solidFill>
+                <a:effectLst/>
+                <a:latin typeface="Calibri" panose="020F0502020204030204" pitchFamily="34" charset="0"/>
+                <a:cs typeface="Calibri" panose="020F0502020204030204" pitchFamily="34" charset="0"/>
+              </a:rPr>
+              <a:t>, X., Zhang, H. H., Liu, Y., Todd, M. J., &amp; Marron, J. S. (2010). Weighted Distance Weighted Discrimination and Its Asymptotic Properties. </a:t>
+            </a:r>
+            <a:r>
+              <a:rPr lang="en-GB" sz="800" b="0" i="1" dirty="0">
+                <a:solidFill>
+                  <a:srgbClr val="212121"/>
+                </a:solidFill>
+                <a:effectLst/>
+                <a:latin typeface="Calibri" panose="020F0502020204030204" pitchFamily="34" charset="0"/>
+                <a:cs typeface="Calibri" panose="020F0502020204030204" pitchFamily="34" charset="0"/>
+              </a:rPr>
+              <a:t>Journal of the American Statistical Association</a:t>
+            </a:r>
+            <a:r>
+              <a:rPr lang="en-GB" sz="800" b="0" i="0" dirty="0">
+                <a:solidFill>
+                  <a:srgbClr val="212121"/>
+                </a:solidFill>
+                <a:effectLst/>
+                <a:latin typeface="Calibri" panose="020F0502020204030204" pitchFamily="34" charset="0"/>
+                <a:cs typeface="Calibri" panose="020F0502020204030204" pitchFamily="34" charset="0"/>
+              </a:rPr>
+              <a:t>, </a:t>
+            </a:r>
+            <a:r>
+              <a:rPr lang="en-GB" sz="800" b="0" i="1" dirty="0">
+                <a:solidFill>
+                  <a:srgbClr val="212121"/>
+                </a:solidFill>
+                <a:effectLst/>
+                <a:latin typeface="Calibri" panose="020F0502020204030204" pitchFamily="34" charset="0"/>
+                <a:cs typeface="Calibri" panose="020F0502020204030204" pitchFamily="34" charset="0"/>
+              </a:rPr>
+              <a:t>105</a:t>
+            </a:r>
+            <a:r>
+              <a:rPr lang="en-GB" sz="800" b="0" i="0" dirty="0">
+                <a:solidFill>
+                  <a:srgbClr val="212121"/>
+                </a:solidFill>
+                <a:effectLst/>
+                <a:latin typeface="Calibri" panose="020F0502020204030204" pitchFamily="34" charset="0"/>
+                <a:cs typeface="Calibri" panose="020F0502020204030204" pitchFamily="34" charset="0"/>
+              </a:rPr>
+              <a:t>(489), 401–414. https://doi.org/10.1198/jasa.2010.tm08487</a:t>
+            </a:r>
+            <a:endParaRPr lang="en-GB" sz="800" dirty="0">
               <a:effectLst/>
               <a:latin typeface="Calibri" panose="020F0502020204030204" pitchFamily="34" charset="0"/>
               <a:cs typeface="Calibri" panose="020F0502020204030204" pitchFamily="34" charset="0"/>
             </a:endParaRPr>
           </a:p>
           <a:p>
-            <a:pPr marL="457200" indent="-457200">
+            <a:pPr>
               <a:lnSpc>
                 <a:spcPct val="200000"/>
               </a:lnSpc>
             </a:pPr>
-            <a:endParaRPr lang="en-GB" sz="1100" dirty="0">
+            <a:r>
+              <a:rPr lang="en-GB" sz="800" b="0" i="0" dirty="0">
+                <a:solidFill>
+                  <a:srgbClr val="222222"/>
+                </a:solidFill>
+                <a:effectLst/>
+                <a:latin typeface="Calibri" panose="020F0502020204030204" pitchFamily="34" charset="0"/>
+                <a:cs typeface="Calibri" panose="020F0502020204030204" pitchFamily="34" charset="0"/>
+              </a:rPr>
+              <a:t>Wang, B., &amp; Zou, H. (2016). Sparse distance weighted discrimination. </a:t>
+            </a:r>
+            <a:r>
+              <a:rPr lang="en-GB" sz="800" b="0" i="1" dirty="0">
+                <a:solidFill>
+                  <a:srgbClr val="222222"/>
+                </a:solidFill>
+                <a:effectLst/>
+                <a:latin typeface="Calibri" panose="020F0502020204030204" pitchFamily="34" charset="0"/>
+                <a:cs typeface="Calibri" panose="020F0502020204030204" pitchFamily="34" charset="0"/>
+              </a:rPr>
+              <a:t>Journal of Computational and Graphical Statistics</a:t>
+            </a:r>
+            <a:r>
+              <a:rPr lang="en-GB" sz="800" b="0" i="0" dirty="0">
+                <a:solidFill>
+                  <a:srgbClr val="222222"/>
+                </a:solidFill>
+                <a:effectLst/>
+                <a:latin typeface="Calibri" panose="020F0502020204030204" pitchFamily="34" charset="0"/>
+                <a:cs typeface="Calibri" panose="020F0502020204030204" pitchFamily="34" charset="0"/>
+              </a:rPr>
+              <a:t>, </a:t>
+            </a:r>
+            <a:r>
+              <a:rPr lang="en-GB" sz="800" b="0" i="1" dirty="0">
+                <a:solidFill>
+                  <a:srgbClr val="222222"/>
+                </a:solidFill>
+                <a:effectLst/>
+                <a:latin typeface="Calibri" panose="020F0502020204030204" pitchFamily="34" charset="0"/>
+                <a:cs typeface="Calibri" panose="020F0502020204030204" pitchFamily="34" charset="0"/>
+              </a:rPr>
+              <a:t>25</a:t>
+            </a:r>
+            <a:r>
+              <a:rPr lang="en-GB" sz="800" b="0" i="0" dirty="0">
+                <a:solidFill>
+                  <a:srgbClr val="222222"/>
+                </a:solidFill>
+                <a:effectLst/>
+                <a:latin typeface="Calibri" panose="020F0502020204030204" pitchFamily="34" charset="0"/>
+                <a:cs typeface="Calibri" panose="020F0502020204030204" pitchFamily="34" charset="0"/>
+              </a:rPr>
+              <a:t>(3), 826-838. </a:t>
+            </a:r>
+            <a:r>
+              <a:rPr lang="en-GB" sz="800" dirty="0">
+                <a:solidFill>
+                  <a:srgbClr val="222222"/>
+                </a:solidFill>
+                <a:latin typeface="Calibri" panose="020F0502020204030204" pitchFamily="34" charset="0"/>
+                <a:cs typeface="Calibri" panose="020F0502020204030204" pitchFamily="34" charset="0"/>
+              </a:rPr>
+              <a:t>https://openreview.net/pdf?id=oVgon01wpfrlgPMRsB1E</a:t>
+            </a:r>
+            <a:endParaRPr lang="en-GB" sz="800" b="0" i="0" dirty="0">
+              <a:solidFill>
+                <a:srgbClr val="222222"/>
+              </a:solidFill>
+              <a:effectLst/>
+              <a:latin typeface="Calibri" panose="020F0502020204030204" pitchFamily="34" charset="0"/>
+              <a:cs typeface="Calibri" panose="020F0502020204030204" pitchFamily="34" charset="0"/>
+            </a:endParaRPr>
+          </a:p>
+          <a:p>
+            <a:pPr>
+              <a:lnSpc>
+                <a:spcPct val="200000"/>
+              </a:lnSpc>
+            </a:pPr>
+            <a:r>
+              <a:rPr lang="en-GB" sz="800" dirty="0">
+                <a:effectLst/>
+                <a:latin typeface="Calibri" panose="020F0502020204030204" pitchFamily="34" charset="0"/>
+                <a:cs typeface="Calibri" panose="020F0502020204030204" pitchFamily="34" charset="0"/>
+              </a:rPr>
+              <a:t>Wang, B., &amp; Zou, H. (2017). Another look at distance‐weighted discrimination. </a:t>
+            </a:r>
+            <a:r>
+              <a:rPr lang="en-GB" sz="800" i="1" dirty="0">
+                <a:effectLst/>
+                <a:latin typeface="Calibri" panose="020F0502020204030204" pitchFamily="34" charset="0"/>
+                <a:cs typeface="Calibri" panose="020F0502020204030204" pitchFamily="34" charset="0"/>
+              </a:rPr>
+              <a:t>Journal of the Royal Statistical Society: Series B (Statistical Methodology)</a:t>
+            </a:r>
+            <a:r>
+              <a:rPr lang="en-GB" sz="800" dirty="0">
+                <a:effectLst/>
+                <a:latin typeface="Calibri" panose="020F0502020204030204" pitchFamily="34" charset="0"/>
+                <a:cs typeface="Calibri" panose="020F0502020204030204" pitchFamily="34" charset="0"/>
+              </a:rPr>
+              <a:t>, </a:t>
+            </a:r>
+            <a:r>
+              <a:rPr lang="en-GB" sz="800" i="1" dirty="0">
+                <a:effectLst/>
+                <a:latin typeface="Calibri" panose="020F0502020204030204" pitchFamily="34" charset="0"/>
+                <a:cs typeface="Calibri" panose="020F0502020204030204" pitchFamily="34" charset="0"/>
+              </a:rPr>
+              <a:t>80</a:t>
+            </a:r>
+            <a:r>
+              <a:rPr lang="en-GB" sz="800" dirty="0">
+                <a:effectLst/>
+                <a:latin typeface="Calibri" panose="020F0502020204030204" pitchFamily="34" charset="0"/>
+                <a:cs typeface="Calibri" panose="020F0502020204030204" pitchFamily="34" charset="0"/>
+              </a:rPr>
+              <a:t>(1), 177–198. </a:t>
+            </a:r>
+            <a:r>
+              <a:rPr lang="en-GB" sz="800" dirty="0">
+                <a:latin typeface="Calibri" panose="020F0502020204030204" pitchFamily="34" charset="0"/>
+                <a:cs typeface="Calibri" panose="020F0502020204030204" pitchFamily="34" charset="0"/>
+              </a:rPr>
+              <a:t>https://doi.org/10.1111/rssb.12244</a:t>
+            </a:r>
+            <a:endParaRPr lang="en-GB" sz="800" dirty="0">
+              <a:effectLst/>
+              <a:latin typeface="Calibri" panose="020F0502020204030204" pitchFamily="34" charset="0"/>
+              <a:cs typeface="Calibri" panose="020F0502020204030204" pitchFamily="34" charset="0"/>
+            </a:endParaRPr>
+          </a:p>
+          <a:p>
+            <a:pPr>
+              <a:lnSpc>
+                <a:spcPct val="200000"/>
+              </a:lnSpc>
+            </a:pPr>
+            <a:r>
+              <a:rPr lang="en-GB" sz="800" dirty="0">
+                <a:effectLst/>
+                <a:latin typeface="Calibri" panose="020F0502020204030204" pitchFamily="34" charset="0"/>
+                <a:cs typeface="Calibri" panose="020F0502020204030204" pitchFamily="34" charset="0"/>
+              </a:rPr>
+              <a:t>Zahoor, J., &amp; Zafar, K. (2020). Classification of Microarray Gene Expression Data Using an Infiltration Tactics Optimization (ITO) Algorithm. </a:t>
+            </a:r>
+            <a:r>
+              <a:rPr lang="en-GB" sz="800" i="1" dirty="0">
+                <a:effectLst/>
+                <a:latin typeface="Calibri" panose="020F0502020204030204" pitchFamily="34" charset="0"/>
+                <a:cs typeface="Calibri" panose="020F0502020204030204" pitchFamily="34" charset="0"/>
+              </a:rPr>
+              <a:t>Genes</a:t>
+            </a:r>
+            <a:r>
+              <a:rPr lang="en-GB" sz="800" dirty="0">
+                <a:effectLst/>
+                <a:latin typeface="Calibri" panose="020F0502020204030204" pitchFamily="34" charset="0"/>
+                <a:cs typeface="Calibri" panose="020F0502020204030204" pitchFamily="34" charset="0"/>
+              </a:rPr>
+              <a:t>, </a:t>
+            </a:r>
+            <a:r>
+              <a:rPr lang="en-GB" sz="800" i="1" dirty="0">
+                <a:effectLst/>
+                <a:latin typeface="Calibri" panose="020F0502020204030204" pitchFamily="34" charset="0"/>
+                <a:cs typeface="Calibri" panose="020F0502020204030204" pitchFamily="34" charset="0"/>
+              </a:rPr>
+              <a:t>11</a:t>
+            </a:r>
+            <a:r>
+              <a:rPr lang="en-GB" sz="800" dirty="0">
+                <a:effectLst/>
+                <a:latin typeface="Calibri" panose="020F0502020204030204" pitchFamily="34" charset="0"/>
+                <a:cs typeface="Calibri" panose="020F0502020204030204" pitchFamily="34" charset="0"/>
+              </a:rPr>
+              <a:t>(7), 819. https://doi.org/10.3390/genes11070819</a:t>
+            </a:r>
+          </a:p>
+          <a:p>
+            <a:pPr>
+              <a:lnSpc>
+                <a:spcPct val="200000"/>
+              </a:lnSpc>
+            </a:pPr>
+            <a:r>
+              <a:rPr lang="en-GB" sz="800" dirty="0" err="1">
+                <a:effectLst/>
+                <a:latin typeface="Calibri" panose="020F0502020204030204" pitchFamily="34" charset="0"/>
+                <a:cs typeface="Calibri" panose="020F0502020204030204" pitchFamily="34" charset="0"/>
+              </a:rPr>
+              <a:t>Ahn</a:t>
+            </a:r>
+            <a:r>
+              <a:rPr lang="en-GB" sz="800" dirty="0">
+                <a:effectLst/>
+                <a:latin typeface="Calibri" panose="020F0502020204030204" pitchFamily="34" charset="0"/>
+                <a:cs typeface="Calibri" panose="020F0502020204030204" pitchFamily="34" charset="0"/>
+              </a:rPr>
+              <a:t>, J., &amp; Jeon, Y. (2015). Sparse HDLSS discrimination with constrained data piling. </a:t>
+            </a:r>
+            <a:r>
+              <a:rPr lang="en-GB" sz="800" i="1" dirty="0">
+                <a:effectLst/>
+                <a:latin typeface="Calibri" panose="020F0502020204030204" pitchFamily="34" charset="0"/>
+                <a:cs typeface="Calibri" panose="020F0502020204030204" pitchFamily="34" charset="0"/>
+              </a:rPr>
+              <a:t>Computational Statistics &amp; Data Analysis</a:t>
+            </a:r>
+            <a:r>
+              <a:rPr lang="en-GB" sz="800" dirty="0">
+                <a:effectLst/>
+                <a:latin typeface="Calibri" panose="020F0502020204030204" pitchFamily="34" charset="0"/>
+                <a:cs typeface="Calibri" panose="020F0502020204030204" pitchFamily="34" charset="0"/>
+              </a:rPr>
+              <a:t>, </a:t>
+            </a:r>
+            <a:r>
+              <a:rPr lang="en-GB" sz="800" i="1" dirty="0">
+                <a:effectLst/>
+                <a:latin typeface="Calibri" panose="020F0502020204030204" pitchFamily="34" charset="0"/>
+                <a:cs typeface="Calibri" panose="020F0502020204030204" pitchFamily="34" charset="0"/>
+              </a:rPr>
+              <a:t>90</a:t>
+            </a:r>
+            <a:r>
+              <a:rPr lang="en-GB" sz="800" dirty="0">
+                <a:effectLst/>
+                <a:latin typeface="Calibri" panose="020F0502020204030204" pitchFamily="34" charset="0"/>
+                <a:cs typeface="Calibri" panose="020F0502020204030204" pitchFamily="34" charset="0"/>
+              </a:rPr>
+              <a:t>, 74–83. https://doi.org/10.1016/j.csda.2015.04.006</a:t>
+            </a:r>
+          </a:p>
+          <a:p>
+            <a:pPr>
+              <a:lnSpc>
+                <a:spcPct val="200000"/>
+              </a:lnSpc>
+            </a:pPr>
+            <a:endParaRPr lang="en-GB" sz="800" dirty="0">
+              <a:effectLst/>
+              <a:latin typeface="Calibri" panose="020F0502020204030204" pitchFamily="34" charset="0"/>
+              <a:cs typeface="Calibri" panose="020F0502020204030204" pitchFamily="34" charset="0"/>
+            </a:endParaRPr>
+          </a:p>
+          <a:p>
+            <a:pPr>
+              <a:lnSpc>
+                <a:spcPct val="200000"/>
+              </a:lnSpc>
+            </a:pPr>
+            <a:endParaRPr lang="en-GB" sz="800" dirty="0">
               <a:effectLst/>
               <a:latin typeface="Calibri" panose="020F0502020204030204" pitchFamily="34" charset="0"/>
               <a:cs typeface="Calibri" panose="020F0502020204030204" pitchFamily="34" charset="0"/>
@@ -6699,7 +7355,7 @@
                 <a:latin typeface="Calibri" panose="020F0502020204030204" pitchFamily="34" charset="0"/>
                 <a:cs typeface="Calibri" panose="020F0502020204030204" pitchFamily="34" charset="0"/>
               </a:rPr>
-              <a:t>: No differentiation between stages of schizophrenia or types of schizophrenia </a:t>
+              <a:t>: No differentiation between stages of schizophrenia, types of schizophrenia, age of patients and extent of their illness </a:t>
             </a:r>
             <a:endParaRPr lang="en-US" sz="2200" u="sng" dirty="0">
               <a:latin typeface="Calibri" panose="020F0502020204030204" pitchFamily="34" charset="0"/>
@@ -7232,93 +7888,6 @@
     <p:extLst>
       <p:ext uri="{BB962C8B-B14F-4D97-AF65-F5344CB8AC3E}">
         <p14:creationId xmlns:p14="http://schemas.microsoft.com/office/powerpoint/2010/main" val="2160243693"/>
-      </p:ext>
-    </p:extLst>
-  </p:cSld>
-  <p:clrMapOvr>
-    <a:masterClrMapping/>
-  </p:clrMapOvr>
-</p:sld>
-</file>
-
-<file path=ppt/slides/slide9.xml><?xml version="1.0" encoding="utf-8"?>
-<p:sld xmlns:a="http://schemas.openxmlformats.org/drawingml/2006/main" xmlns:r="http://schemas.openxmlformats.org/officeDocument/2006/relationships" xmlns:p="http://schemas.openxmlformats.org/presentationml/2006/main">
-  <p:cSld>
-    <p:spTree>
-      <p:nvGrpSpPr>
-        <p:cNvPr id="1" name=""/>
-        <p:cNvGrpSpPr/>
-        <p:nvPr/>
-      </p:nvGrpSpPr>
-      <p:grpSpPr>
-        <a:xfrm>
-          <a:off x="0" y="0"/>
-          <a:ext cx="0" cy="0"/>
-          <a:chOff x="0" y="0"/>
-          <a:chExt cx="0" cy="0"/>
-        </a:xfrm>
-      </p:grpSpPr>
-      <p:sp>
-        <p:nvSpPr>
-          <p:cNvPr id="2" name="Title 1">
-            <a:extLst>
-              <a:ext uri="{FF2B5EF4-FFF2-40B4-BE49-F238E27FC236}">
-                <a16:creationId xmlns:a16="http://schemas.microsoft.com/office/drawing/2014/main" id="{9B5EFE0C-AF28-4ADF-921E-D00CECBC1D56}"/>
-              </a:ext>
-            </a:extLst>
-          </p:cNvPr>
-          <p:cNvSpPr>
-            <a:spLocks noGrp="1"/>
-          </p:cNvSpPr>
-          <p:nvPr>
-            <p:ph type="title"/>
-          </p:nvPr>
-        </p:nvSpPr>
-        <p:spPr/>
-        <p:txBody>
-          <a:bodyPr/>
-          <a:lstStyle/>
-          <a:p>
-            <a:r>
-              <a:rPr lang="en-US" dirty="0"/>
-              <a:t>Notes </a:t>
-            </a:r>
-            <a:endParaRPr lang="en-GB" dirty="0"/>
-          </a:p>
-        </p:txBody>
-      </p:sp>
-      <p:sp>
-        <p:nvSpPr>
-          <p:cNvPr id="3" name="Content Placeholder 2">
-            <a:extLst>
-              <a:ext uri="{FF2B5EF4-FFF2-40B4-BE49-F238E27FC236}">
-                <a16:creationId xmlns:a16="http://schemas.microsoft.com/office/drawing/2014/main" id="{B26B860C-7807-40C8-BA1D-D75DC3A54DB4}"/>
-              </a:ext>
-            </a:extLst>
-          </p:cNvPr>
-          <p:cNvSpPr>
-            <a:spLocks noGrp="1"/>
-          </p:cNvSpPr>
-          <p:nvPr>
-            <p:ph idx="1"/>
-          </p:nvPr>
-        </p:nvSpPr>
-        <p:spPr/>
-        <p:txBody>
-          <a:bodyPr/>
-          <a:lstStyle/>
-          <a:p>
-            <a:r>
-              <a:rPr lang="en-GB" dirty="0"/>
-              <a:t>SVM is resistant to the imbalanced data issue, but it overfits high-dimensional data sets by showing the undesired data-piling phenomenon. The DWD method was proposed to improve SVM in the high dimensional setting, but its decision boundary is sensitive to the imbalanced ratio of sample sizes</a:t>
-            </a:r>
-          </a:p>
-        </p:txBody>
-      </p:sp>
-    </p:spTree>
-    <p:extLst>
-      <p:ext uri="{BB962C8B-B14F-4D97-AF65-F5344CB8AC3E}">
-        <p14:creationId xmlns:p14="http://schemas.microsoft.com/office/powerpoint/2010/main" val="2775147322"/>
       </p:ext>
     </p:extLst>
   </p:cSld>

--- a/Research Design & Proposal Writting/Assignment 2/c15311966_second_assignment.pptx
+++ b/Research Design & Proposal Writting/Assignment 2/c15311966_second_assignment.pptx
@@ -13,6 +13,7 @@
     <p:sldId id="261" r:id="rId7"/>
     <p:sldId id="262" r:id="rId8"/>
     <p:sldId id="257" r:id="rId9"/>
+    <p:sldId id="264" r:id="rId10"/>
   </p:sldIdLst>
   <p:sldSz cx="12192000" cy="6858000"/>
   <p:notesSz cx="6858000" cy="9144000"/>
@@ -522,7 +523,7 @@
           <a:p>
             <a:fld id="{83284890-85D2-4D7B-8EF5-15A9C1DB8F42}" type="datetimeFigureOut">
               <a:rPr lang="en-US" dirty="0"/>
-              <a:t>11/25/2021</a:t>
+              <a:t>11/27/2021</a:t>
             </a:fld>
             <a:endParaRPr lang="en-US" dirty="0"/>
           </a:p>
@@ -697,7 +698,7 @@
           <a:p>
             <a:fld id="{87157CC2-0FC8-4686-B024-99790E0F5162}" type="datetimeFigureOut">
               <a:rPr lang="en-US" dirty="0"/>
-              <a:t>11/25/2021</a:t>
+              <a:t>11/27/2021</a:t>
             </a:fld>
             <a:endParaRPr lang="en-US" dirty="0"/>
           </a:p>
@@ -872,7 +873,7 @@
           <a:p>
             <a:fld id="{F6764DA5-CD3D-4590-A511-FCD3BC7A793E}" type="datetimeFigureOut">
               <a:rPr lang="en-US" dirty="0"/>
-              <a:t>11/25/2021</a:t>
+              <a:t>11/27/2021</a:t>
             </a:fld>
             <a:endParaRPr lang="en-US" dirty="0"/>
           </a:p>
@@ -1037,7 +1038,7 @@
           <a:p>
             <a:fld id="{82F5661D-6934-4B32-B92C-470368BF1EC6}" type="datetimeFigureOut">
               <a:rPr lang="en-US" dirty="0"/>
-              <a:t>11/25/2021</a:t>
+              <a:t>11/27/2021</a:t>
             </a:fld>
             <a:endParaRPr lang="en-US" dirty="0"/>
           </a:p>
@@ -1345,7 +1346,7 @@
           <a:p>
             <a:fld id="{C6F822A4-8DA6-4447-9B1F-C5DB58435268}" type="datetimeFigureOut">
               <a:rPr lang="en-US" dirty="0"/>
-              <a:t>11/25/2021</a:t>
+              <a:t>11/27/2021</a:t>
             </a:fld>
             <a:endParaRPr lang="en-US" dirty="0"/>
           </a:p>
@@ -1727,7 +1728,7 @@
           <a:p>
             <a:fld id="{E548D31E-DCDA-41A7-9C67-C4B11B94D21D}" type="datetimeFigureOut">
               <a:rPr lang="en-US" dirty="0"/>
-              <a:t>11/25/2021</a:t>
+              <a:t>11/27/2021</a:t>
             </a:fld>
             <a:endParaRPr lang="en-US" dirty="0"/>
           </a:p>
@@ -2156,7 +2157,7 @@
           <a:p>
             <a:fld id="{9B3762C0-B258-48F1-ADE6-176B4174CCDD}" type="datetimeFigureOut">
               <a:rPr lang="en-US" dirty="0"/>
-              <a:t>11/25/2021</a:t>
+              <a:t>11/27/2021</a:t>
             </a:fld>
             <a:endParaRPr lang="en-US" dirty="0"/>
           </a:p>
@@ -2269,7 +2270,7 @@
           <a:p>
             <a:fld id="{677919A6-33EB-49BD-A62F-1FA56B9F9712}" type="datetimeFigureOut">
               <a:rPr lang="en-US" dirty="0"/>
-              <a:t>11/25/2021</a:t>
+              <a:t>11/27/2021</a:t>
             </a:fld>
             <a:endParaRPr lang="en-US" dirty="0"/>
           </a:p>
@@ -2359,7 +2360,7 @@
           <a:p>
             <a:fld id="{CA4E7D1B-D673-4CF6-8672-009D42ABD2A0}" type="datetimeFigureOut">
               <a:rPr lang="en-US" dirty="0"/>
-              <a:t>11/25/2021</a:t>
+              <a:t>11/27/2021</a:t>
             </a:fld>
             <a:endParaRPr lang="en-US" dirty="0"/>
           </a:p>
@@ -2704,7 +2705,7 @@
           <a:p>
             <a:fld id="{DA16AA21-1863-4931-97CB-99D0A168701B}" type="datetimeFigureOut">
               <a:rPr lang="en-US" dirty="0"/>
-              <a:t>11/25/2021</a:t>
+              <a:t>11/27/2021</a:t>
             </a:fld>
             <a:endParaRPr lang="en-US" dirty="0"/>
           </a:p>
@@ -3124,7 +3125,7 @@
           <a:p>
             <a:fld id="{3772C379-9A7C-4C87-A116-CBE9F58B04C5}" type="datetimeFigureOut">
               <a:rPr lang="en-US" dirty="0"/>
-              <a:t>11/25/2021</a:t>
+              <a:t>11/27/2021</a:t>
             </a:fld>
             <a:endParaRPr lang="en-US" dirty="0"/>
           </a:p>
@@ -3400,7 +3401,7 @@
           <a:p>
             <a:fld id="{8664C608-40B1-4030-A28D-5B74BC98ADCE}" type="datetimeFigureOut">
               <a:rPr lang="en-US" dirty="0"/>
-              <a:t>11/25/2021</a:t>
+              <a:t>11/27/2021</a:t>
             </a:fld>
             <a:endParaRPr lang="en-US" dirty="0"/>
           </a:p>
@@ -4170,7 +4171,7 @@
         </p:spPr>
         <p:txBody>
           <a:bodyPr>
-            <a:normAutofit lnSpcReduction="10000"/>
+            <a:normAutofit fontScale="92500" lnSpcReduction="10000"/>
           </a:bodyPr>
           <a:lstStyle/>
           <a:p>
@@ -4232,7 +4233,7 @@
                 <a:latin typeface="Calibri" panose="020F0502020204030204" pitchFamily="34" charset="0"/>
                 <a:cs typeface="Calibri" panose="020F0502020204030204" pitchFamily="34" charset="0"/>
               </a:rPr>
-              <a:t>is limited to examining classification techniques such as SVM, DWD </a:t>
+              <a:t>is limited to examining classification techniques such as SVM, DWD and their implementations </a:t>
             </a:r>
             <a:r>
               <a:rPr lang="en-US" sz="2000" dirty="0">
@@ -4260,7 +4261,7 @@
                 <a:latin typeface="Calibri" panose="020F0502020204030204" pitchFamily="34" charset="0"/>
                 <a:cs typeface="Calibri" panose="020F0502020204030204" pitchFamily="34" charset="0"/>
               </a:rPr>
-              <a:t>35,432 observations gathered from 162 patients and 169 healthy controls. The Aim of this study is to derive the differences in classification accuracy via the F1 score and examine state of the art HDLSS classification techniques.</a:t>
+              <a:t>35,432 observations gathered from 162 patients and 169 healthy controls. The Aim of this study is to derive differences  between implementations and their classification accuracy via the F1 score.</a:t>
             </a:r>
             <a:endParaRPr lang="en-US" dirty="0">
               <a:latin typeface="Calibri" panose="020F0502020204030204" pitchFamily="34" charset="0"/>
@@ -4310,7 +4311,7 @@
                 <a:latin typeface="Calibri" panose="020F0502020204030204" pitchFamily="34" charset="0"/>
                 <a:cs typeface="Calibri" panose="020F0502020204030204" pitchFamily="34" charset="0"/>
               </a:rPr>
-              <a:t> a collection of HDLSS schizophrenia datasets, no information about the stage, age or severity of schizophrenia of patients which this data was gathered from. </a:t>
+              <a:t> a collection of HDLSS schizophrenia datasets, no information about the stage, age or severity of schizophrenia of patients which this data was gathered from, this is a limitation because models trained on HDLSS data tend to overfit such as deep learning models acquiring a 0.9 AUC but drop to 0.6 or 0.7 when younger cohorts or vice versa are introduced for testing </a:t>
             </a:r>
             <a:endParaRPr lang="en-US" dirty="0">
               <a:solidFill>
@@ -4333,7 +4334,7 @@
                 <a:latin typeface="Calibri" panose="020F0502020204030204" pitchFamily="34" charset="0"/>
                 <a:cs typeface="Calibri" panose="020F0502020204030204" pitchFamily="34" charset="0"/>
               </a:rPr>
-              <a:t>Classification was chosen over other techniques such as deep learning, deep learning models tend to overfit significantly when compared to their traditional statistical counterparts when working with HDLSS data </a:t>
+              <a:t>SVM and DWD were chosen over other techniques such as deep learning or regression because DWD and its implementations are state of the art, DWD was designed to address short comings of SVMs and regardless of other limitations DWD has when classifying HDLSS data its still currently state of the art which is why it was picked for examination in this study</a:t>
             </a:r>
             <a:endParaRPr lang="en-GB" dirty="0">
               <a:latin typeface="Calibri" panose="020F0502020204030204" pitchFamily="34" charset="0"/>
@@ -4454,7 +4455,7 @@
                 <a:latin typeface="Calibri" panose="020F0502020204030204" pitchFamily="34" charset="0"/>
                 <a:cs typeface="Calibri" panose="020F0502020204030204" pitchFamily="34" charset="0"/>
               </a:rPr>
-              <a:t>There is an application and methodological gap. Meaning the state of the art heavily relies on SVM and DWD which both express some issues when working with HDLSS data, SVMs shortcomings stem from data-pilling where t</a:t>
+              <a:t>There is an application and methodological gap. This is because the state of the art relies on SVM and DWD. DWD was designed to address SVMs limitations when working with HDLSS data, SVMs shortcomings stem from data-pilling where t</a:t>
             </a:r>
             <a:r>
               <a:rPr lang="en-GB" i="0" dirty="0">
@@ -4491,7 +4492,22 @@
                 <a:latin typeface="Calibri" panose="020F0502020204030204" pitchFamily="34" charset="0"/>
                 <a:cs typeface="Calibri" panose="020F0502020204030204" pitchFamily="34" charset="0"/>
               </a:rPr>
-              <a:t>There is very little variability in methods used at the top end they range from different implementations of SVM and DWD, meaning research is still being conducted on how to tackle shortcomings of both methods when classifying HDLSS data and target classes. </a:t>
+              <a:t>There is very little variability in methods used at the top end. </a:t>
+            </a:r>
+            <a:r>
+              <a:rPr lang="en-GB" dirty="0">
+                <a:latin typeface="Calibri" panose="020F0502020204030204" pitchFamily="34" charset="0"/>
+                <a:cs typeface="Calibri" panose="020F0502020204030204" pitchFamily="34" charset="0"/>
+              </a:rPr>
+              <a:t>T</a:t>
+            </a:r>
+            <a:r>
+              <a:rPr lang="en-GB" sz="2000" dirty="0">
+                <a:effectLst/>
+                <a:latin typeface="Calibri" panose="020F0502020204030204" pitchFamily="34" charset="0"/>
+                <a:cs typeface="Calibri" panose="020F0502020204030204" pitchFamily="34" charset="0"/>
+              </a:rPr>
+              <a:t>hey range from different implementations of SVM and DWD, meaning research is still being conducted on how to tackle limitations of both methods when used for classifying HDLSS data and their target class. </a:t>
             </a:r>
             <a:r>
               <a:rPr lang="en-US" i="1" dirty="0">
@@ -4695,13 +4711,13 @@
               <a:buNone/>
             </a:pPr>
             <a:r>
-              <a:rPr lang="en-US" dirty="0">
+              <a:rPr lang="en-US" b="1" dirty="0">
                 <a:latin typeface="Calibri" panose="020F0502020204030204" pitchFamily="34" charset="0"/>
                 <a:cs typeface="Calibri" panose="020F0502020204030204" pitchFamily="34" charset="0"/>
               </a:rPr>
               <a:t>Research Question</a:t>
             </a:r>
-            <a:endParaRPr lang="en-US" dirty="0">
+            <a:endParaRPr lang="en-US" b="1" dirty="0">
               <a:solidFill>
                 <a:srgbClr val="FF0000"/>
               </a:solidFill>
@@ -4715,7 +4731,7 @@
                 <a:latin typeface="Calibri" panose="020F0502020204030204" pitchFamily="34" charset="0"/>
                 <a:cs typeface="Calibri" panose="020F0502020204030204" pitchFamily="34" charset="0"/>
               </a:rPr>
-              <a:t>What are the differences between different implementations of SVM and DWD techniques when classifying Schizophrenia using HDLSS data through </a:t>
+              <a:t>What are the differences between implementations of SVM and DWD and their performance when classifying Schizophrenia using HDLSS data through </a:t>
             </a:r>
             <a:r>
               <a:rPr lang="en-US" sz="2000" dirty="0">
@@ -4900,38 +4916,66 @@
           </a:p>
           <a:p>
             <a:r>
+              <a:rPr lang="en-US" sz="1800" b="1" dirty="0">
+                <a:latin typeface="Calibri" panose="020F0502020204030204" pitchFamily="34" charset="0"/>
+                <a:cs typeface="Calibri" panose="020F0502020204030204" pitchFamily="34" charset="0"/>
+              </a:rPr>
+              <a:t>Type</a:t>
+            </a:r>
+            <a:r>
               <a:rPr lang="en-US" sz="1800" dirty="0">
                 <a:latin typeface="Calibri" panose="020F0502020204030204" pitchFamily="34" charset="0"/>
                 <a:cs typeface="Calibri" panose="020F0502020204030204" pitchFamily="34" charset="0"/>
               </a:rPr>
-              <a:t>Type: Secondary research, using Mind Research Networks dataset supported by a systematic review of existing research on SVM use cases for mental illness classification along with state of the art HDLSS data analysis methodologies such as DWD in order to create a statistical model to compare performance among other differences between SVM and DWD when examining HDLSS data</a:t>
-            </a:r>
-          </a:p>
-          <a:p>
+              <a:t>: Secondary research, using Mind Research Networks dataset supported by a systematic review of existing research on SVM use cases for mental illness classification along with state of the art HDLSS data analysis methodologies such as DWD to create a statistical model to compare performance among other differences between SVM and DWD when examining HDLSS data</a:t>
+            </a:r>
+          </a:p>
+          <a:p>
+            <a:r>
+              <a:rPr lang="en-US" sz="1800" b="1" dirty="0">
+                <a:latin typeface="Calibri" panose="020F0502020204030204" pitchFamily="34" charset="0"/>
+                <a:cs typeface="Calibri" panose="020F0502020204030204" pitchFamily="34" charset="0"/>
+              </a:rPr>
+              <a:t>Objective</a:t>
+            </a:r>
             <a:r>
               <a:rPr lang="en-US" sz="1800" dirty="0">
                 <a:latin typeface="Calibri" panose="020F0502020204030204" pitchFamily="34" charset="0"/>
                 <a:cs typeface="Calibri" panose="020F0502020204030204" pitchFamily="34" charset="0"/>
               </a:rPr>
-              <a:t>Objective: Quantitative research, via the development of classification models evaluated by F1 score, Log Loss, Categorical Cross entropy or AUC on top of investigating the causation of differences in accuracy between a specialized method such as DWD </a:t>
-            </a:r>
-          </a:p>
-          <a:p>
+              <a:t>: Quantitative research, via the development of classification models evaluated by F1 score, Log Loss, Categorical Cross entropy or AUC on top of investigating the causation of differences in accuracy between a specialized method such as DWD </a:t>
+            </a:r>
+          </a:p>
+          <a:p>
+            <a:r>
+              <a:rPr lang="en-US" sz="1800" b="1" dirty="0">
+                <a:latin typeface="Calibri" panose="020F0502020204030204" pitchFamily="34" charset="0"/>
+                <a:cs typeface="Calibri" panose="020F0502020204030204" pitchFamily="34" charset="0"/>
+              </a:rPr>
+              <a:t>Form</a:t>
+            </a:r>
             <a:r>
               <a:rPr lang="en-US" sz="1800" dirty="0">
                 <a:latin typeface="Calibri" panose="020F0502020204030204" pitchFamily="34" charset="0"/>
                 <a:cs typeface="Calibri" panose="020F0502020204030204" pitchFamily="34" charset="0"/>
               </a:rPr>
-              <a:t>Form: Empirical research, accept or reject the null hypothesis based on results gathered from model evaluation once the experiment is concluded and evaluate the differences between a method that is more suited for HDLSS data</a:t>
-            </a:r>
-          </a:p>
-          <a:p>
+              <a:t>: Empirical research, accept or reject the null hypothesis based on results gathered from model evaluation once the experiment is concluded and evaluate the differences between a method that is more suited for HDLSS data</a:t>
+            </a:r>
+          </a:p>
+          <a:p>
+            <a:r>
+              <a:rPr lang="en-US" sz="1800" b="1" dirty="0">
+                <a:latin typeface="Calibri" panose="020F0502020204030204" pitchFamily="34" charset="0"/>
+                <a:cs typeface="Calibri" panose="020F0502020204030204" pitchFamily="34" charset="0"/>
+              </a:rPr>
+              <a:t>Reasoning</a:t>
+            </a:r>
             <a:r>
               <a:rPr lang="en-US" sz="1800" dirty="0">
                 <a:latin typeface="Calibri" panose="020F0502020204030204" pitchFamily="34" charset="0"/>
                 <a:cs typeface="Calibri" panose="020F0502020204030204" pitchFamily="34" charset="0"/>
               </a:rPr>
-              <a:t>Reasoning: Deductive approach, comparing SVM with DWD to form a hypothesis that will lead to an experiment from which metrics can be gathered that will either confirm or refute the null hypothesis</a:t>
+              <a:t>: Deductive approach, comparing SVM with DWD to form a hypothesis that will lead to an experiment from which metrics can be gathered that will either confirm or refute the null hypothesis</a:t>
             </a:r>
           </a:p>
         </p:txBody>
@@ -5029,7 +5073,7 @@
         </p:spPr>
         <p:txBody>
           <a:bodyPr>
-            <a:normAutofit fontScale="70000" lnSpcReduction="20000"/>
+            <a:normAutofit fontScale="62500" lnSpcReduction="20000"/>
           </a:bodyPr>
           <a:lstStyle/>
           <a:p>
@@ -5054,7 +5098,7 @@
                 <a:latin typeface="Calibri" panose="020F0502020204030204" pitchFamily="34" charset="0"/>
                 <a:cs typeface="Calibri" panose="020F0502020204030204" pitchFamily="34" charset="0"/>
               </a:rPr>
-              <a:t>Derive the differences in classification performance and examine the differences between SVM and DWD</a:t>
+              <a:t>Derive the differences in classification performance and examine the differences between SVM and DWD implementations</a:t>
             </a:r>
           </a:p>
           <a:p>
@@ -5070,7 +5114,7 @@
                 <a:latin typeface="Calibri" panose="020F0502020204030204" pitchFamily="34" charset="0"/>
                 <a:cs typeface="Calibri" panose="020F0502020204030204" pitchFamily="34" charset="0"/>
               </a:rPr>
-              <a:t>: Review dataset again along with the supplied “support scripts” which show how to load additional data</a:t>
+              <a:t>: Review gathered materials such as “support scripts” appended to the Mind Research Networks dataset, literature on SVM &amp; DWD</a:t>
             </a:r>
           </a:p>
           <a:p>
@@ -5086,7 +5130,7 @@
                 <a:latin typeface="Calibri" panose="020F0502020204030204" pitchFamily="34" charset="0"/>
                 <a:cs typeface="Calibri" panose="020F0502020204030204" pitchFamily="34" charset="0"/>
               </a:rPr>
-              <a:t>: Review state of the art implementations of SVM for mental illness classification from identified papers/literature review again</a:t>
+              <a:t>: Box time for each method of SVM and DWD and their subsequent implementations, ~4 weeks each ~8 in total leaving ~4 weeks for documentation and write up </a:t>
             </a:r>
           </a:p>
           <a:p>
@@ -5102,7 +5146,7 @@
                 <a:latin typeface="Calibri" panose="020F0502020204030204" pitchFamily="34" charset="0"/>
                 <a:cs typeface="Calibri" panose="020F0502020204030204" pitchFamily="34" charset="0"/>
               </a:rPr>
-              <a:t>: Review state of the art techniques for HDLSS data analysis/classification such as DWD from identified papers/literature review again</a:t>
+              <a:t>: Given the allocated time, develop a basic prototype of SVM and DWD with default out of the box params to act as benchmark rerun experiment x times to gather a sample of performance metrics</a:t>
             </a:r>
           </a:p>
           <a:p>
@@ -5118,15 +5162,29 @@
                 <a:latin typeface="Calibri" panose="020F0502020204030204" pitchFamily="34" charset="0"/>
                 <a:cs typeface="Calibri" panose="020F0502020204030204" pitchFamily="34" charset="0"/>
               </a:rPr>
-              <a:t>: Gather notes on any additional literature that could be used</a:t>
-            </a:r>
-          </a:p>
-          <a:p>
+              <a:t>: Repeat </a:t>
+            </a:r>
             <a:r>
               <a:rPr lang="en-US" sz="2400" b="1" dirty="0">
                 <a:latin typeface="Calibri" panose="020F0502020204030204" pitchFamily="34" charset="0"/>
                 <a:cs typeface="Calibri" panose="020F0502020204030204" pitchFamily="34" charset="0"/>
               </a:rPr>
+              <a:t>O3</a:t>
+            </a:r>
+            <a:r>
+              <a:rPr lang="en-US" sz="2400" dirty="0">
+                <a:latin typeface="Calibri" panose="020F0502020204030204" pitchFamily="34" charset="0"/>
+                <a:cs typeface="Calibri" panose="020F0502020204030204" pitchFamily="34" charset="0"/>
+              </a:rPr>
+              <a:t> for each implementation of SVM or DWD (list here ? Do I have space?) record each result set in a table</a:t>
+            </a:r>
+          </a:p>
+          <a:p>
+            <a:r>
+              <a:rPr lang="en-US" sz="2400" b="1" dirty="0">
+                <a:latin typeface="Calibri" panose="020F0502020204030204" pitchFamily="34" charset="0"/>
+                <a:cs typeface="Calibri" panose="020F0502020204030204" pitchFamily="34" charset="0"/>
+              </a:rPr>
               <a:t>O5</a:t>
             </a:r>
             <a:r>
@@ -5134,15 +5192,39 @@
                 <a:latin typeface="Calibri" panose="020F0502020204030204" pitchFamily="34" charset="0"/>
                 <a:cs typeface="Calibri" panose="020F0502020204030204" pitchFamily="34" charset="0"/>
               </a:rPr>
-              <a:t>: Box time for each implementation SVM and DWD, this is so that there is time to document and submit the results ~3 weeks each leaving 7 weeks for documentation and refining </a:t>
-            </a:r>
-          </a:p>
-          <a:p>
+              <a:t>: : Prepare data to best suit SVM using feature selection and </a:t>
+            </a:r>
+            <a:r>
+              <a:rPr lang="en-US" sz="2400" dirty="0">
+                <a:solidFill>
+                  <a:srgbClr val="FF0000"/>
+                </a:solidFill>
+                <a:latin typeface="Calibri" panose="020F0502020204030204" pitchFamily="34" charset="0"/>
+                <a:cs typeface="Calibri" panose="020F0502020204030204" pitchFamily="34" charset="0"/>
+              </a:rPr>
+              <a:t>idk</a:t>
+            </a:r>
+            <a:r>
+              <a:rPr lang="en-US" sz="2400" dirty="0">
+                <a:latin typeface="Calibri" panose="020F0502020204030204" pitchFamily="34" charset="0"/>
+                <a:cs typeface="Calibri" panose="020F0502020204030204" pitchFamily="34" charset="0"/>
+              </a:rPr>
+              <a:t>, document steps taken then using notes from </a:t>
+            </a:r>
             <a:r>
               <a:rPr lang="en-US" sz="2400" b="1" dirty="0">
                 <a:latin typeface="Calibri" panose="020F0502020204030204" pitchFamily="34" charset="0"/>
                 <a:cs typeface="Calibri" panose="020F0502020204030204" pitchFamily="34" charset="0"/>
               </a:rPr>
+              <a:t>O1</a:t>
+            </a:r>
+          </a:p>
+          <a:p>
+            <a:r>
+              <a:rPr lang="en-US" sz="2400" b="1" dirty="0">
+                <a:latin typeface="Calibri" panose="020F0502020204030204" pitchFamily="34" charset="0"/>
+                <a:cs typeface="Calibri" panose="020F0502020204030204" pitchFamily="34" charset="0"/>
+              </a:rPr>
               <a:t>O6</a:t>
             </a:r>
             <a:r>
@@ -5150,15 +5232,29 @@
                 <a:latin typeface="Calibri" panose="020F0502020204030204" pitchFamily="34" charset="0"/>
                 <a:cs typeface="Calibri" panose="020F0502020204030204" pitchFamily="34" charset="0"/>
               </a:rPr>
-              <a:t>: Given the allocated time, develop a basic prototype with default out of the box params to act as benchmark</a:t>
-            </a:r>
-          </a:p>
-          <a:p>
+              <a:t>: Build SVM model/s, tune hyperparameters and record evaluation metrics (F1 score, Log Loss, Categorical Cross entropy and AUC ) repeat x times to gather a sample refer to </a:t>
+            </a:r>
             <a:r>
               <a:rPr lang="en-US" sz="2400" b="1" dirty="0">
                 <a:latin typeface="Calibri" panose="020F0502020204030204" pitchFamily="34" charset="0"/>
                 <a:cs typeface="Calibri" panose="020F0502020204030204" pitchFamily="34" charset="0"/>
               </a:rPr>
+              <a:t>O3 </a:t>
+            </a:r>
+            <a:r>
+              <a:rPr lang="en-US" sz="2400" dirty="0">
+                <a:latin typeface="Calibri" panose="020F0502020204030204" pitchFamily="34" charset="0"/>
+                <a:cs typeface="Calibri" panose="020F0502020204030204" pitchFamily="34" charset="0"/>
+              </a:rPr>
+              <a:t>– format into tables</a:t>
+            </a:r>
+          </a:p>
+          <a:p>
+            <a:r>
+              <a:rPr lang="en-US" sz="2400" b="1" dirty="0">
+                <a:latin typeface="Calibri" panose="020F0502020204030204" pitchFamily="34" charset="0"/>
+                <a:cs typeface="Calibri" panose="020F0502020204030204" pitchFamily="34" charset="0"/>
+              </a:rPr>
               <a:t>O7</a:t>
             </a:r>
             <a:r>
@@ -5166,20 +5262,34 @@
                 <a:latin typeface="Calibri" panose="020F0502020204030204" pitchFamily="34" charset="0"/>
                 <a:cs typeface="Calibri" panose="020F0502020204030204" pitchFamily="34" charset="0"/>
               </a:rPr>
-              <a:t>: Prepare dataset to best suit SVM, document steps taken then using gathered notes tune hyperparameters based on metrics gathered in </a:t>
+              <a:t>: Repeat </a:t>
             </a:r>
             <a:r>
               <a:rPr lang="en-US" sz="2400" b="1" dirty="0">
                 <a:latin typeface="Calibri" panose="020F0502020204030204" pitchFamily="34" charset="0"/>
                 <a:cs typeface="Calibri" panose="020F0502020204030204" pitchFamily="34" charset="0"/>
               </a:rPr>
-              <a:t>O9</a:t>
+              <a:t>O3</a:t>
             </a:r>
             <a:r>
               <a:rPr lang="en-US" sz="2400" dirty="0">
                 <a:latin typeface="Calibri" panose="020F0502020204030204" pitchFamily="34" charset="0"/>
                 <a:cs typeface="Calibri" panose="020F0502020204030204" pitchFamily="34" charset="0"/>
               </a:rPr>
+              <a:t> followed by </a:t>
+            </a:r>
+            <a:r>
+              <a:rPr lang="en-US" sz="2400" b="1" dirty="0">
+                <a:latin typeface="Calibri" panose="020F0502020204030204" pitchFamily="34" charset="0"/>
+                <a:cs typeface="Calibri" panose="020F0502020204030204" pitchFamily="34" charset="0"/>
+              </a:rPr>
+              <a:t>O4</a:t>
+            </a:r>
+            <a:r>
+              <a:rPr lang="en-US" sz="2400" dirty="0">
+                <a:latin typeface="Calibri" panose="020F0502020204030204" pitchFamily="34" charset="0"/>
+                <a:cs typeface="Calibri" panose="020F0502020204030204" pitchFamily="34" charset="0"/>
+              </a:rPr>
               <a:t> and </a:t>
             </a:r>
             <a:r>
@@ -5187,9 +5297,83 @@
                 <a:latin typeface="Calibri" panose="020F0502020204030204" pitchFamily="34" charset="0"/>
                 <a:cs typeface="Calibri" panose="020F0502020204030204" pitchFamily="34" charset="0"/>
               </a:rPr>
-              <a:t>O10</a:t>
-            </a:r>
-            <a:endParaRPr lang="en-US" sz="2400" dirty="0">
+              <a:t>O6</a:t>
+            </a:r>
+            <a:r>
+              <a:rPr lang="en-US" sz="2400" dirty="0">
+                <a:latin typeface="Calibri" panose="020F0502020204030204" pitchFamily="34" charset="0"/>
+                <a:cs typeface="Calibri" panose="020F0502020204030204" pitchFamily="34" charset="0"/>
+              </a:rPr>
+              <a:t> for DWD, after gathering x samples of metrics in </a:t>
+            </a:r>
+            <a:r>
+              <a:rPr lang="en-US" sz="2400" b="1" dirty="0">
+                <a:latin typeface="Calibri" panose="020F0502020204030204" pitchFamily="34" charset="0"/>
+                <a:cs typeface="Calibri" panose="020F0502020204030204" pitchFamily="34" charset="0"/>
+              </a:rPr>
+              <a:t>O6</a:t>
+            </a:r>
+          </a:p>
+          <a:p>
+            <a:r>
+              <a:rPr lang="en-US" sz="2400" b="1" dirty="0">
+                <a:latin typeface="Calibri" panose="020F0502020204030204" pitchFamily="34" charset="0"/>
+                <a:cs typeface="Calibri" panose="020F0502020204030204" pitchFamily="34" charset="0"/>
+              </a:rPr>
+              <a:t>O8</a:t>
+            </a:r>
+            <a:r>
+              <a:rPr lang="en-US" sz="2400" dirty="0">
+                <a:latin typeface="Calibri" panose="020F0502020204030204" pitchFamily="34" charset="0"/>
+                <a:cs typeface="Calibri" panose="020F0502020204030204" pitchFamily="34" charset="0"/>
+              </a:rPr>
+              <a:t>: After models have been built and metrics have been gathered into samples of x size, run summary statistics to better understand distributions, using these descriptive statistics assess the distribution of each metric to pick the correct statistical test of significance, further support findings with adequate visualizations such as box plot and histograms of metrics for a given algorithm implementation – save data into .csv format</a:t>
+            </a:r>
+          </a:p>
+          <a:p>
+            <a:r>
+              <a:rPr lang="en-US" sz="2400" b="1" dirty="0">
+                <a:latin typeface="Calibri" panose="020F0502020204030204" pitchFamily="34" charset="0"/>
+                <a:cs typeface="Calibri" panose="020F0502020204030204" pitchFamily="34" charset="0"/>
+              </a:rPr>
+              <a:t>O9: </a:t>
+            </a:r>
+            <a:r>
+              <a:rPr lang="en-US" sz="2400" dirty="0">
+                <a:latin typeface="Calibri" panose="020F0502020204030204" pitchFamily="34" charset="0"/>
+                <a:cs typeface="Calibri" panose="020F0502020204030204" pitchFamily="34" charset="0"/>
+              </a:rPr>
+              <a:t>Load data from </a:t>
+            </a:r>
+            <a:r>
+              <a:rPr lang="en-US" sz="2400" b="1" dirty="0">
+                <a:latin typeface="Calibri" panose="020F0502020204030204" pitchFamily="34" charset="0"/>
+                <a:cs typeface="Calibri" panose="020F0502020204030204" pitchFamily="34" charset="0"/>
+              </a:rPr>
+              <a:t>O8</a:t>
+            </a:r>
+            <a:r>
+              <a:rPr lang="en-US" sz="2400" dirty="0">
+                <a:latin typeface="Calibri" panose="020F0502020204030204" pitchFamily="34" charset="0"/>
+                <a:cs typeface="Calibri" panose="020F0502020204030204" pitchFamily="34" charset="0"/>
+              </a:rPr>
+              <a:t> using R and lib x, y and z to test for normality as mentioned in </a:t>
+            </a:r>
+            <a:r>
+              <a:rPr lang="en-US" sz="2400" b="1" dirty="0">
+                <a:latin typeface="Calibri" panose="020F0502020204030204" pitchFamily="34" charset="0"/>
+                <a:cs typeface="Calibri" panose="020F0502020204030204" pitchFamily="34" charset="0"/>
+              </a:rPr>
+              <a:t>O8 </a:t>
+            </a:r>
+            <a:r>
+              <a:rPr lang="en-US" sz="2400" dirty="0">
+                <a:latin typeface="Calibri" panose="020F0502020204030204" pitchFamily="34" charset="0"/>
+                <a:cs typeface="Calibri" panose="020F0502020204030204" pitchFamily="34" charset="0"/>
+              </a:rPr>
+              <a:t>– following this pick </a:t>
+            </a:r>
+            <a:endParaRPr lang="en-US" sz="2400" b="1" dirty="0">
               <a:latin typeface="Calibri" panose="020F0502020204030204" pitchFamily="34" charset="0"/>
               <a:cs typeface="Calibri" panose="020F0502020204030204" pitchFamily="34" charset="0"/>
             </a:endParaRPr>
@@ -5200,13 +5384,93 @@
                 <a:latin typeface="Calibri" panose="020F0502020204030204" pitchFamily="34" charset="0"/>
                 <a:cs typeface="Calibri" panose="020F0502020204030204" pitchFamily="34" charset="0"/>
               </a:rPr>
-              <a:t>O8</a:t>
+              <a:t>O10</a:t>
             </a:r>
             <a:r>
               <a:rPr lang="en-US" sz="2400" dirty="0">
                 <a:latin typeface="Calibri" panose="020F0502020204030204" pitchFamily="34" charset="0"/>
                 <a:cs typeface="Calibri" panose="020F0502020204030204" pitchFamily="34" charset="0"/>
               </a:rPr>
+              <a:t>: -</a:t>
+            </a:r>
+          </a:p>
+          <a:p>
+            <a:r>
+              <a:rPr lang="en-US" sz="2400" b="1" dirty="0">
+                <a:latin typeface="Calibri" panose="020F0502020204030204" pitchFamily="34" charset="0"/>
+                <a:cs typeface="Calibri" panose="020F0502020204030204" pitchFamily="34" charset="0"/>
+              </a:rPr>
+              <a:t>O11</a:t>
+            </a:r>
+            <a:r>
+              <a:rPr lang="en-US" sz="2400" dirty="0">
+                <a:latin typeface="Calibri" panose="020F0502020204030204" pitchFamily="34" charset="0"/>
+                <a:cs typeface="Calibri" panose="020F0502020204030204" pitchFamily="34" charset="0"/>
+              </a:rPr>
+              <a:t>: -</a:t>
+            </a:r>
+            <a:endParaRPr lang="en-US" sz="2400" b="1" dirty="0">
+              <a:latin typeface="Calibri" panose="020F0502020204030204" pitchFamily="34" charset="0"/>
+              <a:cs typeface="Calibri" panose="020F0502020204030204" pitchFamily="34" charset="0"/>
+            </a:endParaRPr>
+          </a:p>
+          <a:p>
+            <a:r>
+              <a:rPr lang="en-US" sz="2400" b="1" dirty="0">
+                <a:latin typeface="Calibri" panose="020F0502020204030204" pitchFamily="34" charset="0"/>
+                <a:cs typeface="Calibri" panose="020F0502020204030204" pitchFamily="34" charset="0"/>
+              </a:rPr>
+              <a:t>O12</a:t>
+            </a:r>
+            <a:r>
+              <a:rPr lang="en-US" sz="2400" dirty="0">
+                <a:latin typeface="Calibri" panose="020F0502020204030204" pitchFamily="34" charset="0"/>
+                <a:cs typeface="Calibri" panose="020F0502020204030204" pitchFamily="34" charset="0"/>
+              </a:rPr>
+              <a:t>: Review material from </a:t>
+            </a:r>
+            <a:r>
+              <a:rPr lang="en-US" sz="2400" b="1" dirty="0">
+                <a:latin typeface="Calibri" panose="020F0502020204030204" pitchFamily="34" charset="0"/>
+                <a:cs typeface="Calibri" panose="020F0502020204030204" pitchFamily="34" charset="0"/>
+              </a:rPr>
+              <a:t>O2</a:t>
+            </a:r>
+            <a:r>
+              <a:rPr lang="en-US" sz="2400" dirty="0">
+                <a:latin typeface="Calibri" panose="020F0502020204030204" pitchFamily="34" charset="0"/>
+                <a:cs typeface="Calibri" panose="020F0502020204030204" pitchFamily="34" charset="0"/>
+              </a:rPr>
+              <a:t> and </a:t>
+            </a:r>
+            <a:r>
+              <a:rPr lang="en-US" sz="2400" b="1" dirty="0">
+                <a:latin typeface="Calibri" panose="020F0502020204030204" pitchFamily="34" charset="0"/>
+                <a:cs typeface="Calibri" panose="020F0502020204030204" pitchFamily="34" charset="0"/>
+              </a:rPr>
+              <a:t>O3</a:t>
+            </a:r>
+            <a:r>
+              <a:rPr lang="en-US" sz="2400" dirty="0">
+                <a:latin typeface="Calibri" panose="020F0502020204030204" pitchFamily="34" charset="0"/>
+                <a:cs typeface="Calibri" panose="020F0502020204030204" pitchFamily="34" charset="0"/>
+              </a:rPr>
+              <a:t> to support the differences and potentially identify more material to do so</a:t>
+            </a:r>
+          </a:p>
+          <a:p>
+            <a:r>
+              <a:rPr lang="en-US" sz="2400" b="1" dirty="0">
+                <a:latin typeface="Calibri" panose="020F0502020204030204" pitchFamily="34" charset="0"/>
+                <a:cs typeface="Calibri" panose="020F0502020204030204" pitchFamily="34" charset="0"/>
+              </a:rPr>
+              <a:t>O13</a:t>
+            </a:r>
+            <a:r>
+              <a:rPr lang="en-US" sz="2400" dirty="0">
+                <a:latin typeface="Calibri" panose="020F0502020204030204" pitchFamily="34" charset="0"/>
+                <a:cs typeface="Calibri" panose="020F0502020204030204" pitchFamily="34" charset="0"/>
+              </a:rPr>
               <a:t>: Repeat </a:t>
             </a:r>
             <a:r>
@@ -5214,157 +5478,14 @@
                 <a:latin typeface="Calibri" panose="020F0502020204030204" pitchFamily="34" charset="0"/>
                 <a:cs typeface="Calibri" panose="020F0502020204030204" pitchFamily="34" charset="0"/>
               </a:rPr>
-              <a:t>O7</a:t>
+              <a:t>O3</a:t>
             </a:r>
             <a:r>
               <a:rPr lang="en-US" sz="2400" dirty="0">
                 <a:latin typeface="Calibri" panose="020F0502020204030204" pitchFamily="34" charset="0"/>
                 <a:cs typeface="Calibri" panose="020F0502020204030204" pitchFamily="34" charset="0"/>
               </a:rPr>
-              <a:t> for DWD, however DWD doesn’t require any feature selection meaning more time can be spent on data preparation </a:t>
-            </a:r>
-          </a:p>
-          <a:p>
-            <a:r>
-              <a:rPr lang="en-US" sz="2400" b="1" dirty="0">
-                <a:latin typeface="Calibri" panose="020F0502020204030204" pitchFamily="34" charset="0"/>
-                <a:cs typeface="Calibri" panose="020F0502020204030204" pitchFamily="34" charset="0"/>
-              </a:rPr>
-              <a:t>O9</a:t>
-            </a:r>
-            <a:r>
-              <a:rPr lang="en-US" sz="2400" dirty="0">
-                <a:latin typeface="Calibri" panose="020F0502020204030204" pitchFamily="34" charset="0"/>
-                <a:cs typeface="Calibri" panose="020F0502020204030204" pitchFamily="34" charset="0"/>
-              </a:rPr>
-              <a:t>: Build SVM model/s, gather metrics from F1 score, Log Loss, Categorical Cross entropy and AUC – format into tables</a:t>
-            </a:r>
-          </a:p>
-          <a:p>
-            <a:r>
-              <a:rPr lang="en-US" sz="2400" b="1" dirty="0">
-                <a:latin typeface="Calibri" panose="020F0502020204030204" pitchFamily="34" charset="0"/>
-                <a:cs typeface="Calibri" panose="020F0502020204030204" pitchFamily="34" charset="0"/>
-              </a:rPr>
-              <a:t>O10</a:t>
-            </a:r>
-            <a:r>
-              <a:rPr lang="en-US" sz="2400" dirty="0">
-                <a:latin typeface="Calibri" panose="020F0502020204030204" pitchFamily="34" charset="0"/>
-                <a:cs typeface="Calibri" panose="020F0502020204030204" pitchFamily="34" charset="0"/>
-              </a:rPr>
-              <a:t>: Repeat </a:t>
-            </a:r>
-            <a:r>
-              <a:rPr lang="en-US" sz="2400" b="1" dirty="0">
-                <a:latin typeface="Calibri" panose="020F0502020204030204" pitchFamily="34" charset="0"/>
-                <a:cs typeface="Calibri" panose="020F0502020204030204" pitchFamily="34" charset="0"/>
-              </a:rPr>
-              <a:t>O9</a:t>
-            </a:r>
-            <a:r>
-              <a:rPr lang="en-US" sz="2400" dirty="0">
-                <a:latin typeface="Calibri" panose="020F0502020204030204" pitchFamily="34" charset="0"/>
-                <a:cs typeface="Calibri" panose="020F0502020204030204" pitchFamily="34" charset="0"/>
-              </a:rPr>
-              <a:t> for DWD iterate on models and refer to notes gathered from literature </a:t>
-            </a:r>
-          </a:p>
-          <a:p>
-            <a:r>
-              <a:rPr lang="en-US" sz="2400" b="1" dirty="0">
-                <a:latin typeface="Calibri" panose="020F0502020204030204" pitchFamily="34" charset="0"/>
-                <a:cs typeface="Calibri" panose="020F0502020204030204" pitchFamily="34" charset="0"/>
-              </a:rPr>
-              <a:t>O11</a:t>
-            </a:r>
-            <a:r>
-              <a:rPr lang="en-US" sz="2400" dirty="0">
-                <a:latin typeface="Calibri" panose="020F0502020204030204" pitchFamily="34" charset="0"/>
-                <a:cs typeface="Calibri" panose="020F0502020204030204" pitchFamily="34" charset="0"/>
-              </a:rPr>
-              <a:t>: Compare results from </a:t>
-            </a:r>
-            <a:r>
-              <a:rPr lang="en-US" sz="2400" b="1" dirty="0">
-                <a:latin typeface="Calibri" panose="020F0502020204030204" pitchFamily="34" charset="0"/>
-                <a:cs typeface="Calibri" panose="020F0502020204030204" pitchFamily="34" charset="0"/>
-              </a:rPr>
-              <a:t>O9</a:t>
-            </a:r>
-            <a:r>
-              <a:rPr lang="en-US" sz="2400" dirty="0">
-                <a:latin typeface="Calibri" panose="020F0502020204030204" pitchFamily="34" charset="0"/>
-                <a:cs typeface="Calibri" panose="020F0502020204030204" pitchFamily="34" charset="0"/>
-              </a:rPr>
-              <a:t> and </a:t>
-            </a:r>
-            <a:r>
-              <a:rPr lang="en-US" sz="2400" b="1" dirty="0">
-                <a:latin typeface="Calibri" panose="020F0502020204030204" pitchFamily="34" charset="0"/>
-                <a:cs typeface="Calibri" panose="020F0502020204030204" pitchFamily="34" charset="0"/>
-              </a:rPr>
-              <a:t>O10</a:t>
-            </a:r>
-          </a:p>
-          <a:p>
-            <a:r>
-              <a:rPr lang="en-US" sz="2400" b="1" dirty="0">
-                <a:latin typeface="Calibri" panose="020F0502020204030204" pitchFamily="34" charset="0"/>
-                <a:cs typeface="Calibri" panose="020F0502020204030204" pitchFamily="34" charset="0"/>
-              </a:rPr>
-              <a:t>O12</a:t>
-            </a:r>
-            <a:r>
-              <a:rPr lang="en-US" sz="2400" dirty="0">
-                <a:latin typeface="Calibri" panose="020F0502020204030204" pitchFamily="34" charset="0"/>
-                <a:cs typeface="Calibri" panose="020F0502020204030204" pitchFamily="34" charset="0"/>
-              </a:rPr>
-              <a:t>: Review material from </a:t>
-            </a:r>
-            <a:r>
-              <a:rPr lang="en-US" sz="2400" b="1" dirty="0">
-                <a:latin typeface="Calibri" panose="020F0502020204030204" pitchFamily="34" charset="0"/>
-                <a:cs typeface="Calibri" panose="020F0502020204030204" pitchFamily="34" charset="0"/>
-              </a:rPr>
-              <a:t>O2</a:t>
-            </a:r>
-            <a:r>
-              <a:rPr lang="en-US" sz="2400" dirty="0">
-                <a:latin typeface="Calibri" panose="020F0502020204030204" pitchFamily="34" charset="0"/>
-                <a:cs typeface="Calibri" panose="020F0502020204030204" pitchFamily="34" charset="0"/>
-              </a:rPr>
-              <a:t> and </a:t>
-            </a:r>
-            <a:r>
-              <a:rPr lang="en-US" sz="2400" b="1" dirty="0">
-                <a:latin typeface="Calibri" panose="020F0502020204030204" pitchFamily="34" charset="0"/>
-                <a:cs typeface="Calibri" panose="020F0502020204030204" pitchFamily="34" charset="0"/>
-              </a:rPr>
-              <a:t>O3</a:t>
-            </a:r>
-            <a:r>
-              <a:rPr lang="en-US" sz="2400" dirty="0">
-                <a:latin typeface="Calibri" panose="020F0502020204030204" pitchFamily="34" charset="0"/>
-                <a:cs typeface="Calibri" panose="020F0502020204030204" pitchFamily="34" charset="0"/>
-              </a:rPr>
-              <a:t> to support the differences and potentially identify more material to do so</a:t>
-            </a:r>
-          </a:p>
-          <a:p>
-            <a:r>
-              <a:rPr lang="en-US" sz="2400" b="1" dirty="0">
-                <a:latin typeface="Calibri" panose="020F0502020204030204" pitchFamily="34" charset="0"/>
-                <a:cs typeface="Calibri" panose="020F0502020204030204" pitchFamily="34" charset="0"/>
-              </a:rPr>
-              <a:t>O13</a:t>
-            </a:r>
-            <a:r>
-              <a:rPr lang="en-US" sz="2400" dirty="0">
-                <a:latin typeface="Calibri" panose="020F0502020204030204" pitchFamily="34" charset="0"/>
-                <a:cs typeface="Calibri" panose="020F0502020204030204" pitchFamily="34" charset="0"/>
-              </a:rPr>
-              <a:t>: Write report</a:t>
+              <a:t> for each implementation of SVM or DWD (list here ? Do I have space?) record each result set in a table</a:t>
             </a:r>
           </a:p>
         </p:txBody>
@@ -7888,6 +8009,94 @@
     <p:extLst>
       <p:ext uri="{BB962C8B-B14F-4D97-AF65-F5344CB8AC3E}">
         <p14:creationId xmlns:p14="http://schemas.microsoft.com/office/powerpoint/2010/main" val="2160243693"/>
+      </p:ext>
+    </p:extLst>
+  </p:cSld>
+  <p:clrMapOvr>
+    <a:masterClrMapping/>
+  </p:clrMapOvr>
+</p:sld>
+</file>
+
+<file path=ppt/slides/slide9.xml><?xml version="1.0" encoding="utf-8"?>
+<p:sld xmlns:a="http://schemas.openxmlformats.org/drawingml/2006/main" xmlns:r="http://schemas.openxmlformats.org/officeDocument/2006/relationships" xmlns:p="http://schemas.openxmlformats.org/presentationml/2006/main">
+  <p:cSld>
+    <p:spTree>
+      <p:nvGrpSpPr>
+        <p:cNvPr id="1" name=""/>
+        <p:cNvGrpSpPr/>
+        <p:nvPr/>
+      </p:nvGrpSpPr>
+      <p:grpSpPr>
+        <a:xfrm>
+          <a:off x="0" y="0"/>
+          <a:ext cx="0" cy="0"/>
+          <a:chOff x="0" y="0"/>
+          <a:chExt cx="0" cy="0"/>
+        </a:xfrm>
+      </p:grpSpPr>
+      <p:sp>
+        <p:nvSpPr>
+          <p:cNvPr id="2" name="Title 1">
+            <a:extLst>
+              <a:ext uri="{FF2B5EF4-FFF2-40B4-BE49-F238E27FC236}">
+                <a16:creationId xmlns:a16="http://schemas.microsoft.com/office/drawing/2014/main" id="{EDEBFA6A-C742-400F-9B80-07DB8635D6EE}"/>
+              </a:ext>
+            </a:extLst>
+          </p:cNvPr>
+          <p:cNvSpPr>
+            <a:spLocks noGrp="1"/>
+          </p:cNvSpPr>
+          <p:nvPr>
+            <p:ph type="title"/>
+          </p:nvPr>
+        </p:nvSpPr>
+        <p:spPr/>
+        <p:txBody>
+          <a:bodyPr/>
+          <a:lstStyle/>
+          <a:p>
+            <a:r>
+              <a:rPr lang="en-US" dirty="0" err="1"/>
+              <a:t>ToDos</a:t>
+            </a:r>
+            <a:endParaRPr lang="en-GB" dirty="0"/>
+          </a:p>
+        </p:txBody>
+      </p:sp>
+      <p:sp>
+        <p:nvSpPr>
+          <p:cNvPr id="3" name="Content Placeholder 2">
+            <a:extLst>
+              <a:ext uri="{FF2B5EF4-FFF2-40B4-BE49-F238E27FC236}">
+                <a16:creationId xmlns:a16="http://schemas.microsoft.com/office/drawing/2014/main" id="{43FE5FD9-91F8-4FB8-9977-16C98804A36A}"/>
+              </a:ext>
+            </a:extLst>
+          </p:cNvPr>
+          <p:cNvSpPr>
+            <a:spLocks noGrp="1"/>
+          </p:cNvSpPr>
+          <p:nvPr>
+            <p:ph idx="1"/>
+          </p:nvPr>
+        </p:nvSpPr>
+        <p:spPr/>
+        <p:txBody>
+          <a:bodyPr/>
+          <a:lstStyle/>
+          <a:p>
+            <a:r>
+              <a:rPr lang="en-US" dirty="0"/>
+              <a:t>Gather what implementations of SVM and DWD if possible</a:t>
+            </a:r>
+            <a:endParaRPr lang="en-GB" dirty="0"/>
+          </a:p>
+        </p:txBody>
+      </p:sp>
+    </p:spTree>
+    <p:extLst>
+      <p:ext uri="{BB962C8B-B14F-4D97-AF65-F5344CB8AC3E}">
+        <p14:creationId xmlns:p14="http://schemas.microsoft.com/office/powerpoint/2010/main" val="249321447"/>
       </p:ext>
     </p:extLst>
   </p:cSld>

--- a/Research Design & Proposal Writting/Assignment 2/c15311966_second_assignment.pptx
+++ b/Research Design & Proposal Writting/Assignment 2/c15311966_second_assignment.pptx
@@ -13,7 +13,6 @@
     <p:sldId id="261" r:id="rId7"/>
     <p:sldId id="262" r:id="rId8"/>
     <p:sldId id="257" r:id="rId9"/>
-    <p:sldId id="264" r:id="rId10"/>
   </p:sldIdLst>
   <p:sldSz cx="12192000" cy="6858000"/>
   <p:notesSz cx="6858000" cy="9144000"/>
@@ -523,7 +522,7 @@
           <a:p>
             <a:fld id="{83284890-85D2-4D7B-8EF5-15A9C1DB8F42}" type="datetimeFigureOut">
               <a:rPr lang="en-US" dirty="0"/>
-              <a:t>11/27/2021</a:t>
+              <a:t>11/28/2021</a:t>
             </a:fld>
             <a:endParaRPr lang="en-US" dirty="0"/>
           </a:p>
@@ -698,7 +697,7 @@
           <a:p>
             <a:fld id="{87157CC2-0FC8-4686-B024-99790E0F5162}" type="datetimeFigureOut">
               <a:rPr lang="en-US" dirty="0"/>
-              <a:t>11/27/2021</a:t>
+              <a:t>11/28/2021</a:t>
             </a:fld>
             <a:endParaRPr lang="en-US" dirty="0"/>
           </a:p>
@@ -873,7 +872,7 @@
           <a:p>
             <a:fld id="{F6764DA5-CD3D-4590-A511-FCD3BC7A793E}" type="datetimeFigureOut">
               <a:rPr lang="en-US" dirty="0"/>
-              <a:t>11/27/2021</a:t>
+              <a:t>11/28/2021</a:t>
             </a:fld>
             <a:endParaRPr lang="en-US" dirty="0"/>
           </a:p>
@@ -1038,7 +1037,7 @@
           <a:p>
             <a:fld id="{82F5661D-6934-4B32-B92C-470368BF1EC6}" type="datetimeFigureOut">
               <a:rPr lang="en-US" dirty="0"/>
-              <a:t>11/27/2021</a:t>
+              <a:t>11/28/2021</a:t>
             </a:fld>
             <a:endParaRPr lang="en-US" dirty="0"/>
           </a:p>
@@ -1346,7 +1345,7 @@
           <a:p>
             <a:fld id="{C6F822A4-8DA6-4447-9B1F-C5DB58435268}" type="datetimeFigureOut">
               <a:rPr lang="en-US" dirty="0"/>
-              <a:t>11/27/2021</a:t>
+              <a:t>11/28/2021</a:t>
             </a:fld>
             <a:endParaRPr lang="en-US" dirty="0"/>
           </a:p>
@@ -1728,7 +1727,7 @@
           <a:p>
             <a:fld id="{E548D31E-DCDA-41A7-9C67-C4B11B94D21D}" type="datetimeFigureOut">
               <a:rPr lang="en-US" dirty="0"/>
-              <a:t>11/27/2021</a:t>
+              <a:t>11/28/2021</a:t>
             </a:fld>
             <a:endParaRPr lang="en-US" dirty="0"/>
           </a:p>
@@ -2157,7 +2156,7 @@
           <a:p>
             <a:fld id="{9B3762C0-B258-48F1-ADE6-176B4174CCDD}" type="datetimeFigureOut">
               <a:rPr lang="en-US" dirty="0"/>
-              <a:t>11/27/2021</a:t>
+              <a:t>11/28/2021</a:t>
             </a:fld>
             <a:endParaRPr lang="en-US" dirty="0"/>
           </a:p>
@@ -2270,7 +2269,7 @@
           <a:p>
             <a:fld id="{677919A6-33EB-49BD-A62F-1FA56B9F9712}" type="datetimeFigureOut">
               <a:rPr lang="en-US" dirty="0"/>
-              <a:t>11/27/2021</a:t>
+              <a:t>11/28/2021</a:t>
             </a:fld>
             <a:endParaRPr lang="en-US" dirty="0"/>
           </a:p>
@@ -2360,7 +2359,7 @@
           <a:p>
             <a:fld id="{CA4E7D1B-D673-4CF6-8672-009D42ABD2A0}" type="datetimeFigureOut">
               <a:rPr lang="en-US" dirty="0"/>
-              <a:t>11/27/2021</a:t>
+              <a:t>11/28/2021</a:t>
             </a:fld>
             <a:endParaRPr lang="en-US" dirty="0"/>
           </a:p>
@@ -2705,7 +2704,7 @@
           <a:p>
             <a:fld id="{DA16AA21-1863-4931-97CB-99D0A168701B}" type="datetimeFigureOut">
               <a:rPr lang="en-US" dirty="0"/>
-              <a:t>11/27/2021</a:t>
+              <a:t>11/28/2021</a:t>
             </a:fld>
             <a:endParaRPr lang="en-US" dirty="0"/>
           </a:p>
@@ -3125,7 +3124,7 @@
           <a:p>
             <a:fld id="{3772C379-9A7C-4C87-A116-CBE9F58B04C5}" type="datetimeFigureOut">
               <a:rPr lang="en-US" dirty="0"/>
-              <a:t>11/27/2021</a:t>
+              <a:t>11/28/2021</a:t>
             </a:fld>
             <a:endParaRPr lang="en-US" dirty="0"/>
           </a:p>
@@ -3401,7 +3400,7 @@
           <a:p>
             <a:fld id="{8664C608-40B1-4030-A28D-5B74BC98ADCE}" type="datetimeFigureOut">
               <a:rPr lang="en-US" dirty="0"/>
-              <a:t>11/27/2021</a:t>
+              <a:t>11/28/2021</a:t>
             </a:fld>
             <a:endParaRPr lang="en-US" dirty="0"/>
           </a:p>
@@ -5073,7 +5072,7 @@
         </p:spPr>
         <p:txBody>
           <a:bodyPr>
-            <a:normAutofit fontScale="62500" lnSpcReduction="20000"/>
+            <a:normAutofit fontScale="47500" lnSpcReduction="20000"/>
           </a:bodyPr>
           <a:lstStyle/>
           <a:p>
@@ -5102,11 +5101,23 @@
             </a:r>
           </a:p>
           <a:p>
+            <a:pPr marL="0" indent="0" algn="ctr">
+              <a:buNone/>
+            </a:pPr>
             <a:r>
               <a:rPr lang="en-US" sz="2400" b="1" dirty="0">
                 <a:latin typeface="Calibri" panose="020F0502020204030204" pitchFamily="34" charset="0"/>
                 <a:cs typeface="Calibri" panose="020F0502020204030204" pitchFamily="34" charset="0"/>
               </a:rPr>
+              <a:t>Objectives</a:t>
+            </a:r>
+          </a:p>
+          <a:p>
+            <a:r>
+              <a:rPr lang="en-US" sz="2400" b="1" dirty="0">
+                <a:latin typeface="Calibri" panose="020F0502020204030204" pitchFamily="34" charset="0"/>
+                <a:cs typeface="Calibri" panose="020F0502020204030204" pitchFamily="34" charset="0"/>
+              </a:rPr>
               <a:t>O1</a:t>
             </a:r>
             <a:r>
@@ -5114,7 +5125,7 @@
                 <a:latin typeface="Calibri" panose="020F0502020204030204" pitchFamily="34" charset="0"/>
                 <a:cs typeface="Calibri" panose="020F0502020204030204" pitchFamily="34" charset="0"/>
               </a:rPr>
-              <a:t>: Review gathered materials such as “support scripts” appended to the Mind Research Networks dataset, literature on SVM &amp; DWD</a:t>
+              <a:t>: Quickly review gathered materials such as “support scripts” appended to the Mind Research Networks dataset and literature on SVM &amp; DWD</a:t>
             </a:r>
           </a:p>
           <a:p>
@@ -5146,232 +5157,21 @@
                 <a:latin typeface="Calibri" panose="020F0502020204030204" pitchFamily="34" charset="0"/>
                 <a:cs typeface="Calibri" panose="020F0502020204030204" pitchFamily="34" charset="0"/>
               </a:rPr>
-              <a:t>: Given the allocated time, develop a basic prototype of SVM and DWD with default out of the box params to act as benchmark rerun experiment x times to gather a sample of performance metrics</a:t>
-            </a:r>
-          </a:p>
-          <a:p>
-            <a:r>
-              <a:rPr lang="en-US" sz="2400" b="1" dirty="0">
-                <a:latin typeface="Calibri" panose="020F0502020204030204" pitchFamily="34" charset="0"/>
-                <a:cs typeface="Calibri" panose="020F0502020204030204" pitchFamily="34" charset="0"/>
-              </a:rPr>
-              <a:t>O4</a:t>
-            </a:r>
-            <a:r>
-              <a:rPr lang="en-US" sz="2400" dirty="0">
-                <a:latin typeface="Calibri" panose="020F0502020204030204" pitchFamily="34" charset="0"/>
-                <a:cs typeface="Calibri" panose="020F0502020204030204" pitchFamily="34" charset="0"/>
-              </a:rPr>
-              <a:t>: Repeat </a:t>
-            </a:r>
-            <a:r>
-              <a:rPr lang="en-US" sz="2400" b="1" dirty="0">
-                <a:latin typeface="Calibri" panose="020F0502020204030204" pitchFamily="34" charset="0"/>
-                <a:cs typeface="Calibri" panose="020F0502020204030204" pitchFamily="34" charset="0"/>
-              </a:rPr>
-              <a:t>O3</a:t>
-            </a:r>
-            <a:r>
-              <a:rPr lang="en-US" sz="2400" dirty="0">
-                <a:latin typeface="Calibri" panose="020F0502020204030204" pitchFamily="34" charset="0"/>
-                <a:cs typeface="Calibri" panose="020F0502020204030204" pitchFamily="34" charset="0"/>
-              </a:rPr>
-              <a:t> for each implementation of SVM or DWD (list here ? Do I have space?) record each result set in a table</a:t>
-            </a:r>
-          </a:p>
-          <a:p>
-            <a:r>
-              <a:rPr lang="en-US" sz="2400" b="1" dirty="0">
-                <a:latin typeface="Calibri" panose="020F0502020204030204" pitchFamily="34" charset="0"/>
-                <a:cs typeface="Calibri" panose="020F0502020204030204" pitchFamily="34" charset="0"/>
-              </a:rPr>
-              <a:t>O5</a:t>
-            </a:r>
-            <a:r>
-              <a:rPr lang="en-US" sz="2400" dirty="0">
-                <a:latin typeface="Calibri" panose="020F0502020204030204" pitchFamily="34" charset="0"/>
-                <a:cs typeface="Calibri" panose="020F0502020204030204" pitchFamily="34" charset="0"/>
-              </a:rPr>
-              <a:t>: : Prepare data to best suit SVM using feature selection and </a:t>
-            </a:r>
-            <a:r>
-              <a:rPr lang="en-US" sz="2400" dirty="0">
-                <a:solidFill>
-                  <a:srgbClr val="FF0000"/>
-                </a:solidFill>
-                <a:latin typeface="Calibri" panose="020F0502020204030204" pitchFamily="34" charset="0"/>
-                <a:cs typeface="Calibri" panose="020F0502020204030204" pitchFamily="34" charset="0"/>
-              </a:rPr>
-              <a:t>idk</a:t>
-            </a:r>
-            <a:r>
-              <a:rPr lang="en-US" sz="2400" dirty="0">
-                <a:latin typeface="Calibri" panose="020F0502020204030204" pitchFamily="34" charset="0"/>
-                <a:cs typeface="Calibri" panose="020F0502020204030204" pitchFamily="34" charset="0"/>
-              </a:rPr>
-              <a:t>, document steps taken then using notes from </a:t>
-            </a:r>
-            <a:r>
-              <a:rPr lang="en-US" sz="2400" b="1" dirty="0">
-                <a:latin typeface="Calibri" panose="020F0502020204030204" pitchFamily="34" charset="0"/>
-                <a:cs typeface="Calibri" panose="020F0502020204030204" pitchFamily="34" charset="0"/>
-              </a:rPr>
-              <a:t>O1</a:t>
-            </a:r>
-          </a:p>
-          <a:p>
-            <a:r>
-              <a:rPr lang="en-US" sz="2400" b="1" dirty="0">
+              <a:t>: </a:t>
+            </a:r>
+            <a:r>
+              <a:rPr lang="en-GB" sz="2400" dirty="0">
+                <a:latin typeface="Calibri" panose="020F0502020204030204" pitchFamily="34" charset="0"/>
+                <a:cs typeface="Calibri" panose="020F0502020204030204" pitchFamily="34" charset="0"/>
+              </a:rPr>
+              <a:t>Develop a basic prototype of SVM and DWD with default out of the box params to act as benchmark, collect samples of size 15 described in </a:t>
+            </a:r>
+            <a:r>
+              <a:rPr lang="en-GB" sz="2400" b="1" dirty="0">
                 <a:latin typeface="Calibri" panose="020F0502020204030204" pitchFamily="34" charset="0"/>
                 <a:cs typeface="Calibri" panose="020F0502020204030204" pitchFamily="34" charset="0"/>
               </a:rPr>
               <a:t>O6</a:t>
-            </a:r>
-            <a:r>
-              <a:rPr lang="en-US" sz="2400" dirty="0">
-                <a:latin typeface="Calibri" panose="020F0502020204030204" pitchFamily="34" charset="0"/>
-                <a:cs typeface="Calibri" panose="020F0502020204030204" pitchFamily="34" charset="0"/>
-              </a:rPr>
-              <a:t>: Build SVM model/s, tune hyperparameters and record evaluation metrics (F1 score, Log Loss, Categorical Cross entropy and AUC ) repeat x times to gather a sample refer to </a:t>
-            </a:r>
-            <a:r>
-              <a:rPr lang="en-US" sz="2400" b="1" dirty="0">
-                <a:latin typeface="Calibri" panose="020F0502020204030204" pitchFamily="34" charset="0"/>
-                <a:cs typeface="Calibri" panose="020F0502020204030204" pitchFamily="34" charset="0"/>
-              </a:rPr>
-              <a:t>O3 </a:t>
-            </a:r>
-            <a:r>
-              <a:rPr lang="en-US" sz="2400" dirty="0">
-                <a:latin typeface="Calibri" panose="020F0502020204030204" pitchFamily="34" charset="0"/>
-                <a:cs typeface="Calibri" panose="020F0502020204030204" pitchFamily="34" charset="0"/>
-              </a:rPr>
-              <a:t>– format into tables</a:t>
-            </a:r>
-          </a:p>
-          <a:p>
-            <a:r>
-              <a:rPr lang="en-US" sz="2400" b="1" dirty="0">
-                <a:latin typeface="Calibri" panose="020F0502020204030204" pitchFamily="34" charset="0"/>
-                <a:cs typeface="Calibri" panose="020F0502020204030204" pitchFamily="34" charset="0"/>
-              </a:rPr>
-              <a:t>O7</a:t>
-            </a:r>
-            <a:r>
-              <a:rPr lang="en-US" sz="2400" dirty="0">
-                <a:latin typeface="Calibri" panose="020F0502020204030204" pitchFamily="34" charset="0"/>
-                <a:cs typeface="Calibri" panose="020F0502020204030204" pitchFamily="34" charset="0"/>
-              </a:rPr>
-              <a:t>: Repeat </a:t>
-            </a:r>
-            <a:r>
-              <a:rPr lang="en-US" sz="2400" b="1" dirty="0">
-                <a:latin typeface="Calibri" panose="020F0502020204030204" pitchFamily="34" charset="0"/>
-                <a:cs typeface="Calibri" panose="020F0502020204030204" pitchFamily="34" charset="0"/>
-              </a:rPr>
-              <a:t>O3</a:t>
-            </a:r>
-            <a:r>
-              <a:rPr lang="en-US" sz="2400" dirty="0">
-                <a:latin typeface="Calibri" panose="020F0502020204030204" pitchFamily="34" charset="0"/>
-                <a:cs typeface="Calibri" panose="020F0502020204030204" pitchFamily="34" charset="0"/>
-              </a:rPr>
-              <a:t> followed by </a:t>
-            </a:r>
-            <a:r>
-              <a:rPr lang="en-US" sz="2400" b="1" dirty="0">
-                <a:latin typeface="Calibri" panose="020F0502020204030204" pitchFamily="34" charset="0"/>
-                <a:cs typeface="Calibri" panose="020F0502020204030204" pitchFamily="34" charset="0"/>
-              </a:rPr>
-              <a:t>O4</a:t>
-            </a:r>
-            <a:r>
-              <a:rPr lang="en-US" sz="2400" dirty="0">
-                <a:latin typeface="Calibri" panose="020F0502020204030204" pitchFamily="34" charset="0"/>
-                <a:cs typeface="Calibri" panose="020F0502020204030204" pitchFamily="34" charset="0"/>
-              </a:rPr>
-              <a:t> and </a:t>
-            </a:r>
-            <a:r>
-              <a:rPr lang="en-US" sz="2400" b="1" dirty="0">
-                <a:latin typeface="Calibri" panose="020F0502020204030204" pitchFamily="34" charset="0"/>
-                <a:cs typeface="Calibri" panose="020F0502020204030204" pitchFamily="34" charset="0"/>
-              </a:rPr>
-              <a:t>O6</a:t>
-            </a:r>
-            <a:r>
-              <a:rPr lang="en-US" sz="2400" dirty="0">
-                <a:latin typeface="Calibri" panose="020F0502020204030204" pitchFamily="34" charset="0"/>
-                <a:cs typeface="Calibri" panose="020F0502020204030204" pitchFamily="34" charset="0"/>
-              </a:rPr>
-              <a:t> for DWD, after gathering x samples of metrics in </a:t>
-            </a:r>
-            <a:r>
-              <a:rPr lang="en-US" sz="2400" b="1" dirty="0">
-                <a:latin typeface="Calibri" panose="020F0502020204030204" pitchFamily="34" charset="0"/>
-                <a:cs typeface="Calibri" panose="020F0502020204030204" pitchFamily="34" charset="0"/>
-              </a:rPr>
-              <a:t>O6</a:t>
-            </a:r>
-          </a:p>
-          <a:p>
-            <a:r>
-              <a:rPr lang="en-US" sz="2400" b="1" dirty="0">
-                <a:latin typeface="Calibri" panose="020F0502020204030204" pitchFamily="34" charset="0"/>
-                <a:cs typeface="Calibri" panose="020F0502020204030204" pitchFamily="34" charset="0"/>
-              </a:rPr>
-              <a:t>O8</a:t>
-            </a:r>
-            <a:r>
-              <a:rPr lang="en-US" sz="2400" dirty="0">
-                <a:latin typeface="Calibri" panose="020F0502020204030204" pitchFamily="34" charset="0"/>
-                <a:cs typeface="Calibri" panose="020F0502020204030204" pitchFamily="34" charset="0"/>
-              </a:rPr>
-              <a:t>: After models have been built and metrics have been gathered into samples of x size, run summary statistics to better understand distributions, using these descriptive statistics assess the distribution of each metric to pick the correct statistical test of significance, further support findings with adequate visualizations such as box plot and histograms of metrics for a given algorithm implementation – save data into .csv format</a:t>
-            </a:r>
-          </a:p>
-          <a:p>
-            <a:r>
-              <a:rPr lang="en-US" sz="2400" b="1" dirty="0">
-                <a:latin typeface="Calibri" panose="020F0502020204030204" pitchFamily="34" charset="0"/>
-                <a:cs typeface="Calibri" panose="020F0502020204030204" pitchFamily="34" charset="0"/>
-              </a:rPr>
-              <a:t>O9: </a:t>
-            </a:r>
-            <a:r>
-              <a:rPr lang="en-US" sz="2400" dirty="0">
-                <a:latin typeface="Calibri" panose="020F0502020204030204" pitchFamily="34" charset="0"/>
-                <a:cs typeface="Calibri" panose="020F0502020204030204" pitchFamily="34" charset="0"/>
-              </a:rPr>
-              <a:t>Load data from </a:t>
-            </a:r>
-            <a:r>
-              <a:rPr lang="en-US" sz="2400" b="1" dirty="0">
-                <a:latin typeface="Calibri" panose="020F0502020204030204" pitchFamily="34" charset="0"/>
-                <a:cs typeface="Calibri" panose="020F0502020204030204" pitchFamily="34" charset="0"/>
-              </a:rPr>
-              <a:t>O8</a:t>
-            </a:r>
-            <a:r>
-              <a:rPr lang="en-US" sz="2400" dirty="0">
-                <a:latin typeface="Calibri" panose="020F0502020204030204" pitchFamily="34" charset="0"/>
-                <a:cs typeface="Calibri" panose="020F0502020204030204" pitchFamily="34" charset="0"/>
-              </a:rPr>
-              <a:t> using R and lib x, y and z to test for normality as mentioned in </a:t>
-            </a:r>
-            <a:r>
-              <a:rPr lang="en-US" sz="2400" b="1" dirty="0">
-                <a:latin typeface="Calibri" panose="020F0502020204030204" pitchFamily="34" charset="0"/>
-                <a:cs typeface="Calibri" panose="020F0502020204030204" pitchFamily="34" charset="0"/>
-              </a:rPr>
-              <a:t>O8 </a:t>
-            </a:r>
-            <a:r>
-              <a:rPr lang="en-US" sz="2400" dirty="0">
-                <a:latin typeface="Calibri" panose="020F0502020204030204" pitchFamily="34" charset="0"/>
-                <a:cs typeface="Calibri" panose="020F0502020204030204" pitchFamily="34" charset="0"/>
-              </a:rPr>
-              <a:t>– following this pick </a:t>
             </a:r>
             <a:endParaRPr lang="en-US" sz="2400" b="1" dirty="0">
               <a:latin typeface="Calibri" panose="020F0502020204030204" pitchFamily="34" charset="0"/>
@@ -5384,15 +5184,26 @@
                 <a:latin typeface="Calibri" panose="020F0502020204030204" pitchFamily="34" charset="0"/>
                 <a:cs typeface="Calibri" panose="020F0502020204030204" pitchFamily="34" charset="0"/>
               </a:rPr>
-              <a:t>O10</a:t>
+              <a:t>O4</a:t>
             </a:r>
             <a:r>
               <a:rPr lang="en-US" sz="2400" dirty="0">
                 <a:latin typeface="Calibri" panose="020F0502020204030204" pitchFamily="34" charset="0"/>
                 <a:cs typeface="Calibri" panose="020F0502020204030204" pitchFamily="34" charset="0"/>
               </a:rPr>
-              <a:t>: -</a:t>
-            </a:r>
+              <a:t>: </a:t>
+            </a:r>
+            <a:r>
+              <a:rPr lang="en-GB" sz="2400" dirty="0">
+                <a:latin typeface="Calibri" panose="020F0502020204030204" pitchFamily="34" charset="0"/>
+                <a:cs typeface="Calibri" panose="020F0502020204030204" pitchFamily="34" charset="0"/>
+              </a:rPr>
+              <a:t>Repeat for each implementation of SVM and DWD, rerun experiment 15 times to gather a sample of performance metrics that will be saved to a csv file and used for hypothesis testing and analysis</a:t>
+            </a:r>
+            <a:endParaRPr lang="en-US" sz="2400" dirty="0">
+              <a:latin typeface="Calibri" panose="020F0502020204030204" pitchFamily="34" charset="0"/>
+              <a:cs typeface="Calibri" panose="020F0502020204030204" pitchFamily="34" charset="0"/>
+            </a:endParaRPr>
           </a:p>
           <a:p>
             <a:r>
@@ -5400,14 +5211,51 @@
                 <a:latin typeface="Calibri" panose="020F0502020204030204" pitchFamily="34" charset="0"/>
                 <a:cs typeface="Calibri" panose="020F0502020204030204" pitchFamily="34" charset="0"/>
               </a:rPr>
-              <a:t>O11</a:t>
+              <a:t>O5</a:t>
             </a:r>
             <a:r>
               <a:rPr lang="en-US" sz="2400" dirty="0">
                 <a:latin typeface="Calibri" panose="020F0502020204030204" pitchFamily="34" charset="0"/>
                 <a:cs typeface="Calibri" panose="020F0502020204030204" pitchFamily="34" charset="0"/>
               </a:rPr>
-              <a:t>: -</a:t>
+              <a:t>: Prepare data to best suit SVM using feature selection, document steps taken then using notes from </a:t>
+            </a:r>
+            <a:r>
+              <a:rPr lang="en-US" sz="2400" b="1" dirty="0">
+                <a:latin typeface="Calibri" panose="020F0502020204030204" pitchFamily="34" charset="0"/>
+                <a:cs typeface="Calibri" panose="020F0502020204030204" pitchFamily="34" charset="0"/>
+              </a:rPr>
+              <a:t>O1</a:t>
+            </a:r>
+          </a:p>
+          <a:p>
+            <a:r>
+              <a:rPr lang="en-US" sz="2400" b="1" dirty="0">
+                <a:latin typeface="Calibri" panose="020F0502020204030204" pitchFamily="34" charset="0"/>
+                <a:cs typeface="Calibri" panose="020F0502020204030204" pitchFamily="34" charset="0"/>
+              </a:rPr>
+              <a:t>O6</a:t>
+            </a:r>
+            <a:r>
+              <a:rPr lang="en-US" sz="2400" dirty="0">
+                <a:latin typeface="Calibri" panose="020F0502020204030204" pitchFamily="34" charset="0"/>
+                <a:cs typeface="Calibri" panose="020F0502020204030204" pitchFamily="34" charset="0"/>
+              </a:rPr>
+              <a:t>: </a:t>
+            </a:r>
+            <a:r>
+              <a:rPr lang="en-GB" sz="2400" dirty="0">
+                <a:latin typeface="Calibri" panose="020F0502020204030204" pitchFamily="34" charset="0"/>
+                <a:cs typeface="Calibri" panose="020F0502020204030204" pitchFamily="34" charset="0"/>
+              </a:rPr>
+              <a:t>Build SVM model/s, tune hyper parameters and record evaluation metrics (F1 score, Log Loss, Categorical Cross entropy and AUC ) refer to </a:t>
+            </a:r>
+            <a:r>
+              <a:rPr lang="en-GB" sz="2400" b="1" dirty="0">
+                <a:latin typeface="Calibri" panose="020F0502020204030204" pitchFamily="34" charset="0"/>
+                <a:cs typeface="Calibri" panose="020F0502020204030204" pitchFamily="34" charset="0"/>
+              </a:rPr>
+              <a:t>O4</a:t>
             </a:r>
             <a:endParaRPr lang="en-US" sz="2400" b="1" dirty="0">
               <a:latin typeface="Calibri" panose="020F0502020204030204" pitchFamily="34" charset="0"/>
@@ -5420,72 +5268,224 @@
                 <a:latin typeface="Calibri" panose="020F0502020204030204" pitchFamily="34" charset="0"/>
                 <a:cs typeface="Calibri" panose="020F0502020204030204" pitchFamily="34" charset="0"/>
               </a:rPr>
-              <a:t>O12</a:t>
+              <a:t>O7</a:t>
             </a:r>
             <a:r>
               <a:rPr lang="en-US" sz="2400" dirty="0">
                 <a:latin typeface="Calibri" panose="020F0502020204030204" pitchFamily="34" charset="0"/>
                 <a:cs typeface="Calibri" panose="020F0502020204030204" pitchFamily="34" charset="0"/>
               </a:rPr>
-              <a:t>: Review material from </a:t>
-            </a:r>
+              <a:t>: </a:t>
+            </a:r>
+            <a:r>
+              <a:rPr lang="en-GB" sz="2400" dirty="0">
+                <a:latin typeface="Calibri" panose="020F0502020204030204" pitchFamily="34" charset="0"/>
+                <a:cs typeface="Calibri" panose="020F0502020204030204" pitchFamily="34" charset="0"/>
+              </a:rPr>
+              <a:t>After models have been built and metrics have been gathered into samples specified in </a:t>
+            </a:r>
+            <a:r>
+              <a:rPr lang="en-GB" sz="2400" b="1" dirty="0">
+                <a:latin typeface="Calibri" panose="020F0502020204030204" pitchFamily="34" charset="0"/>
+                <a:cs typeface="Calibri" panose="020F0502020204030204" pitchFamily="34" charset="0"/>
+              </a:rPr>
+              <a:t>O4</a:t>
+            </a:r>
+            <a:r>
+              <a:rPr lang="en-GB" sz="2400" dirty="0">
+                <a:latin typeface="Calibri" panose="020F0502020204030204" pitchFamily="34" charset="0"/>
+                <a:cs typeface="Calibri" panose="020F0502020204030204" pitchFamily="34" charset="0"/>
+              </a:rPr>
+              <a:t> , run summary statistics to better understand distributions, using these descriptive statistics assess the distribution of each metric across to pick the correct statistical test of significance</a:t>
+            </a:r>
+            <a:endParaRPr lang="en-US" sz="2400" b="1" dirty="0">
+              <a:latin typeface="Calibri" panose="020F0502020204030204" pitchFamily="34" charset="0"/>
+              <a:cs typeface="Calibri" panose="020F0502020204030204" pitchFamily="34" charset="0"/>
+            </a:endParaRPr>
+          </a:p>
+          <a:p>
             <a:r>
               <a:rPr lang="en-US" sz="2400" b="1" dirty="0">
                 <a:latin typeface="Calibri" panose="020F0502020204030204" pitchFamily="34" charset="0"/>
                 <a:cs typeface="Calibri" panose="020F0502020204030204" pitchFamily="34" charset="0"/>
               </a:rPr>
-              <a:t>O2</a:t>
+              <a:t>O8</a:t>
             </a:r>
             <a:r>
               <a:rPr lang="en-US" sz="2400" dirty="0">
                 <a:latin typeface="Calibri" panose="020F0502020204030204" pitchFamily="34" charset="0"/>
                 <a:cs typeface="Calibri" panose="020F0502020204030204" pitchFamily="34" charset="0"/>
               </a:rPr>
-              <a:t> and </a:t>
-            </a:r>
+              <a:t>: After models have been built and metrics have been gathered into samples of x size, collect summary statistics using a box plot or a programmatic way to better understand distributions, using these descriptive statistics assess the distribution of each metric to pick the correct statistical test of significance – save data into .csv format</a:t>
+            </a:r>
+          </a:p>
+          <a:p>
+            <a:r>
+              <a:rPr lang="en-GB" sz="2400" dirty="0">
+                <a:latin typeface="Calibri" panose="020F0502020204030204" pitchFamily="34" charset="0"/>
+                <a:cs typeface="Calibri" panose="020F0502020204030204" pitchFamily="34" charset="0"/>
+              </a:rPr>
+              <a:t>The type of statistical test is also dependant on the sampling technique used, for each model trained, in this scenario, using k fold validation will mean that estimated metrics are dependant - this requires a solid understanding of the sampling technique used in order to pick the correct hypothesis test - when HDLSS data is used to train a model from which metrics are gathered, it further limits the possibility for truly independent samples (Brownlee, J. 2019; Brownlee, J. 2019a)</a:t>
+            </a:r>
+          </a:p>
+          <a:p>
+            <a:pPr lvl="1"/>
+            <a:r>
+              <a:rPr lang="en-GB" sz="2200" dirty="0">
+                <a:latin typeface="Calibri" panose="020F0502020204030204" pitchFamily="34" charset="0"/>
+                <a:cs typeface="Calibri" panose="020F0502020204030204" pitchFamily="34" charset="0"/>
+              </a:rPr>
+              <a:t>Using a Nonparametric tests such as a paired t-test - Wilcoxon singed-rank test to test the hypothesis is preferred, however this experiment still violates assumptions of this hypothesis test </a:t>
+            </a:r>
+          </a:p>
+          <a:p>
+            <a:pPr lvl="1"/>
+            <a:r>
+              <a:rPr lang="en-GB" sz="2200" dirty="0">
+                <a:latin typeface="Calibri" panose="020F0502020204030204" pitchFamily="34" charset="0"/>
+                <a:cs typeface="Calibri" panose="020F0502020204030204" pitchFamily="34" charset="0"/>
+              </a:rPr>
+              <a:t>Alternatively estimation statistics can be used such as effect size, interval estimation, confidence intervals or meta analysis</a:t>
+            </a:r>
+            <a:endParaRPr lang="en-US" sz="2400" dirty="0">
+              <a:latin typeface="Calibri" panose="020F0502020204030204" pitchFamily="34" charset="0"/>
+              <a:cs typeface="Calibri" panose="020F0502020204030204" pitchFamily="34" charset="0"/>
+            </a:endParaRPr>
+          </a:p>
+          <a:p>
             <a:r>
               <a:rPr lang="en-US" sz="2400" b="1" dirty="0">
                 <a:latin typeface="Calibri" panose="020F0502020204030204" pitchFamily="34" charset="0"/>
                 <a:cs typeface="Calibri" panose="020F0502020204030204" pitchFamily="34" charset="0"/>
               </a:rPr>
-              <a:t>O3</a:t>
+              <a:t>O9: </a:t>
             </a:r>
             <a:r>
               <a:rPr lang="en-US" sz="2400" dirty="0">
                 <a:latin typeface="Calibri" panose="020F0502020204030204" pitchFamily="34" charset="0"/>
                 <a:cs typeface="Calibri" panose="020F0502020204030204" pitchFamily="34" charset="0"/>
               </a:rPr>
-              <a:t> to support the differences and potentially identify more material to do so</a:t>
-            </a:r>
-          </a:p>
-          <a:p>
-            <a:r>
-              <a:rPr lang="en-US" sz="2400" b="1" dirty="0">
-                <a:latin typeface="Calibri" panose="020F0502020204030204" pitchFamily="34" charset="0"/>
-                <a:cs typeface="Calibri" panose="020F0502020204030204" pitchFamily="34" charset="0"/>
-              </a:rPr>
-              <a:t>O13</a:t>
-            </a:r>
-            <a:r>
-              <a:rPr lang="en-US" sz="2400" dirty="0">
-                <a:latin typeface="Calibri" panose="020F0502020204030204" pitchFamily="34" charset="0"/>
-                <a:cs typeface="Calibri" panose="020F0502020204030204" pitchFamily="34" charset="0"/>
-              </a:rPr>
-              <a:t>: Repeat </a:t>
-            </a:r>
-            <a:r>
-              <a:rPr lang="en-US" sz="2400" b="1" dirty="0">
-                <a:latin typeface="Calibri" panose="020F0502020204030204" pitchFamily="34" charset="0"/>
-                <a:cs typeface="Calibri" panose="020F0502020204030204" pitchFamily="34" charset="0"/>
-              </a:rPr>
-              <a:t>O3</a:t>
-            </a:r>
-            <a:r>
-              <a:rPr lang="en-US" sz="2400" dirty="0">
-                <a:latin typeface="Calibri" panose="020F0502020204030204" pitchFamily="34" charset="0"/>
-                <a:cs typeface="Calibri" panose="020F0502020204030204" pitchFamily="34" charset="0"/>
-              </a:rPr>
-              <a:t> for each implementation of SVM or DWD (list here ? Do I have space?) record each result set in a table</a:t>
+              <a:t>There are a few options </a:t>
+            </a:r>
+          </a:p>
+          <a:p>
+            <a:pPr lvl="1"/>
+            <a:r>
+              <a:rPr lang="en-US" sz="2200" b="1" dirty="0">
+                <a:latin typeface="Calibri" panose="020F0502020204030204" pitchFamily="34" charset="0"/>
+                <a:cs typeface="Calibri" panose="020F0502020204030204" pitchFamily="34" charset="0"/>
+              </a:rPr>
+              <a:t>O9.1</a:t>
+            </a:r>
+            <a:r>
+              <a:rPr lang="en-US" sz="2200" dirty="0">
+                <a:latin typeface="Calibri" panose="020F0502020204030204" pitchFamily="34" charset="0"/>
+                <a:cs typeface="Calibri" panose="020F0502020204030204" pitchFamily="34" charset="0"/>
+              </a:rPr>
+              <a:t>: Use PCA to lower the amount of features by their highest eigen values for dimension reduction or factor analysis followed by a MANOVA for a global hypothesis test. This is preferred if:</a:t>
+            </a:r>
+          </a:p>
+          <a:p>
+            <a:pPr lvl="2"/>
+            <a:r>
+              <a:rPr lang="en-US" sz="1800" dirty="0">
+                <a:latin typeface="Calibri" panose="020F0502020204030204" pitchFamily="34" charset="0"/>
+                <a:cs typeface="Calibri" panose="020F0502020204030204" pitchFamily="34" charset="0"/>
+              </a:rPr>
+              <a:t>Data is of Gaussian distribution – validated or otherwise in </a:t>
+            </a:r>
+            <a:r>
+              <a:rPr lang="en-US" sz="1800" b="1" dirty="0">
+                <a:latin typeface="Calibri" panose="020F0502020204030204" pitchFamily="34" charset="0"/>
+                <a:cs typeface="Calibri" panose="020F0502020204030204" pitchFamily="34" charset="0"/>
+              </a:rPr>
+              <a:t>O8</a:t>
+            </a:r>
+          </a:p>
+          <a:p>
+            <a:pPr lvl="2"/>
+            <a:r>
+              <a:rPr lang="en-US" sz="1800" dirty="0">
+                <a:latin typeface="Calibri" panose="020F0502020204030204" pitchFamily="34" charset="0"/>
+                <a:cs typeface="Calibri" panose="020F0502020204030204" pitchFamily="34" charset="0"/>
+              </a:rPr>
+              <a:t>More observations than variables – this seems to be the case here</a:t>
+            </a:r>
+          </a:p>
+          <a:p>
+            <a:pPr lvl="2"/>
+            <a:r>
+              <a:rPr lang="en-US" sz="1800" dirty="0">
+                <a:latin typeface="Calibri" panose="020F0502020204030204" pitchFamily="34" charset="0"/>
+                <a:cs typeface="Calibri" panose="020F0502020204030204" pitchFamily="34" charset="0"/>
+              </a:rPr>
+              <a:t>For PCA to be successful it requires a “simple covariance structure, at least asymptotically” </a:t>
+            </a:r>
+            <a:r>
+              <a:rPr lang="en-US" sz="2000" dirty="0">
+                <a:latin typeface="Calibri" panose="020F0502020204030204" pitchFamily="34" charset="0"/>
+                <a:cs typeface="Calibri" panose="020F0502020204030204" pitchFamily="34" charset="0"/>
+              </a:rPr>
+              <a:t>(</a:t>
+            </a:r>
+            <a:r>
+              <a:rPr lang="en-GB" sz="1800" dirty="0">
+                <a:effectLst/>
+                <a:latin typeface="Calibri" panose="020F0502020204030204" pitchFamily="34" charset="0"/>
+              </a:rPr>
+              <a:t>Chi, Y. et al. 2013)</a:t>
+            </a:r>
+            <a:endParaRPr lang="en-US" sz="1800" dirty="0">
+              <a:latin typeface="Calibri" panose="020F0502020204030204" pitchFamily="34" charset="0"/>
+              <a:cs typeface="Calibri" panose="020F0502020204030204" pitchFamily="34" charset="0"/>
+            </a:endParaRPr>
+          </a:p>
+          <a:p>
+            <a:pPr lvl="2"/>
+            <a:r>
+              <a:rPr lang="en-US" sz="1800" dirty="0">
+                <a:latin typeface="Calibri" panose="020F0502020204030204" pitchFamily="34" charset="0"/>
+                <a:cs typeface="Calibri" panose="020F0502020204030204" pitchFamily="34" charset="0"/>
+              </a:rPr>
+              <a:t>Factor analysis is sensitive to an unequal ration of observations to variables which also holds true for PCA</a:t>
+            </a:r>
+          </a:p>
+          <a:p>
+            <a:pPr lvl="1"/>
+            <a:r>
+              <a:rPr lang="en-US" sz="2200" b="1" dirty="0">
+                <a:latin typeface="Calibri" panose="020F0502020204030204" pitchFamily="34" charset="0"/>
+                <a:cs typeface="Calibri" panose="020F0502020204030204" pitchFamily="34" charset="0"/>
+              </a:rPr>
+              <a:t>O9.2: </a:t>
+            </a:r>
+            <a:r>
+              <a:rPr lang="en-US" sz="2200" dirty="0">
+                <a:latin typeface="Calibri" panose="020F0502020204030204" pitchFamily="34" charset="0"/>
+                <a:cs typeface="Calibri" panose="020F0502020204030204" pitchFamily="34" charset="0"/>
+              </a:rPr>
+              <a:t>More understanding of the data and its innerworkings such as mapping values to the brain and dividing it  by regions, this information is not available to me (</a:t>
+            </a:r>
+            <a:r>
+              <a:rPr lang="en-GB" sz="2000" dirty="0">
+                <a:effectLst/>
+                <a:latin typeface="Calibri" panose="020F0502020204030204" pitchFamily="34" charset="0"/>
+              </a:rPr>
+              <a:t>Chi, Y. et al. 2013)</a:t>
+            </a:r>
+            <a:endParaRPr lang="en-US" sz="2200" b="1" dirty="0">
+              <a:latin typeface="Calibri" panose="020F0502020204030204" pitchFamily="34" charset="0"/>
+              <a:cs typeface="Calibri" panose="020F0502020204030204" pitchFamily="34" charset="0"/>
+            </a:endParaRPr>
+          </a:p>
+          <a:p>
+            <a:pPr lvl="1"/>
+            <a:r>
+              <a:rPr lang="en-US" sz="2200" b="1" dirty="0">
+                <a:latin typeface="Calibri" panose="020F0502020204030204" pitchFamily="34" charset="0"/>
+                <a:cs typeface="Calibri" panose="020F0502020204030204" pitchFamily="34" charset="0"/>
+              </a:rPr>
+              <a:t>O9.3</a:t>
             </a:r>
           </a:p>
         </p:txBody>
@@ -5597,7 +5597,7 @@
               </a:lnSpc>
             </a:pPr>
             <a:r>
-              <a:rPr lang="en-GB" sz="1050" dirty="0">
+              <a:rPr lang="en-GB" sz="600" dirty="0">
                 <a:effectLst/>
                 <a:latin typeface="Calibri" panose="020F0502020204030204" pitchFamily="34" charset="0"/>
                 <a:cs typeface="Calibri" panose="020F0502020204030204" pitchFamily="34" charset="0"/>
@@ -5605,7 +5605,7 @@
               <a:t>Sadeghi, D., </a:t>
             </a:r>
             <a:r>
-              <a:rPr lang="en-GB" sz="1050" dirty="0" err="1">
+              <a:rPr lang="en-GB" sz="600" dirty="0" err="1">
                 <a:effectLst/>
                 <a:latin typeface="Calibri" panose="020F0502020204030204" pitchFamily="34" charset="0"/>
                 <a:cs typeface="Calibri" panose="020F0502020204030204" pitchFamily="34" charset="0"/>
@@ -5613,7 +5613,7 @@
               <a:t>Shoeibi</a:t>
             </a:r>
             <a:r>
-              <a:rPr lang="en-GB" sz="1050" dirty="0">
+              <a:rPr lang="en-GB" sz="600" dirty="0">
                 <a:effectLst/>
                 <a:latin typeface="Calibri" panose="020F0502020204030204" pitchFamily="34" charset="0"/>
                 <a:cs typeface="Calibri" panose="020F0502020204030204" pitchFamily="34" charset="0"/>
@@ -5621,7 +5621,7 @@
               <a:t>, A., </a:t>
             </a:r>
             <a:r>
-              <a:rPr lang="en-GB" sz="1050" dirty="0" err="1">
+              <a:rPr lang="en-GB" sz="600" dirty="0" err="1">
                 <a:effectLst/>
                 <a:latin typeface="Calibri" panose="020F0502020204030204" pitchFamily="34" charset="0"/>
                 <a:cs typeface="Calibri" panose="020F0502020204030204" pitchFamily="34" charset="0"/>
@@ -5629,7 +5629,7 @@
               <a:t>Ghassemi</a:t>
             </a:r>
             <a:r>
-              <a:rPr lang="en-GB" sz="1050" dirty="0">
+              <a:rPr lang="en-GB" sz="600" dirty="0">
                 <a:effectLst/>
                 <a:latin typeface="Calibri" panose="020F0502020204030204" pitchFamily="34" charset="0"/>
                 <a:cs typeface="Calibri" panose="020F0502020204030204" pitchFamily="34" charset="0"/>
@@ -5637,7 +5637,7 @@
               <a:t>, N., </a:t>
             </a:r>
             <a:r>
-              <a:rPr lang="en-GB" sz="1050" dirty="0" err="1">
+              <a:rPr lang="en-GB" sz="600" dirty="0" err="1">
                 <a:effectLst/>
                 <a:latin typeface="Calibri" panose="020F0502020204030204" pitchFamily="34" charset="0"/>
                 <a:cs typeface="Calibri" panose="020F0502020204030204" pitchFamily="34" charset="0"/>
@@ -5645,7 +5645,7 @@
               <a:t>Moridian</a:t>
             </a:r>
             <a:r>
-              <a:rPr lang="en-GB" sz="1050" dirty="0">
+              <a:rPr lang="en-GB" sz="600" dirty="0">
                 <a:effectLst/>
                 <a:latin typeface="Calibri" panose="020F0502020204030204" pitchFamily="34" charset="0"/>
                 <a:cs typeface="Calibri" panose="020F0502020204030204" pitchFamily="34" charset="0"/>
@@ -5653,7 +5653,7 @@
               <a:t>, P., </a:t>
             </a:r>
             <a:r>
-              <a:rPr lang="en-GB" sz="1050" dirty="0" err="1">
+              <a:rPr lang="en-GB" sz="600" dirty="0" err="1">
                 <a:effectLst/>
                 <a:latin typeface="Calibri" panose="020F0502020204030204" pitchFamily="34" charset="0"/>
                 <a:cs typeface="Calibri" panose="020F0502020204030204" pitchFamily="34" charset="0"/>
@@ -5661,7 +5661,7 @@
               <a:t>Khadem</a:t>
             </a:r>
             <a:r>
-              <a:rPr lang="en-GB" sz="1050" dirty="0">
+              <a:rPr lang="en-GB" sz="600" dirty="0">
                 <a:effectLst/>
                 <a:latin typeface="Calibri" panose="020F0502020204030204" pitchFamily="34" charset="0"/>
                 <a:cs typeface="Calibri" panose="020F0502020204030204" pitchFamily="34" charset="0"/>
@@ -5669,7 +5669,7 @@
               <a:t>, A., </a:t>
             </a:r>
             <a:r>
-              <a:rPr lang="en-GB" sz="1050" dirty="0" err="1">
+              <a:rPr lang="en-GB" sz="600" dirty="0" err="1">
                 <a:effectLst/>
                 <a:latin typeface="Calibri" panose="020F0502020204030204" pitchFamily="34" charset="0"/>
                 <a:cs typeface="Calibri" panose="020F0502020204030204" pitchFamily="34" charset="0"/>
@@ -5677,7 +5677,7 @@
               <a:t>Alizadehsani</a:t>
             </a:r>
             <a:r>
-              <a:rPr lang="en-GB" sz="1050" dirty="0">
+              <a:rPr lang="en-GB" sz="600" dirty="0">
                 <a:effectLst/>
                 <a:latin typeface="Calibri" panose="020F0502020204030204" pitchFamily="34" charset="0"/>
                 <a:cs typeface="Calibri" panose="020F0502020204030204" pitchFamily="34" charset="0"/>
@@ -5685,7 +5685,7 @@
               <a:t>, R., </a:t>
             </a:r>
             <a:r>
-              <a:rPr lang="en-GB" sz="1050" dirty="0" err="1">
+              <a:rPr lang="en-GB" sz="600" dirty="0" err="1">
                 <a:effectLst/>
                 <a:latin typeface="Calibri" panose="020F0502020204030204" pitchFamily="34" charset="0"/>
                 <a:cs typeface="Calibri" panose="020F0502020204030204" pitchFamily="34" charset="0"/>
@@ -5693,7 +5693,7 @@
               <a:t>Teshnehlab</a:t>
             </a:r>
             <a:r>
-              <a:rPr lang="en-GB" sz="1050" dirty="0">
+              <a:rPr lang="en-GB" sz="600" dirty="0">
                 <a:effectLst/>
                 <a:latin typeface="Calibri" panose="020F0502020204030204" pitchFamily="34" charset="0"/>
                 <a:cs typeface="Calibri" panose="020F0502020204030204" pitchFamily="34" charset="0"/>
@@ -5701,7 +5701,7 @@
               <a:t>, M., </a:t>
             </a:r>
             <a:r>
-              <a:rPr lang="en-GB" sz="1050" dirty="0" err="1">
+              <a:rPr lang="en-GB" sz="600" dirty="0" err="1">
                 <a:effectLst/>
                 <a:latin typeface="Calibri" panose="020F0502020204030204" pitchFamily="34" charset="0"/>
                 <a:cs typeface="Calibri" panose="020F0502020204030204" pitchFamily="34" charset="0"/>
@@ -5709,7 +5709,7 @@
               <a:t>Gorriz</a:t>
             </a:r>
             <a:r>
-              <a:rPr lang="en-GB" sz="1050" dirty="0">
+              <a:rPr lang="en-GB" sz="600" dirty="0">
                 <a:effectLst/>
                 <a:latin typeface="Calibri" panose="020F0502020204030204" pitchFamily="34" charset="0"/>
                 <a:cs typeface="Calibri" panose="020F0502020204030204" pitchFamily="34" charset="0"/>
@@ -5717,7 +5717,7 @@
               <a:t>, J. M., &amp; </a:t>
             </a:r>
             <a:r>
-              <a:rPr lang="en-GB" sz="1050" dirty="0" err="1">
+              <a:rPr lang="en-GB" sz="600" dirty="0" err="1">
                 <a:effectLst/>
                 <a:latin typeface="Calibri" panose="020F0502020204030204" pitchFamily="34" charset="0"/>
                 <a:cs typeface="Calibri" panose="020F0502020204030204" pitchFamily="34" charset="0"/>
@@ -5725,7 +5725,7 @@
               <a:t>Nahavandi</a:t>
             </a:r>
             <a:r>
-              <a:rPr lang="en-GB" sz="1050" dirty="0">
+              <a:rPr lang="en-GB" sz="600" dirty="0">
                 <a:effectLst/>
                 <a:latin typeface="Calibri" panose="020F0502020204030204" pitchFamily="34" charset="0"/>
                 <a:cs typeface="Calibri" panose="020F0502020204030204" pitchFamily="34" charset="0"/>
@@ -5733,7 +5733,7 @@
               <a:t>, S. (2021). An Overview on Artificial Intelligence Techniques for Diagnosis of Schizophrenia Based on Magnetic Resonance Imaging Modalities: Methods, Challenges, and Future Works. </a:t>
             </a:r>
             <a:r>
-              <a:rPr lang="en-GB" sz="1050" i="1" dirty="0">
+              <a:rPr lang="en-GB" sz="600" i="1" dirty="0">
                 <a:effectLst/>
                 <a:latin typeface="Calibri" panose="020F0502020204030204" pitchFamily="34" charset="0"/>
                 <a:cs typeface="Calibri" panose="020F0502020204030204" pitchFamily="34" charset="0"/>
@@ -5741,7 +5741,7 @@
               <a:t>Advanced Researches In Biomedical Engineering Lab.</a:t>
             </a:r>
             <a:r>
-              <a:rPr lang="en-GB" sz="1050" dirty="0">
+              <a:rPr lang="en-GB" sz="600" dirty="0">
                 <a:effectLst/>
                 <a:latin typeface="Calibri" panose="020F0502020204030204" pitchFamily="34" charset="0"/>
                 <a:cs typeface="Calibri" panose="020F0502020204030204" pitchFamily="34" charset="0"/>
@@ -5756,7 +5756,7 @@
               </a:lnSpc>
             </a:pPr>
             <a:r>
-              <a:rPr lang="en-GB" sz="1050" dirty="0" err="1">
+              <a:rPr lang="en-GB" sz="600" dirty="0" err="1">
                 <a:effectLst/>
                 <a:latin typeface="Calibri" panose="020F0502020204030204" pitchFamily="34" charset="0"/>
                 <a:cs typeface="Calibri" panose="020F0502020204030204" pitchFamily="34" charset="0"/>
@@ -5764,7 +5764,7 @@
               <a:t>Castanon</a:t>
             </a:r>
             <a:r>
-              <a:rPr lang="en-GB" sz="1050" dirty="0">
+              <a:rPr lang="en-GB" sz="600" dirty="0">
                 <a:effectLst/>
                 <a:latin typeface="Calibri" panose="020F0502020204030204" pitchFamily="34" charset="0"/>
                 <a:cs typeface="Calibri" panose="020F0502020204030204" pitchFamily="34" charset="0"/>
@@ -5772,7 +5772,7 @@
               <a:t>, J. (2019, March 19). </a:t>
             </a:r>
             <a:r>
-              <a:rPr lang="en-GB" sz="1050" i="1" dirty="0">
+              <a:rPr lang="en-GB" sz="600" i="1" dirty="0">
                 <a:effectLst/>
                 <a:latin typeface="Calibri" panose="020F0502020204030204" pitchFamily="34" charset="0"/>
                 <a:cs typeface="Calibri" panose="020F0502020204030204" pitchFamily="34" charset="0"/>
@@ -5780,7 +5780,7 @@
               <a:t>10 Machine Learning Methods that Every Data Scientist Should Know</a:t>
             </a:r>
             <a:r>
-              <a:rPr lang="en-GB" sz="1050" dirty="0">
+              <a:rPr lang="en-GB" sz="600" dirty="0">
                 <a:effectLst/>
                 <a:latin typeface="Calibri" panose="020F0502020204030204" pitchFamily="34" charset="0"/>
                 <a:cs typeface="Calibri" panose="020F0502020204030204" pitchFamily="34" charset="0"/>
@@ -5788,7 +5788,7 @@
               <a:t>. </a:t>
             </a:r>
             <a:r>
-              <a:rPr lang="en-GB" sz="1050" dirty="0" err="1">
+              <a:rPr lang="en-GB" sz="600" dirty="0" err="1">
                 <a:effectLst/>
                 <a:latin typeface="Calibri" panose="020F0502020204030204" pitchFamily="34" charset="0"/>
                 <a:cs typeface="Calibri" panose="020F0502020204030204" pitchFamily="34" charset="0"/>
@@ -5796,7 +5796,7 @@
               <a:t>Towardsdatascience.Com</a:t>
             </a:r>
             <a:r>
-              <a:rPr lang="en-GB" sz="1050" dirty="0">
+              <a:rPr lang="en-GB" sz="600" dirty="0">
                 <a:effectLst/>
                 <a:latin typeface="Calibri" panose="020F0502020204030204" pitchFamily="34" charset="0"/>
                 <a:cs typeface="Calibri" panose="020F0502020204030204" pitchFamily="34" charset="0"/>
@@ -5811,7 +5811,7 @@
               </a:lnSpc>
             </a:pPr>
             <a:r>
-              <a:rPr lang="en-GB" sz="1050" dirty="0">
+              <a:rPr lang="en-GB" sz="600" dirty="0">
                 <a:effectLst/>
                 <a:latin typeface="Calibri" panose="020F0502020204030204" pitchFamily="34" charset="0"/>
                 <a:cs typeface="Calibri" panose="020F0502020204030204" pitchFamily="34" charset="0"/>
@@ -5819,7 +5819,7 @@
               <a:t>Wang, H., &amp; Zheng, H. (2013). Model Validation, Machine Learning. </a:t>
             </a:r>
             <a:r>
-              <a:rPr lang="en-GB" sz="1050" i="1" dirty="0" err="1">
+              <a:rPr lang="en-GB" sz="600" i="1" dirty="0" err="1">
                 <a:effectLst/>
                 <a:latin typeface="Calibri" panose="020F0502020204030204" pitchFamily="34" charset="0"/>
                 <a:cs typeface="Calibri" panose="020F0502020204030204" pitchFamily="34" charset="0"/>
@@ -5827,7 +5827,7 @@
               <a:t>Encyclopedia</a:t>
             </a:r>
             <a:r>
-              <a:rPr lang="en-GB" sz="1050" i="1" dirty="0">
+              <a:rPr lang="en-GB" sz="600" i="1" dirty="0">
                 <a:effectLst/>
                 <a:latin typeface="Calibri" panose="020F0502020204030204" pitchFamily="34" charset="0"/>
                 <a:cs typeface="Calibri" panose="020F0502020204030204" pitchFamily="34" charset="0"/>
@@ -5835,7 +5835,7 @@
               <a:t> of Systems Biology</a:t>
             </a:r>
             <a:r>
-              <a:rPr lang="en-GB" sz="1050" dirty="0">
+              <a:rPr lang="en-GB" sz="600" dirty="0">
                 <a:effectLst/>
                 <a:latin typeface="Calibri" panose="020F0502020204030204" pitchFamily="34" charset="0"/>
                 <a:cs typeface="Calibri" panose="020F0502020204030204" pitchFamily="34" charset="0"/>
@@ -5850,7 +5850,7 @@
               </a:lnSpc>
             </a:pPr>
             <a:r>
-              <a:rPr lang="en-GB" sz="1050" dirty="0">
+              <a:rPr lang="en-GB" sz="600" dirty="0">
                 <a:effectLst/>
                 <a:latin typeface="Calibri" panose="020F0502020204030204" pitchFamily="34" charset="0"/>
                 <a:cs typeface="Calibri" panose="020F0502020204030204" pitchFamily="34" charset="0"/>
@@ -5858,7 +5858,7 @@
               <a:t>Riccio, V. (2020, September 15). </a:t>
             </a:r>
             <a:r>
-              <a:rPr lang="en-GB" sz="1050" i="1" dirty="0">
+              <a:rPr lang="en-GB" sz="600" i="1" dirty="0">
                 <a:effectLst/>
                 <a:latin typeface="Calibri" panose="020F0502020204030204" pitchFamily="34" charset="0"/>
                 <a:cs typeface="Calibri" panose="020F0502020204030204" pitchFamily="34" charset="0"/>
@@ -5866,7 +5866,7 @@
               <a:t>Testing machine learning based systems: a. . .</a:t>
             </a:r>
             <a:r>
-              <a:rPr lang="en-GB" sz="1050" dirty="0">
+              <a:rPr lang="en-GB" sz="600" dirty="0">
                 <a:effectLst/>
                 <a:latin typeface="Calibri" panose="020F0502020204030204" pitchFamily="34" charset="0"/>
                 <a:cs typeface="Calibri" panose="020F0502020204030204" pitchFamily="34" charset="0"/>
@@ -5874,13 +5874,13 @@
               <a:t> Empirical Software Engineering. Retrieved October 28, 2021, from </a:t>
             </a:r>
             <a:r>
-              <a:rPr lang="en-GB" sz="1050" dirty="0">
+              <a:rPr lang="en-GB" sz="600" dirty="0">
                 <a:latin typeface="Calibri" panose="020F0502020204030204" pitchFamily="34" charset="0"/>
                 <a:cs typeface="Calibri" panose="020F0502020204030204" pitchFamily="34" charset="0"/>
               </a:rPr>
               <a:t>https://link.springer.com/article/10.1007/s10664-020-09881-0?error=cookies_not_supported&amp;code=a9b11f32-dc9a-4091-8237-a8c50e2637c3</a:t>
             </a:r>
-            <a:endParaRPr lang="en-GB" sz="1050" dirty="0">
+            <a:endParaRPr lang="en-GB" sz="600" dirty="0">
               <a:effectLst/>
               <a:latin typeface="Calibri" panose="020F0502020204030204" pitchFamily="34" charset="0"/>
               <a:cs typeface="Calibri" panose="020F0502020204030204" pitchFamily="34" charset="0"/>
@@ -5893,7 +5893,7 @@
               </a:lnSpc>
             </a:pPr>
             <a:r>
-              <a:rPr lang="en-GB" sz="1050" dirty="0" err="1">
+              <a:rPr lang="en-GB" sz="600" dirty="0" err="1">
                 <a:effectLst/>
                 <a:latin typeface="Calibri" panose="020F0502020204030204" pitchFamily="34" charset="0"/>
                 <a:cs typeface="Calibri" panose="020F0502020204030204" pitchFamily="34" charset="0"/>
@@ -5901,7 +5901,7 @@
               <a:t>Colyer</a:t>
             </a:r>
             <a:r>
-              <a:rPr lang="en-GB" sz="1050" dirty="0">
+              <a:rPr lang="en-GB" sz="600" dirty="0">
                 <a:effectLst/>
                 <a:latin typeface="Calibri" panose="020F0502020204030204" pitchFamily="34" charset="0"/>
                 <a:cs typeface="Calibri" panose="020F0502020204030204" pitchFamily="34" charset="0"/>
@@ -5909,7 +5909,7 @@
               <a:t>, A. (2019, June 5). </a:t>
             </a:r>
             <a:r>
-              <a:rPr lang="en-GB" sz="1050" i="1" dirty="0">
+              <a:rPr lang="en-GB" sz="600" i="1" dirty="0">
                 <a:effectLst/>
                 <a:latin typeface="Calibri" panose="020F0502020204030204" pitchFamily="34" charset="0"/>
                 <a:cs typeface="Calibri" panose="020F0502020204030204" pitchFamily="34" charset="0"/>
@@ -5917,7 +5917,7 @@
               <a:t>Data validation for machine learning | the morning paper</a:t>
             </a:r>
             <a:r>
-              <a:rPr lang="en-GB" sz="1050" dirty="0">
+              <a:rPr lang="en-GB" sz="600" dirty="0">
                 <a:effectLst/>
                 <a:latin typeface="Calibri" panose="020F0502020204030204" pitchFamily="34" charset="0"/>
                 <a:cs typeface="Calibri" panose="020F0502020204030204" pitchFamily="34" charset="0"/>
@@ -5925,7 +5925,7 @@
               <a:t>. </a:t>
             </a:r>
             <a:r>
-              <a:rPr lang="en-GB" sz="1050" dirty="0" err="1">
+              <a:rPr lang="en-GB" sz="600" dirty="0" err="1">
                 <a:effectLst/>
                 <a:latin typeface="Calibri" panose="020F0502020204030204" pitchFamily="34" charset="0"/>
                 <a:cs typeface="Calibri" panose="020F0502020204030204" pitchFamily="34" charset="0"/>
@@ -5933,14 +5933,14 @@
               <a:t>Blog.Acolyer.Org</a:t>
             </a:r>
             <a:r>
-              <a:rPr lang="en-GB" sz="1050" dirty="0">
+              <a:rPr lang="en-GB" sz="600" dirty="0">
                 <a:effectLst/>
                 <a:latin typeface="Calibri" panose="020F0502020204030204" pitchFamily="34" charset="0"/>
                 <a:cs typeface="Calibri" panose="020F0502020204030204" pitchFamily="34" charset="0"/>
               </a:rPr>
               <a:t>. Retrieved October 28, 2021, from https://blog.acolyer.org/2019/06/05/data-validation-for-machine-learning/</a:t>
             </a:r>
-            <a:endParaRPr lang="en-GB" sz="1050" dirty="0">
+            <a:endParaRPr lang="en-GB" sz="600" dirty="0">
               <a:latin typeface="Calibri" panose="020F0502020204030204" pitchFamily="34" charset="0"/>
               <a:cs typeface="Calibri" panose="020F0502020204030204" pitchFamily="34" charset="0"/>
             </a:endParaRPr>
@@ -5952,7 +5952,7 @@
               </a:lnSpc>
             </a:pPr>
             <a:r>
-              <a:rPr lang="en-GB" sz="1050" dirty="0" err="1">
+              <a:rPr lang="en-GB" sz="600" dirty="0" err="1">
                 <a:effectLst/>
                 <a:latin typeface="Calibri" panose="020F0502020204030204" pitchFamily="34" charset="0"/>
                 <a:cs typeface="Calibri" panose="020F0502020204030204" pitchFamily="34" charset="0"/>
@@ -5960,7 +5960,7 @@
               <a:t>Vadavalasa</a:t>
             </a:r>
             <a:r>
-              <a:rPr lang="en-GB" sz="1050" dirty="0">
+              <a:rPr lang="en-GB" sz="600" dirty="0">
                 <a:effectLst/>
                 <a:latin typeface="Calibri" panose="020F0502020204030204" pitchFamily="34" charset="0"/>
                 <a:cs typeface="Calibri" panose="020F0502020204030204" pitchFamily="34" charset="0"/>
@@ -5968,7 +5968,7 @@
               <a:t>, </a:t>
             </a:r>
             <a:r>
-              <a:rPr lang="en-GB" sz="1050" dirty="0" err="1">
+              <a:rPr lang="en-GB" sz="600" dirty="0" err="1">
                 <a:effectLst/>
                 <a:latin typeface="Calibri" panose="020F0502020204030204" pitchFamily="34" charset="0"/>
                 <a:cs typeface="Calibri" panose="020F0502020204030204" pitchFamily="34" charset="0"/>
@@ -5976,7 +5976,7 @@
               <a:t>Rammohan</a:t>
             </a:r>
             <a:r>
-              <a:rPr lang="en-GB" sz="1050" dirty="0">
+              <a:rPr lang="en-GB" sz="600" dirty="0">
                 <a:effectLst/>
                 <a:latin typeface="Calibri" panose="020F0502020204030204" pitchFamily="34" charset="0"/>
                 <a:cs typeface="Calibri" panose="020F0502020204030204" pitchFamily="34" charset="0"/>
@@ -5984,13 +5984,13 @@
               <a:t>. (2021). Data Validation Process in Machine Learning Pipeline. </a:t>
             </a:r>
             <a:r>
-              <a:rPr lang="en-GB" sz="1050" dirty="0">
+              <a:rPr lang="en-GB" sz="600" dirty="0">
                 <a:latin typeface="Calibri" panose="020F0502020204030204" pitchFamily="34" charset="0"/>
                 <a:cs typeface="Calibri" panose="020F0502020204030204" pitchFamily="34" charset="0"/>
               </a:rPr>
               <a:t>https://www.researchgate.net/publication/351022721_Data_Validation_Process_in_Machine_Learning_Pipeline</a:t>
             </a:r>
-            <a:endParaRPr lang="en-GB" sz="1050" dirty="0">
+            <a:endParaRPr lang="en-GB" sz="600" dirty="0">
               <a:effectLst/>
               <a:latin typeface="Calibri" panose="020F0502020204030204" pitchFamily="34" charset="0"/>
               <a:cs typeface="Calibri" panose="020F0502020204030204" pitchFamily="34" charset="0"/>
@@ -6003,7 +6003,7 @@
               </a:lnSpc>
             </a:pPr>
             <a:r>
-              <a:rPr lang="en-GB" sz="1050" dirty="0">
+              <a:rPr lang="en-GB" sz="600" dirty="0">
                 <a:effectLst/>
                 <a:latin typeface="Calibri" panose="020F0502020204030204" pitchFamily="34" charset="0"/>
                 <a:cs typeface="Calibri" panose="020F0502020204030204" pitchFamily="34" charset="0"/>
@@ -6011,7 +6011,7 @@
               <a:t>Oh, J., Oh, B. L., Lee, K. U., Chae, J. H., &amp; Yun, K. (2020). Identifying Schizophrenia Using Structural MRI With a Deep Learning Algorithm. </a:t>
             </a:r>
             <a:r>
-              <a:rPr lang="en-GB" sz="1050" i="1" dirty="0">
+              <a:rPr lang="en-GB" sz="600" i="1" dirty="0">
                 <a:effectLst/>
                 <a:latin typeface="Calibri" panose="020F0502020204030204" pitchFamily="34" charset="0"/>
                 <a:cs typeface="Calibri" panose="020F0502020204030204" pitchFamily="34" charset="0"/>
@@ -6019,7 +6019,7 @@
               <a:t>Frontiers in Psychiatry</a:t>
             </a:r>
             <a:r>
-              <a:rPr lang="en-GB" sz="1050" dirty="0">
+              <a:rPr lang="en-GB" sz="600" dirty="0">
                 <a:effectLst/>
                 <a:latin typeface="Calibri" panose="020F0502020204030204" pitchFamily="34" charset="0"/>
                 <a:cs typeface="Calibri" panose="020F0502020204030204" pitchFamily="34" charset="0"/>
@@ -6027,7 +6027,7 @@
               <a:t>, </a:t>
             </a:r>
             <a:r>
-              <a:rPr lang="en-GB" sz="1050" i="1" dirty="0">
+              <a:rPr lang="en-GB" sz="600" i="1" dirty="0">
                 <a:effectLst/>
                 <a:latin typeface="Calibri" panose="020F0502020204030204" pitchFamily="34" charset="0"/>
                 <a:cs typeface="Calibri" panose="020F0502020204030204" pitchFamily="34" charset="0"/>
@@ -6035,7 +6035,7 @@
               <a:t>11</a:t>
             </a:r>
             <a:r>
-              <a:rPr lang="en-GB" sz="1050" dirty="0">
+              <a:rPr lang="en-GB" sz="600" dirty="0">
                 <a:effectLst/>
                 <a:latin typeface="Calibri" panose="020F0502020204030204" pitchFamily="34" charset="0"/>
                 <a:cs typeface="Calibri" panose="020F0502020204030204" pitchFamily="34" charset="0"/>
@@ -6043,7 +6043,7 @@
               <a:t>. </a:t>
             </a:r>
             <a:r>
-              <a:rPr lang="en-GB" sz="1050" dirty="0">
+              <a:rPr lang="en-GB" sz="600" dirty="0">
                 <a:latin typeface="Calibri" panose="020F0502020204030204" pitchFamily="34" charset="0"/>
                 <a:cs typeface="Calibri" panose="020F0502020204030204" pitchFamily="34" charset="0"/>
               </a:rPr>
@@ -6057,7 +6057,7 @@
               </a:lnSpc>
             </a:pPr>
             <a:r>
-              <a:rPr lang="en-GB" sz="1050" dirty="0">
+              <a:rPr lang="en-GB" sz="600" dirty="0">
                 <a:effectLst/>
                 <a:latin typeface="Calibri" panose="020F0502020204030204" pitchFamily="34" charset="0"/>
                 <a:cs typeface="Calibri" panose="020F0502020204030204" pitchFamily="34" charset="0"/>
@@ -6065,7 +6065,7 @@
               <a:t>Marron, J. S., Todd, M. J., &amp; </a:t>
             </a:r>
             <a:r>
-              <a:rPr lang="en-GB" sz="1050" dirty="0" err="1">
+              <a:rPr lang="en-GB" sz="600" dirty="0" err="1">
                 <a:effectLst/>
                 <a:latin typeface="Calibri" panose="020F0502020204030204" pitchFamily="34" charset="0"/>
                 <a:cs typeface="Calibri" panose="020F0502020204030204" pitchFamily="34" charset="0"/>
@@ -6073,7 +6073,7 @@
               <a:t>Ahn</a:t>
             </a:r>
             <a:r>
-              <a:rPr lang="en-GB" sz="1050" dirty="0">
+              <a:rPr lang="en-GB" sz="600" dirty="0">
                 <a:effectLst/>
                 <a:latin typeface="Calibri" panose="020F0502020204030204" pitchFamily="34" charset="0"/>
                 <a:cs typeface="Calibri" panose="020F0502020204030204" pitchFamily="34" charset="0"/>
@@ -6081,7 +6081,7 @@
               <a:t>, J. (2007). Distance-Weighted Discrimination. </a:t>
             </a:r>
             <a:r>
-              <a:rPr lang="en-GB" sz="1050" i="1" dirty="0">
+              <a:rPr lang="en-GB" sz="600" i="1" dirty="0">
                 <a:effectLst/>
                 <a:latin typeface="Calibri" panose="020F0502020204030204" pitchFamily="34" charset="0"/>
                 <a:cs typeface="Calibri" panose="020F0502020204030204" pitchFamily="34" charset="0"/>
@@ -6089,7 +6089,7 @@
               <a:t>Journal of the American Statistical Association</a:t>
             </a:r>
             <a:r>
-              <a:rPr lang="en-GB" sz="1050" dirty="0">
+              <a:rPr lang="en-GB" sz="600" dirty="0">
                 <a:effectLst/>
                 <a:latin typeface="Calibri" panose="020F0502020204030204" pitchFamily="34" charset="0"/>
                 <a:cs typeface="Calibri" panose="020F0502020204030204" pitchFamily="34" charset="0"/>
@@ -6097,7 +6097,7 @@
               <a:t>, </a:t>
             </a:r>
             <a:r>
-              <a:rPr lang="en-GB" sz="1050" i="1" dirty="0">
+              <a:rPr lang="en-GB" sz="600" i="1" dirty="0">
                 <a:effectLst/>
                 <a:latin typeface="Calibri" panose="020F0502020204030204" pitchFamily="34" charset="0"/>
                 <a:cs typeface="Calibri" panose="020F0502020204030204" pitchFamily="34" charset="0"/>
@@ -6105,7 +6105,7 @@
               <a:t>102</a:t>
             </a:r>
             <a:r>
-              <a:rPr lang="en-GB" sz="1050" dirty="0">
+              <a:rPr lang="en-GB" sz="600" dirty="0">
                 <a:effectLst/>
                 <a:latin typeface="Calibri" panose="020F0502020204030204" pitchFamily="34" charset="0"/>
                 <a:cs typeface="Calibri" panose="020F0502020204030204" pitchFamily="34" charset="0"/>
@@ -6113,13 +6113,13 @@
               <a:t>(480), 1267–1271. </a:t>
             </a:r>
             <a:r>
-              <a:rPr lang="en-GB" sz="1050" dirty="0">
+              <a:rPr lang="en-GB" sz="600" dirty="0">
                 <a:latin typeface="Calibri" panose="020F0502020204030204" pitchFamily="34" charset="0"/>
                 <a:cs typeface="Calibri" panose="020F0502020204030204" pitchFamily="34" charset="0"/>
               </a:rPr>
               <a:t>https://doi.org/10.1198/016214507000001120</a:t>
             </a:r>
-            <a:endParaRPr lang="en-GB" sz="1050" dirty="0">
+            <a:endParaRPr lang="en-GB" sz="600" dirty="0">
               <a:effectLst/>
               <a:latin typeface="Calibri" panose="020F0502020204030204" pitchFamily="34" charset="0"/>
               <a:cs typeface="Calibri" panose="020F0502020204030204" pitchFamily="34" charset="0"/>
@@ -6132,7 +6132,7 @@
               </a:lnSpc>
             </a:pPr>
             <a:r>
-              <a:rPr lang="en-GB" sz="1050" b="0" i="0" dirty="0" err="1">
+              <a:rPr lang="en-GB" sz="600" b="0" i="0" dirty="0" err="1">
                 <a:solidFill>
                   <a:srgbClr val="222222"/>
                 </a:solidFill>
@@ -6143,7 +6143,7 @@
               <a:t>Qiao</a:t>
             </a:r>
             <a:r>
-              <a:rPr lang="en-GB" sz="1050" b="0" i="0" dirty="0">
+              <a:rPr lang="en-GB" sz="600" b="0" i="0" dirty="0">
                 <a:solidFill>
                   <a:srgbClr val="222222"/>
                 </a:solidFill>
@@ -6154,7 +6154,7 @@
               <a:t>, X., &amp; Zhang, L. (2015). Flexible high-dimensional classification machines and their asymptotic properties. </a:t>
             </a:r>
             <a:r>
-              <a:rPr lang="en-GB" sz="1050" b="0" i="1" dirty="0">
+              <a:rPr lang="en-GB" sz="600" b="0" i="1" dirty="0">
                 <a:solidFill>
                   <a:srgbClr val="222222"/>
                 </a:solidFill>
@@ -6165,7 +6165,7 @@
               <a:t>The Journal of Machine Learning Research</a:t>
             </a:r>
             <a:r>
-              <a:rPr lang="en-GB" sz="1050" b="0" i="0" dirty="0">
+              <a:rPr lang="en-GB" sz="600" b="0" i="0" dirty="0">
                 <a:solidFill>
                   <a:srgbClr val="222222"/>
                 </a:solidFill>
@@ -6176,7 +6176,7 @@
               <a:t>, </a:t>
             </a:r>
             <a:r>
-              <a:rPr lang="en-GB" sz="1050" b="0" i="1" dirty="0">
+              <a:rPr lang="en-GB" sz="600" b="0" i="1" dirty="0">
                 <a:solidFill>
                   <a:srgbClr val="222222"/>
                 </a:solidFill>
@@ -6187,7 +6187,7 @@
               <a:t>16</a:t>
             </a:r>
             <a:r>
-              <a:rPr lang="en-GB" sz="1050" b="0" i="0" dirty="0">
+              <a:rPr lang="en-GB" sz="600" b="0" i="0" dirty="0">
                 <a:solidFill>
                   <a:srgbClr val="222222"/>
                 </a:solidFill>
@@ -6198,7 +6198,7 @@
               <a:t>(1), 1547-1572.</a:t>
             </a:r>
             <a:r>
-              <a:rPr lang="en-GB" sz="1050" b="0" i="0" dirty="0">
+              <a:rPr lang="en-GB" sz="600" b="0" i="0" dirty="0">
                 <a:solidFill>
                   <a:srgbClr val="222222"/>
                 </a:solidFill>
@@ -6207,7 +6207,7 @@
               </a:rPr>
               <a:t> </a:t>
             </a:r>
-            <a:endParaRPr lang="en-GB" sz="1050" dirty="0">
+            <a:endParaRPr lang="en-GB" sz="600" dirty="0">
               <a:effectLst/>
               <a:latin typeface="Calibri" panose="020F0502020204030204" pitchFamily="34" charset="0"/>
               <a:cs typeface="Calibri" panose="020F0502020204030204" pitchFamily="34" charset="0"/>
@@ -6220,7 +6220,7 @@
               </a:lnSpc>
             </a:pPr>
             <a:r>
-              <a:rPr lang="en-GB" sz="1050" i="1" dirty="0">
+              <a:rPr lang="en-GB" sz="600" i="1" dirty="0">
                 <a:effectLst/>
                 <a:latin typeface="Calibri" panose="020F0502020204030204" pitchFamily="34" charset="0"/>
                 <a:cs typeface="Calibri" panose="020F0502020204030204" pitchFamily="34" charset="0"/>
@@ -6235,7 +6235,7 @@
               </a:lnSpc>
             </a:pPr>
             <a:r>
-              <a:rPr lang="en-GB" sz="1050" dirty="0">
+              <a:rPr lang="en-GB" sz="600" dirty="0">
                 <a:effectLst/>
                 <a:latin typeface="Calibri" panose="020F0502020204030204" pitchFamily="34" charset="0"/>
                 <a:cs typeface="Calibri" panose="020F0502020204030204" pitchFamily="34" charset="0"/>
@@ -6243,7 +6243,7 @@
               <a:t>Randall, H., </a:t>
             </a:r>
             <a:r>
-              <a:rPr lang="en-GB" sz="1050" dirty="0" err="1">
+              <a:rPr lang="en-GB" sz="600" dirty="0" err="1">
                 <a:effectLst/>
                 <a:latin typeface="Calibri" panose="020F0502020204030204" pitchFamily="34" charset="0"/>
                 <a:cs typeface="Calibri" panose="020F0502020204030204" pitchFamily="34" charset="0"/>
@@ -6251,7 +6251,7 @@
               <a:t>Artemiou</a:t>
             </a:r>
             <a:r>
-              <a:rPr lang="en-GB" sz="1050" dirty="0">
+              <a:rPr lang="en-GB" sz="600" dirty="0">
                 <a:effectLst/>
                 <a:latin typeface="Calibri" panose="020F0502020204030204" pitchFamily="34" charset="0"/>
                 <a:cs typeface="Calibri" panose="020F0502020204030204" pitchFamily="34" charset="0"/>
@@ -6259,7 +6259,7 @@
               <a:t>, A., &amp; </a:t>
             </a:r>
             <a:r>
-              <a:rPr lang="en-GB" sz="1050" dirty="0" err="1">
+              <a:rPr lang="en-GB" sz="600" dirty="0" err="1">
                 <a:effectLst/>
                 <a:latin typeface="Calibri" panose="020F0502020204030204" pitchFamily="34" charset="0"/>
                 <a:cs typeface="Calibri" panose="020F0502020204030204" pitchFamily="34" charset="0"/>
@@ -6267,7 +6267,7 @@
               <a:t>Qiao</a:t>
             </a:r>
             <a:r>
-              <a:rPr lang="en-GB" sz="1050" dirty="0">
+              <a:rPr lang="en-GB" sz="600" dirty="0">
                 <a:effectLst/>
                 <a:latin typeface="Calibri" panose="020F0502020204030204" pitchFamily="34" charset="0"/>
                 <a:cs typeface="Calibri" panose="020F0502020204030204" pitchFamily="34" charset="0"/>
@@ -6275,7 +6275,7 @@
               <a:t>, X. (2020). Sufficient dimension reduction based on distance‐weighted discrimination. </a:t>
             </a:r>
             <a:r>
-              <a:rPr lang="en-GB" sz="1050" i="1" dirty="0">
+              <a:rPr lang="en-GB" sz="600" i="1" dirty="0">
                 <a:effectLst/>
                 <a:latin typeface="Calibri" panose="020F0502020204030204" pitchFamily="34" charset="0"/>
                 <a:cs typeface="Calibri" panose="020F0502020204030204" pitchFamily="34" charset="0"/>
@@ -6283,7 +6283,7 @@
               <a:t>Scandinavian Journal of Statistics</a:t>
             </a:r>
             <a:r>
-              <a:rPr lang="en-GB" sz="1050" dirty="0">
+              <a:rPr lang="en-GB" sz="600" dirty="0">
                 <a:effectLst/>
                 <a:latin typeface="Calibri" panose="020F0502020204030204" pitchFamily="34" charset="0"/>
                 <a:cs typeface="Calibri" panose="020F0502020204030204" pitchFamily="34" charset="0"/>
@@ -6291,7 +6291,7 @@
               <a:t>, </a:t>
             </a:r>
             <a:r>
-              <a:rPr lang="en-GB" sz="1050" i="1" dirty="0">
+              <a:rPr lang="en-GB" sz="600" i="1" dirty="0">
                 <a:effectLst/>
                 <a:latin typeface="Calibri" panose="020F0502020204030204" pitchFamily="34" charset="0"/>
                 <a:cs typeface="Calibri" panose="020F0502020204030204" pitchFamily="34" charset="0"/>
@@ -6299,7 +6299,7 @@
               <a:t>48</a:t>
             </a:r>
             <a:r>
-              <a:rPr lang="en-GB" sz="1050" dirty="0">
+              <a:rPr lang="en-GB" sz="600" dirty="0">
                 <a:effectLst/>
                 <a:latin typeface="Calibri" panose="020F0502020204030204" pitchFamily="34" charset="0"/>
                 <a:cs typeface="Calibri" panose="020F0502020204030204" pitchFamily="34" charset="0"/>
@@ -6313,11 +6313,27 @@
                 <a:spcPct val="200000"/>
               </a:lnSpc>
             </a:pPr>
-            <a:endParaRPr lang="en-GB" sz="1050" dirty="0">
-              <a:effectLst/>
-              <a:latin typeface="Calibri" panose="020F0502020204030204" pitchFamily="34" charset="0"/>
-              <a:cs typeface="Calibri" panose="020F0502020204030204" pitchFamily="34" charset="0"/>
-            </a:endParaRPr>
+            <a:r>
+              <a:rPr lang="en-GB" sz="600" dirty="0">
+                <a:effectLst/>
+                <a:latin typeface="Calibri" panose="020F0502020204030204" pitchFamily="34" charset="0"/>
+              </a:rPr>
+              <a:t>Brownlee, J. (2019, August 8). </a:t>
+            </a:r>
+            <a:r>
+              <a:rPr lang="en-GB" sz="600" i="1" dirty="0">
+                <a:effectLst/>
+                <a:latin typeface="Calibri" panose="020F0502020204030204" pitchFamily="34" charset="0"/>
+              </a:rPr>
+              <a:t>Statistical Significance Tests for Comparing Machine Learning Algorithms</a:t>
+            </a:r>
+            <a:r>
+              <a:rPr lang="en-GB" sz="600" dirty="0">
+                <a:effectLst/>
+                <a:latin typeface="Calibri" panose="020F0502020204030204" pitchFamily="34" charset="0"/>
+              </a:rPr>
+              <a:t>. Machine Learning Mastery. https://machinelearningmastery.com/statistical-significance-tests-for-comparing-machine-learning-algorithms/?fbclid=IwAR331RX6HbXBnArXqhRSheTDiRWCnme5jZa5hEfPhYcebkR56HfRvlmsJEw</a:t>
+            </a:r>
           </a:p>
           <a:p>
             <a:pPr marL="457200" indent="-457200">
@@ -6325,10 +6341,36 @@
                 <a:spcPct val="200000"/>
               </a:lnSpc>
             </a:pPr>
-            <a:endParaRPr lang="en-GB" sz="1050" dirty="0">
+            <a:r>
+              <a:rPr lang="en-GB" sz="600" dirty="0">
+                <a:effectLst/>
+                <a:latin typeface="Calibri" panose="020F0502020204030204" pitchFamily="34" charset="0"/>
+              </a:rPr>
+              <a:t>Brownlee, J. (2019, August 8). </a:t>
+            </a:r>
+            <a:r>
+              <a:rPr lang="en-GB" sz="600" i="1" dirty="0">
+                <a:effectLst/>
+                <a:latin typeface="Calibri" panose="020F0502020204030204" pitchFamily="34" charset="0"/>
+              </a:rPr>
+              <a:t>A Gentle Introduction to Estimation Statistics for Machine Learning</a:t>
+            </a:r>
+            <a:r>
+              <a:rPr lang="en-GB" sz="600" dirty="0">
+                <a:effectLst/>
+                <a:latin typeface="Calibri" panose="020F0502020204030204" pitchFamily="34" charset="0"/>
+              </a:rPr>
+              <a:t>. Machine Learning Mastery. </a:t>
+            </a:r>
+            <a:r>
+              <a:rPr lang="en-GB" sz="600" dirty="0">
+                <a:latin typeface="Calibri" panose="020F0502020204030204" pitchFamily="34" charset="0"/>
+              </a:rPr>
+              <a:t>https://machinelearningmastery.com/estimation-statistics-for-machine-learning/?fbclid=IwAR0mdkFN_hFzvAtIinRey2LueMdUR8oAeQ3hX3pqz_UHHJBuc9-iwKEn_ug</a:t>
+            </a:r>
+            <a:endParaRPr lang="en-GB" sz="600" dirty="0">
               <a:effectLst/>
               <a:latin typeface="Calibri" panose="020F0502020204030204" pitchFamily="34" charset="0"/>
-              <a:cs typeface="Calibri" panose="020F0502020204030204" pitchFamily="34" charset="0"/>
             </a:endParaRPr>
           </a:p>
           <a:p>
@@ -6337,11 +6379,41 @@
                 <a:spcPct val="200000"/>
               </a:lnSpc>
             </a:pPr>
-            <a:endParaRPr lang="en-GB" sz="1050" dirty="0">
-              <a:effectLst/>
-              <a:latin typeface="Calibri" panose="020F0502020204030204" pitchFamily="34" charset="0"/>
-              <a:cs typeface="Calibri" panose="020F0502020204030204" pitchFamily="34" charset="0"/>
-            </a:endParaRPr>
+            <a:r>
+              <a:rPr lang="en-GB" sz="600" dirty="0">
+                <a:effectLst/>
+                <a:latin typeface="Calibri" panose="020F0502020204030204" pitchFamily="34" charset="0"/>
+              </a:rPr>
+              <a:t>Srivastava, M. S., &amp; Du, M. (2008). A test for the mean vector with fewer observations than the dimension. </a:t>
+            </a:r>
+            <a:r>
+              <a:rPr lang="en-GB" sz="600" i="1" dirty="0">
+                <a:effectLst/>
+                <a:latin typeface="Calibri" panose="020F0502020204030204" pitchFamily="34" charset="0"/>
+              </a:rPr>
+              <a:t>Journal of Multivariate Analysis</a:t>
+            </a:r>
+            <a:r>
+              <a:rPr lang="en-GB" sz="600" dirty="0">
+                <a:effectLst/>
+                <a:latin typeface="Calibri" panose="020F0502020204030204" pitchFamily="34" charset="0"/>
+              </a:rPr>
+              <a:t>, </a:t>
+            </a:r>
+            <a:r>
+              <a:rPr lang="en-GB" sz="600" i="1" dirty="0">
+                <a:effectLst/>
+                <a:latin typeface="Calibri" panose="020F0502020204030204" pitchFamily="34" charset="0"/>
+              </a:rPr>
+              <a:t>99</a:t>
+            </a:r>
+            <a:r>
+              <a:rPr lang="en-GB" sz="600" dirty="0">
+                <a:effectLst/>
+                <a:latin typeface="Calibri" panose="020F0502020204030204" pitchFamily="34" charset="0"/>
+              </a:rPr>
+              <a:t>(3), 386–402. https://doi.org/10.1016/j.jmva.2006.11.002</a:t>
+            </a:r>
           </a:p>
           <a:p>
             <a:pPr marL="457200" indent="-457200">
@@ -6349,17 +6421,133 @@
                 <a:spcPct val="200000"/>
               </a:lnSpc>
             </a:pPr>
-            <a:endParaRPr lang="en-GB" sz="1050" dirty="0">
+            <a:r>
+              <a:rPr lang="en-GB" sz="600" dirty="0">
+                <a:effectLst/>
+                <a:latin typeface="Calibri" panose="020F0502020204030204" pitchFamily="34" charset="0"/>
+              </a:rPr>
+              <a:t>Srivastava, M. S. (2007). Multivariate Theory for </a:t>
+            </a:r>
+            <a:r>
+              <a:rPr lang="en-GB" sz="600" dirty="0" err="1">
+                <a:effectLst/>
+                <a:latin typeface="Calibri" panose="020F0502020204030204" pitchFamily="34" charset="0"/>
+              </a:rPr>
+              <a:t>Analyzing</a:t>
+            </a:r>
+            <a:r>
+              <a:rPr lang="en-GB" sz="600" dirty="0">
+                <a:effectLst/>
+                <a:latin typeface="Calibri" panose="020F0502020204030204" pitchFamily="34" charset="0"/>
+              </a:rPr>
+              <a:t> High Dimensional Data. </a:t>
+            </a:r>
+            <a:r>
+              <a:rPr lang="en-GB" sz="600" i="1" dirty="0">
+                <a:effectLst/>
+                <a:latin typeface="Calibri" panose="020F0502020204030204" pitchFamily="34" charset="0"/>
+              </a:rPr>
+              <a:t>JOURNAL OF THE JAPAN STATISTICAL SOCIETY</a:t>
+            </a:r>
+            <a:r>
+              <a:rPr lang="en-GB" sz="600" dirty="0">
+                <a:effectLst/>
+                <a:latin typeface="Calibri" panose="020F0502020204030204" pitchFamily="34" charset="0"/>
+              </a:rPr>
+              <a:t>, </a:t>
+            </a:r>
+            <a:r>
+              <a:rPr lang="en-GB" sz="600" i="1" dirty="0">
+                <a:effectLst/>
+                <a:latin typeface="Calibri" panose="020F0502020204030204" pitchFamily="34" charset="0"/>
+              </a:rPr>
+              <a:t>37</a:t>
+            </a:r>
+            <a:r>
+              <a:rPr lang="en-GB" sz="600" dirty="0">
+                <a:effectLst/>
+                <a:latin typeface="Calibri" panose="020F0502020204030204" pitchFamily="34" charset="0"/>
+              </a:rPr>
+              <a:t>(1), 53–86. https://doi.org/10.14490/jjss.37.53</a:t>
+            </a:r>
+          </a:p>
+          <a:p>
+            <a:pPr marL="457200" indent="-457200">
+              <a:lnSpc>
+                <a:spcPct val="200000"/>
+              </a:lnSpc>
+            </a:pPr>
+            <a:endParaRPr lang="en-GB" sz="600" dirty="0">
+              <a:effectLst/>
+              <a:latin typeface="Calibri" panose="020F0502020204030204" pitchFamily="34" charset="0"/>
+            </a:endParaRPr>
+          </a:p>
+          <a:p>
+            <a:pPr marL="0" indent="0">
+              <a:lnSpc>
+                <a:spcPct val="200000"/>
+              </a:lnSpc>
+              <a:buNone/>
+            </a:pPr>
+            <a:endParaRPr lang="en-GB" sz="600" dirty="0">
               <a:effectLst/>
               <a:latin typeface="Calibri" panose="020F0502020204030204" pitchFamily="34" charset="0"/>
               <a:cs typeface="Calibri" panose="020F0502020204030204" pitchFamily="34" charset="0"/>
             </a:endParaRPr>
           </a:p>
           <a:p>
+            <a:pPr marL="457200" indent="-457200">
+              <a:lnSpc>
+                <a:spcPct val="200000"/>
+              </a:lnSpc>
+            </a:pPr>
+            <a:endParaRPr lang="en-GB" sz="600" dirty="0">
+              <a:effectLst/>
+              <a:latin typeface="Calibri" panose="020F0502020204030204" pitchFamily="34" charset="0"/>
+              <a:cs typeface="Calibri" panose="020F0502020204030204" pitchFamily="34" charset="0"/>
+            </a:endParaRPr>
+          </a:p>
+          <a:p>
+            <a:pPr marL="457200" indent="-457200">
+              <a:lnSpc>
+                <a:spcPct val="200000"/>
+              </a:lnSpc>
+            </a:pPr>
+            <a:endParaRPr lang="en-GB" sz="600" dirty="0">
+              <a:effectLst/>
+              <a:latin typeface="Calibri" panose="020F0502020204030204" pitchFamily="34" charset="0"/>
+              <a:cs typeface="Calibri" panose="020F0502020204030204" pitchFamily="34" charset="0"/>
+            </a:endParaRPr>
+          </a:p>
+          <a:p>
+            <a:pPr marL="457200" indent="-457200">
+              <a:lnSpc>
+                <a:spcPct val="200000"/>
+              </a:lnSpc>
+            </a:pPr>
+            <a:endParaRPr lang="en-GB" sz="600" dirty="0">
+              <a:effectLst/>
+              <a:latin typeface="Calibri" panose="020F0502020204030204" pitchFamily="34" charset="0"/>
+              <a:cs typeface="Calibri" panose="020F0502020204030204" pitchFamily="34" charset="0"/>
+            </a:endParaRPr>
+          </a:p>
+          <a:p>
+            <a:pPr marL="457200" indent="-457200">
+              <a:lnSpc>
+                <a:spcPct val="200000"/>
+              </a:lnSpc>
+            </a:pPr>
+            <a:endParaRPr lang="en-GB" sz="600" dirty="0">
+              <a:effectLst/>
+              <a:latin typeface="Calibri" panose="020F0502020204030204" pitchFamily="34" charset="0"/>
+              <a:cs typeface="Calibri" panose="020F0502020204030204" pitchFamily="34" charset="0"/>
+            </a:endParaRPr>
+          </a:p>
+          <a:p>
             <a:pPr marL="0" indent="0">
               <a:buNone/>
             </a:pPr>
-            <a:endParaRPr lang="en-GB" sz="1050" dirty="0">
+            <a:endParaRPr lang="en-GB" sz="600" dirty="0">
               <a:latin typeface="Calibri" panose="020F0502020204030204" pitchFamily="34" charset="0"/>
               <a:cs typeface="Calibri" panose="020F0502020204030204" pitchFamily="34" charset="0"/>
             </a:endParaRPr>
@@ -7294,8 +7482,74 @@
                 <a:latin typeface="Calibri" panose="020F0502020204030204" pitchFamily="34" charset="0"/>
                 <a:cs typeface="Calibri" panose="020F0502020204030204" pitchFamily="34" charset="0"/>
               </a:rPr>
-              <a:t>, 74–83. https://doi.org/10.1016/j.csda.2015.04.006</a:t>
-            </a:r>
+              <a:t>, 74–83. </a:t>
+            </a:r>
+            <a:r>
+              <a:rPr lang="en-GB" sz="800" dirty="0">
+                <a:latin typeface="Calibri" panose="020F0502020204030204" pitchFamily="34" charset="0"/>
+                <a:cs typeface="Calibri" panose="020F0502020204030204" pitchFamily="34" charset="0"/>
+              </a:rPr>
+              <a:t>https://doi.org/10.1016/j.csda.2015.04.006</a:t>
+            </a:r>
+            <a:endParaRPr lang="en-GB" sz="800" dirty="0">
+              <a:effectLst/>
+              <a:latin typeface="Calibri" panose="020F0502020204030204" pitchFamily="34" charset="0"/>
+              <a:cs typeface="Calibri" panose="020F0502020204030204" pitchFamily="34" charset="0"/>
+            </a:endParaRPr>
+          </a:p>
+          <a:p>
+            <a:pPr>
+              <a:lnSpc>
+                <a:spcPct val="200000"/>
+              </a:lnSpc>
+            </a:pPr>
+            <a:r>
+              <a:rPr lang="en-GB" sz="800" dirty="0">
+                <a:effectLst/>
+                <a:latin typeface="Calibri" panose="020F0502020204030204" pitchFamily="34" charset="0"/>
+              </a:rPr>
+              <a:t>Chi, Y. Y., &amp; Muller, K. E. (2013). Two-Step Hypothesis Testing When the Number of Variables Exceeds the Sample Size. </a:t>
+            </a:r>
+            <a:r>
+              <a:rPr lang="en-GB" sz="800" i="1" dirty="0">
+                <a:effectLst/>
+                <a:latin typeface="Calibri" panose="020F0502020204030204" pitchFamily="34" charset="0"/>
+              </a:rPr>
+              <a:t>Communications in Statistics - Simulation and Computation</a:t>
+            </a:r>
+            <a:r>
+              <a:rPr lang="en-GB" sz="800" dirty="0">
+                <a:effectLst/>
+                <a:latin typeface="Calibri" panose="020F0502020204030204" pitchFamily="34" charset="0"/>
+              </a:rPr>
+              <a:t>, </a:t>
+            </a:r>
+            <a:r>
+              <a:rPr lang="en-GB" sz="800" i="1" dirty="0">
+                <a:effectLst/>
+                <a:latin typeface="Calibri" panose="020F0502020204030204" pitchFamily="34" charset="0"/>
+              </a:rPr>
+              <a:t>42</a:t>
+            </a:r>
+            <a:r>
+              <a:rPr lang="en-GB" sz="800" dirty="0">
+                <a:effectLst/>
+                <a:latin typeface="Calibri" panose="020F0502020204030204" pitchFamily="34" charset="0"/>
+              </a:rPr>
+              <a:t>(5), 1113–1125. https://doi.org/10.1080/03610918.2012.659819</a:t>
+            </a:r>
+          </a:p>
+          <a:p>
+            <a:pPr>
+              <a:lnSpc>
+                <a:spcPct val="200000"/>
+              </a:lnSpc>
+            </a:pPr>
+            <a:endParaRPr lang="en-GB" sz="800" dirty="0">
+              <a:effectLst/>
+              <a:latin typeface="Calibri" panose="020F0502020204030204" pitchFamily="34" charset="0"/>
+              <a:cs typeface="Calibri" panose="020F0502020204030204" pitchFamily="34" charset="0"/>
+            </a:endParaRPr>
           </a:p>
           <a:p>
             <a:pPr>
@@ -8009,94 +8263,6 @@
     <p:extLst>
       <p:ext uri="{BB962C8B-B14F-4D97-AF65-F5344CB8AC3E}">
         <p14:creationId xmlns:p14="http://schemas.microsoft.com/office/powerpoint/2010/main" val="2160243693"/>
-      </p:ext>
-    </p:extLst>
-  </p:cSld>
-  <p:clrMapOvr>
-    <a:masterClrMapping/>
-  </p:clrMapOvr>
-</p:sld>
-</file>
-
-<file path=ppt/slides/slide9.xml><?xml version="1.0" encoding="utf-8"?>
-<p:sld xmlns:a="http://schemas.openxmlformats.org/drawingml/2006/main" xmlns:r="http://schemas.openxmlformats.org/officeDocument/2006/relationships" xmlns:p="http://schemas.openxmlformats.org/presentationml/2006/main">
-  <p:cSld>
-    <p:spTree>
-      <p:nvGrpSpPr>
-        <p:cNvPr id="1" name=""/>
-        <p:cNvGrpSpPr/>
-        <p:nvPr/>
-      </p:nvGrpSpPr>
-      <p:grpSpPr>
-        <a:xfrm>
-          <a:off x="0" y="0"/>
-          <a:ext cx="0" cy="0"/>
-          <a:chOff x="0" y="0"/>
-          <a:chExt cx="0" cy="0"/>
-        </a:xfrm>
-      </p:grpSpPr>
-      <p:sp>
-        <p:nvSpPr>
-          <p:cNvPr id="2" name="Title 1">
-            <a:extLst>
-              <a:ext uri="{FF2B5EF4-FFF2-40B4-BE49-F238E27FC236}">
-                <a16:creationId xmlns:a16="http://schemas.microsoft.com/office/drawing/2014/main" id="{EDEBFA6A-C742-400F-9B80-07DB8635D6EE}"/>
-              </a:ext>
-            </a:extLst>
-          </p:cNvPr>
-          <p:cNvSpPr>
-            <a:spLocks noGrp="1"/>
-          </p:cNvSpPr>
-          <p:nvPr>
-            <p:ph type="title"/>
-          </p:nvPr>
-        </p:nvSpPr>
-        <p:spPr/>
-        <p:txBody>
-          <a:bodyPr/>
-          <a:lstStyle/>
-          <a:p>
-            <a:r>
-              <a:rPr lang="en-US" dirty="0" err="1"/>
-              <a:t>ToDos</a:t>
-            </a:r>
-            <a:endParaRPr lang="en-GB" dirty="0"/>
-          </a:p>
-        </p:txBody>
-      </p:sp>
-      <p:sp>
-        <p:nvSpPr>
-          <p:cNvPr id="3" name="Content Placeholder 2">
-            <a:extLst>
-              <a:ext uri="{FF2B5EF4-FFF2-40B4-BE49-F238E27FC236}">
-                <a16:creationId xmlns:a16="http://schemas.microsoft.com/office/drawing/2014/main" id="{43FE5FD9-91F8-4FB8-9977-16C98804A36A}"/>
-              </a:ext>
-            </a:extLst>
-          </p:cNvPr>
-          <p:cNvSpPr>
-            <a:spLocks noGrp="1"/>
-          </p:cNvSpPr>
-          <p:nvPr>
-            <p:ph idx="1"/>
-          </p:nvPr>
-        </p:nvSpPr>
-        <p:spPr/>
-        <p:txBody>
-          <a:bodyPr/>
-          <a:lstStyle/>
-          <a:p>
-            <a:r>
-              <a:rPr lang="en-US" dirty="0"/>
-              <a:t>Gather what implementations of SVM and DWD if possible</a:t>
-            </a:r>
-            <a:endParaRPr lang="en-GB" dirty="0"/>
-          </a:p>
-        </p:txBody>
-      </p:sp>
-    </p:spTree>
-    <p:extLst>
-      <p:ext uri="{BB962C8B-B14F-4D97-AF65-F5344CB8AC3E}">
-        <p14:creationId xmlns:p14="http://schemas.microsoft.com/office/powerpoint/2010/main" val="249321447"/>
       </p:ext>
     </p:extLst>
   </p:cSld>

--- a/Research Design & Proposal Writting/Assignment 2/c15311966_second_assignment.pptx
+++ b/Research Design & Proposal Writting/Assignment 2/c15311966_second_assignment.pptx
@@ -5028,7 +5028,7 @@
         <p:spPr>
           <a:xfrm>
             <a:off x="0" y="0"/>
-            <a:ext cx="12192000" cy="1121134"/>
+            <a:ext cx="12192000" cy="612250"/>
           </a:xfrm>
         </p:spPr>
         <p:txBody>
@@ -5039,7 +5039,7 @@
           <a:p>
             <a:pPr algn="ctr"/>
             <a:r>
-              <a:rPr lang="en-GB" sz="3200" dirty="0">
+              <a:rPr lang="en-GB" sz="2000" dirty="0">
                 <a:latin typeface="Times New Roman" panose="02020603050405020304" pitchFamily="18" charset="0"/>
                 <a:cs typeface="Times New Roman" panose="02020603050405020304" pitchFamily="18" charset="0"/>
               </a:rPr>
@@ -5066,8 +5066,8 @@
         </p:nvSpPr>
         <p:spPr>
           <a:xfrm>
-            <a:off x="0" y="1217146"/>
-            <a:ext cx="12192000" cy="5640854"/>
+            <a:off x="0" y="612250"/>
+            <a:ext cx="12192000" cy="6245750"/>
           </a:xfrm>
         </p:spPr>
         <p:txBody>
@@ -5125,7 +5125,7 @@
                 <a:latin typeface="Calibri" panose="020F0502020204030204" pitchFamily="34" charset="0"/>
                 <a:cs typeface="Calibri" panose="020F0502020204030204" pitchFamily="34" charset="0"/>
               </a:rPr>
-              <a:t>: Quickly review gathered materials such as “support scripts” appended to the Mind Research Networks dataset and literature on SVM &amp; DWD</a:t>
+              <a:t>: Quickly review gathered materials such as “support scripts” appended to the Mind Research Networks dataset and literature on SVM &amp; DWD in order to gather sufficient notes</a:t>
             </a:r>
           </a:p>
           <a:p>
@@ -5141,7 +5141,7 @@
                 <a:latin typeface="Calibri" panose="020F0502020204030204" pitchFamily="34" charset="0"/>
                 <a:cs typeface="Calibri" panose="020F0502020204030204" pitchFamily="34" charset="0"/>
               </a:rPr>
-              <a:t>: Box time for each method of SVM and DWD and their subsequent implementations, ~4 weeks each ~8 in total leaving ~4 weeks for documentation and write up </a:t>
+              <a:t>: Box time for each method of SVM and DWD and their subsequent implementations, ~4 weeks each ~8 in total leaving ~4 weeks for documentation and write up in order to attempt as many implementations as possible</a:t>
             </a:r>
           </a:p>
           <a:p>
@@ -5164,7 +5164,7 @@
                 <a:latin typeface="Calibri" panose="020F0502020204030204" pitchFamily="34" charset="0"/>
                 <a:cs typeface="Calibri" panose="020F0502020204030204" pitchFamily="34" charset="0"/>
               </a:rPr>
-              <a:t>Develop a basic prototype of SVM and DWD with default out of the box params to act as benchmark, collect samples of size 15 described in </a:t>
+              <a:t>Develop a basic prototype of SVM and DWD with default out of the box params to act as benchmark, collect samples of size 15 each for each identified performance metric described in </a:t>
             </a:r>
             <a:r>
               <a:rPr lang="en-GB" sz="2400" b="1" dirty="0">
@@ -5218,7 +5218,7 @@
                 <a:latin typeface="Calibri" panose="020F0502020204030204" pitchFamily="34" charset="0"/>
                 <a:cs typeface="Calibri" panose="020F0502020204030204" pitchFamily="34" charset="0"/>
               </a:rPr>
-              <a:t>: Prepare data to best suit SVM using feature selection, document steps taken then using notes from </a:t>
+              <a:t>: Prepare data to best suit SVM using feature selection/sampling suited for each method identified in </a:t>
             </a:r>
             <a:r>
               <a:rPr lang="en-US" sz="2400" b="1" dirty="0">
@@ -5227,13 +5227,27 @@
               </a:rPr>
               <a:t>O1</a:t>
             </a:r>
-          </a:p>
-          <a:p>
+            <a:r>
+              <a:rPr lang="en-US" sz="2400" dirty="0">
+                <a:latin typeface="Calibri" panose="020F0502020204030204" pitchFamily="34" charset="0"/>
+                <a:cs typeface="Calibri" panose="020F0502020204030204" pitchFamily="34" charset="0"/>
+              </a:rPr>
+              <a:t>, document steps taken then using notes from </a:t>
+            </a:r>
             <a:r>
               <a:rPr lang="en-US" sz="2400" b="1" dirty="0">
                 <a:latin typeface="Calibri" panose="020F0502020204030204" pitchFamily="34" charset="0"/>
                 <a:cs typeface="Calibri" panose="020F0502020204030204" pitchFamily="34" charset="0"/>
               </a:rPr>
+              <a:t>O1</a:t>
+            </a:r>
+          </a:p>
+          <a:p>
+            <a:r>
+              <a:rPr lang="en-US" sz="2400" b="1" dirty="0">
+                <a:latin typeface="Calibri" panose="020F0502020204030204" pitchFamily="34" charset="0"/>
+                <a:cs typeface="Calibri" panose="020F0502020204030204" pitchFamily="34" charset="0"/>
+              </a:rPr>
               <a:t>O6</a:t>
             </a:r>
             <a:r>
@@ -5255,7 +5269,14 @@
                 <a:latin typeface="Calibri" panose="020F0502020204030204" pitchFamily="34" charset="0"/>
                 <a:cs typeface="Calibri" panose="020F0502020204030204" pitchFamily="34" charset="0"/>
               </a:rPr>
-              <a:t>O4</a:t>
+              <a:t>O4 </a:t>
+            </a:r>
+            <a:r>
+              <a:rPr lang="en-GB" sz="2400" dirty="0">
+                <a:latin typeface="Calibri" panose="020F0502020204030204" pitchFamily="34" charset="0"/>
+                <a:cs typeface="Calibri" panose="020F0502020204030204" pitchFamily="34" charset="0"/>
+              </a:rPr>
+              <a:t>- use k fold validation for sampling in order to have models to gather metrics from</a:t>
             </a:r>
             <a:endParaRPr lang="en-US" sz="2400" b="1" dirty="0">
               <a:latin typeface="Calibri" panose="020F0502020204030204" pitchFamily="34" charset="0"/>
@@ -5275,68 +5296,38 @@
                 <a:latin typeface="Calibri" panose="020F0502020204030204" pitchFamily="34" charset="0"/>
                 <a:cs typeface="Calibri" panose="020F0502020204030204" pitchFamily="34" charset="0"/>
               </a:rPr>
-              <a:t>: </a:t>
-            </a:r>
+              <a:t>: After models have been built and metrics have been gathered into samples of x size, collect summary statistics using a box plot or a programmatic way to better understand distributions, using these descriptive statistics assess the distribution of each metric to pick the correct statistical test of significance – save data into .csv format</a:t>
+            </a:r>
+          </a:p>
+          <a:p>
             <a:r>
               <a:rPr lang="en-GB" sz="2400" dirty="0">
                 <a:latin typeface="Calibri" panose="020F0502020204030204" pitchFamily="34" charset="0"/>
                 <a:cs typeface="Calibri" panose="020F0502020204030204" pitchFamily="34" charset="0"/>
               </a:rPr>
-              <a:t>After models have been built and metrics have been gathered into samples specified in </a:t>
-            </a:r>
-            <a:r>
-              <a:rPr lang="en-GB" sz="2400" b="1" dirty="0">
-                <a:latin typeface="Calibri" panose="020F0502020204030204" pitchFamily="34" charset="0"/>
-                <a:cs typeface="Calibri" panose="020F0502020204030204" pitchFamily="34" charset="0"/>
-              </a:rPr>
-              <a:t>O4</a:t>
-            </a:r>
-            <a:r>
-              <a:rPr lang="en-GB" sz="2400" dirty="0">
-                <a:latin typeface="Calibri" panose="020F0502020204030204" pitchFamily="34" charset="0"/>
-                <a:cs typeface="Calibri" panose="020F0502020204030204" pitchFamily="34" charset="0"/>
-              </a:rPr>
-              <a:t> , run summary statistics to better understand distributions, using these descriptive statistics assess the distribution of each metric across to pick the correct statistical test of significance</a:t>
-            </a:r>
-            <a:endParaRPr lang="en-US" sz="2400" b="1" dirty="0">
+              <a:t>The type of statistical test is also dependant on the sampling technique used, for each model trained, in this scenario, using k fold validation will mean that estimated metrics are dependant - this requires a solid understanding of the sampling techniques used in order to pick the correct hypothesis test - when HDLSS data is used to train a model from which metrics are gathered, it further limits the possibility for truly independent samples (Brownlee, J. 2019; Brownlee, J. 2019a)</a:t>
+            </a:r>
+          </a:p>
+          <a:p>
+            <a:pPr lvl="1"/>
+            <a:r>
+              <a:rPr lang="en-GB" sz="2200" dirty="0">
+                <a:latin typeface="Calibri" panose="020F0502020204030204" pitchFamily="34" charset="0"/>
+                <a:cs typeface="Calibri" panose="020F0502020204030204" pitchFamily="34" charset="0"/>
+              </a:rPr>
+              <a:t>Using a Nonparametric tests such as a paired t-test - Wilcoxon singed-rank test to test the hypothesis is preferred albeit it holds less </a:t>
+            </a:r>
+            <a:r>
+              <a:rPr lang="en-GB" sz="2200">
+                <a:latin typeface="Calibri" panose="020F0502020204030204" pitchFamily="34" charset="0"/>
+                <a:cs typeface="Calibri" panose="020F0502020204030204" pitchFamily="34" charset="0"/>
+              </a:rPr>
+              <a:t>statistical power</a:t>
+            </a:r>
+            <a:endParaRPr lang="en-GB" sz="2200" dirty="0">
               <a:latin typeface="Calibri" panose="020F0502020204030204" pitchFamily="34" charset="0"/>
               <a:cs typeface="Calibri" panose="020F0502020204030204" pitchFamily="34" charset="0"/>
             </a:endParaRPr>
-          </a:p>
-          <a:p>
-            <a:r>
-              <a:rPr lang="en-US" sz="2400" b="1" dirty="0">
-                <a:latin typeface="Calibri" panose="020F0502020204030204" pitchFamily="34" charset="0"/>
-                <a:cs typeface="Calibri" panose="020F0502020204030204" pitchFamily="34" charset="0"/>
-              </a:rPr>
-              <a:t>O8</a:t>
-            </a:r>
-            <a:r>
-              <a:rPr lang="en-US" sz="2400" dirty="0">
-                <a:latin typeface="Calibri" panose="020F0502020204030204" pitchFamily="34" charset="0"/>
-                <a:cs typeface="Calibri" panose="020F0502020204030204" pitchFamily="34" charset="0"/>
-              </a:rPr>
-              <a:t>: After models have been built and metrics have been gathered into samples of x size, collect summary statistics using a box plot or a programmatic way to better understand distributions, using these descriptive statistics assess the distribution of each metric to pick the correct statistical test of significance – save data into .csv format</a:t>
-            </a:r>
-          </a:p>
-          <a:p>
-            <a:r>
-              <a:rPr lang="en-GB" sz="2400" dirty="0">
-                <a:latin typeface="Calibri" panose="020F0502020204030204" pitchFamily="34" charset="0"/>
-                <a:cs typeface="Calibri" panose="020F0502020204030204" pitchFamily="34" charset="0"/>
-              </a:rPr>
-              <a:t>The type of statistical test is also dependant on the sampling technique used, for each model trained, in this scenario, using k fold validation will mean that estimated metrics are dependant - this requires a solid understanding of the sampling technique used in order to pick the correct hypothesis test - when HDLSS data is used to train a model from which metrics are gathered, it further limits the possibility for truly independent samples (Brownlee, J. 2019; Brownlee, J. 2019a)</a:t>
-            </a:r>
-          </a:p>
-          <a:p>
-            <a:pPr lvl="1"/>
-            <a:r>
-              <a:rPr lang="en-GB" sz="2200" dirty="0">
-                <a:latin typeface="Calibri" panose="020F0502020204030204" pitchFamily="34" charset="0"/>
-                <a:cs typeface="Calibri" panose="020F0502020204030204" pitchFamily="34" charset="0"/>
-              </a:rPr>
-              <a:t>Using a Nonparametric tests such as a paired t-test - Wilcoxon singed-rank test to test the hypothesis is preferred, however this experiment still violates assumptions of this hypothesis test </a:t>
-            </a:r>
           </a:p>
           <a:p>
             <a:pPr lvl="1"/>
@@ -5358,7 +5349,7 @@
                 <a:latin typeface="Calibri" panose="020F0502020204030204" pitchFamily="34" charset="0"/>
                 <a:cs typeface="Calibri" panose="020F0502020204030204" pitchFamily="34" charset="0"/>
               </a:rPr>
-              <a:t>O9: </a:t>
+              <a:t>O8: </a:t>
             </a:r>
             <a:r>
               <a:rPr lang="en-US" sz="2400" dirty="0">
@@ -5375,7 +5366,7 @@
                 <a:latin typeface="Calibri" panose="020F0502020204030204" pitchFamily="34" charset="0"/>
                 <a:cs typeface="Calibri" panose="020F0502020204030204" pitchFamily="34" charset="0"/>
               </a:rPr>
-              <a:t>O9.1</a:t>
+              <a:t>O8.1</a:t>
             </a:r>
             <a:r>
               <a:rPr lang="en-US" sz="2200" dirty="0">
@@ -5388,54 +5379,38 @@
           <a:p>
             <a:pPr lvl="2"/>
             <a:r>
-              <a:rPr lang="en-US" sz="1800" dirty="0">
+              <a:rPr lang="en-US" sz="2000" dirty="0">
                 <a:latin typeface="Calibri" panose="020F0502020204030204" pitchFamily="34" charset="0"/>
                 <a:cs typeface="Calibri" panose="020F0502020204030204" pitchFamily="34" charset="0"/>
               </a:rPr>
               <a:t>Data is of Gaussian distribution – validated or otherwise in </a:t>
             </a:r>
             <a:r>
-              <a:rPr lang="en-US" sz="1800" b="1" dirty="0">
-                <a:latin typeface="Calibri" panose="020F0502020204030204" pitchFamily="34" charset="0"/>
-                <a:cs typeface="Calibri" panose="020F0502020204030204" pitchFamily="34" charset="0"/>
-              </a:rPr>
-              <a:t>O8</a:t>
-            </a:r>
-          </a:p>
-          <a:p>
-            <a:pPr lvl="2"/>
-            <a:r>
-              <a:rPr lang="en-US" sz="1800" dirty="0">
-                <a:latin typeface="Calibri" panose="020F0502020204030204" pitchFamily="34" charset="0"/>
-                <a:cs typeface="Calibri" panose="020F0502020204030204" pitchFamily="34" charset="0"/>
-              </a:rPr>
-              <a:t>More observations than variables – this seems to be the case here</a:t>
-            </a:r>
-          </a:p>
-          <a:p>
-            <a:pPr lvl="2"/>
-            <a:r>
-              <a:rPr lang="en-US" sz="1800" dirty="0">
-                <a:latin typeface="Calibri" panose="020F0502020204030204" pitchFamily="34" charset="0"/>
-                <a:cs typeface="Calibri" panose="020F0502020204030204" pitchFamily="34" charset="0"/>
-              </a:rPr>
-              <a:t>For PCA to be successful it requires a “simple covariance structure, at least asymptotically” </a:t>
+              <a:rPr lang="en-US" sz="2000" b="1" dirty="0">
+                <a:latin typeface="Calibri" panose="020F0502020204030204" pitchFamily="34" charset="0"/>
+                <a:cs typeface="Calibri" panose="020F0502020204030204" pitchFamily="34" charset="0"/>
+              </a:rPr>
+              <a:t>O8 </a:t>
             </a:r>
             <a:r>
               <a:rPr lang="en-US" sz="2000" dirty="0">
                 <a:latin typeface="Calibri" panose="020F0502020204030204" pitchFamily="34" charset="0"/>
                 <a:cs typeface="Calibri" panose="020F0502020204030204" pitchFamily="34" charset="0"/>
               </a:rPr>
-              <a:t>(</a:t>
-            </a:r>
-            <a:r>
-              <a:rPr lang="en-GB" sz="1800" dirty="0">
-                <a:effectLst/>
-                <a:latin typeface="Calibri" panose="020F0502020204030204" pitchFamily="34" charset="0"/>
-              </a:rPr>
-              <a:t>Chi, Y. et al. 2013)</a:t>
-            </a:r>
-            <a:endParaRPr lang="en-US" sz="1800" dirty="0">
+              <a:t>studies have relaxed this and the requirement below this (</a:t>
+            </a:r>
+            <a:r>
+              <a:rPr lang="en-GB" sz="2000" b="0" i="0" dirty="0">
+                <a:solidFill>
+                  <a:srgbClr val="222222"/>
+                </a:solidFill>
+                <a:effectLst/>
+                <a:latin typeface="Calibri" panose="020F0502020204030204" pitchFamily="34" charset="0"/>
+                <a:cs typeface="Calibri" panose="020F0502020204030204" pitchFamily="34" charset="0"/>
+              </a:rPr>
+              <a:t>Muller, K. E et al. 2006)</a:t>
+            </a:r>
+            <a:endParaRPr lang="en-US" sz="2000" b="1" dirty="0">
               <a:latin typeface="Calibri" panose="020F0502020204030204" pitchFamily="34" charset="0"/>
               <a:cs typeface="Calibri" panose="020F0502020204030204" pitchFamily="34" charset="0"/>
             </a:endParaRPr>
@@ -5443,50 +5418,152 @@
           <a:p>
             <a:pPr lvl="2"/>
             <a:r>
-              <a:rPr lang="en-US" sz="1800" dirty="0">
-                <a:latin typeface="Calibri" panose="020F0502020204030204" pitchFamily="34" charset="0"/>
-                <a:cs typeface="Calibri" panose="020F0502020204030204" pitchFamily="34" charset="0"/>
-              </a:rPr>
-              <a:t>Factor analysis is sensitive to an unequal ration of observations to variables which also holds true for PCA</a:t>
-            </a:r>
-          </a:p>
-          <a:p>
-            <a:pPr lvl="1"/>
-            <a:r>
-              <a:rPr lang="en-US" sz="2200" b="1" dirty="0">
-                <a:latin typeface="Calibri" panose="020F0502020204030204" pitchFamily="34" charset="0"/>
-                <a:cs typeface="Calibri" panose="020F0502020204030204" pitchFamily="34" charset="0"/>
-              </a:rPr>
-              <a:t>O9.2: </a:t>
-            </a:r>
-            <a:r>
-              <a:rPr lang="en-US" sz="2200" dirty="0">
-                <a:latin typeface="Calibri" panose="020F0502020204030204" pitchFamily="34" charset="0"/>
-                <a:cs typeface="Calibri" panose="020F0502020204030204" pitchFamily="34" charset="0"/>
-              </a:rPr>
-              <a:t>More understanding of the data and its innerworkings such as mapping values to the brain and dividing it  by regions, this information is not available to me (</a:t>
+              <a:rPr lang="en-US" sz="2000" dirty="0">
+                <a:latin typeface="Calibri" panose="020F0502020204030204" pitchFamily="34" charset="0"/>
+                <a:cs typeface="Calibri" panose="020F0502020204030204" pitchFamily="34" charset="0"/>
+              </a:rPr>
+              <a:t>More observations than variables – this seems to be the case here, general way HDLSS data used to be referred to before the term HDLSS was coined </a:t>
+            </a:r>
+          </a:p>
+          <a:p>
+            <a:pPr lvl="2"/>
+            <a:r>
+              <a:rPr lang="en-US" sz="2000" dirty="0">
+                <a:latin typeface="Calibri" panose="020F0502020204030204" pitchFamily="34" charset="0"/>
+                <a:cs typeface="Calibri" panose="020F0502020204030204" pitchFamily="34" charset="0"/>
+              </a:rPr>
+              <a:t>For PCA to be successful it requires a “simple covariance structure, at least asymptotically” (</a:t>
             </a:r>
             <a:r>
               <a:rPr lang="en-GB" sz="2000" dirty="0">
                 <a:effectLst/>
                 <a:latin typeface="Calibri" panose="020F0502020204030204" pitchFamily="34" charset="0"/>
+                <a:cs typeface="Calibri" panose="020F0502020204030204" pitchFamily="34" charset="0"/>
               </a:rPr>
               <a:t>Chi, Y. et al. 2013)</a:t>
             </a:r>
-            <a:endParaRPr lang="en-US" sz="2200" b="1" dirty="0">
+            <a:endParaRPr lang="en-US" sz="2000" dirty="0">
               <a:latin typeface="Calibri" panose="020F0502020204030204" pitchFamily="34" charset="0"/>
               <a:cs typeface="Calibri" panose="020F0502020204030204" pitchFamily="34" charset="0"/>
             </a:endParaRPr>
           </a:p>
           <a:p>
+            <a:pPr lvl="2"/>
+            <a:r>
+              <a:rPr lang="en-US" sz="2000" dirty="0">
+                <a:latin typeface="Calibri" panose="020F0502020204030204" pitchFamily="34" charset="0"/>
+                <a:cs typeface="Calibri" panose="020F0502020204030204" pitchFamily="34" charset="0"/>
+              </a:rPr>
+              <a:t>Factor analysis is sensitive to an unequal ratio of observations to variables which also holds true for PCA</a:t>
+            </a:r>
+          </a:p>
+          <a:p>
             <a:pPr lvl="1"/>
             <a:r>
+              <a:rPr lang="en-US" sz="2300" dirty="0">
+                <a:latin typeface="Calibri" panose="020F0502020204030204" pitchFamily="34" charset="0"/>
+                <a:cs typeface="Calibri" panose="020F0502020204030204" pitchFamily="34" charset="0"/>
+              </a:rPr>
+              <a:t>There are other specialized alternatives, however more time needs to be allocated to identify a more suitable method/s</a:t>
+            </a:r>
+            <a:endParaRPr lang="en-US" sz="2300" b="1" dirty="0">
+              <a:latin typeface="Calibri" panose="020F0502020204030204" pitchFamily="34" charset="0"/>
+              <a:cs typeface="Calibri" panose="020F0502020204030204" pitchFamily="34" charset="0"/>
+            </a:endParaRPr>
+          </a:p>
+          <a:p>
+            <a:pPr lvl="1"/>
+            <a:r>
+              <a:rPr lang="en-US" sz="2300" b="1" dirty="0">
+                <a:latin typeface="Calibri" panose="020F0502020204030204" pitchFamily="34" charset="0"/>
+                <a:cs typeface="Calibri" panose="020F0502020204030204" pitchFamily="34" charset="0"/>
+              </a:rPr>
+              <a:t>O8.2: </a:t>
+            </a:r>
+            <a:r>
+              <a:rPr lang="en-US" sz="2300" dirty="0">
+                <a:latin typeface="Calibri" panose="020F0502020204030204" pitchFamily="34" charset="0"/>
+                <a:cs typeface="Calibri" panose="020F0502020204030204" pitchFamily="34" charset="0"/>
+              </a:rPr>
+              <a:t>More understanding of the data and its innerworkings such as mapping values to the brain and dividing it by regions (</a:t>
+            </a:r>
+            <a:r>
+              <a:rPr lang="en-GB" sz="2300" dirty="0">
+                <a:effectLst/>
+                <a:latin typeface="Calibri" panose="020F0502020204030204" pitchFamily="34" charset="0"/>
+                <a:cs typeface="Calibri" panose="020F0502020204030204" pitchFamily="34" charset="0"/>
+              </a:rPr>
+              <a:t>Chi, Y. et al. 2013)</a:t>
+            </a:r>
+            <a:r>
+              <a:rPr lang="en-US" sz="2300" dirty="0">
+                <a:latin typeface="Calibri" panose="020F0502020204030204" pitchFamily="34" charset="0"/>
+                <a:cs typeface="Calibri" panose="020F0502020204030204" pitchFamily="34" charset="0"/>
+              </a:rPr>
+              <a:t>, this information/approach is not available to me</a:t>
+            </a:r>
+            <a:endParaRPr lang="en-US" sz="2300" b="1" dirty="0">
+              <a:latin typeface="Calibri" panose="020F0502020204030204" pitchFamily="34" charset="0"/>
+              <a:cs typeface="Calibri" panose="020F0502020204030204" pitchFamily="34" charset="0"/>
+            </a:endParaRPr>
+          </a:p>
+          <a:p>
+            <a:r>
               <a:rPr lang="en-US" sz="2200" b="1" dirty="0">
                 <a:latin typeface="Calibri" panose="020F0502020204030204" pitchFamily="34" charset="0"/>
                 <a:cs typeface="Calibri" panose="020F0502020204030204" pitchFamily="34" charset="0"/>
               </a:rPr>
-              <a:t>O9.3</a:t>
-            </a:r>
+              <a:t>O9: </a:t>
+            </a:r>
+            <a:r>
+              <a:rPr lang="en-US" sz="2500" dirty="0">
+                <a:latin typeface="Calibri" panose="020F0502020204030204" pitchFamily="34" charset="0"/>
+                <a:cs typeface="Calibri" panose="020F0502020204030204" pitchFamily="34" charset="0"/>
+              </a:rPr>
+              <a:t>Reject the null hypothesis (Ho) if </a:t>
+            </a:r>
+            <a:r>
+              <a:rPr lang="en-US" sz="2500" i="1" dirty="0">
+                <a:latin typeface="Calibri" panose="020F0502020204030204" pitchFamily="34" charset="0"/>
+                <a:cs typeface="Calibri" panose="020F0502020204030204" pitchFamily="34" charset="0"/>
+              </a:rPr>
+              <a:t>p &lt; 0.05 </a:t>
+            </a:r>
+            <a:r>
+              <a:rPr lang="en-US" sz="2500" dirty="0">
+                <a:latin typeface="Calibri" panose="020F0502020204030204" pitchFamily="34" charset="0"/>
+                <a:cs typeface="Calibri" panose="020F0502020204030204" pitchFamily="34" charset="0"/>
+              </a:rPr>
+              <a:t>from the above hypothesis test MANOVA with the use of PCA/factor analysis</a:t>
+            </a:r>
+          </a:p>
+          <a:p>
+            <a:pPr lvl="1"/>
+            <a:r>
+              <a:rPr lang="en-US" sz="2000" dirty="0">
+                <a:latin typeface="Calibri" panose="020F0502020204030204" pitchFamily="34" charset="0"/>
+                <a:cs typeface="Calibri" panose="020F0502020204030204" pitchFamily="34" charset="0"/>
+              </a:rPr>
+              <a:t> Potentially another dataset may be used if access to </a:t>
+            </a:r>
+            <a:r>
+              <a:rPr lang="en-US" sz="2000" dirty="0" err="1">
+                <a:latin typeface="Calibri" panose="020F0502020204030204" pitchFamily="34" charset="0"/>
+                <a:cs typeface="Calibri" panose="020F0502020204030204" pitchFamily="34" charset="0"/>
+              </a:rPr>
+              <a:t>schizconnect</a:t>
+            </a:r>
+            <a:r>
+              <a:rPr lang="en-US" sz="2000" dirty="0">
+                <a:latin typeface="Calibri" panose="020F0502020204030204" pitchFamily="34" charset="0"/>
+                <a:cs typeface="Calibri" panose="020F0502020204030204" pitchFamily="34" charset="0"/>
+              </a:rPr>
+              <a:t> is granted to find a dataset with better documented features, more info on brain regions or any other information that could allow for better hypothesis testing</a:t>
+            </a:r>
+            <a:endParaRPr lang="en-US" sz="2200" dirty="0">
+              <a:latin typeface="Calibri" panose="020F0502020204030204" pitchFamily="34" charset="0"/>
+              <a:cs typeface="Calibri" panose="020F0502020204030204" pitchFamily="34" charset="0"/>
+            </a:endParaRPr>
           </a:p>
         </p:txBody>
       </p:sp>
@@ -5597,154 +5674,154 @@
               </a:lnSpc>
             </a:pPr>
             <a:r>
-              <a:rPr lang="en-GB" sz="600" dirty="0">
-                <a:effectLst/>
-                <a:latin typeface="Calibri" panose="020F0502020204030204" pitchFamily="34" charset="0"/>
-                <a:cs typeface="Calibri" panose="020F0502020204030204" pitchFamily="34" charset="0"/>
+              <a:rPr lang="en-GB" sz="700" dirty="0">
+                <a:effectLst/>
+                <a:latin typeface="Arial" panose="020B0604020202020204" pitchFamily="34" charset="0"/>
+                <a:cs typeface="Arial" panose="020B0604020202020204" pitchFamily="34" charset="0"/>
               </a:rPr>
               <a:t>Sadeghi, D., </a:t>
             </a:r>
             <a:r>
-              <a:rPr lang="en-GB" sz="600" dirty="0" err="1">
-                <a:effectLst/>
-                <a:latin typeface="Calibri" panose="020F0502020204030204" pitchFamily="34" charset="0"/>
-                <a:cs typeface="Calibri" panose="020F0502020204030204" pitchFamily="34" charset="0"/>
+              <a:rPr lang="en-GB" sz="700" dirty="0" err="1">
+                <a:effectLst/>
+                <a:latin typeface="Arial" panose="020B0604020202020204" pitchFamily="34" charset="0"/>
+                <a:cs typeface="Arial" panose="020B0604020202020204" pitchFamily="34" charset="0"/>
               </a:rPr>
               <a:t>Shoeibi</a:t>
             </a:r>
             <a:r>
-              <a:rPr lang="en-GB" sz="600" dirty="0">
-                <a:effectLst/>
-                <a:latin typeface="Calibri" panose="020F0502020204030204" pitchFamily="34" charset="0"/>
-                <a:cs typeface="Calibri" panose="020F0502020204030204" pitchFamily="34" charset="0"/>
+              <a:rPr lang="en-GB" sz="700" dirty="0">
+                <a:effectLst/>
+                <a:latin typeface="Arial" panose="020B0604020202020204" pitchFamily="34" charset="0"/>
+                <a:cs typeface="Arial" panose="020B0604020202020204" pitchFamily="34" charset="0"/>
               </a:rPr>
               <a:t>, A., </a:t>
             </a:r>
             <a:r>
-              <a:rPr lang="en-GB" sz="600" dirty="0" err="1">
-                <a:effectLst/>
-                <a:latin typeface="Calibri" panose="020F0502020204030204" pitchFamily="34" charset="0"/>
-                <a:cs typeface="Calibri" panose="020F0502020204030204" pitchFamily="34" charset="0"/>
+              <a:rPr lang="en-GB" sz="700" dirty="0" err="1">
+                <a:effectLst/>
+                <a:latin typeface="Arial" panose="020B0604020202020204" pitchFamily="34" charset="0"/>
+                <a:cs typeface="Arial" panose="020B0604020202020204" pitchFamily="34" charset="0"/>
               </a:rPr>
               <a:t>Ghassemi</a:t>
             </a:r>
             <a:r>
-              <a:rPr lang="en-GB" sz="600" dirty="0">
-                <a:effectLst/>
-                <a:latin typeface="Calibri" panose="020F0502020204030204" pitchFamily="34" charset="0"/>
-                <a:cs typeface="Calibri" panose="020F0502020204030204" pitchFamily="34" charset="0"/>
+              <a:rPr lang="en-GB" sz="700" dirty="0">
+                <a:effectLst/>
+                <a:latin typeface="Arial" panose="020B0604020202020204" pitchFamily="34" charset="0"/>
+                <a:cs typeface="Arial" panose="020B0604020202020204" pitchFamily="34" charset="0"/>
               </a:rPr>
               <a:t>, N., </a:t>
             </a:r>
             <a:r>
-              <a:rPr lang="en-GB" sz="600" dirty="0" err="1">
-                <a:effectLst/>
-                <a:latin typeface="Calibri" panose="020F0502020204030204" pitchFamily="34" charset="0"/>
-                <a:cs typeface="Calibri" panose="020F0502020204030204" pitchFamily="34" charset="0"/>
+              <a:rPr lang="en-GB" sz="700" dirty="0" err="1">
+                <a:effectLst/>
+                <a:latin typeface="Arial" panose="020B0604020202020204" pitchFamily="34" charset="0"/>
+                <a:cs typeface="Arial" panose="020B0604020202020204" pitchFamily="34" charset="0"/>
               </a:rPr>
               <a:t>Moridian</a:t>
             </a:r>
             <a:r>
-              <a:rPr lang="en-GB" sz="600" dirty="0">
-                <a:effectLst/>
-                <a:latin typeface="Calibri" panose="020F0502020204030204" pitchFamily="34" charset="0"/>
-                <a:cs typeface="Calibri" panose="020F0502020204030204" pitchFamily="34" charset="0"/>
+              <a:rPr lang="en-GB" sz="700" dirty="0">
+                <a:effectLst/>
+                <a:latin typeface="Arial" panose="020B0604020202020204" pitchFamily="34" charset="0"/>
+                <a:cs typeface="Arial" panose="020B0604020202020204" pitchFamily="34" charset="0"/>
               </a:rPr>
               <a:t>, P., </a:t>
             </a:r>
             <a:r>
-              <a:rPr lang="en-GB" sz="600" dirty="0" err="1">
-                <a:effectLst/>
-                <a:latin typeface="Calibri" panose="020F0502020204030204" pitchFamily="34" charset="0"/>
-                <a:cs typeface="Calibri" panose="020F0502020204030204" pitchFamily="34" charset="0"/>
+              <a:rPr lang="en-GB" sz="700" dirty="0" err="1">
+                <a:effectLst/>
+                <a:latin typeface="Arial" panose="020B0604020202020204" pitchFamily="34" charset="0"/>
+                <a:cs typeface="Arial" panose="020B0604020202020204" pitchFamily="34" charset="0"/>
               </a:rPr>
               <a:t>Khadem</a:t>
             </a:r>
             <a:r>
-              <a:rPr lang="en-GB" sz="600" dirty="0">
-                <a:effectLst/>
-                <a:latin typeface="Calibri" panose="020F0502020204030204" pitchFamily="34" charset="0"/>
-                <a:cs typeface="Calibri" panose="020F0502020204030204" pitchFamily="34" charset="0"/>
+              <a:rPr lang="en-GB" sz="700" dirty="0">
+                <a:effectLst/>
+                <a:latin typeface="Arial" panose="020B0604020202020204" pitchFamily="34" charset="0"/>
+                <a:cs typeface="Arial" panose="020B0604020202020204" pitchFamily="34" charset="0"/>
               </a:rPr>
               <a:t>, A., </a:t>
             </a:r>
             <a:r>
-              <a:rPr lang="en-GB" sz="600" dirty="0" err="1">
-                <a:effectLst/>
-                <a:latin typeface="Calibri" panose="020F0502020204030204" pitchFamily="34" charset="0"/>
-                <a:cs typeface="Calibri" panose="020F0502020204030204" pitchFamily="34" charset="0"/>
+              <a:rPr lang="en-GB" sz="700" dirty="0" err="1">
+                <a:effectLst/>
+                <a:latin typeface="Arial" panose="020B0604020202020204" pitchFamily="34" charset="0"/>
+                <a:cs typeface="Arial" panose="020B0604020202020204" pitchFamily="34" charset="0"/>
               </a:rPr>
               <a:t>Alizadehsani</a:t>
             </a:r>
             <a:r>
-              <a:rPr lang="en-GB" sz="600" dirty="0">
-                <a:effectLst/>
-                <a:latin typeface="Calibri" panose="020F0502020204030204" pitchFamily="34" charset="0"/>
-                <a:cs typeface="Calibri" panose="020F0502020204030204" pitchFamily="34" charset="0"/>
+              <a:rPr lang="en-GB" sz="700" dirty="0">
+                <a:effectLst/>
+                <a:latin typeface="Arial" panose="020B0604020202020204" pitchFamily="34" charset="0"/>
+                <a:cs typeface="Arial" panose="020B0604020202020204" pitchFamily="34" charset="0"/>
               </a:rPr>
               <a:t>, R., </a:t>
             </a:r>
             <a:r>
-              <a:rPr lang="en-GB" sz="600" dirty="0" err="1">
-                <a:effectLst/>
-                <a:latin typeface="Calibri" panose="020F0502020204030204" pitchFamily="34" charset="0"/>
-                <a:cs typeface="Calibri" panose="020F0502020204030204" pitchFamily="34" charset="0"/>
+              <a:rPr lang="en-GB" sz="700" dirty="0" err="1">
+                <a:effectLst/>
+                <a:latin typeface="Arial" panose="020B0604020202020204" pitchFamily="34" charset="0"/>
+                <a:cs typeface="Arial" panose="020B0604020202020204" pitchFamily="34" charset="0"/>
               </a:rPr>
               <a:t>Teshnehlab</a:t>
             </a:r>
             <a:r>
-              <a:rPr lang="en-GB" sz="600" dirty="0">
-                <a:effectLst/>
-                <a:latin typeface="Calibri" panose="020F0502020204030204" pitchFamily="34" charset="0"/>
-                <a:cs typeface="Calibri" panose="020F0502020204030204" pitchFamily="34" charset="0"/>
+              <a:rPr lang="en-GB" sz="700" dirty="0">
+                <a:effectLst/>
+                <a:latin typeface="Arial" panose="020B0604020202020204" pitchFamily="34" charset="0"/>
+                <a:cs typeface="Arial" panose="020B0604020202020204" pitchFamily="34" charset="0"/>
               </a:rPr>
               <a:t>, M., </a:t>
             </a:r>
             <a:r>
-              <a:rPr lang="en-GB" sz="600" dirty="0" err="1">
-                <a:effectLst/>
-                <a:latin typeface="Calibri" panose="020F0502020204030204" pitchFamily="34" charset="0"/>
-                <a:cs typeface="Calibri" panose="020F0502020204030204" pitchFamily="34" charset="0"/>
+              <a:rPr lang="en-GB" sz="700" dirty="0" err="1">
+                <a:effectLst/>
+                <a:latin typeface="Arial" panose="020B0604020202020204" pitchFamily="34" charset="0"/>
+                <a:cs typeface="Arial" panose="020B0604020202020204" pitchFamily="34" charset="0"/>
               </a:rPr>
               <a:t>Gorriz</a:t>
             </a:r>
             <a:r>
-              <a:rPr lang="en-GB" sz="600" dirty="0">
-                <a:effectLst/>
-                <a:latin typeface="Calibri" panose="020F0502020204030204" pitchFamily="34" charset="0"/>
-                <a:cs typeface="Calibri" panose="020F0502020204030204" pitchFamily="34" charset="0"/>
+              <a:rPr lang="en-GB" sz="700" dirty="0">
+                <a:effectLst/>
+                <a:latin typeface="Arial" panose="020B0604020202020204" pitchFamily="34" charset="0"/>
+                <a:cs typeface="Arial" panose="020B0604020202020204" pitchFamily="34" charset="0"/>
               </a:rPr>
               <a:t>, J. M., &amp; </a:t>
             </a:r>
             <a:r>
-              <a:rPr lang="en-GB" sz="600" dirty="0" err="1">
-                <a:effectLst/>
-                <a:latin typeface="Calibri" panose="020F0502020204030204" pitchFamily="34" charset="0"/>
-                <a:cs typeface="Calibri" panose="020F0502020204030204" pitchFamily="34" charset="0"/>
+              <a:rPr lang="en-GB" sz="700" dirty="0" err="1">
+                <a:effectLst/>
+                <a:latin typeface="Arial" panose="020B0604020202020204" pitchFamily="34" charset="0"/>
+                <a:cs typeface="Arial" panose="020B0604020202020204" pitchFamily="34" charset="0"/>
               </a:rPr>
               <a:t>Nahavandi</a:t>
             </a:r>
             <a:r>
-              <a:rPr lang="en-GB" sz="600" dirty="0">
-                <a:effectLst/>
-                <a:latin typeface="Calibri" panose="020F0502020204030204" pitchFamily="34" charset="0"/>
-                <a:cs typeface="Calibri" panose="020F0502020204030204" pitchFamily="34" charset="0"/>
+              <a:rPr lang="en-GB" sz="700" dirty="0">
+                <a:effectLst/>
+                <a:latin typeface="Arial" panose="020B0604020202020204" pitchFamily="34" charset="0"/>
+                <a:cs typeface="Arial" panose="020B0604020202020204" pitchFamily="34" charset="0"/>
               </a:rPr>
               <a:t>, S. (2021). An Overview on Artificial Intelligence Techniques for Diagnosis of Schizophrenia Based on Magnetic Resonance Imaging Modalities: Methods, Challenges, and Future Works. </a:t>
             </a:r>
             <a:r>
-              <a:rPr lang="en-GB" sz="600" i="1" dirty="0">
-                <a:effectLst/>
-                <a:latin typeface="Calibri" panose="020F0502020204030204" pitchFamily="34" charset="0"/>
-                <a:cs typeface="Calibri" panose="020F0502020204030204" pitchFamily="34" charset="0"/>
+              <a:rPr lang="en-GB" sz="700" i="1" dirty="0">
+                <a:effectLst/>
+                <a:latin typeface="Arial" panose="020B0604020202020204" pitchFamily="34" charset="0"/>
+                <a:cs typeface="Arial" panose="020B0604020202020204" pitchFamily="34" charset="0"/>
               </a:rPr>
               <a:t>Advanced Researches In Biomedical Engineering Lab.</a:t>
             </a:r>
             <a:r>
-              <a:rPr lang="en-GB" sz="600" dirty="0">
-                <a:effectLst/>
-                <a:latin typeface="Calibri" panose="020F0502020204030204" pitchFamily="34" charset="0"/>
-                <a:cs typeface="Calibri" panose="020F0502020204030204" pitchFamily="34" charset="0"/>
+              <a:rPr lang="en-GB" sz="700" dirty="0">
+                <a:effectLst/>
+                <a:latin typeface="Arial" panose="020B0604020202020204" pitchFamily="34" charset="0"/>
+                <a:cs typeface="Arial" panose="020B0604020202020204" pitchFamily="34" charset="0"/>
               </a:rPr>
               <a:t> Published. https://arxiv.org/abs/2103.03081</a:t>
             </a:r>
@@ -5756,50 +5833,50 @@
               </a:lnSpc>
             </a:pPr>
             <a:r>
-              <a:rPr lang="en-GB" sz="600" dirty="0" err="1">
-                <a:effectLst/>
-                <a:latin typeface="Calibri" panose="020F0502020204030204" pitchFamily="34" charset="0"/>
-                <a:cs typeface="Calibri" panose="020F0502020204030204" pitchFamily="34" charset="0"/>
+              <a:rPr lang="en-GB" sz="700" dirty="0" err="1">
+                <a:effectLst/>
+                <a:latin typeface="Arial" panose="020B0604020202020204" pitchFamily="34" charset="0"/>
+                <a:cs typeface="Arial" panose="020B0604020202020204" pitchFamily="34" charset="0"/>
               </a:rPr>
               <a:t>Castanon</a:t>
             </a:r>
             <a:r>
-              <a:rPr lang="en-GB" sz="600" dirty="0">
-                <a:effectLst/>
-                <a:latin typeface="Calibri" panose="020F0502020204030204" pitchFamily="34" charset="0"/>
-                <a:cs typeface="Calibri" panose="020F0502020204030204" pitchFamily="34" charset="0"/>
+              <a:rPr lang="en-GB" sz="700" dirty="0">
+                <a:effectLst/>
+                <a:latin typeface="Arial" panose="020B0604020202020204" pitchFamily="34" charset="0"/>
+                <a:cs typeface="Arial" panose="020B0604020202020204" pitchFamily="34" charset="0"/>
               </a:rPr>
               <a:t>, J. (2019, March 19). </a:t>
             </a:r>
             <a:r>
-              <a:rPr lang="en-GB" sz="600" i="1" dirty="0">
-                <a:effectLst/>
-                <a:latin typeface="Calibri" panose="020F0502020204030204" pitchFamily="34" charset="0"/>
-                <a:cs typeface="Calibri" panose="020F0502020204030204" pitchFamily="34" charset="0"/>
+              <a:rPr lang="en-GB" sz="700" i="1" dirty="0">
+                <a:effectLst/>
+                <a:latin typeface="Arial" panose="020B0604020202020204" pitchFamily="34" charset="0"/>
+                <a:cs typeface="Arial" panose="020B0604020202020204" pitchFamily="34" charset="0"/>
               </a:rPr>
               <a:t>10 Machine Learning Methods that Every Data Scientist Should Know</a:t>
             </a:r>
             <a:r>
-              <a:rPr lang="en-GB" sz="600" dirty="0">
-                <a:effectLst/>
-                <a:latin typeface="Calibri" panose="020F0502020204030204" pitchFamily="34" charset="0"/>
-                <a:cs typeface="Calibri" panose="020F0502020204030204" pitchFamily="34" charset="0"/>
+              <a:rPr lang="en-GB" sz="700" dirty="0">
+                <a:effectLst/>
+                <a:latin typeface="Arial" panose="020B0604020202020204" pitchFamily="34" charset="0"/>
+                <a:cs typeface="Arial" panose="020B0604020202020204" pitchFamily="34" charset="0"/>
               </a:rPr>
               <a:t>. </a:t>
             </a:r>
             <a:r>
-              <a:rPr lang="en-GB" sz="600" dirty="0" err="1">
-                <a:effectLst/>
-                <a:latin typeface="Calibri" panose="020F0502020204030204" pitchFamily="34" charset="0"/>
-                <a:cs typeface="Calibri" panose="020F0502020204030204" pitchFamily="34" charset="0"/>
+              <a:rPr lang="en-GB" sz="700" dirty="0" err="1">
+                <a:effectLst/>
+                <a:latin typeface="Arial" panose="020B0604020202020204" pitchFamily="34" charset="0"/>
+                <a:cs typeface="Arial" panose="020B0604020202020204" pitchFamily="34" charset="0"/>
               </a:rPr>
               <a:t>Towardsdatascience.Com</a:t>
             </a:r>
             <a:r>
-              <a:rPr lang="en-GB" sz="600" dirty="0">
-                <a:effectLst/>
-                <a:latin typeface="Calibri" panose="020F0502020204030204" pitchFamily="34" charset="0"/>
-                <a:cs typeface="Calibri" panose="020F0502020204030204" pitchFamily="34" charset="0"/>
+              <a:rPr lang="en-GB" sz="700" dirty="0">
+                <a:effectLst/>
+                <a:latin typeface="Arial" panose="020B0604020202020204" pitchFamily="34" charset="0"/>
+                <a:cs typeface="Arial" panose="020B0604020202020204" pitchFamily="34" charset="0"/>
               </a:rPr>
               <a:t>. Retrieved October 28, 2021, from https://towardsdatascience.com/10-machine-learning-methods-that-every-data-scientist-should-know-3cc96e0eeee9</a:t>
             </a:r>
@@ -5811,34 +5888,34 @@
               </a:lnSpc>
             </a:pPr>
             <a:r>
-              <a:rPr lang="en-GB" sz="600" dirty="0">
-                <a:effectLst/>
-                <a:latin typeface="Calibri" panose="020F0502020204030204" pitchFamily="34" charset="0"/>
-                <a:cs typeface="Calibri" panose="020F0502020204030204" pitchFamily="34" charset="0"/>
+              <a:rPr lang="en-GB" sz="700" dirty="0">
+                <a:effectLst/>
+                <a:latin typeface="Arial" panose="020B0604020202020204" pitchFamily="34" charset="0"/>
+                <a:cs typeface="Arial" panose="020B0604020202020204" pitchFamily="34" charset="0"/>
               </a:rPr>
               <a:t>Wang, H., &amp; Zheng, H. (2013). Model Validation, Machine Learning. </a:t>
             </a:r>
             <a:r>
-              <a:rPr lang="en-GB" sz="600" i="1" dirty="0" err="1">
-                <a:effectLst/>
-                <a:latin typeface="Calibri" panose="020F0502020204030204" pitchFamily="34" charset="0"/>
-                <a:cs typeface="Calibri" panose="020F0502020204030204" pitchFamily="34" charset="0"/>
+              <a:rPr lang="en-GB" sz="700" i="1" dirty="0" err="1">
+                <a:effectLst/>
+                <a:latin typeface="Arial" panose="020B0604020202020204" pitchFamily="34" charset="0"/>
+                <a:cs typeface="Arial" panose="020B0604020202020204" pitchFamily="34" charset="0"/>
               </a:rPr>
               <a:t>Encyclopedia</a:t>
             </a:r>
             <a:r>
-              <a:rPr lang="en-GB" sz="600" i="1" dirty="0">
-                <a:effectLst/>
-                <a:latin typeface="Calibri" panose="020F0502020204030204" pitchFamily="34" charset="0"/>
-                <a:cs typeface="Calibri" panose="020F0502020204030204" pitchFamily="34" charset="0"/>
+              <a:rPr lang="en-GB" sz="700" i="1" dirty="0">
+                <a:effectLst/>
+                <a:latin typeface="Arial" panose="020B0604020202020204" pitchFamily="34" charset="0"/>
+                <a:cs typeface="Arial" panose="020B0604020202020204" pitchFamily="34" charset="0"/>
               </a:rPr>
               <a:t> of Systems Biology</a:t>
             </a:r>
             <a:r>
-              <a:rPr lang="en-GB" sz="600" dirty="0">
-                <a:effectLst/>
-                <a:latin typeface="Calibri" panose="020F0502020204030204" pitchFamily="34" charset="0"/>
-                <a:cs typeface="Calibri" panose="020F0502020204030204" pitchFamily="34" charset="0"/>
+              <a:rPr lang="en-GB" sz="700" dirty="0">
+                <a:effectLst/>
+                <a:latin typeface="Arial" panose="020B0604020202020204" pitchFamily="34" charset="0"/>
+                <a:cs typeface="Arial" panose="020B0604020202020204" pitchFamily="34" charset="0"/>
               </a:rPr>
               <a:t>, 1406–1407. https://doi.org/10.1007/978-1-4419-9863-7_233</a:t>
             </a:r>
@@ -5850,40 +5927,40 @@
               </a:lnSpc>
             </a:pPr>
             <a:r>
-              <a:rPr lang="en-GB" sz="600" dirty="0">
-                <a:effectLst/>
-                <a:latin typeface="Calibri" panose="020F0502020204030204" pitchFamily="34" charset="0"/>
-                <a:cs typeface="Calibri" panose="020F0502020204030204" pitchFamily="34" charset="0"/>
+              <a:rPr lang="en-GB" sz="700" dirty="0">
+                <a:effectLst/>
+                <a:latin typeface="Arial" panose="020B0604020202020204" pitchFamily="34" charset="0"/>
+                <a:cs typeface="Arial" panose="020B0604020202020204" pitchFamily="34" charset="0"/>
               </a:rPr>
               <a:t>Riccio, V. (2020, September 15). </a:t>
             </a:r>
             <a:r>
-              <a:rPr lang="en-GB" sz="600" i="1" dirty="0">
-                <a:effectLst/>
-                <a:latin typeface="Calibri" panose="020F0502020204030204" pitchFamily="34" charset="0"/>
-                <a:cs typeface="Calibri" panose="020F0502020204030204" pitchFamily="34" charset="0"/>
+              <a:rPr lang="en-GB" sz="700" i="1" dirty="0">
+                <a:effectLst/>
+                <a:latin typeface="Arial" panose="020B0604020202020204" pitchFamily="34" charset="0"/>
+                <a:cs typeface="Arial" panose="020B0604020202020204" pitchFamily="34" charset="0"/>
               </a:rPr>
               <a:t>Testing machine learning based systems: a. . .</a:t>
             </a:r>
             <a:r>
-              <a:rPr lang="en-GB" sz="600" dirty="0">
-                <a:effectLst/>
-                <a:latin typeface="Calibri" panose="020F0502020204030204" pitchFamily="34" charset="0"/>
-                <a:cs typeface="Calibri" panose="020F0502020204030204" pitchFamily="34" charset="0"/>
+              <a:rPr lang="en-GB" sz="700" dirty="0">
+                <a:effectLst/>
+                <a:latin typeface="Arial" panose="020B0604020202020204" pitchFamily="34" charset="0"/>
+                <a:cs typeface="Arial" panose="020B0604020202020204" pitchFamily="34" charset="0"/>
               </a:rPr>
               <a:t> Empirical Software Engineering. Retrieved October 28, 2021, from </a:t>
             </a:r>
             <a:r>
-              <a:rPr lang="en-GB" sz="600" dirty="0">
-                <a:latin typeface="Calibri" panose="020F0502020204030204" pitchFamily="34" charset="0"/>
-                <a:cs typeface="Calibri" panose="020F0502020204030204" pitchFamily="34" charset="0"/>
+              <a:rPr lang="en-GB" sz="700" dirty="0">
+                <a:latin typeface="Arial" panose="020B0604020202020204" pitchFamily="34" charset="0"/>
+                <a:cs typeface="Arial" panose="020B0604020202020204" pitchFamily="34" charset="0"/>
               </a:rPr>
               <a:t>https://link.springer.com/article/10.1007/s10664-020-09881-0?error=cookies_not_supported&amp;code=a9b11f32-dc9a-4091-8237-a8c50e2637c3</a:t>
             </a:r>
-            <a:endParaRPr lang="en-GB" sz="600" dirty="0">
+            <a:endParaRPr lang="en-GB" sz="700" dirty="0">
               <a:effectLst/>
-              <a:latin typeface="Calibri" panose="020F0502020204030204" pitchFamily="34" charset="0"/>
-              <a:cs typeface="Calibri" panose="020F0502020204030204" pitchFamily="34" charset="0"/>
+              <a:latin typeface="Arial" panose="020B0604020202020204" pitchFamily="34" charset="0"/>
+              <a:cs typeface="Arial" panose="020B0604020202020204" pitchFamily="34" charset="0"/>
             </a:endParaRPr>
           </a:p>
           <a:p>
@@ -5893,56 +5970,56 @@
               </a:lnSpc>
             </a:pPr>
             <a:r>
-              <a:rPr lang="en-GB" sz="600" dirty="0" err="1">
-                <a:effectLst/>
-                <a:latin typeface="Calibri" panose="020F0502020204030204" pitchFamily="34" charset="0"/>
-                <a:cs typeface="Calibri" panose="020F0502020204030204" pitchFamily="34" charset="0"/>
+              <a:rPr lang="en-GB" sz="700" dirty="0" err="1">
+                <a:effectLst/>
+                <a:latin typeface="Arial" panose="020B0604020202020204" pitchFamily="34" charset="0"/>
+                <a:cs typeface="Arial" panose="020B0604020202020204" pitchFamily="34" charset="0"/>
               </a:rPr>
               <a:t>Colyer</a:t>
             </a:r>
             <a:r>
-              <a:rPr lang="en-GB" sz="600" dirty="0">
-                <a:effectLst/>
-                <a:latin typeface="Calibri" panose="020F0502020204030204" pitchFamily="34" charset="0"/>
-                <a:cs typeface="Calibri" panose="020F0502020204030204" pitchFamily="34" charset="0"/>
+              <a:rPr lang="en-GB" sz="700" dirty="0">
+                <a:effectLst/>
+                <a:latin typeface="Arial" panose="020B0604020202020204" pitchFamily="34" charset="0"/>
+                <a:cs typeface="Arial" panose="020B0604020202020204" pitchFamily="34" charset="0"/>
               </a:rPr>
               <a:t>, A. (2019, June 5). </a:t>
             </a:r>
             <a:r>
-              <a:rPr lang="en-GB" sz="600" i="1" dirty="0">
-                <a:effectLst/>
-                <a:latin typeface="Calibri" panose="020F0502020204030204" pitchFamily="34" charset="0"/>
-                <a:cs typeface="Calibri" panose="020F0502020204030204" pitchFamily="34" charset="0"/>
+              <a:rPr lang="en-GB" sz="700" i="1" dirty="0">
+                <a:effectLst/>
+                <a:latin typeface="Arial" panose="020B0604020202020204" pitchFamily="34" charset="0"/>
+                <a:cs typeface="Arial" panose="020B0604020202020204" pitchFamily="34" charset="0"/>
               </a:rPr>
               <a:t>Data validation for machine learning | the morning paper</a:t>
             </a:r>
             <a:r>
-              <a:rPr lang="en-GB" sz="600" dirty="0">
-                <a:effectLst/>
-                <a:latin typeface="Calibri" panose="020F0502020204030204" pitchFamily="34" charset="0"/>
-                <a:cs typeface="Calibri" panose="020F0502020204030204" pitchFamily="34" charset="0"/>
+              <a:rPr lang="en-GB" sz="700" dirty="0">
+                <a:effectLst/>
+                <a:latin typeface="Arial" panose="020B0604020202020204" pitchFamily="34" charset="0"/>
+                <a:cs typeface="Arial" panose="020B0604020202020204" pitchFamily="34" charset="0"/>
               </a:rPr>
               <a:t>. </a:t>
             </a:r>
             <a:r>
-              <a:rPr lang="en-GB" sz="600" dirty="0" err="1">
-                <a:effectLst/>
-                <a:latin typeface="Calibri" panose="020F0502020204030204" pitchFamily="34" charset="0"/>
-                <a:cs typeface="Calibri" panose="020F0502020204030204" pitchFamily="34" charset="0"/>
+              <a:rPr lang="en-GB" sz="700" dirty="0" err="1">
+                <a:effectLst/>
+                <a:latin typeface="Arial" panose="020B0604020202020204" pitchFamily="34" charset="0"/>
+                <a:cs typeface="Arial" panose="020B0604020202020204" pitchFamily="34" charset="0"/>
               </a:rPr>
               <a:t>Blog.Acolyer.Org</a:t>
             </a:r>
             <a:r>
-              <a:rPr lang="en-GB" sz="600" dirty="0">
-                <a:effectLst/>
-                <a:latin typeface="Calibri" panose="020F0502020204030204" pitchFamily="34" charset="0"/>
-                <a:cs typeface="Calibri" panose="020F0502020204030204" pitchFamily="34" charset="0"/>
+              <a:rPr lang="en-GB" sz="700" dirty="0">
+                <a:effectLst/>
+                <a:latin typeface="Arial" panose="020B0604020202020204" pitchFamily="34" charset="0"/>
+                <a:cs typeface="Arial" panose="020B0604020202020204" pitchFamily="34" charset="0"/>
               </a:rPr>
               <a:t>. Retrieved October 28, 2021, from https://blog.acolyer.org/2019/06/05/data-validation-for-machine-learning/</a:t>
             </a:r>
-            <a:endParaRPr lang="en-GB" sz="600" dirty="0">
-              <a:latin typeface="Calibri" panose="020F0502020204030204" pitchFamily="34" charset="0"/>
-              <a:cs typeface="Calibri" panose="020F0502020204030204" pitchFamily="34" charset="0"/>
+            <a:endParaRPr lang="en-GB" sz="700" dirty="0">
+              <a:latin typeface="Arial" panose="020B0604020202020204" pitchFamily="34" charset="0"/>
+              <a:cs typeface="Arial" panose="020B0604020202020204" pitchFamily="34" charset="0"/>
             </a:endParaRPr>
           </a:p>
           <a:p>
@@ -5952,48 +6029,48 @@
               </a:lnSpc>
             </a:pPr>
             <a:r>
-              <a:rPr lang="en-GB" sz="600" dirty="0" err="1">
-                <a:effectLst/>
-                <a:latin typeface="Calibri" panose="020F0502020204030204" pitchFamily="34" charset="0"/>
-                <a:cs typeface="Calibri" panose="020F0502020204030204" pitchFamily="34" charset="0"/>
+              <a:rPr lang="en-GB" sz="700" dirty="0" err="1">
+                <a:effectLst/>
+                <a:latin typeface="Arial" panose="020B0604020202020204" pitchFamily="34" charset="0"/>
+                <a:cs typeface="Arial" panose="020B0604020202020204" pitchFamily="34" charset="0"/>
               </a:rPr>
               <a:t>Vadavalasa</a:t>
             </a:r>
             <a:r>
-              <a:rPr lang="en-GB" sz="600" dirty="0">
-                <a:effectLst/>
-                <a:latin typeface="Calibri" panose="020F0502020204030204" pitchFamily="34" charset="0"/>
-                <a:cs typeface="Calibri" panose="020F0502020204030204" pitchFamily="34" charset="0"/>
+              <a:rPr lang="en-GB" sz="700" dirty="0">
+                <a:effectLst/>
+                <a:latin typeface="Arial" panose="020B0604020202020204" pitchFamily="34" charset="0"/>
+                <a:cs typeface="Arial" panose="020B0604020202020204" pitchFamily="34" charset="0"/>
               </a:rPr>
               <a:t>, </a:t>
             </a:r>
             <a:r>
-              <a:rPr lang="en-GB" sz="600" dirty="0" err="1">
-                <a:effectLst/>
-                <a:latin typeface="Calibri" panose="020F0502020204030204" pitchFamily="34" charset="0"/>
-                <a:cs typeface="Calibri" panose="020F0502020204030204" pitchFamily="34" charset="0"/>
+              <a:rPr lang="en-GB" sz="700" dirty="0" err="1">
+                <a:effectLst/>
+                <a:latin typeface="Arial" panose="020B0604020202020204" pitchFamily="34" charset="0"/>
+                <a:cs typeface="Arial" panose="020B0604020202020204" pitchFamily="34" charset="0"/>
               </a:rPr>
               <a:t>Rammohan</a:t>
             </a:r>
             <a:r>
-              <a:rPr lang="en-GB" sz="600" dirty="0">
-                <a:effectLst/>
-                <a:latin typeface="Calibri" panose="020F0502020204030204" pitchFamily="34" charset="0"/>
-                <a:cs typeface="Calibri" panose="020F0502020204030204" pitchFamily="34" charset="0"/>
+              <a:rPr lang="en-GB" sz="700" dirty="0">
+                <a:effectLst/>
+                <a:latin typeface="Arial" panose="020B0604020202020204" pitchFamily="34" charset="0"/>
+                <a:cs typeface="Arial" panose="020B0604020202020204" pitchFamily="34" charset="0"/>
               </a:rPr>
               <a:t>. (2021). Data Validation Process in Machine Learning Pipeline. </a:t>
             </a:r>
             <a:r>
-              <a:rPr lang="en-GB" sz="600" dirty="0">
-                <a:latin typeface="Calibri" panose="020F0502020204030204" pitchFamily="34" charset="0"/>
-                <a:cs typeface="Calibri" panose="020F0502020204030204" pitchFamily="34" charset="0"/>
+              <a:rPr lang="en-GB" sz="700" dirty="0">
+                <a:latin typeface="Arial" panose="020B0604020202020204" pitchFamily="34" charset="0"/>
+                <a:cs typeface="Arial" panose="020B0604020202020204" pitchFamily="34" charset="0"/>
               </a:rPr>
               <a:t>https://www.researchgate.net/publication/351022721_Data_Validation_Process_in_Machine_Learning_Pipeline</a:t>
             </a:r>
-            <a:endParaRPr lang="en-GB" sz="600" dirty="0">
+            <a:endParaRPr lang="en-GB" sz="700" dirty="0">
               <a:effectLst/>
-              <a:latin typeface="Calibri" panose="020F0502020204030204" pitchFamily="34" charset="0"/>
-              <a:cs typeface="Calibri" panose="020F0502020204030204" pitchFamily="34" charset="0"/>
+              <a:latin typeface="Arial" panose="020B0604020202020204" pitchFamily="34" charset="0"/>
+              <a:cs typeface="Arial" panose="020B0604020202020204" pitchFamily="34" charset="0"/>
             </a:endParaRPr>
           </a:p>
           <a:p>
@@ -6003,49 +6080,49 @@
               </a:lnSpc>
             </a:pPr>
             <a:r>
-              <a:rPr lang="en-GB" sz="600" dirty="0">
-                <a:effectLst/>
-                <a:latin typeface="Calibri" panose="020F0502020204030204" pitchFamily="34" charset="0"/>
-                <a:cs typeface="Calibri" panose="020F0502020204030204" pitchFamily="34" charset="0"/>
+              <a:rPr lang="en-GB" sz="700" dirty="0">
+                <a:effectLst/>
+                <a:latin typeface="Arial" panose="020B0604020202020204" pitchFamily="34" charset="0"/>
+                <a:cs typeface="Arial" panose="020B0604020202020204" pitchFamily="34" charset="0"/>
               </a:rPr>
               <a:t>Oh, J., Oh, B. L., Lee, K. U., Chae, J. H., &amp; Yun, K. (2020). Identifying Schizophrenia Using Structural MRI With a Deep Learning Algorithm. </a:t>
             </a:r>
             <a:r>
-              <a:rPr lang="en-GB" sz="600" i="1" dirty="0">
-                <a:effectLst/>
-                <a:latin typeface="Calibri" panose="020F0502020204030204" pitchFamily="34" charset="0"/>
-                <a:cs typeface="Calibri" panose="020F0502020204030204" pitchFamily="34" charset="0"/>
+              <a:rPr lang="en-GB" sz="700" i="1" dirty="0">
+                <a:effectLst/>
+                <a:latin typeface="Arial" panose="020B0604020202020204" pitchFamily="34" charset="0"/>
+                <a:cs typeface="Arial" panose="020B0604020202020204" pitchFamily="34" charset="0"/>
               </a:rPr>
               <a:t>Frontiers in Psychiatry</a:t>
             </a:r>
             <a:r>
-              <a:rPr lang="en-GB" sz="600" dirty="0">
-                <a:effectLst/>
-                <a:latin typeface="Calibri" panose="020F0502020204030204" pitchFamily="34" charset="0"/>
-                <a:cs typeface="Calibri" panose="020F0502020204030204" pitchFamily="34" charset="0"/>
+              <a:rPr lang="en-GB" sz="700" dirty="0">
+                <a:effectLst/>
+                <a:latin typeface="Arial" panose="020B0604020202020204" pitchFamily="34" charset="0"/>
+                <a:cs typeface="Arial" panose="020B0604020202020204" pitchFamily="34" charset="0"/>
               </a:rPr>
               <a:t>, </a:t>
             </a:r>
             <a:r>
-              <a:rPr lang="en-GB" sz="600" i="1" dirty="0">
-                <a:effectLst/>
-                <a:latin typeface="Calibri" panose="020F0502020204030204" pitchFamily="34" charset="0"/>
-                <a:cs typeface="Calibri" panose="020F0502020204030204" pitchFamily="34" charset="0"/>
+              <a:rPr lang="en-GB" sz="700" i="1" dirty="0">
+                <a:effectLst/>
+                <a:latin typeface="Arial" panose="020B0604020202020204" pitchFamily="34" charset="0"/>
+                <a:cs typeface="Arial" panose="020B0604020202020204" pitchFamily="34" charset="0"/>
               </a:rPr>
               <a:t>11</a:t>
             </a:r>
             <a:r>
-              <a:rPr lang="en-GB" sz="600" dirty="0">
-                <a:effectLst/>
-                <a:latin typeface="Calibri" panose="020F0502020204030204" pitchFamily="34" charset="0"/>
-                <a:cs typeface="Calibri" panose="020F0502020204030204" pitchFamily="34" charset="0"/>
+              <a:rPr lang="en-GB" sz="700" dirty="0">
+                <a:effectLst/>
+                <a:latin typeface="Arial" panose="020B0604020202020204" pitchFamily="34" charset="0"/>
+                <a:cs typeface="Arial" panose="020B0604020202020204" pitchFamily="34" charset="0"/>
               </a:rPr>
               <a:t>. </a:t>
             </a:r>
             <a:r>
-              <a:rPr lang="en-GB" sz="600" dirty="0">
-                <a:latin typeface="Calibri" panose="020F0502020204030204" pitchFamily="34" charset="0"/>
-                <a:cs typeface="Calibri" panose="020F0502020204030204" pitchFamily="34" charset="0"/>
+              <a:rPr lang="en-GB" sz="700" dirty="0">
+                <a:latin typeface="Arial" panose="020B0604020202020204" pitchFamily="34" charset="0"/>
+                <a:cs typeface="Arial" panose="020B0604020202020204" pitchFamily="34" charset="0"/>
               </a:rPr>
               <a:t>https://doi.org/10.3389/fpsyt.2020.00016</a:t>
             </a:r>
@@ -6057,72 +6134,72 @@
               </a:lnSpc>
             </a:pPr>
             <a:r>
-              <a:rPr lang="en-GB" sz="600" dirty="0">
-                <a:effectLst/>
-                <a:latin typeface="Calibri" panose="020F0502020204030204" pitchFamily="34" charset="0"/>
-                <a:cs typeface="Calibri" panose="020F0502020204030204" pitchFamily="34" charset="0"/>
+              <a:rPr lang="en-GB" sz="700" dirty="0">
+                <a:effectLst/>
+                <a:latin typeface="Arial" panose="020B0604020202020204" pitchFamily="34" charset="0"/>
+                <a:cs typeface="Arial" panose="020B0604020202020204" pitchFamily="34" charset="0"/>
               </a:rPr>
               <a:t>Marron, J. S., Todd, M. J., &amp; </a:t>
             </a:r>
             <a:r>
-              <a:rPr lang="en-GB" sz="600" dirty="0" err="1">
-                <a:effectLst/>
-                <a:latin typeface="Calibri" panose="020F0502020204030204" pitchFamily="34" charset="0"/>
-                <a:cs typeface="Calibri" panose="020F0502020204030204" pitchFamily="34" charset="0"/>
+              <a:rPr lang="en-GB" sz="700" dirty="0" err="1">
+                <a:effectLst/>
+                <a:latin typeface="Arial" panose="020B0604020202020204" pitchFamily="34" charset="0"/>
+                <a:cs typeface="Arial" panose="020B0604020202020204" pitchFamily="34" charset="0"/>
               </a:rPr>
               <a:t>Ahn</a:t>
             </a:r>
             <a:r>
-              <a:rPr lang="en-GB" sz="600" dirty="0">
-                <a:effectLst/>
-                <a:latin typeface="Calibri" panose="020F0502020204030204" pitchFamily="34" charset="0"/>
-                <a:cs typeface="Calibri" panose="020F0502020204030204" pitchFamily="34" charset="0"/>
+              <a:rPr lang="en-GB" sz="700" dirty="0">
+                <a:effectLst/>
+                <a:latin typeface="Arial" panose="020B0604020202020204" pitchFamily="34" charset="0"/>
+                <a:cs typeface="Arial" panose="020B0604020202020204" pitchFamily="34" charset="0"/>
               </a:rPr>
               <a:t>, J. (2007). Distance-Weighted Discrimination. </a:t>
             </a:r>
             <a:r>
-              <a:rPr lang="en-GB" sz="600" i="1" dirty="0">
-                <a:effectLst/>
-                <a:latin typeface="Calibri" panose="020F0502020204030204" pitchFamily="34" charset="0"/>
-                <a:cs typeface="Calibri" panose="020F0502020204030204" pitchFamily="34" charset="0"/>
+              <a:rPr lang="en-GB" sz="700" i="1" dirty="0">
+                <a:effectLst/>
+                <a:latin typeface="Arial" panose="020B0604020202020204" pitchFamily="34" charset="0"/>
+                <a:cs typeface="Arial" panose="020B0604020202020204" pitchFamily="34" charset="0"/>
               </a:rPr>
               <a:t>Journal of the American Statistical Association</a:t>
             </a:r>
             <a:r>
-              <a:rPr lang="en-GB" sz="600" dirty="0">
-                <a:effectLst/>
-                <a:latin typeface="Calibri" panose="020F0502020204030204" pitchFamily="34" charset="0"/>
-                <a:cs typeface="Calibri" panose="020F0502020204030204" pitchFamily="34" charset="0"/>
+              <a:rPr lang="en-GB" sz="700" dirty="0">
+                <a:effectLst/>
+                <a:latin typeface="Arial" panose="020B0604020202020204" pitchFamily="34" charset="0"/>
+                <a:cs typeface="Arial" panose="020B0604020202020204" pitchFamily="34" charset="0"/>
               </a:rPr>
               <a:t>, </a:t>
             </a:r>
             <a:r>
-              <a:rPr lang="en-GB" sz="600" i="1" dirty="0">
-                <a:effectLst/>
-                <a:latin typeface="Calibri" panose="020F0502020204030204" pitchFamily="34" charset="0"/>
-                <a:cs typeface="Calibri" panose="020F0502020204030204" pitchFamily="34" charset="0"/>
+              <a:rPr lang="en-GB" sz="700" i="1" dirty="0">
+                <a:effectLst/>
+                <a:latin typeface="Arial" panose="020B0604020202020204" pitchFamily="34" charset="0"/>
+                <a:cs typeface="Arial" panose="020B0604020202020204" pitchFamily="34" charset="0"/>
               </a:rPr>
               <a:t>102</a:t>
             </a:r>
             <a:r>
-              <a:rPr lang="en-GB" sz="600" dirty="0">
-                <a:effectLst/>
-                <a:latin typeface="Calibri" panose="020F0502020204030204" pitchFamily="34" charset="0"/>
-                <a:cs typeface="Calibri" panose="020F0502020204030204" pitchFamily="34" charset="0"/>
+              <a:rPr lang="en-GB" sz="700" dirty="0">
+                <a:effectLst/>
+                <a:latin typeface="Arial" panose="020B0604020202020204" pitchFamily="34" charset="0"/>
+                <a:cs typeface="Arial" panose="020B0604020202020204" pitchFamily="34" charset="0"/>
               </a:rPr>
               <a:t>(480), 1267–1271. </a:t>
             </a:r>
             <a:r>
-              <a:rPr lang="en-GB" sz="600" dirty="0">
-                <a:latin typeface="Calibri" panose="020F0502020204030204" pitchFamily="34" charset="0"/>
-                <a:cs typeface="Calibri" panose="020F0502020204030204" pitchFamily="34" charset="0"/>
+              <a:rPr lang="en-GB" sz="700" dirty="0">
+                <a:latin typeface="Arial" panose="020B0604020202020204" pitchFamily="34" charset="0"/>
+                <a:cs typeface="Arial" panose="020B0604020202020204" pitchFamily="34" charset="0"/>
               </a:rPr>
               <a:t>https://doi.org/10.1198/016214507000001120</a:t>
             </a:r>
-            <a:endParaRPr lang="en-GB" sz="600" dirty="0">
+            <a:endParaRPr lang="en-GB" sz="700" dirty="0">
               <a:effectLst/>
-              <a:latin typeface="Calibri" panose="020F0502020204030204" pitchFamily="34" charset="0"/>
-              <a:cs typeface="Calibri" panose="020F0502020204030204" pitchFamily="34" charset="0"/>
+              <a:latin typeface="Arial" panose="020B0604020202020204" pitchFamily="34" charset="0"/>
+              <a:cs typeface="Arial" panose="020B0604020202020204" pitchFamily="34" charset="0"/>
             </a:endParaRPr>
           </a:p>
           <a:p>
@@ -6132,85 +6209,85 @@
               </a:lnSpc>
             </a:pPr>
             <a:r>
-              <a:rPr lang="en-GB" sz="600" b="0" i="0" dirty="0" err="1">
+              <a:rPr lang="en-GB" sz="700" b="0" i="0" dirty="0" err="1">
                 <a:solidFill>
                   <a:srgbClr val="222222"/>
                 </a:solidFill>
                 <a:effectLst/>
-                <a:latin typeface="Calibri" panose="020F0502020204030204" pitchFamily="34" charset="0"/>
-                <a:cs typeface="Calibri" panose="020F0502020204030204" pitchFamily="34" charset="0"/>
+                <a:latin typeface="Arial" panose="020B0604020202020204" pitchFamily="34" charset="0"/>
+                <a:cs typeface="Arial" panose="020B0604020202020204" pitchFamily="34" charset="0"/>
               </a:rPr>
               <a:t>Qiao</a:t>
             </a:r>
             <a:r>
-              <a:rPr lang="en-GB" sz="600" b="0" i="0" dirty="0">
+              <a:rPr lang="en-GB" sz="700" b="0" i="0" dirty="0">
                 <a:solidFill>
                   <a:srgbClr val="222222"/>
                 </a:solidFill>
                 <a:effectLst/>
-                <a:latin typeface="Calibri" panose="020F0502020204030204" pitchFamily="34" charset="0"/>
-                <a:cs typeface="Calibri" panose="020F0502020204030204" pitchFamily="34" charset="0"/>
+                <a:latin typeface="Arial" panose="020B0604020202020204" pitchFamily="34" charset="0"/>
+                <a:cs typeface="Arial" panose="020B0604020202020204" pitchFamily="34" charset="0"/>
               </a:rPr>
               <a:t>, X., &amp; Zhang, L. (2015). Flexible high-dimensional classification machines and their asymptotic properties. </a:t>
             </a:r>
             <a:r>
-              <a:rPr lang="en-GB" sz="600" b="0" i="1" dirty="0">
+              <a:rPr lang="en-GB" sz="700" b="0" i="1" dirty="0">
                 <a:solidFill>
                   <a:srgbClr val="222222"/>
                 </a:solidFill>
                 <a:effectLst/>
-                <a:latin typeface="Calibri" panose="020F0502020204030204" pitchFamily="34" charset="0"/>
-                <a:cs typeface="Calibri" panose="020F0502020204030204" pitchFamily="34" charset="0"/>
+                <a:latin typeface="Arial" panose="020B0604020202020204" pitchFamily="34" charset="0"/>
+                <a:cs typeface="Arial" panose="020B0604020202020204" pitchFamily="34" charset="0"/>
               </a:rPr>
               <a:t>The Journal of Machine Learning Research</a:t>
             </a:r>
             <a:r>
-              <a:rPr lang="en-GB" sz="600" b="0" i="0" dirty="0">
+              <a:rPr lang="en-GB" sz="700" b="0" i="0" dirty="0">
                 <a:solidFill>
                   <a:srgbClr val="222222"/>
                 </a:solidFill>
                 <a:effectLst/>
-                <a:latin typeface="Calibri" panose="020F0502020204030204" pitchFamily="34" charset="0"/>
-                <a:cs typeface="Calibri" panose="020F0502020204030204" pitchFamily="34" charset="0"/>
+                <a:latin typeface="Arial" panose="020B0604020202020204" pitchFamily="34" charset="0"/>
+                <a:cs typeface="Arial" panose="020B0604020202020204" pitchFamily="34" charset="0"/>
               </a:rPr>
               <a:t>, </a:t>
             </a:r>
             <a:r>
-              <a:rPr lang="en-GB" sz="600" b="0" i="1" dirty="0">
+              <a:rPr lang="en-GB" sz="700" b="0" i="1" dirty="0">
                 <a:solidFill>
                   <a:srgbClr val="222222"/>
                 </a:solidFill>
                 <a:effectLst/>
-                <a:latin typeface="Calibri" panose="020F0502020204030204" pitchFamily="34" charset="0"/>
-                <a:cs typeface="Calibri" panose="020F0502020204030204" pitchFamily="34" charset="0"/>
+                <a:latin typeface="Arial" panose="020B0604020202020204" pitchFamily="34" charset="0"/>
+                <a:cs typeface="Arial" panose="020B0604020202020204" pitchFamily="34" charset="0"/>
               </a:rPr>
               <a:t>16</a:t>
             </a:r>
             <a:r>
-              <a:rPr lang="en-GB" sz="600" b="0" i="0" dirty="0">
+              <a:rPr lang="en-GB" sz="700" b="0" i="0" dirty="0">
                 <a:solidFill>
                   <a:srgbClr val="222222"/>
                 </a:solidFill>
                 <a:effectLst/>
-                <a:latin typeface="Calibri" panose="020F0502020204030204" pitchFamily="34" charset="0"/>
-                <a:cs typeface="Calibri" panose="020F0502020204030204" pitchFamily="34" charset="0"/>
+                <a:latin typeface="Arial" panose="020B0604020202020204" pitchFamily="34" charset="0"/>
+                <a:cs typeface="Arial" panose="020B0604020202020204" pitchFamily="34" charset="0"/>
               </a:rPr>
               <a:t>(1), 1547-1572.</a:t>
             </a:r>
             <a:r>
-              <a:rPr lang="en-GB" sz="600" b="0" i="0" dirty="0">
+              <a:rPr lang="en-GB" sz="700" b="0" i="0" dirty="0">
                 <a:solidFill>
                   <a:srgbClr val="222222"/>
                 </a:solidFill>
-                <a:latin typeface="Calibri" panose="020F0502020204030204" pitchFamily="34" charset="0"/>
-                <a:cs typeface="Calibri" panose="020F0502020204030204" pitchFamily="34" charset="0"/>
+                <a:latin typeface="Arial" panose="020B0604020202020204" pitchFamily="34" charset="0"/>
+                <a:cs typeface="Arial" panose="020B0604020202020204" pitchFamily="34" charset="0"/>
               </a:rPr>
               <a:t> </a:t>
             </a:r>
-            <a:endParaRPr lang="en-GB" sz="600" dirty="0">
+            <a:endParaRPr lang="en-GB" sz="700" dirty="0">
               <a:effectLst/>
-              <a:latin typeface="Calibri" panose="020F0502020204030204" pitchFamily="34" charset="0"/>
-              <a:cs typeface="Calibri" panose="020F0502020204030204" pitchFamily="34" charset="0"/>
+              <a:latin typeface="Arial" panose="020B0604020202020204" pitchFamily="34" charset="0"/>
+              <a:cs typeface="Arial" panose="020B0604020202020204" pitchFamily="34" charset="0"/>
             </a:endParaRPr>
           </a:p>
           <a:p>
@@ -6220,10 +6297,10 @@
               </a:lnSpc>
             </a:pPr>
             <a:r>
-              <a:rPr lang="en-GB" sz="600" i="1" dirty="0">
-                <a:effectLst/>
-                <a:latin typeface="Calibri" panose="020F0502020204030204" pitchFamily="34" charset="0"/>
-                <a:cs typeface="Calibri" panose="020F0502020204030204" pitchFamily="34" charset="0"/>
+              <a:rPr lang="en-GB" sz="700" i="1" dirty="0">
+                <a:effectLst/>
+                <a:latin typeface="Arial" panose="020B0604020202020204" pitchFamily="34" charset="0"/>
+                <a:cs typeface="Arial" panose="020B0604020202020204" pitchFamily="34" charset="0"/>
               </a:rPr>
               <a:t>Liu, Y., Zhang, H. H., &amp; Wu, Y. (2011). Hard or Soft Classification? Large-Margin Unified Machines. Journal of the American Statistical Association, 106(493), 166–177. https://doi.org/10.1198/jasa.2011.tm10319</a:t>
             </a:r>
@@ -6235,74 +6312,74 @@
               </a:lnSpc>
             </a:pPr>
             <a:r>
-              <a:rPr lang="en-GB" sz="600" dirty="0">
-                <a:effectLst/>
-                <a:latin typeface="Calibri" panose="020F0502020204030204" pitchFamily="34" charset="0"/>
-                <a:cs typeface="Calibri" panose="020F0502020204030204" pitchFamily="34" charset="0"/>
+              <a:rPr lang="en-GB" sz="700" dirty="0">
+                <a:effectLst/>
+                <a:latin typeface="Arial" panose="020B0604020202020204" pitchFamily="34" charset="0"/>
+                <a:cs typeface="Arial" panose="020B0604020202020204" pitchFamily="34" charset="0"/>
               </a:rPr>
               <a:t>Randall, H., </a:t>
             </a:r>
             <a:r>
-              <a:rPr lang="en-GB" sz="600" dirty="0" err="1">
-                <a:effectLst/>
-                <a:latin typeface="Calibri" panose="020F0502020204030204" pitchFamily="34" charset="0"/>
-                <a:cs typeface="Calibri" panose="020F0502020204030204" pitchFamily="34" charset="0"/>
+              <a:rPr lang="en-GB" sz="700" dirty="0" err="1">
+                <a:effectLst/>
+                <a:latin typeface="Arial" panose="020B0604020202020204" pitchFamily="34" charset="0"/>
+                <a:cs typeface="Arial" panose="020B0604020202020204" pitchFamily="34" charset="0"/>
               </a:rPr>
               <a:t>Artemiou</a:t>
             </a:r>
             <a:r>
-              <a:rPr lang="en-GB" sz="600" dirty="0">
-                <a:effectLst/>
-                <a:latin typeface="Calibri" panose="020F0502020204030204" pitchFamily="34" charset="0"/>
-                <a:cs typeface="Calibri" panose="020F0502020204030204" pitchFamily="34" charset="0"/>
+              <a:rPr lang="en-GB" sz="700" dirty="0">
+                <a:effectLst/>
+                <a:latin typeface="Arial" panose="020B0604020202020204" pitchFamily="34" charset="0"/>
+                <a:cs typeface="Arial" panose="020B0604020202020204" pitchFamily="34" charset="0"/>
               </a:rPr>
               <a:t>, A., &amp; </a:t>
             </a:r>
             <a:r>
-              <a:rPr lang="en-GB" sz="600" dirty="0" err="1">
-                <a:effectLst/>
-                <a:latin typeface="Calibri" panose="020F0502020204030204" pitchFamily="34" charset="0"/>
-                <a:cs typeface="Calibri" panose="020F0502020204030204" pitchFamily="34" charset="0"/>
+              <a:rPr lang="en-GB" sz="700" dirty="0" err="1">
+                <a:effectLst/>
+                <a:latin typeface="Arial" panose="020B0604020202020204" pitchFamily="34" charset="0"/>
+                <a:cs typeface="Arial" panose="020B0604020202020204" pitchFamily="34" charset="0"/>
               </a:rPr>
               <a:t>Qiao</a:t>
             </a:r>
             <a:r>
-              <a:rPr lang="en-GB" sz="600" dirty="0">
-                <a:effectLst/>
-                <a:latin typeface="Calibri" panose="020F0502020204030204" pitchFamily="34" charset="0"/>
-                <a:cs typeface="Calibri" panose="020F0502020204030204" pitchFamily="34" charset="0"/>
+              <a:rPr lang="en-GB" sz="700" dirty="0">
+                <a:effectLst/>
+                <a:latin typeface="Arial" panose="020B0604020202020204" pitchFamily="34" charset="0"/>
+                <a:cs typeface="Arial" panose="020B0604020202020204" pitchFamily="34" charset="0"/>
               </a:rPr>
               <a:t>, X. (2020). Sufficient dimension reduction based on distance‐weighted discrimination. </a:t>
             </a:r>
             <a:r>
-              <a:rPr lang="en-GB" sz="600" i="1" dirty="0">
-                <a:effectLst/>
-                <a:latin typeface="Calibri" panose="020F0502020204030204" pitchFamily="34" charset="0"/>
-                <a:cs typeface="Calibri" panose="020F0502020204030204" pitchFamily="34" charset="0"/>
+              <a:rPr lang="en-GB" sz="700" i="1" dirty="0">
+                <a:effectLst/>
+                <a:latin typeface="Arial" panose="020B0604020202020204" pitchFamily="34" charset="0"/>
+                <a:cs typeface="Arial" panose="020B0604020202020204" pitchFamily="34" charset="0"/>
               </a:rPr>
               <a:t>Scandinavian Journal of Statistics</a:t>
             </a:r>
             <a:r>
-              <a:rPr lang="en-GB" sz="600" dirty="0">
-                <a:effectLst/>
-                <a:latin typeface="Calibri" panose="020F0502020204030204" pitchFamily="34" charset="0"/>
-                <a:cs typeface="Calibri" panose="020F0502020204030204" pitchFamily="34" charset="0"/>
+              <a:rPr lang="en-GB" sz="700" dirty="0">
+                <a:effectLst/>
+                <a:latin typeface="Arial" panose="020B0604020202020204" pitchFamily="34" charset="0"/>
+                <a:cs typeface="Arial" panose="020B0604020202020204" pitchFamily="34" charset="0"/>
               </a:rPr>
               <a:t>, </a:t>
             </a:r>
             <a:r>
-              <a:rPr lang="en-GB" sz="600" i="1" dirty="0">
-                <a:effectLst/>
-                <a:latin typeface="Calibri" panose="020F0502020204030204" pitchFamily="34" charset="0"/>
-                <a:cs typeface="Calibri" panose="020F0502020204030204" pitchFamily="34" charset="0"/>
+              <a:rPr lang="en-GB" sz="700" i="1" dirty="0">
+                <a:effectLst/>
+                <a:latin typeface="Arial" panose="020B0604020202020204" pitchFamily="34" charset="0"/>
+                <a:cs typeface="Arial" panose="020B0604020202020204" pitchFamily="34" charset="0"/>
               </a:rPr>
               <a:t>48</a:t>
             </a:r>
             <a:r>
-              <a:rPr lang="en-GB" sz="600" dirty="0">
-                <a:effectLst/>
-                <a:latin typeface="Calibri" panose="020F0502020204030204" pitchFamily="34" charset="0"/>
-                <a:cs typeface="Calibri" panose="020F0502020204030204" pitchFamily="34" charset="0"/>
+              <a:rPr lang="en-GB" sz="700" dirty="0">
+                <a:effectLst/>
+                <a:latin typeface="Arial" panose="020B0604020202020204" pitchFamily="34" charset="0"/>
+                <a:cs typeface="Arial" panose="020B0604020202020204" pitchFamily="34" charset="0"/>
               </a:rPr>
               <a:t>(4), 1186–1211. https://doi.org/10.1111/sjos.12484</a:t>
             </a:r>
@@ -6314,23 +6391,26 @@
               </a:lnSpc>
             </a:pPr>
             <a:r>
-              <a:rPr lang="en-GB" sz="600" dirty="0">
-                <a:effectLst/>
-                <a:latin typeface="Calibri" panose="020F0502020204030204" pitchFamily="34" charset="0"/>
+              <a:rPr lang="en-GB" sz="700" dirty="0">
+                <a:effectLst/>
+                <a:latin typeface="Arial" panose="020B0604020202020204" pitchFamily="34" charset="0"/>
+                <a:cs typeface="Arial" panose="020B0604020202020204" pitchFamily="34" charset="0"/>
               </a:rPr>
               <a:t>Brownlee, J. (2019, August 8). </a:t>
             </a:r>
             <a:r>
-              <a:rPr lang="en-GB" sz="600" i="1" dirty="0">
-                <a:effectLst/>
-                <a:latin typeface="Calibri" panose="020F0502020204030204" pitchFamily="34" charset="0"/>
+              <a:rPr lang="en-GB" sz="700" i="1" dirty="0">
+                <a:effectLst/>
+                <a:latin typeface="Arial" panose="020B0604020202020204" pitchFamily="34" charset="0"/>
+                <a:cs typeface="Arial" panose="020B0604020202020204" pitchFamily="34" charset="0"/>
               </a:rPr>
               <a:t>Statistical Significance Tests for Comparing Machine Learning Algorithms</a:t>
             </a:r>
             <a:r>
-              <a:rPr lang="en-GB" sz="600" dirty="0">
-                <a:effectLst/>
-                <a:latin typeface="Calibri" panose="020F0502020204030204" pitchFamily="34" charset="0"/>
+              <a:rPr lang="en-GB" sz="700" dirty="0">
+                <a:effectLst/>
+                <a:latin typeface="Arial" panose="020B0604020202020204" pitchFamily="34" charset="0"/>
+                <a:cs typeface="Arial" panose="020B0604020202020204" pitchFamily="34" charset="0"/>
               </a:rPr>
               <a:t>. Machine Learning Mastery. https://machinelearningmastery.com/statistical-significance-tests-for-comparing-machine-learning-algorithms/?fbclid=IwAR331RX6HbXBnArXqhRSheTDiRWCnme5jZa5hEfPhYcebkR56HfRvlmsJEw</a:t>
             </a:r>
@@ -6342,35 +6422,40 @@
               </a:lnSpc>
             </a:pPr>
             <a:r>
-              <a:rPr lang="en-GB" sz="600" dirty="0">
-                <a:effectLst/>
-                <a:latin typeface="Calibri" panose="020F0502020204030204" pitchFamily="34" charset="0"/>
+              <a:rPr lang="en-GB" sz="700" dirty="0">
+                <a:effectLst/>
+                <a:latin typeface="Arial" panose="020B0604020202020204" pitchFamily="34" charset="0"/>
+                <a:cs typeface="Arial" panose="020B0604020202020204" pitchFamily="34" charset="0"/>
               </a:rPr>
               <a:t>Brownlee, J. (2019, August 8). </a:t>
             </a:r>
             <a:r>
-              <a:rPr lang="en-GB" sz="600" i="1" dirty="0">
-                <a:effectLst/>
-                <a:latin typeface="Calibri" panose="020F0502020204030204" pitchFamily="34" charset="0"/>
+              <a:rPr lang="en-GB" sz="700" i="1" dirty="0">
+                <a:effectLst/>
+                <a:latin typeface="Arial" panose="020B0604020202020204" pitchFamily="34" charset="0"/>
+                <a:cs typeface="Arial" panose="020B0604020202020204" pitchFamily="34" charset="0"/>
               </a:rPr>
               <a:t>A Gentle Introduction to Estimation Statistics for Machine Learning</a:t>
             </a:r>
             <a:r>
-              <a:rPr lang="en-GB" sz="600" dirty="0">
-                <a:effectLst/>
-                <a:latin typeface="Calibri" panose="020F0502020204030204" pitchFamily="34" charset="0"/>
+              <a:rPr lang="en-GB" sz="700" dirty="0">
+                <a:effectLst/>
+                <a:latin typeface="Arial" panose="020B0604020202020204" pitchFamily="34" charset="0"/>
+                <a:cs typeface="Arial" panose="020B0604020202020204" pitchFamily="34" charset="0"/>
               </a:rPr>
               <a:t>. Machine Learning Mastery. </a:t>
             </a:r>
             <a:r>
-              <a:rPr lang="en-GB" sz="600" dirty="0">
-                <a:latin typeface="Calibri" panose="020F0502020204030204" pitchFamily="34" charset="0"/>
+              <a:rPr lang="en-GB" sz="700" dirty="0">
+                <a:latin typeface="Arial" panose="020B0604020202020204" pitchFamily="34" charset="0"/>
+                <a:cs typeface="Arial" panose="020B0604020202020204" pitchFamily="34" charset="0"/>
               </a:rPr>
               <a:t>https://machinelearningmastery.com/estimation-statistics-for-machine-learning/?fbclid=IwAR0mdkFN_hFzvAtIinRey2LueMdUR8oAeQ3hX3pqz_UHHJBuc9-iwKEn_ug</a:t>
             </a:r>
-            <a:endParaRPr lang="en-GB" sz="600" dirty="0">
+            <a:endParaRPr lang="en-GB" sz="700" dirty="0">
               <a:effectLst/>
-              <a:latin typeface="Calibri" panose="020F0502020204030204" pitchFamily="34" charset="0"/>
+              <a:latin typeface="Arial" panose="020B0604020202020204" pitchFamily="34" charset="0"/>
+              <a:cs typeface="Arial" panose="020B0604020202020204" pitchFamily="34" charset="0"/>
             </a:endParaRPr>
           </a:p>
           <a:p>
@@ -6380,37 +6465,42 @@
               </a:lnSpc>
             </a:pPr>
             <a:r>
-              <a:rPr lang="en-GB" sz="600" dirty="0">
-                <a:effectLst/>
-                <a:latin typeface="Calibri" panose="020F0502020204030204" pitchFamily="34" charset="0"/>
+              <a:rPr lang="en-GB" sz="700" dirty="0">
+                <a:effectLst/>
+                <a:latin typeface="Arial" panose="020B0604020202020204" pitchFamily="34" charset="0"/>
+                <a:cs typeface="Arial" panose="020B0604020202020204" pitchFamily="34" charset="0"/>
               </a:rPr>
               <a:t>Srivastava, M. S., &amp; Du, M. (2008). A test for the mean vector with fewer observations than the dimension. </a:t>
             </a:r>
             <a:r>
-              <a:rPr lang="en-GB" sz="600" i="1" dirty="0">
-                <a:effectLst/>
-                <a:latin typeface="Calibri" panose="020F0502020204030204" pitchFamily="34" charset="0"/>
+              <a:rPr lang="en-GB" sz="700" i="1" dirty="0">
+                <a:effectLst/>
+                <a:latin typeface="Arial" panose="020B0604020202020204" pitchFamily="34" charset="0"/>
+                <a:cs typeface="Arial" panose="020B0604020202020204" pitchFamily="34" charset="0"/>
               </a:rPr>
               <a:t>Journal of Multivariate Analysis</a:t>
             </a:r>
             <a:r>
-              <a:rPr lang="en-GB" sz="600" dirty="0">
-                <a:effectLst/>
-                <a:latin typeface="Calibri" panose="020F0502020204030204" pitchFamily="34" charset="0"/>
+              <a:rPr lang="en-GB" sz="700" dirty="0">
+                <a:effectLst/>
+                <a:latin typeface="Arial" panose="020B0604020202020204" pitchFamily="34" charset="0"/>
+                <a:cs typeface="Arial" panose="020B0604020202020204" pitchFamily="34" charset="0"/>
               </a:rPr>
               <a:t>, </a:t>
             </a:r>
             <a:r>
-              <a:rPr lang="en-GB" sz="600" i="1" dirty="0">
-                <a:effectLst/>
-                <a:latin typeface="Calibri" panose="020F0502020204030204" pitchFamily="34" charset="0"/>
+              <a:rPr lang="en-GB" sz="700" i="1" dirty="0">
+                <a:effectLst/>
+                <a:latin typeface="Arial" panose="020B0604020202020204" pitchFamily="34" charset="0"/>
+                <a:cs typeface="Arial" panose="020B0604020202020204" pitchFamily="34" charset="0"/>
               </a:rPr>
               <a:t>99</a:t>
             </a:r>
             <a:r>
-              <a:rPr lang="en-GB" sz="600" dirty="0">
-                <a:effectLst/>
-                <a:latin typeface="Calibri" panose="020F0502020204030204" pitchFamily="34" charset="0"/>
+              <a:rPr lang="en-GB" sz="700" dirty="0">
+                <a:effectLst/>
+                <a:latin typeface="Arial" panose="020B0604020202020204" pitchFamily="34" charset="0"/>
+                <a:cs typeface="Arial" panose="020B0604020202020204" pitchFamily="34" charset="0"/>
               </a:rPr>
               <a:t>(3), 386–402. https://doi.org/10.1016/j.jmva.2006.11.002</a:t>
             </a:r>
@@ -6422,51 +6512,58 @@
               </a:lnSpc>
             </a:pPr>
             <a:r>
-              <a:rPr lang="en-GB" sz="600" dirty="0">
-                <a:effectLst/>
-                <a:latin typeface="Calibri" panose="020F0502020204030204" pitchFamily="34" charset="0"/>
+              <a:rPr lang="en-GB" sz="700" dirty="0">
+                <a:effectLst/>
+                <a:latin typeface="Arial" panose="020B0604020202020204" pitchFamily="34" charset="0"/>
+                <a:cs typeface="Arial" panose="020B0604020202020204" pitchFamily="34" charset="0"/>
               </a:rPr>
               <a:t>Srivastava, M. S. (2007). Multivariate Theory for </a:t>
             </a:r>
             <a:r>
-              <a:rPr lang="en-GB" sz="600" dirty="0" err="1">
-                <a:effectLst/>
-                <a:latin typeface="Calibri" panose="020F0502020204030204" pitchFamily="34" charset="0"/>
+              <a:rPr lang="en-GB" sz="700" dirty="0" err="1">
+                <a:effectLst/>
+                <a:latin typeface="Arial" panose="020B0604020202020204" pitchFamily="34" charset="0"/>
+                <a:cs typeface="Arial" panose="020B0604020202020204" pitchFamily="34" charset="0"/>
               </a:rPr>
               <a:t>Analyzing</a:t>
             </a:r>
             <a:r>
-              <a:rPr lang="en-GB" sz="600" dirty="0">
-                <a:effectLst/>
-                <a:latin typeface="Calibri" panose="020F0502020204030204" pitchFamily="34" charset="0"/>
+              <a:rPr lang="en-GB" sz="700" dirty="0">
+                <a:effectLst/>
+                <a:latin typeface="Arial" panose="020B0604020202020204" pitchFamily="34" charset="0"/>
+                <a:cs typeface="Arial" panose="020B0604020202020204" pitchFamily="34" charset="0"/>
               </a:rPr>
               <a:t> High Dimensional Data. </a:t>
             </a:r>
             <a:r>
-              <a:rPr lang="en-GB" sz="600" i="1" dirty="0">
-                <a:effectLst/>
-                <a:latin typeface="Calibri" panose="020F0502020204030204" pitchFamily="34" charset="0"/>
+              <a:rPr lang="en-GB" sz="700" i="1" dirty="0">
+                <a:effectLst/>
+                <a:latin typeface="Arial" panose="020B0604020202020204" pitchFamily="34" charset="0"/>
+                <a:cs typeface="Arial" panose="020B0604020202020204" pitchFamily="34" charset="0"/>
               </a:rPr>
               <a:t>JOURNAL OF THE JAPAN STATISTICAL SOCIETY</a:t>
             </a:r>
             <a:r>
-              <a:rPr lang="en-GB" sz="600" dirty="0">
-                <a:effectLst/>
-                <a:latin typeface="Calibri" panose="020F0502020204030204" pitchFamily="34" charset="0"/>
+              <a:rPr lang="en-GB" sz="700" dirty="0">
+                <a:effectLst/>
+                <a:latin typeface="Arial" panose="020B0604020202020204" pitchFamily="34" charset="0"/>
+                <a:cs typeface="Arial" panose="020B0604020202020204" pitchFamily="34" charset="0"/>
               </a:rPr>
               <a:t>, </a:t>
             </a:r>
             <a:r>
-              <a:rPr lang="en-GB" sz="600" i="1" dirty="0">
-                <a:effectLst/>
-                <a:latin typeface="Calibri" panose="020F0502020204030204" pitchFamily="34" charset="0"/>
+              <a:rPr lang="en-GB" sz="700" i="1" dirty="0">
+                <a:effectLst/>
+                <a:latin typeface="Arial" panose="020B0604020202020204" pitchFamily="34" charset="0"/>
+                <a:cs typeface="Arial" panose="020B0604020202020204" pitchFamily="34" charset="0"/>
               </a:rPr>
               <a:t>37</a:t>
             </a:r>
             <a:r>
-              <a:rPr lang="en-GB" sz="600" dirty="0">
-                <a:effectLst/>
-                <a:latin typeface="Calibri" panose="020F0502020204030204" pitchFamily="34" charset="0"/>
+              <a:rPr lang="en-GB" sz="700" dirty="0">
+                <a:effectLst/>
+                <a:latin typeface="Arial" panose="020B0604020202020204" pitchFamily="34" charset="0"/>
+                <a:cs typeface="Arial" panose="020B0604020202020204" pitchFamily="34" charset="0"/>
               </a:rPr>
               <a:t>(1), 53–86. https://doi.org/10.14490/jjss.37.53</a:t>
             </a:r>
@@ -6477,9 +6574,43 @@
                 <a:spcPct val="200000"/>
               </a:lnSpc>
             </a:pPr>
-            <a:endParaRPr lang="en-GB" sz="600" dirty="0">
+            <a:r>
+              <a:rPr lang="en-GB" sz="700" b="0" i="0" dirty="0">
+                <a:solidFill>
+                  <a:srgbClr val="222222"/>
+                </a:solidFill>
+                <a:effectLst/>
+                <a:latin typeface="Arial" panose="020B0604020202020204" pitchFamily="34" charset="0"/>
+                <a:cs typeface="Arial" panose="020B0604020202020204" pitchFamily="34" charset="0"/>
+              </a:rPr>
+              <a:t>Muller, K. E., &amp; Stewart, P. W. (2006). </a:t>
+            </a:r>
+            <a:r>
+              <a:rPr lang="en-GB" sz="700" b="0" i="1" dirty="0">
+                <a:solidFill>
+                  <a:srgbClr val="222222"/>
+                </a:solidFill>
+                <a:effectLst/>
+                <a:latin typeface="Arial" panose="020B0604020202020204" pitchFamily="34" charset="0"/>
+                <a:cs typeface="Arial" panose="020B0604020202020204" pitchFamily="34" charset="0"/>
+              </a:rPr>
+              <a:t>Linear model theory: univariate, multivariate, and mixed models</a:t>
+            </a:r>
+            <a:r>
+              <a:rPr lang="en-GB" sz="700" b="0" i="0" dirty="0">
+                <a:solidFill>
+                  <a:srgbClr val="222222"/>
+                </a:solidFill>
+                <a:effectLst/>
+                <a:latin typeface="Arial" panose="020B0604020202020204" pitchFamily="34" charset="0"/>
+                <a:cs typeface="Arial" panose="020B0604020202020204" pitchFamily="34" charset="0"/>
+              </a:rPr>
+              <a:t>. John Wiley &amp; Sons.</a:t>
+            </a:r>
+            <a:endParaRPr lang="en-GB" sz="700" dirty="0">
               <a:effectLst/>
-              <a:latin typeface="Calibri" panose="020F0502020204030204" pitchFamily="34" charset="0"/>
+              <a:latin typeface="Arial" panose="020B0604020202020204" pitchFamily="34" charset="0"/>
+              <a:cs typeface="Arial" panose="020B0604020202020204" pitchFamily="34" charset="0"/>
             </a:endParaRPr>
           </a:p>
           <a:p>
@@ -6491,8 +6622,8 @@
             </a:pPr>
             <a:endParaRPr lang="en-GB" sz="600" dirty="0">
               <a:effectLst/>
-              <a:latin typeface="Calibri" panose="020F0502020204030204" pitchFamily="34" charset="0"/>
-              <a:cs typeface="Calibri" panose="020F0502020204030204" pitchFamily="34" charset="0"/>
+              <a:latin typeface="Arial" panose="020B0604020202020204" pitchFamily="34" charset="0"/>
+              <a:cs typeface="Arial" panose="020B0604020202020204" pitchFamily="34" charset="0"/>
             </a:endParaRPr>
           </a:p>
           <a:p>
@@ -6503,8 +6634,8 @@
             </a:pPr>
             <a:endParaRPr lang="en-GB" sz="600" dirty="0">
               <a:effectLst/>
-              <a:latin typeface="Calibri" panose="020F0502020204030204" pitchFamily="34" charset="0"/>
-              <a:cs typeface="Calibri" panose="020F0502020204030204" pitchFamily="34" charset="0"/>
+              <a:latin typeface="Arial" panose="020B0604020202020204" pitchFamily="34" charset="0"/>
+              <a:cs typeface="Arial" panose="020B0604020202020204" pitchFamily="34" charset="0"/>
             </a:endParaRPr>
           </a:p>
           <a:p>
@@ -6515,8 +6646,8 @@
             </a:pPr>
             <a:endParaRPr lang="en-GB" sz="600" dirty="0">
               <a:effectLst/>
-              <a:latin typeface="Calibri" panose="020F0502020204030204" pitchFamily="34" charset="0"/>
-              <a:cs typeface="Calibri" panose="020F0502020204030204" pitchFamily="34" charset="0"/>
+              <a:latin typeface="Arial" panose="020B0604020202020204" pitchFamily="34" charset="0"/>
+              <a:cs typeface="Arial" panose="020B0604020202020204" pitchFamily="34" charset="0"/>
             </a:endParaRPr>
           </a:p>
           <a:p>
@@ -6527,8 +6658,8 @@
             </a:pPr>
             <a:endParaRPr lang="en-GB" sz="600" dirty="0">
               <a:effectLst/>
-              <a:latin typeface="Calibri" panose="020F0502020204030204" pitchFamily="34" charset="0"/>
-              <a:cs typeface="Calibri" panose="020F0502020204030204" pitchFamily="34" charset="0"/>
+              <a:latin typeface="Arial" panose="020B0604020202020204" pitchFamily="34" charset="0"/>
+              <a:cs typeface="Arial" panose="020B0604020202020204" pitchFamily="34" charset="0"/>
             </a:endParaRPr>
           </a:p>
           <a:p>
@@ -6539,8 +6670,8 @@
             </a:pPr>
             <a:endParaRPr lang="en-GB" sz="600" dirty="0">
               <a:effectLst/>
-              <a:latin typeface="Calibri" panose="020F0502020204030204" pitchFamily="34" charset="0"/>
-              <a:cs typeface="Calibri" panose="020F0502020204030204" pitchFamily="34" charset="0"/>
+              <a:latin typeface="Arial" panose="020B0604020202020204" pitchFamily="34" charset="0"/>
+              <a:cs typeface="Arial" panose="020B0604020202020204" pitchFamily="34" charset="0"/>
             </a:endParaRPr>
           </a:p>
           <a:p>
@@ -6548,8 +6679,8 @@
               <a:buNone/>
             </a:pPr>
             <a:endParaRPr lang="en-GB" sz="600" dirty="0">
-              <a:latin typeface="Calibri" panose="020F0502020204030204" pitchFamily="34" charset="0"/>
-              <a:cs typeface="Calibri" panose="020F0502020204030204" pitchFamily="34" charset="0"/>
+              <a:latin typeface="Arial" panose="020B0604020202020204" pitchFamily="34" charset="0"/>
+              <a:cs typeface="Arial" panose="020B0604020202020204" pitchFamily="34" charset="0"/>
             </a:endParaRPr>
           </a:p>
         </p:txBody>

--- a/Research Design & Proposal Writting/Assignment 2/c15311966_second_assignment.pptx
+++ b/Research Design & Proposal Writting/Assignment 2/c15311966_second_assignment.pptx
@@ -4280,7 +4280,7 @@
                 <a:latin typeface="Calibri" panose="020F0502020204030204" pitchFamily="34" charset="0"/>
                 <a:cs typeface="Calibri" panose="020F0502020204030204" pitchFamily="34" charset="0"/>
               </a:rPr>
-              <a:t>is that the data from Mind Research Network was properly prepared and filtered when extracted from MRI images as it was overseen by now a distinguished professor in his discipline among other experts. </a:t>
+              <a:t>is that the data from Mind Research Network was properly prepared and filtered when extracted from MRI images as it was overseen by now a distinguished professor in his discipline among other experts</a:t>
             </a:r>
           </a:p>
           <a:p>
@@ -4898,7 +4898,21 @@
                 <a:latin typeface="Calibri" panose="020F0502020204030204" pitchFamily="34" charset="0"/>
                 <a:cs typeface="Calibri" panose="020F0502020204030204" pitchFamily="34" charset="0"/>
               </a:rPr>
-              <a:t>If DWD is used to classify the class a patient belongs to using fMRI/FNC features and sMRI/SBM loadings, then on average a lower statistically significant F1 score, Log Loss, Categorical Cross entropy or AUC is expected compared to Support Vector Machine	</a:t>
+              <a:t>If DWD is used to classify the class a patient belongs to using fMRI/FNC features and sMRI/SBM loadings, then on average a lower statistically significant </a:t>
+            </a:r>
+            <a:r>
+              <a:rPr lang="en-US" sz="1800" i="1" dirty="0">
+                <a:latin typeface="Calibri" panose="020F0502020204030204" pitchFamily="34" charset="0"/>
+                <a:cs typeface="Calibri" panose="020F0502020204030204" pitchFamily="34" charset="0"/>
+              </a:rPr>
+              <a:t>p &lt; 0.05 </a:t>
+            </a:r>
+            <a:r>
+              <a:rPr lang="en-US" sz="1800" dirty="0">
+                <a:latin typeface="Calibri" panose="020F0502020204030204" pitchFamily="34" charset="0"/>
+                <a:cs typeface="Calibri" panose="020F0502020204030204" pitchFamily="34" charset="0"/>
+              </a:rPr>
+              <a:t>will be derived from F1 score, Log Loss, Categorical Cross entropy and AUC performance metrics tested using a MANOVA is expected when compared to Support Vector Machine trained on the same input data using sate of the art implementations of each respected algorithm.	</a:t>
             </a:r>
           </a:p>
           <a:p>
@@ -5086,18 +5100,25 @@
           </a:p>
           <a:p>
             <a:r>
+              <a:rPr lang="en-US" sz="2400" b="1" dirty="0">
+                <a:latin typeface="Calibri" panose="020F0502020204030204" pitchFamily="34" charset="0"/>
+                <a:cs typeface="Calibri" panose="020F0502020204030204" pitchFamily="34" charset="0"/>
+              </a:rPr>
+              <a:t>AIM</a:t>
+            </a:r>
+            <a:r>
               <a:rPr lang="en-US" sz="2400" dirty="0">
                 <a:latin typeface="Calibri" panose="020F0502020204030204" pitchFamily="34" charset="0"/>
                 <a:cs typeface="Calibri" panose="020F0502020204030204" pitchFamily="34" charset="0"/>
               </a:rPr>
-              <a:t>AIM: </a:t>
+              <a:t>: </a:t>
             </a:r>
             <a:r>
               <a:rPr lang="en-US" sz="2400" u="sng" dirty="0">
                 <a:latin typeface="Calibri" panose="020F0502020204030204" pitchFamily="34" charset="0"/>
                 <a:cs typeface="Calibri" panose="020F0502020204030204" pitchFamily="34" charset="0"/>
               </a:rPr>
-              <a:t>Derive the differences in classification performance and examine the differences between SVM and DWD implementations</a:t>
+              <a:t>To quantify the statistical differences in classification performance and compare state of the art implementations of SVM and DWD for HDLSS data</a:t>
             </a:r>
           </a:p>
           <a:p>
@@ -5296,7 +5317,7 @@
                 <a:latin typeface="Calibri" panose="020F0502020204030204" pitchFamily="34" charset="0"/>
                 <a:cs typeface="Calibri" panose="020F0502020204030204" pitchFamily="34" charset="0"/>
               </a:rPr>
-              <a:t>: After models have been built and metrics have been gathered into samples of x size, collect summary statistics using a box plot or a programmatic way to better understand distributions, using these descriptive statistics assess the distribution of each metric to pick the correct statistical test of significance – save data into .csv format</a:t>
+              <a:t>: After models have been built and metrics have been gathered into samples of x size, collect summary statistics python or R to better understand distributions, using these descriptive statistics assess the distribution of each metric further supported by visualizations such as box plots and histograms to pick the correct statistical test of significance – save data into .csv format</a:t>
             </a:r>
           </a:p>
           <a:p>
@@ -5315,19 +5336,8 @@
                 <a:latin typeface="Calibri" panose="020F0502020204030204" pitchFamily="34" charset="0"/>
                 <a:cs typeface="Calibri" panose="020F0502020204030204" pitchFamily="34" charset="0"/>
               </a:rPr>
-              <a:t>Using a Nonparametric tests such as a paired t-test - Wilcoxon singed-rank test to test the hypothesis is preferred albeit it holds less </a:t>
-            </a:r>
-            <a:r>
-              <a:rPr lang="en-GB" sz="2200">
-                <a:latin typeface="Calibri" panose="020F0502020204030204" pitchFamily="34" charset="0"/>
-                <a:cs typeface="Calibri" panose="020F0502020204030204" pitchFamily="34" charset="0"/>
-              </a:rPr>
-              <a:t>statistical power</a:t>
-            </a:r>
-            <a:endParaRPr lang="en-GB" sz="2200" dirty="0">
-              <a:latin typeface="Calibri" panose="020F0502020204030204" pitchFamily="34" charset="0"/>
-              <a:cs typeface="Calibri" panose="020F0502020204030204" pitchFamily="34" charset="0"/>
-            </a:endParaRPr>
+              <a:t>Using a Nonparametric tests such as a paired t-test - Wilcoxon singed-rank test to test the hypothesis is preferred albeit it holds less statistical power</a:t>
+            </a:r>
           </a:p>
           <a:p>
             <a:pPr lvl="1"/>
@@ -5336,7 +5346,7 @@
                 <a:latin typeface="Calibri" panose="020F0502020204030204" pitchFamily="34" charset="0"/>
                 <a:cs typeface="Calibri" panose="020F0502020204030204" pitchFamily="34" charset="0"/>
               </a:rPr>
-              <a:t>Alternatively estimation statistics can be used such as effect size, interval estimation, confidence intervals or meta analysis</a:t>
+              <a:t>Alternatively estimation statistics can be used such as effect size, interval estimation, confidence intervals or meta analysis that can be used to accept or reject the null hypothesis </a:t>
             </a:r>
             <a:endParaRPr lang="en-US" sz="2400" dirty="0">
               <a:latin typeface="Calibri" panose="020F0502020204030204" pitchFamily="34" charset="0"/>
@@ -5422,7 +5432,7 @@
                 <a:latin typeface="Calibri" panose="020F0502020204030204" pitchFamily="34" charset="0"/>
                 <a:cs typeface="Calibri" panose="020F0502020204030204" pitchFamily="34" charset="0"/>
               </a:rPr>
-              <a:t>More observations than variables – this seems to be the case here, general way HDLSS data used to be referred to before the term HDLSS was coined </a:t>
+              <a:t>More observations than variables – this seems to be the case here, seems like a general way to refer to data before the term HDLSS data was coined </a:t>
             </a:r>
           </a:p>
           <a:p>
@@ -5464,7 +5474,7 @@
                 <a:latin typeface="Calibri" panose="020F0502020204030204" pitchFamily="34" charset="0"/>
                 <a:cs typeface="Calibri" panose="020F0502020204030204" pitchFamily="34" charset="0"/>
               </a:rPr>
-              <a:t>There are other specialized alternatives, however more time needs to be allocated to identify a more suitable method/s</a:t>
+              <a:t>There are other specialized alternatives, however more time needs to be allocated to identify better suited method/s</a:t>
             </a:r>
             <a:endParaRPr lang="en-US" sz="2300" b="1" dirty="0">
               <a:latin typeface="Calibri" panose="020F0502020204030204" pitchFamily="34" charset="0"/>
@@ -5500,7 +5510,7 @@
                 <a:latin typeface="Calibri" panose="020F0502020204030204" pitchFamily="34" charset="0"/>
                 <a:cs typeface="Calibri" panose="020F0502020204030204" pitchFamily="34" charset="0"/>
               </a:rPr>
-              <a:t>, this information/approach is not available to me</a:t>
+              <a:t>, this information/approach is not available to me albeit most preferred </a:t>
             </a:r>
             <a:endParaRPr lang="en-US" sz="2300" b="1" dirty="0">
               <a:latin typeface="Calibri" panose="020F0502020204030204" pitchFamily="34" charset="0"/>
